--- a/AdvancedRxSwift/day4/AdvancedRxSwift4.pptx
+++ b/AdvancedRxSwift/day4/AdvancedRxSwift4.pptx
@@ -4031,11 +4031,7 @@
             </a:r>
             <a:r>
               <a:rPr lang="en-US" sz="4400" dirty="0" smtClean="0"/>
-              <a:t> Day </a:t>
-            </a:r>
-            <a:r>
-              <a:rPr lang="en-US" sz="4400" dirty="0" smtClean="0"/>
-              <a:t>4</a:t>
+              <a:t> Day 4</a:t>
             </a:r>
             <a:endParaRPr lang="en" sz="4400" dirty="0"/>
           </a:p>
@@ -4341,7 +4337,6 @@
               <a:rPr lang="en" dirty="0"/>
               <a:t>RxDataSources</a:t>
             </a:r>
-            <a:endParaRPr lang="en" dirty="0"/>
           </a:p>
         </p:txBody>
       </p:sp>
@@ -4655,6 +4650,73 @@
           </a:prstGeom>
         </p:spPr>
       </p:pic>
+      <p:sp>
+        <p:nvSpPr>
+          <p:cNvPr id="3" name="TextBox 2"/>
+          <p:cNvSpPr txBox="1"/>
+          <p:nvPr/>
+        </p:nvSpPr>
+        <p:spPr>
+          <a:xfrm>
+            <a:off x="1347552" y="2149844"/>
+            <a:ext cx="5360421" cy="738664"/>
+          </a:xfrm>
+          <a:prstGeom prst="rect">
+            <a:avLst/>
+          </a:prstGeom>
+          <a:noFill/>
+        </p:spPr>
+        <p:txBody>
+          <a:bodyPr wrap="none" rtlCol="0">
+            <a:spAutoFit/>
+          </a:bodyPr>
+          <a:lstStyle/>
+          <a:p>
+            <a:r>
+              <a:rPr lang="en-US" b="1" i="1" dirty="0">
+                <a:hlinkClick r:id="rId4"/>
+              </a:rPr>
+              <a:t>https://github.com/younghwankim/RxSwiftClass/tree/</a:t>
+            </a:r>
+            <a:r>
+              <a:rPr lang="en-US" b="1" i="1" dirty="0" smtClean="0">
+                <a:hlinkClick r:id="rId4"/>
+              </a:rPr>
+              <a:t>master</a:t>
+            </a:r>
+          </a:p>
+          <a:p>
+            <a:r>
+              <a:rPr lang="en-US" b="1" i="1" dirty="0" smtClean="0">
+                <a:hlinkClick r:id="rId4"/>
+              </a:rPr>
+              <a:t>/</a:t>
+            </a:r>
+            <a:r>
+              <a:rPr lang="en-US" b="1" i="1" dirty="0" err="1">
+                <a:hlinkClick r:id="rId4"/>
+              </a:rPr>
+              <a:t>AdvancedRxSwift</a:t>
+            </a:r>
+            <a:r>
+              <a:rPr lang="en-US" b="1" i="1" dirty="0">
+                <a:hlinkClick r:id="rId4"/>
+              </a:rPr>
+              <a:t>/day4/</a:t>
+            </a:r>
+            <a:r>
+              <a:rPr lang="en-US" b="1" i="1" dirty="0" err="1" smtClean="0">
+                <a:hlinkClick r:id="rId4"/>
+              </a:rPr>
+              <a:t>AdvancedTableView</a:t>
+            </a:r>
+            <a:endParaRPr lang="en-US" b="1" i="1" dirty="0" smtClean="0"/>
+          </a:p>
+          <a:p>
+            <a:endParaRPr lang="en-US" b="1" i="1" dirty="0" smtClean="0"/>
+          </a:p>
+        </p:txBody>
+      </p:sp>
     </p:spTree>
     <p:extLst>
       <p:ext uri="{BB962C8B-B14F-4D97-AF65-F5344CB8AC3E}">
@@ -5249,15 +5311,19 @@
             </a:r>
             <a:r>
               <a:rPr lang="en-US" b="1" dirty="0" smtClean="0"/>
-              <a:t> </a:t>
+              <a:t> Adding </a:t>
+            </a:r>
+            <a:r>
+              <a:rPr lang="en-US" b="1" dirty="0"/>
+              <a:t>a </a:t>
             </a:r>
             <a:r>
               <a:rPr lang="en-US" b="1" dirty="0" smtClean="0"/>
-              <a:t>Adding </a:t>
+              <a:t>Reactive Extension </a:t>
             </a:r>
             <a:r>
               <a:rPr lang="en-US" b="1" dirty="0"/>
-              <a:t>a reactive extension to Custom UI </a:t>
+              <a:t>to Custom UI </a:t>
             </a:r>
             <a:r>
               <a:rPr lang="en-US" b="1" dirty="0" smtClean="0"/>
@@ -5574,7 +5640,6 @@
               <a:rPr lang="en-US" dirty="0" smtClean="0"/>
               <a:t>)</a:t>
             </a:r>
-            <a:endParaRPr lang="en-US" dirty="0" smtClean="0"/>
           </a:p>
         </p:txBody>
       </p:sp>
@@ -6891,7 +6956,7 @@
         </p:nvSpPr>
         <p:spPr>
           <a:xfrm>
-            <a:off x="272617" y="1972903"/>
+            <a:off x="272617" y="1739498"/>
             <a:ext cx="8541258" cy="2308324"/>
           </a:xfrm>
           <a:prstGeom prst="rect">
@@ -7276,42 +7341,6 @@
               <a:t>}</a:t>
             </a:r>
             <a:endParaRPr lang="en-US" sz="1200" b="1" dirty="0" smtClean="0">
-              <a:latin typeface="Courier"/>
-              <a:cs typeface="Courier"/>
-            </a:endParaRPr>
-          </a:p>
-        </p:txBody>
-      </p:sp>
-      <p:sp>
-        <p:nvSpPr>
-          <p:cNvPr id="7" name="TextBox 6"/>
-          <p:cNvSpPr txBox="1"/>
-          <p:nvPr/>
-        </p:nvSpPr>
-        <p:spPr>
-          <a:xfrm>
-            <a:off x="272617" y="1410200"/>
-            <a:ext cx="2677978" cy="307777"/>
-          </a:xfrm>
-          <a:prstGeom prst="rect">
-            <a:avLst/>
-          </a:prstGeom>
-          <a:noFill/>
-        </p:spPr>
-        <p:txBody>
-          <a:bodyPr wrap="square" rtlCol="0">
-            <a:spAutoFit/>
-          </a:bodyPr>
-          <a:lstStyle/>
-          <a:p>
-            <a:r>
-              <a:rPr lang="en-US" b="1" dirty="0" smtClean="0">
-                <a:latin typeface="Courier"/>
-                <a:cs typeface="Courier"/>
-              </a:rPr>
-              <a:t>Custom Implementation</a:t>
-            </a:r>
-            <a:endParaRPr lang="en-US" b="1" dirty="0" smtClean="0">
               <a:latin typeface="Courier"/>
               <a:cs typeface="Courier"/>
             </a:endParaRPr>

--- a/AdvancedRxSwift/day4/AdvancedRxSwift4.pptx
+++ b/AdvancedRxSwift/day4/AdvancedRxSwift4.pptx
@@ -5292,7 +5292,15 @@
             </a:r>
             <a:r>
               <a:rPr lang="en-US" dirty="0" smtClean="0"/>
-              <a:t>Binding Track Activity (show / hide ‘Loading’ )</a:t>
+              <a:t>Binding Track Activity (show / hide ‘Loading</a:t>
+            </a:r>
+            <a:r>
+              <a:rPr lang="en-US" smtClean="0"/>
+              <a:t>’ </a:t>
+            </a:r>
+            <a:r>
+              <a:rPr lang="en-US"/>
+              <a:t>), Scan Operator</a:t>
             </a:r>
             <a:endParaRPr lang="en-US" dirty="0"/>
           </a:p>

--- a/AdvancedRxSwift/day4/AdvancedRxSwift4.pptx
+++ b/AdvancedRxSwift/day4/AdvancedRxSwift4.pptx
@@ -5,20 +5,27 @@
     <p:sldMasterId id="2147483657" r:id="rId1"/>
   </p:sldMasterIdLst>
   <p:notesMasterIdLst>
-    <p:notesMasterId r:id="rId13"/>
+    <p:notesMasterId r:id="rId20"/>
   </p:notesMasterIdLst>
   <p:sldIdLst>
     <p:sldId id="256" r:id="rId2"/>
     <p:sldId id="349" r:id="rId3"/>
     <p:sldId id="350" r:id="rId4"/>
     <p:sldId id="344" r:id="rId5"/>
-    <p:sldId id="362" r:id="rId6"/>
-    <p:sldId id="361" r:id="rId7"/>
-    <p:sldId id="363" r:id="rId8"/>
-    <p:sldId id="364" r:id="rId9"/>
-    <p:sldId id="365" r:id="rId10"/>
-    <p:sldId id="366" r:id="rId11"/>
-    <p:sldId id="367" r:id="rId12"/>
+    <p:sldId id="368" r:id="rId6"/>
+    <p:sldId id="369" r:id="rId7"/>
+    <p:sldId id="362" r:id="rId8"/>
+    <p:sldId id="370" r:id="rId9"/>
+    <p:sldId id="371" r:id="rId10"/>
+    <p:sldId id="372" r:id="rId11"/>
+    <p:sldId id="373" r:id="rId12"/>
+    <p:sldId id="374" r:id="rId13"/>
+    <p:sldId id="361" r:id="rId14"/>
+    <p:sldId id="363" r:id="rId15"/>
+    <p:sldId id="364" r:id="rId16"/>
+    <p:sldId id="365" r:id="rId17"/>
+    <p:sldId id="366" r:id="rId18"/>
+    <p:sldId id="367" r:id="rId19"/>
   </p:sldIdLst>
   <p:sldSz cx="9144000" cy="5143500" type="screen16x9"/>
   <p:notesSz cx="6858000" cy="9144000"/>
@@ -710,6 +717,713 @@
 </file>
 
 <file path=ppt/notesSlides/notesSlide11.xml><?xml version="1.0" encoding="utf-8"?>
+<p:notes xmlns:a="http://schemas.openxmlformats.org/drawingml/2006/main" xmlns:r="http://schemas.openxmlformats.org/officeDocument/2006/relationships" xmlns:p="http://schemas.openxmlformats.org/presentationml/2006/main" showMasterSp="0" showMasterPhAnim="0">
+  <p:cSld>
+    <p:spTree>
+      <p:nvGrpSpPr>
+        <p:cNvPr id="1" name="Shape 185"/>
+        <p:cNvGrpSpPr/>
+        <p:nvPr/>
+      </p:nvGrpSpPr>
+      <p:grpSpPr>
+        <a:xfrm>
+          <a:off x="0" y="0"/>
+          <a:ext cx="0" cy="0"/>
+          <a:chOff x="0" y="0"/>
+          <a:chExt cx="0" cy="0"/>
+        </a:xfrm>
+      </p:grpSpPr>
+      <p:sp>
+        <p:nvSpPr>
+          <p:cNvPr id="186" name="Shape 186"/>
+          <p:cNvSpPr>
+            <a:spLocks noGrp="1" noRot="1" noChangeAspect="1"/>
+          </p:cNvSpPr>
+          <p:nvPr>
+            <p:ph type="sldImg" idx="2"/>
+          </p:nvPr>
+        </p:nvSpPr>
+        <p:spPr>
+          <a:xfrm>
+            <a:off x="381000" y="685800"/>
+            <a:ext cx="6096000" cy="3429000"/>
+          </a:xfrm>
+          <a:custGeom>
+            <a:avLst/>
+            <a:gdLst/>
+            <a:ahLst/>
+            <a:cxnLst/>
+            <a:rect l="0" t="0" r="0" b="0"/>
+            <a:pathLst>
+              <a:path w="120000" h="120000" extrusionOk="0">
+                <a:moveTo>
+                  <a:pt x="0" y="0"/>
+                </a:moveTo>
+                <a:lnTo>
+                  <a:pt x="120000" y="0"/>
+                </a:lnTo>
+                <a:lnTo>
+                  <a:pt x="120000" y="120000"/>
+                </a:lnTo>
+                <a:lnTo>
+                  <a:pt x="0" y="120000"/>
+                </a:lnTo>
+                <a:close/>
+              </a:path>
+            </a:pathLst>
+          </a:custGeom>
+        </p:spPr>
+      </p:sp>
+      <p:sp>
+        <p:nvSpPr>
+          <p:cNvPr id="187" name="Shape 187"/>
+          <p:cNvSpPr txBox="1">
+            <a:spLocks noGrp="1"/>
+          </p:cNvSpPr>
+          <p:nvPr>
+            <p:ph type="body" idx="1"/>
+          </p:nvPr>
+        </p:nvSpPr>
+        <p:spPr>
+          <a:xfrm>
+            <a:off x="685800" y="4343400"/>
+            <a:ext cx="5486400" cy="4114800"/>
+          </a:xfrm>
+          <a:prstGeom prst="rect">
+            <a:avLst/>
+          </a:prstGeom>
+        </p:spPr>
+        <p:txBody>
+          <a:bodyPr wrap="square" lIns="91425" tIns="91425" rIns="91425" bIns="91425" anchor="t" anchorCtr="0">
+            <a:noAutofit/>
+          </a:bodyPr>
+          <a:lstStyle/>
+          <a:p>
+            <a:pPr lvl="0">
+              <a:spcBef>
+                <a:spcPts val="0"/>
+              </a:spcBef>
+              <a:buNone/>
+            </a:pPr>
+            <a:endParaRPr/>
+          </a:p>
+        </p:txBody>
+      </p:sp>
+    </p:spTree>
+  </p:cSld>
+  <p:clrMapOvr>
+    <a:masterClrMapping/>
+  </p:clrMapOvr>
+</p:notes>
+</file>
+
+<file path=ppt/notesSlides/notesSlide12.xml><?xml version="1.0" encoding="utf-8"?>
+<p:notes xmlns:a="http://schemas.openxmlformats.org/drawingml/2006/main" xmlns:r="http://schemas.openxmlformats.org/officeDocument/2006/relationships" xmlns:p="http://schemas.openxmlformats.org/presentationml/2006/main" showMasterSp="0" showMasterPhAnim="0">
+  <p:cSld>
+    <p:spTree>
+      <p:nvGrpSpPr>
+        <p:cNvPr id="1" name="Shape 185"/>
+        <p:cNvGrpSpPr/>
+        <p:nvPr/>
+      </p:nvGrpSpPr>
+      <p:grpSpPr>
+        <a:xfrm>
+          <a:off x="0" y="0"/>
+          <a:ext cx="0" cy="0"/>
+          <a:chOff x="0" y="0"/>
+          <a:chExt cx="0" cy="0"/>
+        </a:xfrm>
+      </p:grpSpPr>
+      <p:sp>
+        <p:nvSpPr>
+          <p:cNvPr id="186" name="Shape 186"/>
+          <p:cNvSpPr>
+            <a:spLocks noGrp="1" noRot="1" noChangeAspect="1"/>
+          </p:cNvSpPr>
+          <p:nvPr>
+            <p:ph type="sldImg" idx="2"/>
+          </p:nvPr>
+        </p:nvSpPr>
+        <p:spPr>
+          <a:xfrm>
+            <a:off x="381000" y="685800"/>
+            <a:ext cx="6096000" cy="3429000"/>
+          </a:xfrm>
+          <a:custGeom>
+            <a:avLst/>
+            <a:gdLst/>
+            <a:ahLst/>
+            <a:cxnLst/>
+            <a:rect l="0" t="0" r="0" b="0"/>
+            <a:pathLst>
+              <a:path w="120000" h="120000" extrusionOk="0">
+                <a:moveTo>
+                  <a:pt x="0" y="0"/>
+                </a:moveTo>
+                <a:lnTo>
+                  <a:pt x="120000" y="0"/>
+                </a:lnTo>
+                <a:lnTo>
+                  <a:pt x="120000" y="120000"/>
+                </a:lnTo>
+                <a:lnTo>
+                  <a:pt x="0" y="120000"/>
+                </a:lnTo>
+                <a:close/>
+              </a:path>
+            </a:pathLst>
+          </a:custGeom>
+        </p:spPr>
+      </p:sp>
+      <p:sp>
+        <p:nvSpPr>
+          <p:cNvPr id="187" name="Shape 187"/>
+          <p:cNvSpPr txBox="1">
+            <a:spLocks noGrp="1"/>
+          </p:cNvSpPr>
+          <p:nvPr>
+            <p:ph type="body" idx="1"/>
+          </p:nvPr>
+        </p:nvSpPr>
+        <p:spPr>
+          <a:xfrm>
+            <a:off x="685800" y="4343400"/>
+            <a:ext cx="5486400" cy="4114800"/>
+          </a:xfrm>
+          <a:prstGeom prst="rect">
+            <a:avLst/>
+          </a:prstGeom>
+        </p:spPr>
+        <p:txBody>
+          <a:bodyPr wrap="square" lIns="91425" tIns="91425" rIns="91425" bIns="91425" anchor="t" anchorCtr="0">
+            <a:noAutofit/>
+          </a:bodyPr>
+          <a:lstStyle/>
+          <a:p>
+            <a:pPr lvl="0">
+              <a:spcBef>
+                <a:spcPts val="0"/>
+              </a:spcBef>
+              <a:buNone/>
+            </a:pPr>
+            <a:endParaRPr/>
+          </a:p>
+        </p:txBody>
+      </p:sp>
+    </p:spTree>
+  </p:cSld>
+  <p:clrMapOvr>
+    <a:masterClrMapping/>
+  </p:clrMapOvr>
+</p:notes>
+</file>
+
+<file path=ppt/notesSlides/notesSlide13.xml><?xml version="1.0" encoding="utf-8"?>
+<p:notes xmlns:a="http://schemas.openxmlformats.org/drawingml/2006/main" xmlns:r="http://schemas.openxmlformats.org/officeDocument/2006/relationships" xmlns:p="http://schemas.openxmlformats.org/presentationml/2006/main" showMasterSp="0" showMasterPhAnim="0">
+  <p:cSld>
+    <p:spTree>
+      <p:nvGrpSpPr>
+        <p:cNvPr id="1" name="Shape 185"/>
+        <p:cNvGrpSpPr/>
+        <p:nvPr/>
+      </p:nvGrpSpPr>
+      <p:grpSpPr>
+        <a:xfrm>
+          <a:off x="0" y="0"/>
+          <a:ext cx="0" cy="0"/>
+          <a:chOff x="0" y="0"/>
+          <a:chExt cx="0" cy="0"/>
+        </a:xfrm>
+      </p:grpSpPr>
+      <p:sp>
+        <p:nvSpPr>
+          <p:cNvPr id="186" name="Shape 186"/>
+          <p:cNvSpPr>
+            <a:spLocks noGrp="1" noRot="1" noChangeAspect="1"/>
+          </p:cNvSpPr>
+          <p:nvPr>
+            <p:ph type="sldImg" idx="2"/>
+          </p:nvPr>
+        </p:nvSpPr>
+        <p:spPr>
+          <a:xfrm>
+            <a:off x="381000" y="685800"/>
+            <a:ext cx="6096000" cy="3429000"/>
+          </a:xfrm>
+          <a:custGeom>
+            <a:avLst/>
+            <a:gdLst/>
+            <a:ahLst/>
+            <a:cxnLst/>
+            <a:rect l="0" t="0" r="0" b="0"/>
+            <a:pathLst>
+              <a:path w="120000" h="120000" extrusionOk="0">
+                <a:moveTo>
+                  <a:pt x="0" y="0"/>
+                </a:moveTo>
+                <a:lnTo>
+                  <a:pt x="120000" y="0"/>
+                </a:lnTo>
+                <a:lnTo>
+                  <a:pt x="120000" y="120000"/>
+                </a:lnTo>
+                <a:lnTo>
+                  <a:pt x="0" y="120000"/>
+                </a:lnTo>
+                <a:close/>
+              </a:path>
+            </a:pathLst>
+          </a:custGeom>
+        </p:spPr>
+      </p:sp>
+      <p:sp>
+        <p:nvSpPr>
+          <p:cNvPr id="187" name="Shape 187"/>
+          <p:cNvSpPr txBox="1">
+            <a:spLocks noGrp="1"/>
+          </p:cNvSpPr>
+          <p:nvPr>
+            <p:ph type="body" idx="1"/>
+          </p:nvPr>
+        </p:nvSpPr>
+        <p:spPr>
+          <a:xfrm>
+            <a:off x="685800" y="4343400"/>
+            <a:ext cx="5486400" cy="4114800"/>
+          </a:xfrm>
+          <a:prstGeom prst="rect">
+            <a:avLst/>
+          </a:prstGeom>
+        </p:spPr>
+        <p:txBody>
+          <a:bodyPr wrap="square" lIns="91425" tIns="91425" rIns="91425" bIns="91425" anchor="t" anchorCtr="0">
+            <a:noAutofit/>
+          </a:bodyPr>
+          <a:lstStyle/>
+          <a:p>
+            <a:pPr lvl="0">
+              <a:spcBef>
+                <a:spcPts val="0"/>
+              </a:spcBef>
+              <a:buNone/>
+            </a:pPr>
+            <a:endParaRPr/>
+          </a:p>
+        </p:txBody>
+      </p:sp>
+    </p:spTree>
+  </p:cSld>
+  <p:clrMapOvr>
+    <a:masterClrMapping/>
+  </p:clrMapOvr>
+</p:notes>
+</file>
+
+<file path=ppt/notesSlides/notesSlide14.xml><?xml version="1.0" encoding="utf-8"?>
+<p:notes xmlns:a="http://schemas.openxmlformats.org/drawingml/2006/main" xmlns:r="http://schemas.openxmlformats.org/officeDocument/2006/relationships" xmlns:p="http://schemas.openxmlformats.org/presentationml/2006/main" showMasterSp="0" showMasterPhAnim="0">
+  <p:cSld>
+    <p:spTree>
+      <p:nvGrpSpPr>
+        <p:cNvPr id="1" name="Shape 185"/>
+        <p:cNvGrpSpPr/>
+        <p:nvPr/>
+      </p:nvGrpSpPr>
+      <p:grpSpPr>
+        <a:xfrm>
+          <a:off x="0" y="0"/>
+          <a:ext cx="0" cy="0"/>
+          <a:chOff x="0" y="0"/>
+          <a:chExt cx="0" cy="0"/>
+        </a:xfrm>
+      </p:grpSpPr>
+      <p:sp>
+        <p:nvSpPr>
+          <p:cNvPr id="186" name="Shape 186"/>
+          <p:cNvSpPr>
+            <a:spLocks noGrp="1" noRot="1" noChangeAspect="1"/>
+          </p:cNvSpPr>
+          <p:nvPr>
+            <p:ph type="sldImg" idx="2"/>
+          </p:nvPr>
+        </p:nvSpPr>
+        <p:spPr>
+          <a:xfrm>
+            <a:off x="381000" y="685800"/>
+            <a:ext cx="6096000" cy="3429000"/>
+          </a:xfrm>
+          <a:custGeom>
+            <a:avLst/>
+            <a:gdLst/>
+            <a:ahLst/>
+            <a:cxnLst/>
+            <a:rect l="0" t="0" r="0" b="0"/>
+            <a:pathLst>
+              <a:path w="120000" h="120000" extrusionOk="0">
+                <a:moveTo>
+                  <a:pt x="0" y="0"/>
+                </a:moveTo>
+                <a:lnTo>
+                  <a:pt x="120000" y="0"/>
+                </a:lnTo>
+                <a:lnTo>
+                  <a:pt x="120000" y="120000"/>
+                </a:lnTo>
+                <a:lnTo>
+                  <a:pt x="0" y="120000"/>
+                </a:lnTo>
+                <a:close/>
+              </a:path>
+            </a:pathLst>
+          </a:custGeom>
+        </p:spPr>
+      </p:sp>
+      <p:sp>
+        <p:nvSpPr>
+          <p:cNvPr id="187" name="Shape 187"/>
+          <p:cNvSpPr txBox="1">
+            <a:spLocks noGrp="1"/>
+          </p:cNvSpPr>
+          <p:nvPr>
+            <p:ph type="body" idx="1"/>
+          </p:nvPr>
+        </p:nvSpPr>
+        <p:spPr>
+          <a:xfrm>
+            <a:off x="685800" y="4343400"/>
+            <a:ext cx="5486400" cy="4114800"/>
+          </a:xfrm>
+          <a:prstGeom prst="rect">
+            <a:avLst/>
+          </a:prstGeom>
+        </p:spPr>
+        <p:txBody>
+          <a:bodyPr wrap="square" lIns="91425" tIns="91425" rIns="91425" bIns="91425" anchor="t" anchorCtr="0">
+            <a:noAutofit/>
+          </a:bodyPr>
+          <a:lstStyle/>
+          <a:p>
+            <a:pPr lvl="0">
+              <a:spcBef>
+                <a:spcPts val="0"/>
+              </a:spcBef>
+              <a:buNone/>
+            </a:pPr>
+            <a:endParaRPr/>
+          </a:p>
+        </p:txBody>
+      </p:sp>
+    </p:spTree>
+  </p:cSld>
+  <p:clrMapOvr>
+    <a:masterClrMapping/>
+  </p:clrMapOvr>
+</p:notes>
+</file>
+
+<file path=ppt/notesSlides/notesSlide15.xml><?xml version="1.0" encoding="utf-8"?>
+<p:notes xmlns:a="http://schemas.openxmlformats.org/drawingml/2006/main" xmlns:r="http://schemas.openxmlformats.org/officeDocument/2006/relationships" xmlns:p="http://schemas.openxmlformats.org/presentationml/2006/main" showMasterSp="0" showMasterPhAnim="0">
+  <p:cSld>
+    <p:spTree>
+      <p:nvGrpSpPr>
+        <p:cNvPr id="1" name="Shape 185"/>
+        <p:cNvGrpSpPr/>
+        <p:nvPr/>
+      </p:nvGrpSpPr>
+      <p:grpSpPr>
+        <a:xfrm>
+          <a:off x="0" y="0"/>
+          <a:ext cx="0" cy="0"/>
+          <a:chOff x="0" y="0"/>
+          <a:chExt cx="0" cy="0"/>
+        </a:xfrm>
+      </p:grpSpPr>
+      <p:sp>
+        <p:nvSpPr>
+          <p:cNvPr id="186" name="Shape 186"/>
+          <p:cNvSpPr>
+            <a:spLocks noGrp="1" noRot="1" noChangeAspect="1"/>
+          </p:cNvSpPr>
+          <p:nvPr>
+            <p:ph type="sldImg" idx="2"/>
+          </p:nvPr>
+        </p:nvSpPr>
+        <p:spPr>
+          <a:xfrm>
+            <a:off x="381000" y="685800"/>
+            <a:ext cx="6096000" cy="3429000"/>
+          </a:xfrm>
+          <a:custGeom>
+            <a:avLst/>
+            <a:gdLst/>
+            <a:ahLst/>
+            <a:cxnLst/>
+            <a:rect l="0" t="0" r="0" b="0"/>
+            <a:pathLst>
+              <a:path w="120000" h="120000" extrusionOk="0">
+                <a:moveTo>
+                  <a:pt x="0" y="0"/>
+                </a:moveTo>
+                <a:lnTo>
+                  <a:pt x="120000" y="0"/>
+                </a:lnTo>
+                <a:lnTo>
+                  <a:pt x="120000" y="120000"/>
+                </a:lnTo>
+                <a:lnTo>
+                  <a:pt x="0" y="120000"/>
+                </a:lnTo>
+                <a:close/>
+              </a:path>
+            </a:pathLst>
+          </a:custGeom>
+        </p:spPr>
+      </p:sp>
+      <p:sp>
+        <p:nvSpPr>
+          <p:cNvPr id="187" name="Shape 187"/>
+          <p:cNvSpPr txBox="1">
+            <a:spLocks noGrp="1"/>
+          </p:cNvSpPr>
+          <p:nvPr>
+            <p:ph type="body" idx="1"/>
+          </p:nvPr>
+        </p:nvSpPr>
+        <p:spPr>
+          <a:xfrm>
+            <a:off x="685800" y="4343400"/>
+            <a:ext cx="5486400" cy="4114800"/>
+          </a:xfrm>
+          <a:prstGeom prst="rect">
+            <a:avLst/>
+          </a:prstGeom>
+        </p:spPr>
+        <p:txBody>
+          <a:bodyPr wrap="square" lIns="91425" tIns="91425" rIns="91425" bIns="91425" anchor="t" anchorCtr="0">
+            <a:noAutofit/>
+          </a:bodyPr>
+          <a:lstStyle/>
+          <a:p>
+            <a:pPr lvl="0">
+              <a:spcBef>
+                <a:spcPts val="0"/>
+              </a:spcBef>
+              <a:buNone/>
+            </a:pPr>
+            <a:endParaRPr/>
+          </a:p>
+        </p:txBody>
+      </p:sp>
+    </p:spTree>
+  </p:cSld>
+  <p:clrMapOvr>
+    <a:masterClrMapping/>
+  </p:clrMapOvr>
+</p:notes>
+</file>
+
+<file path=ppt/notesSlides/notesSlide16.xml><?xml version="1.0" encoding="utf-8"?>
+<p:notes xmlns:a="http://schemas.openxmlformats.org/drawingml/2006/main" xmlns:r="http://schemas.openxmlformats.org/officeDocument/2006/relationships" xmlns:p="http://schemas.openxmlformats.org/presentationml/2006/main" showMasterSp="0" showMasterPhAnim="0">
+  <p:cSld>
+    <p:spTree>
+      <p:nvGrpSpPr>
+        <p:cNvPr id="1" name="Shape 185"/>
+        <p:cNvGrpSpPr/>
+        <p:nvPr/>
+      </p:nvGrpSpPr>
+      <p:grpSpPr>
+        <a:xfrm>
+          <a:off x="0" y="0"/>
+          <a:ext cx="0" cy="0"/>
+          <a:chOff x="0" y="0"/>
+          <a:chExt cx="0" cy="0"/>
+        </a:xfrm>
+      </p:grpSpPr>
+      <p:sp>
+        <p:nvSpPr>
+          <p:cNvPr id="186" name="Shape 186"/>
+          <p:cNvSpPr>
+            <a:spLocks noGrp="1" noRot="1" noChangeAspect="1"/>
+          </p:cNvSpPr>
+          <p:nvPr>
+            <p:ph type="sldImg" idx="2"/>
+          </p:nvPr>
+        </p:nvSpPr>
+        <p:spPr>
+          <a:xfrm>
+            <a:off x="381000" y="685800"/>
+            <a:ext cx="6096000" cy="3429000"/>
+          </a:xfrm>
+          <a:custGeom>
+            <a:avLst/>
+            <a:gdLst/>
+            <a:ahLst/>
+            <a:cxnLst/>
+            <a:rect l="0" t="0" r="0" b="0"/>
+            <a:pathLst>
+              <a:path w="120000" h="120000" extrusionOk="0">
+                <a:moveTo>
+                  <a:pt x="0" y="0"/>
+                </a:moveTo>
+                <a:lnTo>
+                  <a:pt x="120000" y="0"/>
+                </a:lnTo>
+                <a:lnTo>
+                  <a:pt x="120000" y="120000"/>
+                </a:lnTo>
+                <a:lnTo>
+                  <a:pt x="0" y="120000"/>
+                </a:lnTo>
+                <a:close/>
+              </a:path>
+            </a:pathLst>
+          </a:custGeom>
+        </p:spPr>
+      </p:sp>
+      <p:sp>
+        <p:nvSpPr>
+          <p:cNvPr id="187" name="Shape 187"/>
+          <p:cNvSpPr txBox="1">
+            <a:spLocks noGrp="1"/>
+          </p:cNvSpPr>
+          <p:nvPr>
+            <p:ph type="body" idx="1"/>
+          </p:nvPr>
+        </p:nvSpPr>
+        <p:spPr>
+          <a:xfrm>
+            <a:off x="685800" y="4343400"/>
+            <a:ext cx="5486400" cy="4114800"/>
+          </a:xfrm>
+          <a:prstGeom prst="rect">
+            <a:avLst/>
+          </a:prstGeom>
+        </p:spPr>
+        <p:txBody>
+          <a:bodyPr wrap="square" lIns="91425" tIns="91425" rIns="91425" bIns="91425" anchor="t" anchorCtr="0">
+            <a:noAutofit/>
+          </a:bodyPr>
+          <a:lstStyle/>
+          <a:p>
+            <a:pPr lvl="0">
+              <a:spcBef>
+                <a:spcPts val="0"/>
+              </a:spcBef>
+              <a:buNone/>
+            </a:pPr>
+            <a:endParaRPr/>
+          </a:p>
+        </p:txBody>
+      </p:sp>
+    </p:spTree>
+  </p:cSld>
+  <p:clrMapOvr>
+    <a:masterClrMapping/>
+  </p:clrMapOvr>
+</p:notes>
+</file>
+
+<file path=ppt/notesSlides/notesSlide17.xml><?xml version="1.0" encoding="utf-8"?>
+<p:notes xmlns:a="http://schemas.openxmlformats.org/drawingml/2006/main" xmlns:r="http://schemas.openxmlformats.org/officeDocument/2006/relationships" xmlns:p="http://schemas.openxmlformats.org/presentationml/2006/main" showMasterSp="0" showMasterPhAnim="0">
+  <p:cSld>
+    <p:spTree>
+      <p:nvGrpSpPr>
+        <p:cNvPr id="1" name="Shape 185"/>
+        <p:cNvGrpSpPr/>
+        <p:nvPr/>
+      </p:nvGrpSpPr>
+      <p:grpSpPr>
+        <a:xfrm>
+          <a:off x="0" y="0"/>
+          <a:ext cx="0" cy="0"/>
+          <a:chOff x="0" y="0"/>
+          <a:chExt cx="0" cy="0"/>
+        </a:xfrm>
+      </p:grpSpPr>
+      <p:sp>
+        <p:nvSpPr>
+          <p:cNvPr id="186" name="Shape 186"/>
+          <p:cNvSpPr>
+            <a:spLocks noGrp="1" noRot="1" noChangeAspect="1"/>
+          </p:cNvSpPr>
+          <p:nvPr>
+            <p:ph type="sldImg" idx="2"/>
+          </p:nvPr>
+        </p:nvSpPr>
+        <p:spPr>
+          <a:xfrm>
+            <a:off x="381000" y="685800"/>
+            <a:ext cx="6096000" cy="3429000"/>
+          </a:xfrm>
+          <a:custGeom>
+            <a:avLst/>
+            <a:gdLst/>
+            <a:ahLst/>
+            <a:cxnLst/>
+            <a:rect l="0" t="0" r="0" b="0"/>
+            <a:pathLst>
+              <a:path w="120000" h="120000" extrusionOk="0">
+                <a:moveTo>
+                  <a:pt x="0" y="0"/>
+                </a:moveTo>
+                <a:lnTo>
+                  <a:pt x="120000" y="0"/>
+                </a:lnTo>
+                <a:lnTo>
+                  <a:pt x="120000" y="120000"/>
+                </a:lnTo>
+                <a:lnTo>
+                  <a:pt x="0" y="120000"/>
+                </a:lnTo>
+                <a:close/>
+              </a:path>
+            </a:pathLst>
+          </a:custGeom>
+        </p:spPr>
+      </p:sp>
+      <p:sp>
+        <p:nvSpPr>
+          <p:cNvPr id="187" name="Shape 187"/>
+          <p:cNvSpPr txBox="1">
+            <a:spLocks noGrp="1"/>
+          </p:cNvSpPr>
+          <p:nvPr>
+            <p:ph type="body" idx="1"/>
+          </p:nvPr>
+        </p:nvSpPr>
+        <p:spPr>
+          <a:xfrm>
+            <a:off x="685800" y="4343400"/>
+            <a:ext cx="5486400" cy="4114800"/>
+          </a:xfrm>
+          <a:prstGeom prst="rect">
+            <a:avLst/>
+          </a:prstGeom>
+        </p:spPr>
+        <p:txBody>
+          <a:bodyPr wrap="square" lIns="91425" tIns="91425" rIns="91425" bIns="91425" anchor="t" anchorCtr="0">
+            <a:noAutofit/>
+          </a:bodyPr>
+          <a:lstStyle/>
+          <a:p>
+            <a:pPr lvl="0">
+              <a:spcBef>
+                <a:spcPts val="0"/>
+              </a:spcBef>
+              <a:buNone/>
+            </a:pPr>
+            <a:endParaRPr/>
+          </a:p>
+        </p:txBody>
+      </p:sp>
+    </p:spTree>
+  </p:cSld>
+  <p:clrMapOvr>
+    <a:masterClrMapping/>
+  </p:clrMapOvr>
+</p:notes>
+</file>
+
+<file path=ppt/notesSlides/notesSlide18.xml><?xml version="1.0" encoding="utf-8"?>
 <p:notes xmlns:a="http://schemas.openxmlformats.org/drawingml/2006/main" xmlns:r="http://schemas.openxmlformats.org/officeDocument/2006/relationships" xmlns:p="http://schemas.openxmlformats.org/presentationml/2006/main" showMasterSp="0" showMasterPhAnim="0">
   <p:cSld>
     <p:spTree>
@@ -4332,11 +5046,17 @@
           </a:bodyPr>
           <a:lstStyle/>
           <a:p>
-            <a:pPr lvl="0"/>
-            <a:r>
-              <a:rPr lang="en" dirty="0"/>
-              <a:t>RxDataSources</a:t>
-            </a:r>
+            <a:pPr lvl="0" rtl="0">
+              <a:spcBef>
+                <a:spcPts val="0"/>
+              </a:spcBef>
+              <a:buNone/>
+            </a:pPr>
+            <a:r>
+              <a:rPr lang="en-US" dirty="0" smtClean="0"/>
+              <a:t>Binding - KVO</a:t>
+            </a:r>
+            <a:endParaRPr lang="en" dirty="0"/>
           </a:p>
         </p:txBody>
       </p:sp>
@@ -4411,14 +5131,14 @@
       </p:pic>
       <p:sp>
         <p:nvSpPr>
-          <p:cNvPr id="6" name="TextBox 5"/>
+          <p:cNvPr id="9" name="TextBox 8"/>
           <p:cNvSpPr txBox="1"/>
           <p:nvPr/>
         </p:nvSpPr>
         <p:spPr>
           <a:xfrm>
-            <a:off x="272617" y="1859164"/>
-            <a:ext cx="7909439" cy="1815882"/>
+            <a:off x="1052178" y="1780650"/>
+            <a:ext cx="6235590" cy="2923877"/>
           </a:xfrm>
           <a:prstGeom prst="rect">
             <a:avLst/>
@@ -4432,88 +5152,350 @@
           <a:lstStyle/>
           <a:p>
             <a:r>
-              <a:rPr lang="en-US" dirty="0"/>
-              <a:t>Using </a:t>
-            </a:r>
-            <a:r>
-              <a:rPr lang="en-US" b="1" dirty="0" err="1"/>
-              <a:t>RxDataSources</a:t>
-            </a:r>
-            <a:r>
-              <a:rPr lang="en-US" dirty="0"/>
-              <a:t> requires more work to learn its idioms, but offers more powerful, advanced features. Instead of a simple array of data, it requires you to provide contents using objects which conform to the </a:t>
-            </a:r>
-            <a:r>
-              <a:rPr lang="en-US" b="1" dirty="0" err="1"/>
-              <a:t>SectionModelType</a:t>
-            </a:r>
-            <a:r>
-              <a:rPr lang="en-US" dirty="0"/>
-              <a:t> protocol. </a:t>
-            </a:r>
-            <a:endParaRPr lang="en-US" dirty="0" smtClean="0"/>
-          </a:p>
-          <a:p>
-            <a:endParaRPr lang="en-US" dirty="0"/>
-          </a:p>
-          <a:p>
-            <a:r>
-              <a:rPr lang="en-US" dirty="0" smtClean="0"/>
-              <a:t>Each </a:t>
-            </a:r>
-            <a:r>
-              <a:rPr lang="en-US" dirty="0"/>
-              <a:t>section itself contains the actual objects. For sections with multiple object types, use the </a:t>
-            </a:r>
-            <a:r>
-              <a:rPr lang="en-US" dirty="0" err="1"/>
-              <a:t>enum</a:t>
-            </a:r>
-            <a:r>
-              <a:rPr lang="en-US" dirty="0"/>
-              <a:t> technique shown above to differentiate the types</a:t>
-            </a:r>
-            <a:r>
-              <a:rPr lang="en-US" dirty="0" smtClean="0"/>
-              <a:t>.</a:t>
-            </a:r>
-          </a:p>
-          <a:p>
-            <a:endParaRPr lang="en-US" dirty="0"/>
-          </a:p>
-          <a:p>
-            <a:r>
-              <a:rPr lang="en-US" b="1" i="1" dirty="0"/>
-              <a:t>https://</a:t>
-            </a:r>
-            <a:r>
-              <a:rPr lang="en-US" b="1" i="1" dirty="0" err="1"/>
-              <a:t>github.com</a:t>
-            </a:r>
-            <a:r>
-              <a:rPr lang="en-US" b="1" i="1" dirty="0"/>
-              <a:t>/</a:t>
-            </a:r>
-            <a:r>
-              <a:rPr lang="en-US" b="1" i="1" dirty="0" err="1"/>
-              <a:t>RxSwiftCommunity</a:t>
-            </a:r>
-            <a:r>
-              <a:rPr lang="en-US" b="1" i="1" dirty="0"/>
-              <a:t>/</a:t>
-            </a:r>
-            <a:r>
-              <a:rPr lang="en-US" b="1" i="1" dirty="0" err="1"/>
-              <a:t>RxDataSources</a:t>
-            </a:r>
-            <a:endParaRPr lang="en-US" b="1" i="1" dirty="0"/>
+              <a:rPr lang="en-US" sz="1200" dirty="0">
+                <a:latin typeface="Courier"/>
+                <a:cs typeface="Courier"/>
+              </a:rPr>
+              <a:t> @</a:t>
+            </a:r>
+            <a:r>
+              <a:rPr lang="en-US" sz="1200" dirty="0" err="1">
+                <a:latin typeface="Courier"/>
+                <a:cs typeface="Courier"/>
+              </a:rPr>
+              <a:t>IBOutlet</a:t>
+            </a:r>
+            <a:r>
+              <a:rPr lang="en-US" sz="1200" dirty="0">
+                <a:latin typeface="Courier"/>
+                <a:cs typeface="Courier"/>
+              </a:rPr>
+              <a:t> weak </a:t>
+            </a:r>
+            <a:r>
+              <a:rPr lang="en-US" sz="1200" dirty="0" err="1">
+                <a:latin typeface="Courier"/>
+                <a:cs typeface="Courier"/>
+              </a:rPr>
+              <a:t>var</a:t>
+            </a:r>
+            <a:r>
+              <a:rPr lang="en-US" sz="1200" dirty="0">
+                <a:latin typeface="Courier"/>
+                <a:cs typeface="Courier"/>
+              </a:rPr>
+              <a:t> </a:t>
+            </a:r>
+            <a:r>
+              <a:rPr lang="en-US" sz="1200" dirty="0" err="1">
+                <a:latin typeface="Courier"/>
+                <a:cs typeface="Courier"/>
+              </a:rPr>
+              <a:t>oneLabel</a:t>
+            </a:r>
+            <a:r>
+              <a:rPr lang="en-US" sz="1200" dirty="0">
+                <a:latin typeface="Courier"/>
+                <a:cs typeface="Courier"/>
+              </a:rPr>
+              <a:t>: </a:t>
+            </a:r>
+            <a:r>
+              <a:rPr lang="en-US" sz="1200" dirty="0" err="1">
+                <a:latin typeface="Courier"/>
+                <a:cs typeface="Courier"/>
+              </a:rPr>
+              <a:t>UILabel</a:t>
+            </a:r>
+            <a:r>
+              <a:rPr lang="en-US" sz="1200" dirty="0">
+                <a:latin typeface="Courier"/>
+                <a:cs typeface="Courier"/>
+              </a:rPr>
+              <a:t>!</a:t>
+            </a:r>
+          </a:p>
+          <a:p>
+            <a:r>
+              <a:rPr lang="en-US" sz="1200" dirty="0">
+                <a:latin typeface="Courier"/>
+                <a:cs typeface="Courier"/>
+              </a:rPr>
+              <a:t> </a:t>
+            </a:r>
+            <a:r>
+              <a:rPr lang="en-US" sz="1200" dirty="0" smtClean="0">
+                <a:latin typeface="Courier"/>
+                <a:cs typeface="Courier"/>
+              </a:rPr>
+              <a:t>@</a:t>
+            </a:r>
+            <a:r>
+              <a:rPr lang="en-US" sz="1200" dirty="0" err="1">
+                <a:latin typeface="Courier"/>
+                <a:cs typeface="Courier"/>
+              </a:rPr>
+              <a:t>IBOutlet</a:t>
+            </a:r>
+            <a:r>
+              <a:rPr lang="en-US" sz="1200" dirty="0">
+                <a:latin typeface="Courier"/>
+                <a:cs typeface="Courier"/>
+              </a:rPr>
+              <a:t> weak </a:t>
+            </a:r>
+            <a:r>
+              <a:rPr lang="en-US" sz="1200" dirty="0" err="1">
+                <a:latin typeface="Courier"/>
+                <a:cs typeface="Courier"/>
+              </a:rPr>
+              <a:t>var</a:t>
+            </a:r>
+            <a:r>
+              <a:rPr lang="en-US" sz="1200" dirty="0">
+                <a:latin typeface="Courier"/>
+                <a:cs typeface="Courier"/>
+              </a:rPr>
+              <a:t> </a:t>
+            </a:r>
+            <a:r>
+              <a:rPr lang="en-US" sz="1200" dirty="0" err="1">
+                <a:latin typeface="Courier"/>
+                <a:cs typeface="Courier"/>
+              </a:rPr>
+              <a:t>twoLabel</a:t>
+            </a:r>
+            <a:r>
+              <a:rPr lang="en-US" sz="1200" dirty="0">
+                <a:latin typeface="Courier"/>
+                <a:cs typeface="Courier"/>
+              </a:rPr>
+              <a:t>: </a:t>
+            </a:r>
+            <a:r>
+              <a:rPr lang="en-US" sz="1200" dirty="0" err="1">
+                <a:latin typeface="Courier"/>
+                <a:cs typeface="Courier"/>
+              </a:rPr>
+              <a:t>UILabel</a:t>
+            </a:r>
+            <a:r>
+              <a:rPr lang="en-US" sz="1200" dirty="0">
+                <a:latin typeface="Courier"/>
+                <a:cs typeface="Courier"/>
+              </a:rPr>
+              <a:t>!</a:t>
+            </a:r>
+          </a:p>
+          <a:p>
+            <a:r>
+              <a:rPr lang="en-US" sz="1200" dirty="0" smtClean="0">
+                <a:latin typeface="Courier"/>
+                <a:cs typeface="Courier"/>
+              </a:rPr>
+              <a:t> let </a:t>
+            </a:r>
+            <a:r>
+              <a:rPr lang="en-US" sz="1200" dirty="0" err="1">
+                <a:latin typeface="Courier"/>
+                <a:cs typeface="Courier"/>
+              </a:rPr>
+              <a:t>disposeBag</a:t>
+            </a:r>
+            <a:r>
+              <a:rPr lang="en-US" sz="1200" dirty="0">
+                <a:latin typeface="Courier"/>
+                <a:cs typeface="Courier"/>
+              </a:rPr>
+              <a:t> = </a:t>
+            </a:r>
+            <a:r>
+              <a:rPr lang="en-US" sz="1200" dirty="0" err="1">
+                <a:latin typeface="Courier"/>
+                <a:cs typeface="Courier"/>
+              </a:rPr>
+              <a:t>DisposeBag</a:t>
+            </a:r>
+            <a:r>
+              <a:rPr lang="en-US" sz="1200" dirty="0">
+                <a:latin typeface="Courier"/>
+                <a:cs typeface="Courier"/>
+              </a:rPr>
+              <a:t>()</a:t>
+            </a:r>
+            <a:endParaRPr lang="en-US" sz="1200" dirty="0" smtClean="0">
+              <a:latin typeface="Courier"/>
+              <a:cs typeface="Courier"/>
+            </a:endParaRPr>
+          </a:p>
+          <a:p>
+            <a:endParaRPr lang="en-US" sz="1200" dirty="0">
+              <a:latin typeface="Courier"/>
+              <a:cs typeface="Courier"/>
+            </a:endParaRPr>
+          </a:p>
+          <a:p>
+            <a:endParaRPr lang="en-US" sz="1200" dirty="0" smtClean="0">
+              <a:latin typeface="Courier"/>
+              <a:cs typeface="Courier"/>
+            </a:endParaRPr>
+          </a:p>
+          <a:p>
+            <a:r>
+              <a:rPr lang="en-US" sz="1200" dirty="0">
+                <a:latin typeface="Courier"/>
+                <a:cs typeface="Courier"/>
+              </a:rPr>
+              <a:t> </a:t>
+            </a:r>
+            <a:r>
+              <a:rPr lang="en-US" sz="1200" dirty="0" err="1">
+                <a:latin typeface="Courier"/>
+                <a:cs typeface="Courier"/>
+              </a:rPr>
+              <a:t>oneLabel.rx.observe</a:t>
+            </a:r>
+            <a:r>
+              <a:rPr lang="en-US" sz="1200" dirty="0">
+                <a:latin typeface="Courier"/>
+                <a:cs typeface="Courier"/>
+              </a:rPr>
+              <a:t>(</a:t>
+            </a:r>
+            <a:r>
+              <a:rPr lang="en-US" sz="1200" dirty="0" err="1">
+                <a:latin typeface="Courier"/>
+                <a:cs typeface="Courier"/>
+              </a:rPr>
+              <a:t>Bool.self</a:t>
+            </a:r>
+            <a:r>
+              <a:rPr lang="en-US" sz="1200" dirty="0">
+                <a:latin typeface="Courier"/>
+                <a:cs typeface="Courier"/>
+              </a:rPr>
+              <a:t>, "hidden")</a:t>
+            </a:r>
+          </a:p>
+          <a:p>
+            <a:r>
+              <a:rPr lang="mr-IN" sz="1200" dirty="0">
+                <a:latin typeface="Courier"/>
+                <a:cs typeface="Courier"/>
+              </a:rPr>
+              <a:t>            .map { //unwrapping</a:t>
+            </a:r>
+          </a:p>
+          <a:p>
+            <a:r>
+              <a:rPr lang="mr-IN" sz="1200" dirty="0">
+                <a:latin typeface="Courier"/>
+                <a:cs typeface="Courier"/>
+              </a:rPr>
+              <a:t>                if let hidden = $0 {</a:t>
+            </a:r>
+          </a:p>
+          <a:p>
+            <a:r>
+              <a:rPr lang="mr-IN" sz="1200" dirty="0">
+                <a:latin typeface="Courier"/>
+                <a:cs typeface="Courier"/>
+              </a:rPr>
+              <a:t>                    return hidden</a:t>
+            </a:r>
+          </a:p>
+          <a:p>
+            <a:r>
+              <a:rPr lang="mr-IN" sz="1200" dirty="0">
+                <a:latin typeface="Courier"/>
+                <a:cs typeface="Courier"/>
+              </a:rPr>
+              <a:t>                } else {</a:t>
+            </a:r>
+          </a:p>
+          <a:p>
+            <a:r>
+              <a:rPr lang="mr-IN" sz="1200" dirty="0">
+                <a:latin typeface="Courier"/>
+                <a:cs typeface="Courier"/>
+              </a:rPr>
+              <a:t>                    return false</a:t>
+            </a:r>
+          </a:p>
+          <a:p>
+            <a:r>
+              <a:rPr lang="mr-IN" sz="1200" dirty="0">
+                <a:latin typeface="Courier"/>
+                <a:cs typeface="Courier"/>
+              </a:rPr>
+              <a:t>                }</a:t>
+            </a:r>
+          </a:p>
+          <a:p>
+            <a:r>
+              <a:rPr lang="mr-IN" sz="1200" dirty="0">
+                <a:latin typeface="Courier"/>
+                <a:cs typeface="Courier"/>
+              </a:rPr>
+              <a:t>            }</a:t>
+            </a:r>
+          </a:p>
+          <a:p>
+            <a:r>
+              <a:rPr lang="en-US" sz="1200" dirty="0">
+                <a:latin typeface="Courier"/>
+                <a:cs typeface="Courier"/>
+              </a:rPr>
+              <a:t>            .bind(to: </a:t>
+            </a:r>
+            <a:r>
+              <a:rPr lang="en-US" sz="1200" dirty="0" err="1">
+                <a:latin typeface="Courier"/>
+                <a:cs typeface="Courier"/>
+              </a:rPr>
+              <a:t>self.twoLabel.rx.isHidden</a:t>
+            </a:r>
+            <a:r>
+              <a:rPr lang="en-US" sz="1200" dirty="0">
+                <a:latin typeface="Courier"/>
+                <a:cs typeface="Courier"/>
+              </a:rPr>
+              <a:t>)</a:t>
+            </a:r>
+          </a:p>
+          <a:p>
+            <a:r>
+              <a:rPr lang="en-US" sz="1200" dirty="0">
+                <a:latin typeface="Courier"/>
+                <a:cs typeface="Courier"/>
+              </a:rPr>
+              <a:t>            .disposed(by: </a:t>
+            </a:r>
+            <a:r>
+              <a:rPr lang="en-US" sz="1200" dirty="0" err="1">
+                <a:latin typeface="Courier"/>
+                <a:cs typeface="Courier"/>
+              </a:rPr>
+              <a:t>disposeBag</a:t>
+            </a:r>
+            <a:r>
+              <a:rPr lang="en-US" sz="1200" dirty="0">
+                <a:latin typeface="Courier"/>
+                <a:cs typeface="Courier"/>
+              </a:rPr>
+              <a:t>)</a:t>
+            </a:r>
+            <a:endParaRPr lang="en-US" sz="1200" dirty="0">
+              <a:latin typeface="Courier"/>
+              <a:cs typeface="Courier"/>
+            </a:endParaRPr>
           </a:p>
         </p:txBody>
       </p:sp>
     </p:spTree>
     <p:extLst>
       <p:ext uri="{BB962C8B-B14F-4D97-AF65-F5344CB8AC3E}">
-        <p14:creationId xmlns:p14="http://schemas.microsoft.com/office/powerpoint/2010/main" val="1409506867"/>
+        <p14:creationId xmlns:p14="http://schemas.microsoft.com/office/powerpoint/2010/main" val="1897413152"/>
       </p:ext>
     </p:extLst>
   </p:cSld>
@@ -4572,10 +5554,15 @@
           </a:bodyPr>
           <a:lstStyle/>
           <a:p>
-            <a:pPr lvl="0"/>
-            <a:r>
-              <a:rPr lang="en" dirty="0" smtClean="0"/>
-              <a:t>Lab</a:t>
+            <a:pPr lvl="0" rtl="0">
+              <a:spcBef>
+                <a:spcPts val="0"/>
+              </a:spcBef>
+              <a:buNone/>
+            </a:pPr>
+            <a:r>
+              <a:rPr lang="en-US" dirty="0" smtClean="0"/>
+              <a:t>KVO</a:t>
             </a:r>
             <a:endParaRPr lang="en" dirty="0"/>
           </a:p>
@@ -4615,6 +5602,3457 @@
             <a:fld id="{00000000-1234-1234-1234-123412341234}" type="slidenum">
               <a:rPr lang="en"/>
               <a:t>11</a:t>
+            </a:fld>
+            <a:endParaRPr lang="en"/>
+          </a:p>
+        </p:txBody>
+      </p:sp>
+      <p:pic>
+        <p:nvPicPr>
+          <p:cNvPr id="2" name="Picture 1" descr="Rx_Logo_M.png"/>
+          <p:cNvPicPr>
+            <a:picLocks noChangeAspect="1"/>
+          </p:cNvPicPr>
+          <p:nvPr/>
+        </p:nvPicPr>
+        <p:blipFill>
+          <a:blip r:embed="rId3">
+            <a:extLst>
+              <a:ext uri="{28A0092B-C50C-407E-A947-70E740481C1C}">
+                <a14:useLocalDpi xmlns:a14="http://schemas.microsoft.com/office/drawing/2010/main" val="0"/>
+              </a:ext>
+            </a:extLst>
+          </a:blip>
+          <a:stretch>
+            <a:fillRect/>
+          </a:stretch>
+        </p:blipFill>
+        <p:spPr>
+          <a:xfrm>
+            <a:off x="151129" y="442005"/>
+            <a:ext cx="663146" cy="663146"/>
+          </a:xfrm>
+          <a:prstGeom prst="rect">
+            <a:avLst/>
+          </a:prstGeom>
+        </p:spPr>
+      </p:pic>
+      <p:sp>
+        <p:nvSpPr>
+          <p:cNvPr id="9" name="TextBox 8"/>
+          <p:cNvSpPr txBox="1"/>
+          <p:nvPr/>
+        </p:nvSpPr>
+        <p:spPr>
+          <a:xfrm>
+            <a:off x="670994" y="1911847"/>
+            <a:ext cx="6235590" cy="3231653"/>
+          </a:xfrm>
+          <a:prstGeom prst="rect">
+            <a:avLst/>
+          </a:prstGeom>
+          <a:noFill/>
+        </p:spPr>
+        <p:txBody>
+          <a:bodyPr wrap="square" rtlCol="0">
+            <a:spAutoFit/>
+          </a:bodyPr>
+          <a:lstStyle/>
+          <a:p>
+            <a:r>
+              <a:rPr lang="en-US" sz="1200" dirty="0">
+                <a:latin typeface="Courier"/>
+                <a:cs typeface="Courier"/>
+              </a:rPr>
+              <a:t>Key-Value Observing</a:t>
+            </a:r>
+          </a:p>
+          <a:p>
+            <a:r>
+              <a:rPr lang="en-US" sz="1200" dirty="0">
+                <a:latin typeface="Courier"/>
+                <a:cs typeface="Courier"/>
+              </a:rPr>
+              <a:t>Key-value observing is a mechanism that allows objects to be notified of changes to specified properties of other objects. You can use key-value observing with a Swift class, as long as the class inherits from the </a:t>
+            </a:r>
+            <a:r>
+              <a:rPr lang="en-US" sz="1200" dirty="0" err="1">
+                <a:latin typeface="Courier"/>
+                <a:cs typeface="Courier"/>
+              </a:rPr>
+              <a:t>NSObject</a:t>
+            </a:r>
+            <a:r>
+              <a:rPr lang="en-US" sz="1200" dirty="0">
+                <a:latin typeface="Courier"/>
+                <a:cs typeface="Courier"/>
+              </a:rPr>
+              <a:t> class. You can use these two steps to implement key-value observing in Swift.</a:t>
+            </a:r>
+          </a:p>
+          <a:p>
+            <a:endParaRPr lang="en-US" sz="1200" dirty="0">
+              <a:latin typeface="Courier"/>
+              <a:cs typeface="Courier"/>
+            </a:endParaRPr>
+          </a:p>
+          <a:p>
+            <a:r>
+              <a:rPr lang="en-US" sz="1200" dirty="0">
+                <a:latin typeface="Courier"/>
+                <a:cs typeface="Courier"/>
+              </a:rPr>
+              <a:t>Add the dynamic modifier and @</a:t>
+            </a:r>
+            <a:r>
+              <a:rPr lang="en-US" sz="1200" dirty="0" err="1">
+                <a:latin typeface="Courier"/>
+                <a:cs typeface="Courier"/>
+              </a:rPr>
+              <a:t>objc</a:t>
+            </a:r>
+            <a:r>
+              <a:rPr lang="en-US" sz="1200" dirty="0">
+                <a:latin typeface="Courier"/>
+                <a:cs typeface="Courier"/>
+              </a:rPr>
+              <a:t> attribute to any property you want to observe. For more information on dynamic, see Requiring Dynamic Dispatch.</a:t>
+            </a:r>
+          </a:p>
+          <a:p>
+            <a:endParaRPr lang="en-US" sz="1200" dirty="0">
+              <a:latin typeface="Courier"/>
+              <a:cs typeface="Courier"/>
+            </a:endParaRPr>
+          </a:p>
+          <a:p>
+            <a:r>
+              <a:rPr lang="en-US" sz="1200" dirty="0">
+                <a:latin typeface="Courier"/>
+                <a:cs typeface="Courier"/>
+              </a:rPr>
+              <a:t>class </a:t>
+            </a:r>
+            <a:r>
+              <a:rPr lang="en-US" sz="1200" dirty="0" err="1">
+                <a:latin typeface="Courier"/>
+                <a:cs typeface="Courier"/>
+              </a:rPr>
+              <a:t>MyObjectToObserve</a:t>
+            </a:r>
+            <a:r>
+              <a:rPr lang="en-US" sz="1200" dirty="0">
+                <a:latin typeface="Courier"/>
+                <a:cs typeface="Courier"/>
+              </a:rPr>
+              <a:t>: </a:t>
+            </a:r>
+            <a:r>
+              <a:rPr lang="en-US" sz="1200" dirty="0" err="1">
+                <a:latin typeface="Courier"/>
+                <a:cs typeface="Courier"/>
+              </a:rPr>
+              <a:t>NSObject</a:t>
+            </a:r>
+            <a:r>
+              <a:rPr lang="en-US" sz="1200" dirty="0">
+                <a:latin typeface="Courier"/>
+                <a:cs typeface="Courier"/>
+              </a:rPr>
+              <a:t> {</a:t>
+            </a:r>
+          </a:p>
+          <a:p>
+            <a:r>
+              <a:rPr lang="en-US" sz="1200" dirty="0">
+                <a:latin typeface="Courier"/>
+                <a:cs typeface="Courier"/>
+              </a:rPr>
+              <a:t>    @</a:t>
+            </a:r>
+            <a:r>
+              <a:rPr lang="en-US" sz="1200" dirty="0" err="1">
+                <a:latin typeface="Courier"/>
+                <a:cs typeface="Courier"/>
+              </a:rPr>
+              <a:t>objc</a:t>
+            </a:r>
+            <a:r>
+              <a:rPr lang="en-US" sz="1200" dirty="0">
+                <a:latin typeface="Courier"/>
+                <a:cs typeface="Courier"/>
+              </a:rPr>
+              <a:t> dynamic </a:t>
+            </a:r>
+            <a:r>
+              <a:rPr lang="en-US" sz="1200" dirty="0" err="1">
+                <a:latin typeface="Courier"/>
+                <a:cs typeface="Courier"/>
+              </a:rPr>
+              <a:t>var</a:t>
+            </a:r>
+            <a:r>
+              <a:rPr lang="en-US" sz="1200" dirty="0">
+                <a:latin typeface="Courier"/>
+                <a:cs typeface="Courier"/>
+              </a:rPr>
+              <a:t> </a:t>
+            </a:r>
+            <a:r>
+              <a:rPr lang="en-US" sz="1200" dirty="0" err="1">
+                <a:latin typeface="Courier"/>
+                <a:cs typeface="Courier"/>
+              </a:rPr>
+              <a:t>myDate</a:t>
+            </a:r>
+            <a:r>
+              <a:rPr lang="en-US" sz="1200" dirty="0">
+                <a:latin typeface="Courier"/>
+                <a:cs typeface="Courier"/>
+              </a:rPr>
+              <a:t> = </a:t>
+            </a:r>
+            <a:r>
+              <a:rPr lang="en-US" sz="1200" dirty="0" err="1">
+                <a:latin typeface="Courier"/>
+                <a:cs typeface="Courier"/>
+              </a:rPr>
+              <a:t>NSDate</a:t>
+            </a:r>
+            <a:r>
+              <a:rPr lang="en-US" sz="1200" dirty="0">
+                <a:latin typeface="Courier"/>
+                <a:cs typeface="Courier"/>
+              </a:rPr>
+              <a:t>()</a:t>
+            </a:r>
+          </a:p>
+          <a:p>
+            <a:r>
+              <a:rPr lang="en-US" sz="1200" dirty="0">
+                <a:latin typeface="Courier"/>
+                <a:cs typeface="Courier"/>
+              </a:rPr>
+              <a:t>    </a:t>
+            </a:r>
+            <a:r>
+              <a:rPr lang="en-US" sz="1200" dirty="0" err="1">
+                <a:latin typeface="Courier"/>
+                <a:cs typeface="Courier"/>
+              </a:rPr>
+              <a:t>func</a:t>
+            </a:r>
+            <a:r>
+              <a:rPr lang="en-US" sz="1200" dirty="0">
+                <a:latin typeface="Courier"/>
+                <a:cs typeface="Courier"/>
+              </a:rPr>
+              <a:t> </a:t>
+            </a:r>
+            <a:r>
+              <a:rPr lang="en-US" sz="1200" dirty="0" err="1">
+                <a:latin typeface="Courier"/>
+                <a:cs typeface="Courier"/>
+              </a:rPr>
+              <a:t>updateDate</a:t>
+            </a:r>
+            <a:r>
+              <a:rPr lang="en-US" sz="1200" dirty="0">
+                <a:latin typeface="Courier"/>
+                <a:cs typeface="Courier"/>
+              </a:rPr>
+              <a:t>() {</a:t>
+            </a:r>
+          </a:p>
+          <a:p>
+            <a:r>
+              <a:rPr lang="en-US" sz="1200" dirty="0">
+                <a:latin typeface="Courier"/>
+                <a:cs typeface="Courier"/>
+              </a:rPr>
+              <a:t>        </a:t>
+            </a:r>
+            <a:r>
+              <a:rPr lang="en-US" sz="1200" dirty="0" err="1">
+                <a:latin typeface="Courier"/>
+                <a:cs typeface="Courier"/>
+              </a:rPr>
+              <a:t>myDate</a:t>
+            </a:r>
+            <a:r>
+              <a:rPr lang="en-US" sz="1200" dirty="0">
+                <a:latin typeface="Courier"/>
+                <a:cs typeface="Courier"/>
+              </a:rPr>
+              <a:t> = </a:t>
+            </a:r>
+            <a:r>
+              <a:rPr lang="en-US" sz="1200" dirty="0" err="1">
+                <a:latin typeface="Courier"/>
+                <a:cs typeface="Courier"/>
+              </a:rPr>
+              <a:t>NSDate</a:t>
+            </a:r>
+            <a:r>
+              <a:rPr lang="en-US" sz="1200" dirty="0">
+                <a:latin typeface="Courier"/>
+                <a:cs typeface="Courier"/>
+              </a:rPr>
+              <a:t>()</a:t>
+            </a:r>
+          </a:p>
+          <a:p>
+            <a:r>
+              <a:rPr lang="en-US" sz="1200" dirty="0">
+                <a:latin typeface="Courier"/>
+                <a:cs typeface="Courier"/>
+              </a:rPr>
+              <a:t>    }</a:t>
+            </a:r>
+          </a:p>
+          <a:p>
+            <a:r>
+              <a:rPr lang="en-US" sz="1200" dirty="0">
+                <a:latin typeface="Courier"/>
+                <a:cs typeface="Courier"/>
+              </a:rPr>
+              <a:t>}</a:t>
+            </a:r>
+            <a:endParaRPr lang="en-US" sz="1200" dirty="0">
+              <a:latin typeface="Courier"/>
+              <a:cs typeface="Courier"/>
+            </a:endParaRPr>
+          </a:p>
+        </p:txBody>
+      </p:sp>
+      <p:sp>
+        <p:nvSpPr>
+          <p:cNvPr id="3" name="TextBox 2"/>
+          <p:cNvSpPr txBox="1"/>
+          <p:nvPr/>
+        </p:nvSpPr>
+        <p:spPr>
+          <a:xfrm>
+            <a:off x="320463" y="1387018"/>
+            <a:ext cx="7547033" cy="461665"/>
+          </a:xfrm>
+          <a:prstGeom prst="rect">
+            <a:avLst/>
+          </a:prstGeom>
+          <a:noFill/>
+        </p:spPr>
+        <p:txBody>
+          <a:bodyPr wrap="none" rtlCol="0">
+            <a:spAutoFit/>
+          </a:bodyPr>
+          <a:lstStyle/>
+          <a:p>
+            <a:r>
+              <a:rPr lang="en-US" sz="1200" b="1" dirty="0">
+                <a:hlinkClick r:id="rId4"/>
+              </a:rPr>
+              <a:t>https://developer.apple.com/library/content/documentation/Swift</a:t>
+            </a:r>
+            <a:r>
+              <a:rPr lang="en-US" sz="1200" b="1" dirty="0" smtClean="0">
+                <a:hlinkClick r:id="rId4"/>
+              </a:rPr>
+              <a:t>/Conceptual/</a:t>
+            </a:r>
+          </a:p>
+          <a:p>
+            <a:r>
+              <a:rPr lang="en-US" sz="1200" b="1" dirty="0" smtClean="0">
+                <a:hlinkClick r:id="rId4"/>
+              </a:rPr>
+              <a:t>BuildingCocoaApps</a:t>
+            </a:r>
+            <a:r>
+              <a:rPr lang="en-US" sz="1200" b="1" dirty="0">
+                <a:hlinkClick r:id="rId4"/>
+              </a:rPr>
+              <a:t>/AdoptingCocoaDesignPatterns.html#//apple_ref/doc/uid/TP40014216-CH7-</a:t>
+            </a:r>
+            <a:r>
+              <a:rPr lang="en-US" sz="1200" b="1" dirty="0" smtClean="0">
+                <a:hlinkClick r:id="rId4"/>
+              </a:rPr>
+              <a:t>XID_8</a:t>
+            </a:r>
+            <a:endParaRPr lang="en-US" sz="1200" b="1" dirty="0" smtClean="0"/>
+          </a:p>
+        </p:txBody>
+      </p:sp>
+    </p:spTree>
+    <p:extLst>
+      <p:ext uri="{BB962C8B-B14F-4D97-AF65-F5344CB8AC3E}">
+        <p14:creationId xmlns:p14="http://schemas.microsoft.com/office/powerpoint/2010/main" val="1607685507"/>
+      </p:ext>
+    </p:extLst>
+  </p:cSld>
+  <p:clrMapOvr>
+    <a:masterClrMapping/>
+  </p:clrMapOvr>
+  <p:timing>
+    <p:tnLst>
+      <p:par>
+        <p:cTn xmlns:p14="http://schemas.microsoft.com/office/powerpoint/2010/main" id="1" dur="indefinite" restart="never" nodeType="tmRoot"/>
+      </p:par>
+    </p:tnLst>
+  </p:timing>
+</p:sld>
+</file>
+
+<file path=ppt/slides/slide12.xml><?xml version="1.0" encoding="utf-8"?>
+<p:sld xmlns:a="http://schemas.openxmlformats.org/drawingml/2006/main" xmlns:r="http://schemas.openxmlformats.org/officeDocument/2006/relationships" xmlns:p="http://schemas.openxmlformats.org/presentationml/2006/main">
+  <p:cSld>
+    <p:spTree>
+      <p:nvGrpSpPr>
+        <p:cNvPr id="1" name="Shape 188"/>
+        <p:cNvGrpSpPr/>
+        <p:nvPr/>
+      </p:nvGrpSpPr>
+      <p:grpSpPr>
+        <a:xfrm>
+          <a:off x="0" y="0"/>
+          <a:ext cx="0" cy="0"/>
+          <a:chOff x="0" y="0"/>
+          <a:chExt cx="0" cy="0"/>
+        </a:xfrm>
+      </p:grpSpPr>
+      <p:sp>
+        <p:nvSpPr>
+          <p:cNvPr id="189" name="Shape 189"/>
+          <p:cNvSpPr txBox="1">
+            <a:spLocks noGrp="1"/>
+          </p:cNvSpPr>
+          <p:nvPr>
+            <p:ph type="title"/>
+          </p:nvPr>
+        </p:nvSpPr>
+        <p:spPr>
+          <a:xfrm>
+            <a:off x="1052178" y="392575"/>
+            <a:ext cx="5600876" cy="766200"/>
+          </a:xfrm>
+          <a:prstGeom prst="rect">
+            <a:avLst/>
+          </a:prstGeom>
+        </p:spPr>
+        <p:txBody>
+          <a:bodyPr wrap="square" lIns="91425" tIns="91425" rIns="91425" bIns="91425" anchor="ctr" anchorCtr="0">
+            <a:noAutofit/>
+          </a:bodyPr>
+          <a:lstStyle/>
+          <a:p>
+            <a:pPr lvl="0" rtl="0">
+              <a:spcBef>
+                <a:spcPts val="0"/>
+              </a:spcBef>
+              <a:buNone/>
+            </a:pPr>
+            <a:r>
+              <a:rPr lang="en-US" dirty="0" smtClean="0"/>
+              <a:t>KVO</a:t>
+            </a:r>
+            <a:endParaRPr lang="en" dirty="0"/>
+          </a:p>
+        </p:txBody>
+      </p:sp>
+      <p:sp>
+        <p:nvSpPr>
+          <p:cNvPr id="192" name="Shape 192"/>
+          <p:cNvSpPr txBox="1">
+            <a:spLocks noGrp="1"/>
+          </p:cNvSpPr>
+          <p:nvPr>
+            <p:ph type="sldNum" idx="12"/>
+          </p:nvPr>
+        </p:nvSpPr>
+        <p:spPr>
+          <a:xfrm>
+            <a:off x="7618000" y="4636500"/>
+            <a:ext cx="1487400" cy="315600"/>
+          </a:xfrm>
+          <a:prstGeom prst="rect">
+            <a:avLst/>
+          </a:prstGeom>
+        </p:spPr>
+        <p:txBody>
+          <a:bodyPr wrap="square" lIns="91425" tIns="91425" rIns="91425" bIns="91425" anchor="ctr" anchorCtr="0">
+            <a:noAutofit/>
+          </a:bodyPr>
+          <a:lstStyle/>
+          <a:p>
+            <a:pPr lvl="0">
+              <a:spcBef>
+                <a:spcPts val="0"/>
+              </a:spcBef>
+              <a:buNone/>
+            </a:pPr>
+            <a:fld id="{00000000-1234-1234-1234-123412341234}" type="slidenum">
+              <a:rPr lang="en"/>
+              <a:t>12</a:t>
+            </a:fld>
+            <a:endParaRPr lang="en"/>
+          </a:p>
+        </p:txBody>
+      </p:sp>
+      <p:pic>
+        <p:nvPicPr>
+          <p:cNvPr id="2" name="Picture 1" descr="Rx_Logo_M.png"/>
+          <p:cNvPicPr>
+            <a:picLocks noChangeAspect="1"/>
+          </p:cNvPicPr>
+          <p:nvPr/>
+        </p:nvPicPr>
+        <p:blipFill>
+          <a:blip r:embed="rId3">
+            <a:extLst>
+              <a:ext uri="{28A0092B-C50C-407E-A947-70E740481C1C}">
+                <a14:useLocalDpi xmlns:a14="http://schemas.microsoft.com/office/drawing/2010/main" val="0"/>
+              </a:ext>
+            </a:extLst>
+          </a:blip>
+          <a:stretch>
+            <a:fillRect/>
+          </a:stretch>
+        </p:blipFill>
+        <p:spPr>
+          <a:xfrm>
+            <a:off x="151129" y="442005"/>
+            <a:ext cx="663146" cy="663146"/>
+          </a:xfrm>
+          <a:prstGeom prst="rect">
+            <a:avLst/>
+          </a:prstGeom>
+        </p:spPr>
+      </p:pic>
+      <p:sp>
+        <p:nvSpPr>
+          <p:cNvPr id="4" name="TextBox 3"/>
+          <p:cNvSpPr txBox="1"/>
+          <p:nvPr/>
+        </p:nvSpPr>
+        <p:spPr>
+          <a:xfrm>
+            <a:off x="0" y="1432264"/>
+            <a:ext cx="4304973" cy="3262431"/>
+          </a:xfrm>
+          <a:prstGeom prst="rect">
+            <a:avLst/>
+          </a:prstGeom>
+          <a:noFill/>
+        </p:spPr>
+        <p:txBody>
+          <a:bodyPr wrap="square" rtlCol="0">
+            <a:spAutoFit/>
+          </a:bodyPr>
+          <a:lstStyle/>
+          <a:p>
+            <a:r>
+              <a:rPr lang="mr-IN" sz="1200" dirty="0">
+                <a:latin typeface="Courier"/>
+                <a:cs typeface="Courier"/>
+              </a:rPr>
+              <a:t> @IBOutlet weak var kvoTestButton: UIButton!</a:t>
+            </a:r>
+          </a:p>
+          <a:p>
+            <a:r>
+              <a:rPr lang="mr-IN" sz="1200" dirty="0">
+                <a:latin typeface="Courier"/>
+                <a:cs typeface="Courier"/>
+              </a:rPr>
+              <a:t> </a:t>
+            </a:r>
+            <a:r>
+              <a:rPr lang="mr-IN" sz="1200" b="1" dirty="0" smtClean="0">
+                <a:latin typeface="Courier"/>
+                <a:cs typeface="Courier"/>
+              </a:rPr>
+              <a:t>@</a:t>
+            </a:r>
+            <a:r>
+              <a:rPr lang="mr-IN" sz="1200" b="1" dirty="0">
+                <a:latin typeface="Courier"/>
+                <a:cs typeface="Courier"/>
+              </a:rPr>
+              <a:t>objc dynamic var someString = ""</a:t>
+            </a:r>
+          </a:p>
+          <a:p>
+            <a:r>
+              <a:rPr lang="mr-IN" sz="1200" b="1" dirty="0">
+                <a:latin typeface="Courier"/>
+                <a:cs typeface="Courier"/>
+              </a:rPr>
+              <a:t> </a:t>
+            </a:r>
+            <a:r>
+              <a:rPr lang="mr-IN" sz="1200" b="1" dirty="0" smtClean="0">
+                <a:latin typeface="Courier"/>
+                <a:cs typeface="Courier"/>
+              </a:rPr>
+              <a:t>@</a:t>
+            </a:r>
+            <a:r>
+              <a:rPr lang="mr-IN" sz="1200" b="1" dirty="0">
+                <a:latin typeface="Courier"/>
+                <a:cs typeface="Courier"/>
+              </a:rPr>
+              <a:t>objc dynamic var someBoolean = false</a:t>
+            </a:r>
+          </a:p>
+          <a:p>
+            <a:r>
+              <a:rPr lang="mr-IN" sz="1200" dirty="0">
+                <a:latin typeface="Courier"/>
+                <a:cs typeface="Courier"/>
+              </a:rPr>
+              <a:t>    </a:t>
+            </a:r>
+          </a:p>
+          <a:p>
+            <a:r>
+              <a:rPr lang="mr-IN" sz="1200" dirty="0">
+                <a:latin typeface="Courier"/>
+                <a:cs typeface="Courier"/>
+              </a:rPr>
+              <a:t> </a:t>
+            </a:r>
+            <a:r>
+              <a:rPr lang="mr-IN" sz="1200" dirty="0" smtClean="0">
+                <a:latin typeface="Courier"/>
+                <a:cs typeface="Courier"/>
+              </a:rPr>
+              <a:t>let </a:t>
+            </a:r>
+            <a:r>
+              <a:rPr lang="mr-IN" sz="1200" dirty="0">
+                <a:latin typeface="Courier"/>
+                <a:cs typeface="Courier"/>
+              </a:rPr>
+              <a:t>disposeBag = DisposeBag()</a:t>
+            </a:r>
+          </a:p>
+          <a:p>
+            <a:endParaRPr lang="mr-IN" sz="1200" dirty="0">
+              <a:latin typeface="Courier"/>
+              <a:cs typeface="Courier"/>
+            </a:endParaRPr>
+          </a:p>
+          <a:p>
+            <a:endParaRPr lang="mr-IN" sz="1200" dirty="0">
+              <a:latin typeface="Courier"/>
+              <a:cs typeface="Courier"/>
+            </a:endParaRPr>
+          </a:p>
+          <a:p>
+            <a:r>
+              <a:rPr lang="mr-IN" sz="1200" dirty="0">
+                <a:latin typeface="Courier"/>
+                <a:cs typeface="Courier"/>
+              </a:rPr>
+              <a:t>   </a:t>
+            </a:r>
+            <a:r>
+              <a:rPr lang="mr-IN" sz="1200" dirty="0" smtClean="0">
+                <a:latin typeface="Courier"/>
+                <a:cs typeface="Courier"/>
+              </a:rPr>
+              <a:t>/</a:t>
+            </a:r>
+            <a:r>
+              <a:rPr lang="mr-IN" sz="1200" dirty="0">
+                <a:latin typeface="Courier"/>
+                <a:cs typeface="Courier"/>
+              </a:rPr>
+              <a:t>/KVO Test</a:t>
+            </a:r>
+          </a:p>
+          <a:p>
+            <a:r>
+              <a:rPr lang="mr-IN" sz="1200" dirty="0">
+                <a:latin typeface="Courier"/>
+                <a:cs typeface="Courier"/>
+              </a:rPr>
+              <a:t>   </a:t>
+            </a:r>
+            <a:r>
+              <a:rPr lang="mr-IN" sz="1200" b="1" dirty="0" smtClean="0">
+                <a:latin typeface="Courier"/>
+                <a:cs typeface="Courier"/>
+              </a:rPr>
+              <a:t>self.rx.observe</a:t>
+            </a:r>
+            <a:r>
+              <a:rPr lang="mr-IN" sz="1200" b="1" dirty="0">
+                <a:latin typeface="Courier"/>
+                <a:cs typeface="Courier"/>
+              </a:rPr>
+              <a:t>(String.self, "someString")</a:t>
+            </a:r>
+          </a:p>
+          <a:p>
+            <a:r>
+              <a:rPr lang="mr-IN" sz="1200" dirty="0">
+                <a:latin typeface="Courier"/>
+                <a:cs typeface="Courier"/>
+              </a:rPr>
+              <a:t>       </a:t>
+            </a:r>
+            <a:r>
+              <a:rPr lang="mr-IN" sz="1200" dirty="0" smtClean="0">
+                <a:latin typeface="Courier"/>
+                <a:cs typeface="Courier"/>
+              </a:rPr>
+              <a:t>.</a:t>
+            </a:r>
+            <a:r>
+              <a:rPr lang="mr-IN" sz="1200" dirty="0">
+                <a:latin typeface="Courier"/>
+                <a:cs typeface="Courier"/>
+              </a:rPr>
+              <a:t>subscribe(onNext: { some in</a:t>
+            </a:r>
+          </a:p>
+          <a:p>
+            <a:r>
+              <a:rPr lang="mr-IN" sz="1200" dirty="0">
+                <a:latin typeface="Courier"/>
+                <a:cs typeface="Courier"/>
+              </a:rPr>
+              <a:t>           </a:t>
+            </a:r>
+            <a:r>
+              <a:rPr lang="mr-IN" sz="1200" dirty="0" smtClean="0">
+                <a:latin typeface="Courier"/>
+                <a:cs typeface="Courier"/>
+              </a:rPr>
+              <a:t>if </a:t>
+            </a:r>
+            <a:r>
+              <a:rPr lang="mr-IN" sz="1200" dirty="0">
+                <a:latin typeface="Courier"/>
+                <a:cs typeface="Courier"/>
+              </a:rPr>
+              <a:t>let _some = some {</a:t>
+            </a:r>
+          </a:p>
+          <a:p>
+            <a:r>
+              <a:rPr lang="mr-IN" sz="1200" dirty="0">
+                <a:latin typeface="Courier"/>
+                <a:cs typeface="Courier"/>
+              </a:rPr>
+              <a:t>              </a:t>
+            </a:r>
+            <a:r>
+              <a:rPr lang="mr-IN" sz="1200" dirty="0" smtClean="0">
+                <a:latin typeface="Courier"/>
+                <a:cs typeface="Courier"/>
+              </a:rPr>
+              <a:t>print</a:t>
+            </a:r>
+            <a:r>
+              <a:rPr lang="mr-IN" sz="1200" dirty="0">
+                <a:latin typeface="Courier"/>
+                <a:cs typeface="Courier"/>
+              </a:rPr>
+              <a:t>(_some)</a:t>
+            </a:r>
+          </a:p>
+          <a:p>
+            <a:r>
+              <a:rPr lang="mr-IN" sz="1200" dirty="0">
+                <a:latin typeface="Courier"/>
+                <a:cs typeface="Courier"/>
+              </a:rPr>
+              <a:t>           </a:t>
+            </a:r>
+            <a:r>
+              <a:rPr lang="mr-IN" sz="1200" dirty="0" smtClean="0">
+                <a:latin typeface="Courier"/>
+                <a:cs typeface="Courier"/>
+              </a:rPr>
+              <a:t>} </a:t>
+            </a:r>
+            <a:r>
+              <a:rPr lang="mr-IN" sz="1200" dirty="0">
+                <a:latin typeface="Courier"/>
+                <a:cs typeface="Courier"/>
+              </a:rPr>
+              <a:t>else {</a:t>
+            </a:r>
+          </a:p>
+          <a:p>
+            <a:r>
+              <a:rPr lang="mr-IN" sz="1200" dirty="0">
+                <a:latin typeface="Courier"/>
+                <a:cs typeface="Courier"/>
+              </a:rPr>
+              <a:t>              </a:t>
+            </a:r>
+            <a:r>
+              <a:rPr lang="mr-IN" sz="1200" dirty="0" smtClean="0">
+                <a:latin typeface="Courier"/>
+                <a:cs typeface="Courier"/>
+              </a:rPr>
+              <a:t>print</a:t>
+            </a:r>
+            <a:r>
+              <a:rPr lang="mr-IN" sz="1200" dirty="0">
+                <a:latin typeface="Courier"/>
+                <a:cs typeface="Courier"/>
+              </a:rPr>
+              <a:t>("")</a:t>
+            </a:r>
+          </a:p>
+          <a:p>
+            <a:r>
+              <a:rPr lang="mr-IN" sz="1200" dirty="0">
+                <a:latin typeface="Courier"/>
+                <a:cs typeface="Courier"/>
+              </a:rPr>
+              <a:t>           </a:t>
+            </a:r>
+            <a:r>
+              <a:rPr lang="mr-IN" sz="1200" dirty="0" smtClean="0">
+                <a:latin typeface="Courier"/>
+                <a:cs typeface="Courier"/>
+              </a:rPr>
+              <a:t>}</a:t>
+            </a:r>
+            <a:endParaRPr lang="mr-IN" sz="1200" dirty="0">
+              <a:latin typeface="Courier"/>
+              <a:cs typeface="Courier"/>
+            </a:endParaRPr>
+          </a:p>
+          <a:p>
+            <a:r>
+              <a:rPr lang="mr-IN" sz="1200" dirty="0">
+                <a:latin typeface="Courier"/>
+                <a:cs typeface="Courier"/>
+              </a:rPr>
+              <a:t>       </a:t>
+            </a:r>
+            <a:r>
+              <a:rPr lang="mr-IN" sz="1200" dirty="0" smtClean="0">
+                <a:latin typeface="Courier"/>
+                <a:cs typeface="Courier"/>
+              </a:rPr>
+              <a:t>}</a:t>
+            </a:r>
+            <a:r>
+              <a:rPr lang="mr-IN" sz="1200" dirty="0">
+                <a:latin typeface="Courier"/>
+                <a:cs typeface="Courier"/>
+              </a:rPr>
+              <a:t>).disposed(by: disposeBag)</a:t>
+            </a:r>
+          </a:p>
+          <a:p>
+            <a:r>
+              <a:rPr lang="mr-IN" dirty="0"/>
+              <a:t>        </a:t>
+            </a:r>
+            <a:endParaRPr lang="en-US" dirty="0"/>
+          </a:p>
+        </p:txBody>
+      </p:sp>
+      <p:sp>
+        <p:nvSpPr>
+          <p:cNvPr id="5" name="TextBox 4"/>
+          <p:cNvSpPr txBox="1"/>
+          <p:nvPr/>
+        </p:nvSpPr>
+        <p:spPr>
+          <a:xfrm>
+            <a:off x="4249586" y="1774178"/>
+            <a:ext cx="4894414" cy="2862322"/>
+          </a:xfrm>
+          <a:prstGeom prst="rect">
+            <a:avLst/>
+          </a:prstGeom>
+          <a:noFill/>
+        </p:spPr>
+        <p:txBody>
+          <a:bodyPr wrap="none" rtlCol="0">
+            <a:spAutoFit/>
+          </a:bodyPr>
+          <a:lstStyle/>
+          <a:p>
+            <a:r>
+              <a:rPr lang="mr-IN" sz="1200" dirty="0" smtClean="0">
+                <a:latin typeface="Courier"/>
+                <a:cs typeface="Courier"/>
+              </a:rPr>
+              <a:t>  </a:t>
+            </a:r>
+            <a:r>
+              <a:rPr lang="mr-IN" sz="1200" b="1" dirty="0" smtClean="0">
+                <a:latin typeface="Courier"/>
+                <a:cs typeface="Courier"/>
+              </a:rPr>
+              <a:t>self.rx.observe</a:t>
+            </a:r>
+            <a:r>
+              <a:rPr lang="mr-IN" sz="1200" b="1" dirty="0">
+                <a:latin typeface="Courier"/>
+                <a:cs typeface="Courier"/>
+              </a:rPr>
+              <a:t>(Bool.self, "someBoolean")</a:t>
+            </a:r>
+          </a:p>
+          <a:p>
+            <a:r>
+              <a:rPr lang="mr-IN" sz="1200" dirty="0">
+                <a:latin typeface="Courier"/>
+                <a:cs typeface="Courier"/>
+              </a:rPr>
+              <a:t>      </a:t>
+            </a:r>
+            <a:r>
+              <a:rPr lang="mr-IN" sz="1200" dirty="0" smtClean="0">
+                <a:latin typeface="Courier"/>
+                <a:cs typeface="Courier"/>
+              </a:rPr>
+              <a:t>.</a:t>
+            </a:r>
+            <a:r>
+              <a:rPr lang="mr-IN" sz="1200" dirty="0">
+                <a:latin typeface="Courier"/>
+                <a:cs typeface="Courier"/>
+              </a:rPr>
+              <a:t>subscribe(onNext: { some in</a:t>
+            </a:r>
+          </a:p>
+          <a:p>
+            <a:r>
+              <a:rPr lang="mr-IN" sz="1200" dirty="0">
+                <a:latin typeface="Courier"/>
+                <a:cs typeface="Courier"/>
+              </a:rPr>
+              <a:t>                if let _some = some {</a:t>
+            </a:r>
+          </a:p>
+          <a:p>
+            <a:r>
+              <a:rPr lang="mr-IN" sz="1200" dirty="0">
+                <a:latin typeface="Courier"/>
+                <a:cs typeface="Courier"/>
+              </a:rPr>
+              <a:t>                    print(_some ? "true" : "false")</a:t>
+            </a:r>
+          </a:p>
+          <a:p>
+            <a:r>
+              <a:rPr lang="mr-IN" sz="1200" dirty="0">
+                <a:latin typeface="Courier"/>
+                <a:cs typeface="Courier"/>
+              </a:rPr>
+              <a:t>                } else {</a:t>
+            </a:r>
+          </a:p>
+          <a:p>
+            <a:r>
+              <a:rPr lang="mr-IN" sz="1200" dirty="0">
+                <a:latin typeface="Courier"/>
+                <a:cs typeface="Courier"/>
+              </a:rPr>
+              <a:t>                    print("false")</a:t>
+            </a:r>
+          </a:p>
+          <a:p>
+            <a:r>
+              <a:rPr lang="mr-IN" sz="1200" dirty="0">
+                <a:latin typeface="Courier"/>
+                <a:cs typeface="Courier"/>
+              </a:rPr>
+              <a:t>                }</a:t>
+            </a:r>
+          </a:p>
+          <a:p>
+            <a:r>
+              <a:rPr lang="mr-IN" sz="1200" dirty="0">
+                <a:latin typeface="Courier"/>
+                <a:cs typeface="Courier"/>
+              </a:rPr>
+              <a:t>            }).disposed(by: disposeBag)</a:t>
+            </a:r>
+          </a:p>
+          <a:p>
+            <a:endParaRPr lang="en-US" sz="1200" dirty="0" smtClean="0">
+              <a:latin typeface="Courier"/>
+              <a:cs typeface="Courier"/>
+            </a:endParaRPr>
+          </a:p>
+          <a:p>
+            <a:endParaRPr lang="mr-IN" sz="1200" dirty="0">
+              <a:latin typeface="Courier"/>
+              <a:cs typeface="Courier"/>
+            </a:endParaRPr>
+          </a:p>
+          <a:p>
+            <a:r>
+              <a:rPr lang="mr-IN" sz="1200" dirty="0" smtClean="0">
+                <a:latin typeface="Courier"/>
+                <a:cs typeface="Courier"/>
+              </a:rPr>
+              <a:t>func </a:t>
+            </a:r>
+            <a:r>
+              <a:rPr lang="mr-IN" sz="1200" dirty="0">
+                <a:latin typeface="Courier"/>
+                <a:cs typeface="Courier"/>
+              </a:rPr>
+              <a:t>kvoTest() {</a:t>
+            </a:r>
+          </a:p>
+          <a:p>
+            <a:r>
+              <a:rPr lang="mr-IN" sz="1200" dirty="0">
+                <a:latin typeface="Courier"/>
+                <a:cs typeface="Courier"/>
+              </a:rPr>
+              <a:t>   </a:t>
+            </a:r>
+            <a:r>
+              <a:rPr lang="mr-IN" sz="1200" dirty="0" smtClean="0">
+                <a:latin typeface="Courier"/>
+                <a:cs typeface="Courier"/>
+              </a:rPr>
+              <a:t>self.someBoolean </a:t>
+            </a:r>
+            <a:r>
+              <a:rPr lang="mr-IN" sz="1200" dirty="0">
+                <a:latin typeface="Courier"/>
+                <a:cs typeface="Courier"/>
+              </a:rPr>
+              <a:t>= !self.someBoolean</a:t>
+            </a:r>
+          </a:p>
+          <a:p>
+            <a:r>
+              <a:rPr lang="mr-IN" sz="1200" dirty="0">
+                <a:latin typeface="Courier"/>
+                <a:cs typeface="Courier"/>
+              </a:rPr>
+              <a:t>   </a:t>
+            </a:r>
+            <a:r>
+              <a:rPr lang="mr-IN" sz="1200" dirty="0" smtClean="0">
+                <a:latin typeface="Courier"/>
+                <a:cs typeface="Courier"/>
+              </a:rPr>
+              <a:t>self.someString </a:t>
+            </a:r>
+            <a:r>
+              <a:rPr lang="mr-IN" sz="1200" dirty="0">
+                <a:latin typeface="Courier"/>
+                <a:cs typeface="Courier"/>
+              </a:rPr>
+              <a:t>= self.someBoolean ? </a:t>
+            </a:r>
+            <a:endParaRPr lang="en-US" sz="1200" dirty="0" smtClean="0">
+              <a:latin typeface="Courier"/>
+              <a:cs typeface="Courier"/>
+            </a:endParaRPr>
+          </a:p>
+          <a:p>
+            <a:r>
+              <a:rPr lang="en-US" sz="1200" dirty="0">
+                <a:latin typeface="Courier"/>
+                <a:cs typeface="Courier"/>
+              </a:rPr>
+              <a:t>	</a:t>
+            </a:r>
+            <a:r>
+              <a:rPr lang="mr-IN" sz="1200" dirty="0" smtClean="0">
+                <a:latin typeface="Courier"/>
+                <a:cs typeface="Courier"/>
+              </a:rPr>
+              <a:t>"</a:t>
+            </a:r>
+            <a:r>
+              <a:rPr lang="mr-IN" sz="1200" dirty="0">
+                <a:latin typeface="Courier"/>
+                <a:cs typeface="Courier"/>
+              </a:rPr>
+              <a:t>KVO Test 1" : "KVO Test </a:t>
+            </a:r>
+            <a:r>
+              <a:rPr lang="mr-IN" sz="1200" dirty="0" smtClean="0">
+                <a:latin typeface="Courier"/>
+                <a:cs typeface="Courier"/>
+              </a:rPr>
+              <a:t>2”</a:t>
+            </a:r>
+            <a:endParaRPr lang="mr-IN" sz="1200" dirty="0">
+              <a:latin typeface="Courier"/>
+              <a:cs typeface="Courier"/>
+            </a:endParaRPr>
+          </a:p>
+          <a:p>
+            <a:r>
+              <a:rPr lang="mr-IN" sz="1200" dirty="0" smtClean="0">
+                <a:latin typeface="Courier"/>
+                <a:cs typeface="Courier"/>
+              </a:rPr>
+              <a:t>}</a:t>
+            </a:r>
+            <a:endParaRPr lang="en-US" sz="1200" dirty="0">
+              <a:latin typeface="Courier"/>
+              <a:cs typeface="Courier"/>
+            </a:endParaRPr>
+          </a:p>
+        </p:txBody>
+      </p:sp>
+    </p:spTree>
+    <p:extLst>
+      <p:ext uri="{BB962C8B-B14F-4D97-AF65-F5344CB8AC3E}">
+        <p14:creationId xmlns:p14="http://schemas.microsoft.com/office/powerpoint/2010/main" val="4119951043"/>
+      </p:ext>
+    </p:extLst>
+  </p:cSld>
+  <p:clrMapOvr>
+    <a:masterClrMapping/>
+  </p:clrMapOvr>
+  <p:timing>
+    <p:tnLst>
+      <p:par>
+        <p:cTn xmlns:p14="http://schemas.microsoft.com/office/powerpoint/2010/main" id="1" dur="indefinite" restart="never" nodeType="tmRoot"/>
+      </p:par>
+    </p:tnLst>
+  </p:timing>
+</p:sld>
+</file>
+
+<file path=ppt/slides/slide13.xml><?xml version="1.0" encoding="utf-8"?>
+<p:sld xmlns:a="http://schemas.openxmlformats.org/drawingml/2006/main" xmlns:r="http://schemas.openxmlformats.org/officeDocument/2006/relationships" xmlns:p="http://schemas.openxmlformats.org/presentationml/2006/main">
+  <p:cSld>
+    <p:spTree>
+      <p:nvGrpSpPr>
+        <p:cNvPr id="1" name="Shape 188"/>
+        <p:cNvGrpSpPr/>
+        <p:nvPr/>
+      </p:nvGrpSpPr>
+      <p:grpSpPr>
+        <a:xfrm>
+          <a:off x="0" y="0"/>
+          <a:ext cx="0" cy="0"/>
+          <a:chOff x="0" y="0"/>
+          <a:chExt cx="0" cy="0"/>
+        </a:xfrm>
+      </p:grpSpPr>
+      <p:sp>
+        <p:nvSpPr>
+          <p:cNvPr id="189" name="Shape 189"/>
+          <p:cNvSpPr txBox="1">
+            <a:spLocks noGrp="1"/>
+          </p:cNvSpPr>
+          <p:nvPr>
+            <p:ph type="title"/>
+          </p:nvPr>
+        </p:nvSpPr>
+        <p:spPr>
+          <a:xfrm>
+            <a:off x="1052178" y="392575"/>
+            <a:ext cx="5600876" cy="766200"/>
+          </a:xfrm>
+          <a:prstGeom prst="rect">
+            <a:avLst/>
+          </a:prstGeom>
+        </p:spPr>
+        <p:txBody>
+          <a:bodyPr wrap="square" lIns="91425" tIns="91425" rIns="91425" bIns="91425" anchor="ctr" anchorCtr="0">
+            <a:noAutofit/>
+          </a:bodyPr>
+          <a:lstStyle/>
+          <a:p>
+            <a:pPr lvl="0" rtl="0">
+              <a:spcBef>
+                <a:spcPts val="0"/>
+              </a:spcBef>
+              <a:buNone/>
+            </a:pPr>
+            <a:r>
+              <a:rPr lang="en-US" dirty="0" smtClean="0"/>
+              <a:t>2 Way </a:t>
+            </a:r>
+            <a:r>
+              <a:rPr lang="en-US" dirty="0" smtClean="0"/>
+              <a:t>Bindings</a:t>
+            </a:r>
+            <a:endParaRPr lang="en" dirty="0"/>
+          </a:p>
+        </p:txBody>
+      </p:sp>
+      <p:sp>
+        <p:nvSpPr>
+          <p:cNvPr id="192" name="Shape 192"/>
+          <p:cNvSpPr txBox="1">
+            <a:spLocks noGrp="1"/>
+          </p:cNvSpPr>
+          <p:nvPr>
+            <p:ph type="sldNum" idx="12"/>
+          </p:nvPr>
+        </p:nvSpPr>
+        <p:spPr>
+          <a:xfrm>
+            <a:off x="7618000" y="4636500"/>
+            <a:ext cx="1487400" cy="315600"/>
+          </a:xfrm>
+          <a:prstGeom prst="rect">
+            <a:avLst/>
+          </a:prstGeom>
+        </p:spPr>
+        <p:txBody>
+          <a:bodyPr wrap="square" lIns="91425" tIns="91425" rIns="91425" bIns="91425" anchor="ctr" anchorCtr="0">
+            <a:noAutofit/>
+          </a:bodyPr>
+          <a:lstStyle/>
+          <a:p>
+            <a:pPr lvl="0">
+              <a:spcBef>
+                <a:spcPts val="0"/>
+              </a:spcBef>
+              <a:buNone/>
+            </a:pPr>
+            <a:fld id="{00000000-1234-1234-1234-123412341234}" type="slidenum">
+              <a:rPr lang="en"/>
+              <a:t>13</a:t>
+            </a:fld>
+            <a:endParaRPr lang="en"/>
+          </a:p>
+        </p:txBody>
+      </p:sp>
+      <p:pic>
+        <p:nvPicPr>
+          <p:cNvPr id="2" name="Picture 1" descr="Rx_Logo_M.png"/>
+          <p:cNvPicPr>
+            <a:picLocks noChangeAspect="1"/>
+          </p:cNvPicPr>
+          <p:nvPr/>
+        </p:nvPicPr>
+        <p:blipFill>
+          <a:blip r:embed="rId3">
+            <a:extLst>
+              <a:ext uri="{28A0092B-C50C-407E-A947-70E740481C1C}">
+                <a14:useLocalDpi xmlns:a14="http://schemas.microsoft.com/office/drawing/2010/main" val="0"/>
+              </a:ext>
+            </a:extLst>
+          </a:blip>
+          <a:stretch>
+            <a:fillRect/>
+          </a:stretch>
+        </p:blipFill>
+        <p:spPr>
+          <a:xfrm>
+            <a:off x="151129" y="442005"/>
+            <a:ext cx="663146" cy="663146"/>
+          </a:xfrm>
+          <a:prstGeom prst="rect">
+            <a:avLst/>
+          </a:prstGeom>
+        </p:spPr>
+      </p:pic>
+      <p:sp>
+        <p:nvSpPr>
+          <p:cNvPr id="6" name="TextBox 5"/>
+          <p:cNvSpPr txBox="1"/>
+          <p:nvPr/>
+        </p:nvSpPr>
+        <p:spPr>
+          <a:xfrm>
+            <a:off x="272617" y="2466867"/>
+            <a:ext cx="8541258" cy="2492990"/>
+          </a:xfrm>
+          <a:prstGeom prst="rect">
+            <a:avLst/>
+          </a:prstGeom>
+          <a:noFill/>
+        </p:spPr>
+        <p:txBody>
+          <a:bodyPr wrap="square" rtlCol="0">
+            <a:spAutoFit/>
+          </a:bodyPr>
+          <a:lstStyle/>
+          <a:p>
+            <a:r>
+              <a:rPr lang="en-US" sz="1200" dirty="0" err="1">
+                <a:latin typeface="Courier"/>
+                <a:cs typeface="Courier"/>
+              </a:rPr>
+              <a:t>func</a:t>
+            </a:r>
+            <a:r>
+              <a:rPr lang="en-US" sz="1200" dirty="0">
+                <a:latin typeface="Courier"/>
+                <a:cs typeface="Courier"/>
+              </a:rPr>
+              <a:t> &lt;-&gt; &lt;T&gt;(property: </a:t>
+            </a:r>
+            <a:r>
+              <a:rPr lang="en-US" sz="1200" b="1" dirty="0" err="1">
+                <a:latin typeface="Courier"/>
+                <a:cs typeface="Courier"/>
+              </a:rPr>
+              <a:t>ControlProperty</a:t>
+            </a:r>
+            <a:r>
+              <a:rPr lang="en-US" sz="1200" dirty="0">
+                <a:latin typeface="Courier"/>
+                <a:cs typeface="Courier"/>
+              </a:rPr>
+              <a:t>&lt;T&gt;, variable: </a:t>
+            </a:r>
+            <a:r>
+              <a:rPr lang="en-US" sz="1200" dirty="0" err="1">
+                <a:latin typeface="Courier"/>
+                <a:cs typeface="Courier"/>
+              </a:rPr>
+              <a:t>BehaviorRelay</a:t>
+            </a:r>
+            <a:r>
+              <a:rPr lang="en-US" sz="1200" dirty="0">
+                <a:latin typeface="Courier"/>
+                <a:cs typeface="Courier"/>
+              </a:rPr>
+              <a:t>&lt;T&gt;) -&gt; Disposable {</a:t>
+            </a:r>
+          </a:p>
+          <a:p>
+            <a:r>
+              <a:rPr lang="en-US" sz="1200" dirty="0">
+                <a:latin typeface="Courier"/>
+                <a:cs typeface="Courier"/>
+              </a:rPr>
+              <a:t>    </a:t>
+            </a:r>
+            <a:endParaRPr lang="mr-IN" sz="1200" dirty="0">
+              <a:latin typeface="Courier"/>
+              <a:cs typeface="Courier"/>
+            </a:endParaRPr>
+          </a:p>
+          <a:p>
+            <a:r>
+              <a:rPr lang="en-US" sz="1200" dirty="0">
+                <a:latin typeface="Courier"/>
+                <a:cs typeface="Courier"/>
+              </a:rPr>
+              <a:t>    let </a:t>
+            </a:r>
+            <a:r>
+              <a:rPr lang="en-US" sz="1200" dirty="0" err="1">
+                <a:latin typeface="Courier"/>
+                <a:cs typeface="Courier"/>
+              </a:rPr>
+              <a:t>bindToUIDisposable</a:t>
+            </a:r>
+            <a:r>
+              <a:rPr lang="en-US" sz="1200" dirty="0">
+                <a:latin typeface="Courier"/>
+                <a:cs typeface="Courier"/>
+              </a:rPr>
+              <a:t> = </a:t>
+            </a:r>
+            <a:r>
+              <a:rPr lang="en-US" sz="1200" dirty="0" err="1">
+                <a:latin typeface="Courier"/>
+                <a:cs typeface="Courier"/>
+              </a:rPr>
+              <a:t>variable.asObservable</a:t>
+            </a:r>
+            <a:r>
+              <a:rPr lang="en-US" sz="1200" dirty="0">
+                <a:latin typeface="Courier"/>
+                <a:cs typeface="Courier"/>
+              </a:rPr>
+              <a:t>()</a:t>
+            </a:r>
+          </a:p>
+          <a:p>
+            <a:r>
+              <a:rPr lang="mr-IN" sz="1200" dirty="0">
+                <a:latin typeface="Courier"/>
+                <a:cs typeface="Courier"/>
+              </a:rPr>
+              <a:t>        .bind(to: property)</a:t>
+            </a:r>
+          </a:p>
+          <a:p>
+            <a:r>
+              <a:rPr lang="en-US" sz="1200" dirty="0">
+                <a:latin typeface="Courier"/>
+                <a:cs typeface="Courier"/>
+              </a:rPr>
+              <a:t>    let </a:t>
+            </a:r>
+            <a:r>
+              <a:rPr lang="en-US" sz="1200" dirty="0" err="1">
+                <a:latin typeface="Courier"/>
+                <a:cs typeface="Courier"/>
+              </a:rPr>
+              <a:t>bindToVariable</a:t>
+            </a:r>
+            <a:r>
+              <a:rPr lang="en-US" sz="1200" dirty="0">
+                <a:latin typeface="Courier"/>
+                <a:cs typeface="Courier"/>
+              </a:rPr>
+              <a:t> = property</a:t>
+            </a:r>
+          </a:p>
+          <a:p>
+            <a:r>
+              <a:rPr lang="en-US" sz="1200" dirty="0">
+                <a:latin typeface="Courier"/>
+                <a:cs typeface="Courier"/>
+              </a:rPr>
+              <a:t>        .subscribe(</a:t>
+            </a:r>
+            <a:r>
+              <a:rPr lang="en-US" sz="1200" dirty="0" err="1">
+                <a:latin typeface="Courier"/>
+                <a:cs typeface="Courier"/>
+              </a:rPr>
+              <a:t>onNext</a:t>
+            </a:r>
+            <a:r>
+              <a:rPr lang="en-US" sz="1200" dirty="0">
+                <a:latin typeface="Courier"/>
+                <a:cs typeface="Courier"/>
+              </a:rPr>
+              <a:t>: { n in</a:t>
+            </a:r>
+          </a:p>
+          <a:p>
+            <a:r>
+              <a:rPr lang="mr-IN" sz="1200" dirty="0">
+                <a:latin typeface="Courier"/>
+                <a:cs typeface="Courier"/>
+              </a:rPr>
+              <a:t>            variable.accept(n)</a:t>
+            </a:r>
+          </a:p>
+          <a:p>
+            <a:r>
+              <a:rPr lang="mr-IN" sz="1200" dirty="0">
+                <a:latin typeface="Courier"/>
+                <a:cs typeface="Courier"/>
+              </a:rPr>
+              <a:t>        }, onCompleted:  {</a:t>
+            </a:r>
+          </a:p>
+          <a:p>
+            <a:r>
+              <a:rPr lang="en-US" sz="1200" dirty="0">
+                <a:latin typeface="Courier"/>
+                <a:cs typeface="Courier"/>
+              </a:rPr>
+              <a:t>            </a:t>
+            </a:r>
+            <a:r>
+              <a:rPr lang="en-US" sz="1200" dirty="0" err="1">
+                <a:latin typeface="Courier"/>
+                <a:cs typeface="Courier"/>
+              </a:rPr>
+              <a:t>bindToUIDisposable.dispose</a:t>
+            </a:r>
+            <a:r>
+              <a:rPr lang="en-US" sz="1200" dirty="0">
+                <a:latin typeface="Courier"/>
+                <a:cs typeface="Courier"/>
+              </a:rPr>
+              <a:t>()</a:t>
+            </a:r>
+          </a:p>
+          <a:p>
+            <a:r>
+              <a:rPr lang="mr-IN" sz="1200" dirty="0">
+                <a:latin typeface="Courier"/>
+                <a:cs typeface="Courier"/>
+              </a:rPr>
+              <a:t>        })</a:t>
+            </a:r>
+          </a:p>
+          <a:p>
+            <a:endParaRPr lang="mr-IN" sz="1200" dirty="0">
+              <a:latin typeface="Courier"/>
+              <a:cs typeface="Courier"/>
+            </a:endParaRPr>
+          </a:p>
+          <a:p>
+            <a:r>
+              <a:rPr lang="en-US" sz="1200" dirty="0">
+                <a:latin typeface="Courier"/>
+                <a:cs typeface="Courier"/>
+              </a:rPr>
+              <a:t>    return </a:t>
+            </a:r>
+            <a:r>
+              <a:rPr lang="en-US" sz="1200" dirty="0" err="1">
+                <a:latin typeface="Courier"/>
+                <a:cs typeface="Courier"/>
+              </a:rPr>
+              <a:t>Disposables.create</a:t>
+            </a:r>
+            <a:r>
+              <a:rPr lang="en-US" sz="1200" dirty="0">
+                <a:latin typeface="Courier"/>
+                <a:cs typeface="Courier"/>
+              </a:rPr>
+              <a:t>(</a:t>
+            </a:r>
+            <a:r>
+              <a:rPr lang="en-US" sz="1200" dirty="0" err="1">
+                <a:latin typeface="Courier"/>
+                <a:cs typeface="Courier"/>
+              </a:rPr>
+              <a:t>bindToUIDisposable</a:t>
+            </a:r>
+            <a:r>
+              <a:rPr lang="en-US" sz="1200" dirty="0">
+                <a:latin typeface="Courier"/>
+                <a:cs typeface="Courier"/>
+              </a:rPr>
+              <a:t>, </a:t>
+            </a:r>
+            <a:r>
+              <a:rPr lang="en-US" sz="1200" dirty="0" err="1">
+                <a:latin typeface="Courier"/>
+                <a:cs typeface="Courier"/>
+              </a:rPr>
+              <a:t>bindToVariable</a:t>
+            </a:r>
+            <a:r>
+              <a:rPr lang="en-US" sz="1200" dirty="0">
+                <a:latin typeface="Courier"/>
+                <a:cs typeface="Courier"/>
+              </a:rPr>
+              <a:t>)</a:t>
+            </a:r>
+          </a:p>
+          <a:p>
+            <a:r>
+              <a:rPr lang="en-US" sz="1200" dirty="0">
+                <a:latin typeface="Courier"/>
+                <a:cs typeface="Courier"/>
+              </a:rPr>
+              <a:t>}</a:t>
+            </a:r>
+            <a:endParaRPr lang="en-US" sz="1200" b="1" dirty="0" smtClean="0">
+              <a:latin typeface="Courier"/>
+              <a:cs typeface="Courier"/>
+            </a:endParaRPr>
+          </a:p>
+        </p:txBody>
+      </p:sp>
+      <p:sp>
+        <p:nvSpPr>
+          <p:cNvPr id="7" name="TextBox 6"/>
+          <p:cNvSpPr txBox="1"/>
+          <p:nvPr/>
+        </p:nvSpPr>
+        <p:spPr>
+          <a:xfrm>
+            <a:off x="272617" y="1410200"/>
+            <a:ext cx="8244303" cy="738664"/>
+          </a:xfrm>
+          <a:prstGeom prst="rect">
+            <a:avLst/>
+          </a:prstGeom>
+          <a:noFill/>
+        </p:spPr>
+        <p:txBody>
+          <a:bodyPr wrap="square" rtlCol="0">
+            <a:spAutoFit/>
+          </a:bodyPr>
+          <a:lstStyle/>
+          <a:p>
+            <a:r>
+              <a:rPr lang="en-US" b="1" dirty="0" smtClean="0">
+                <a:latin typeface="Courier"/>
+                <a:cs typeface="Courier"/>
+              </a:rPr>
+              <a:t>Custom Implementation</a:t>
+            </a:r>
+          </a:p>
+          <a:p>
+            <a:endParaRPr lang="en-US" b="1" dirty="0" smtClean="0">
+              <a:latin typeface="Courier"/>
+              <a:cs typeface="Courier"/>
+            </a:endParaRPr>
+          </a:p>
+          <a:p>
+            <a:r>
+              <a:rPr lang="en-US" b="1" dirty="0"/>
+              <a:t>https://</a:t>
+            </a:r>
+            <a:r>
+              <a:rPr lang="en-US" b="1" dirty="0" err="1"/>
+              <a:t>github.com</a:t>
+            </a:r>
+            <a:r>
+              <a:rPr lang="en-US" b="1" dirty="0"/>
+              <a:t>/</a:t>
+            </a:r>
+            <a:r>
+              <a:rPr lang="en-US" b="1" dirty="0" err="1"/>
+              <a:t>ReactiveX</a:t>
+            </a:r>
+            <a:r>
+              <a:rPr lang="en-US" b="1" dirty="0"/>
+              <a:t>/</a:t>
+            </a:r>
+            <a:r>
+              <a:rPr lang="en-US" b="1" dirty="0" err="1"/>
+              <a:t>RxSwift</a:t>
+            </a:r>
+            <a:r>
+              <a:rPr lang="en-US" b="1" dirty="0"/>
+              <a:t>/blob/master/</a:t>
+            </a:r>
+            <a:r>
+              <a:rPr lang="en-US" b="1" dirty="0" err="1"/>
+              <a:t>RxExample</a:t>
+            </a:r>
+            <a:r>
+              <a:rPr lang="en-US" b="1" dirty="0"/>
+              <a:t>/</a:t>
+            </a:r>
+            <a:r>
+              <a:rPr lang="en-US" b="1" dirty="0" err="1"/>
+              <a:t>RxExample</a:t>
+            </a:r>
+            <a:r>
+              <a:rPr lang="en-US" b="1" dirty="0"/>
+              <a:t>/</a:t>
+            </a:r>
+            <a:r>
+              <a:rPr lang="en-US" b="1" dirty="0" err="1"/>
+              <a:t>Operators.swift</a:t>
+            </a:r>
+            <a:endParaRPr lang="en-US" b="1" dirty="0" smtClean="0"/>
+          </a:p>
+        </p:txBody>
+      </p:sp>
+    </p:spTree>
+    <p:extLst>
+      <p:ext uri="{BB962C8B-B14F-4D97-AF65-F5344CB8AC3E}">
+        <p14:creationId xmlns:p14="http://schemas.microsoft.com/office/powerpoint/2010/main" val="1057682120"/>
+      </p:ext>
+    </p:extLst>
+  </p:cSld>
+  <p:clrMapOvr>
+    <a:masterClrMapping/>
+  </p:clrMapOvr>
+  <p:timing>
+    <p:tnLst>
+      <p:par>
+        <p:cTn xmlns:p14="http://schemas.microsoft.com/office/powerpoint/2010/main" id="1" dur="indefinite" restart="never" nodeType="tmRoot"/>
+      </p:par>
+    </p:tnLst>
+  </p:timing>
+</p:sld>
+</file>
+
+<file path=ppt/slides/slide14.xml><?xml version="1.0" encoding="utf-8"?>
+<p:sld xmlns:a="http://schemas.openxmlformats.org/drawingml/2006/main" xmlns:r="http://schemas.openxmlformats.org/officeDocument/2006/relationships" xmlns:p="http://schemas.openxmlformats.org/presentationml/2006/main">
+  <p:cSld>
+    <p:spTree>
+      <p:nvGrpSpPr>
+        <p:cNvPr id="1" name="Shape 188"/>
+        <p:cNvGrpSpPr/>
+        <p:nvPr/>
+      </p:nvGrpSpPr>
+      <p:grpSpPr>
+        <a:xfrm>
+          <a:off x="0" y="0"/>
+          <a:ext cx="0" cy="0"/>
+          <a:chOff x="0" y="0"/>
+          <a:chExt cx="0" cy="0"/>
+        </a:xfrm>
+      </p:grpSpPr>
+      <p:sp>
+        <p:nvSpPr>
+          <p:cNvPr id="189" name="Shape 189"/>
+          <p:cNvSpPr txBox="1">
+            <a:spLocks noGrp="1"/>
+          </p:cNvSpPr>
+          <p:nvPr>
+            <p:ph type="title"/>
+          </p:nvPr>
+        </p:nvSpPr>
+        <p:spPr>
+          <a:xfrm>
+            <a:off x="1052178" y="392575"/>
+            <a:ext cx="5600876" cy="766200"/>
+          </a:xfrm>
+          <a:prstGeom prst="rect">
+            <a:avLst/>
+          </a:prstGeom>
+        </p:spPr>
+        <p:txBody>
+          <a:bodyPr wrap="square" lIns="91425" tIns="91425" rIns="91425" bIns="91425" anchor="ctr" anchorCtr="0">
+            <a:noAutofit/>
+          </a:bodyPr>
+          <a:lstStyle/>
+          <a:p>
+            <a:pPr lvl="0" rtl="0">
+              <a:spcBef>
+                <a:spcPts val="0"/>
+              </a:spcBef>
+              <a:buNone/>
+            </a:pPr>
+            <a:r>
+              <a:rPr lang="en-US" dirty="0" smtClean="0"/>
+              <a:t>2 Way </a:t>
+            </a:r>
+            <a:r>
+              <a:rPr lang="en-US" dirty="0" smtClean="0"/>
+              <a:t>Bindings</a:t>
+            </a:r>
+            <a:endParaRPr lang="en" dirty="0"/>
+          </a:p>
+        </p:txBody>
+      </p:sp>
+      <p:sp>
+        <p:nvSpPr>
+          <p:cNvPr id="192" name="Shape 192"/>
+          <p:cNvSpPr txBox="1">
+            <a:spLocks noGrp="1"/>
+          </p:cNvSpPr>
+          <p:nvPr>
+            <p:ph type="sldNum" idx="12"/>
+          </p:nvPr>
+        </p:nvSpPr>
+        <p:spPr>
+          <a:xfrm>
+            <a:off x="7618000" y="4636500"/>
+            <a:ext cx="1487400" cy="315600"/>
+          </a:xfrm>
+          <a:prstGeom prst="rect">
+            <a:avLst/>
+          </a:prstGeom>
+        </p:spPr>
+        <p:txBody>
+          <a:bodyPr wrap="square" lIns="91425" tIns="91425" rIns="91425" bIns="91425" anchor="ctr" anchorCtr="0">
+            <a:noAutofit/>
+          </a:bodyPr>
+          <a:lstStyle/>
+          <a:p>
+            <a:pPr lvl="0">
+              <a:spcBef>
+                <a:spcPts val="0"/>
+              </a:spcBef>
+              <a:buNone/>
+            </a:pPr>
+            <a:fld id="{00000000-1234-1234-1234-123412341234}" type="slidenum">
+              <a:rPr lang="en"/>
+              <a:t>14</a:t>
+            </a:fld>
+            <a:endParaRPr lang="en"/>
+          </a:p>
+        </p:txBody>
+      </p:sp>
+      <p:pic>
+        <p:nvPicPr>
+          <p:cNvPr id="2" name="Picture 1" descr="Rx_Logo_M.png"/>
+          <p:cNvPicPr>
+            <a:picLocks noChangeAspect="1"/>
+          </p:cNvPicPr>
+          <p:nvPr/>
+        </p:nvPicPr>
+        <p:blipFill>
+          <a:blip r:embed="rId3">
+            <a:extLst>
+              <a:ext uri="{28A0092B-C50C-407E-A947-70E740481C1C}">
+                <a14:useLocalDpi xmlns:a14="http://schemas.microsoft.com/office/drawing/2010/main" val="0"/>
+              </a:ext>
+            </a:extLst>
+          </a:blip>
+          <a:stretch>
+            <a:fillRect/>
+          </a:stretch>
+        </p:blipFill>
+        <p:spPr>
+          <a:xfrm>
+            <a:off x="151129" y="442005"/>
+            <a:ext cx="663146" cy="663146"/>
+          </a:xfrm>
+          <a:prstGeom prst="rect">
+            <a:avLst/>
+          </a:prstGeom>
+        </p:spPr>
+      </p:pic>
+      <p:sp>
+        <p:nvSpPr>
+          <p:cNvPr id="6" name="TextBox 5"/>
+          <p:cNvSpPr txBox="1"/>
+          <p:nvPr/>
+        </p:nvSpPr>
+        <p:spPr>
+          <a:xfrm>
+            <a:off x="272617" y="1739498"/>
+            <a:ext cx="8541258" cy="2308324"/>
+          </a:xfrm>
+          <a:prstGeom prst="rect">
+            <a:avLst/>
+          </a:prstGeom>
+          <a:noFill/>
+        </p:spPr>
+        <p:txBody>
+          <a:bodyPr wrap="square" rtlCol="0">
+            <a:spAutoFit/>
+          </a:bodyPr>
+          <a:lstStyle/>
+          <a:p>
+            <a:r>
+              <a:rPr lang="en-US" sz="1200" dirty="0">
+                <a:latin typeface="Courier"/>
+                <a:cs typeface="Courier"/>
+              </a:rPr>
+              <a:t>@</a:t>
+            </a:r>
+            <a:r>
+              <a:rPr lang="en-US" sz="1200" dirty="0" err="1">
+                <a:latin typeface="Courier"/>
+                <a:cs typeface="Courier"/>
+              </a:rPr>
+              <a:t>IBOutlet</a:t>
+            </a:r>
+            <a:r>
+              <a:rPr lang="en-US" sz="1200" dirty="0">
+                <a:latin typeface="Courier"/>
+                <a:cs typeface="Courier"/>
+              </a:rPr>
+              <a:t> weak </a:t>
+            </a:r>
+            <a:r>
+              <a:rPr lang="en-US" sz="1200" dirty="0" err="1">
+                <a:latin typeface="Courier"/>
+                <a:cs typeface="Courier"/>
+              </a:rPr>
+              <a:t>var</a:t>
+            </a:r>
+            <a:r>
+              <a:rPr lang="en-US" sz="1200" dirty="0">
+                <a:latin typeface="Courier"/>
+                <a:cs typeface="Courier"/>
+              </a:rPr>
+              <a:t> </a:t>
+            </a:r>
+            <a:r>
+              <a:rPr lang="en-US" sz="1200" dirty="0" err="1">
+                <a:latin typeface="Courier"/>
+                <a:cs typeface="Courier"/>
+              </a:rPr>
+              <a:t>textField</a:t>
+            </a:r>
+            <a:r>
+              <a:rPr lang="en-US" sz="1200" dirty="0">
+                <a:latin typeface="Courier"/>
+                <a:cs typeface="Courier"/>
+              </a:rPr>
+              <a:t>: </a:t>
+            </a:r>
+            <a:r>
+              <a:rPr lang="en-US" sz="1200" dirty="0" err="1">
+                <a:latin typeface="Courier"/>
+                <a:cs typeface="Courier"/>
+              </a:rPr>
+              <a:t>UITextField</a:t>
+            </a:r>
+            <a:r>
+              <a:rPr lang="en-US" sz="1200" dirty="0">
+                <a:latin typeface="Courier"/>
+                <a:cs typeface="Courier"/>
+              </a:rPr>
+              <a:t>!</a:t>
+            </a:r>
+          </a:p>
+          <a:p>
+            <a:r>
+              <a:rPr lang="en-US" sz="1200" dirty="0" smtClean="0">
+                <a:latin typeface="Courier"/>
+                <a:cs typeface="Courier"/>
+              </a:rPr>
+              <a:t>let </a:t>
+            </a:r>
+            <a:r>
+              <a:rPr lang="en-US" sz="1200" dirty="0" err="1">
+                <a:latin typeface="Courier"/>
+                <a:cs typeface="Courier"/>
+              </a:rPr>
+              <a:t>textValue</a:t>
+            </a:r>
+            <a:r>
+              <a:rPr lang="en-US" sz="1200" dirty="0">
+                <a:latin typeface="Courier"/>
+                <a:cs typeface="Courier"/>
+              </a:rPr>
+              <a:t> = </a:t>
+            </a:r>
+            <a:r>
+              <a:rPr lang="en-US" sz="1200" dirty="0" err="1">
+                <a:latin typeface="Courier"/>
+                <a:cs typeface="Courier"/>
+              </a:rPr>
+              <a:t>BehaviorRelay</a:t>
+            </a:r>
+            <a:r>
+              <a:rPr lang="en-US" sz="1200" dirty="0">
+                <a:latin typeface="Courier"/>
+                <a:cs typeface="Courier"/>
+              </a:rPr>
+              <a:t>(value: "")</a:t>
+            </a:r>
+          </a:p>
+          <a:p>
+            <a:r>
+              <a:rPr lang="en-US" sz="1200" dirty="0" err="1" smtClean="0">
+                <a:latin typeface="Courier"/>
+                <a:cs typeface="Courier"/>
+              </a:rPr>
+              <a:t>var</a:t>
+            </a:r>
+            <a:r>
+              <a:rPr lang="en-US" sz="1200" dirty="0" smtClean="0">
+                <a:latin typeface="Courier"/>
+                <a:cs typeface="Courier"/>
+              </a:rPr>
+              <a:t> </a:t>
+            </a:r>
+            <a:r>
+              <a:rPr lang="en-US" sz="1200" dirty="0" err="1">
+                <a:latin typeface="Courier"/>
+                <a:cs typeface="Courier"/>
+              </a:rPr>
+              <a:t>disposeBag</a:t>
+            </a:r>
+            <a:r>
+              <a:rPr lang="en-US" sz="1200" dirty="0">
+                <a:latin typeface="Courier"/>
+                <a:cs typeface="Courier"/>
+              </a:rPr>
+              <a:t> = </a:t>
+            </a:r>
+            <a:r>
+              <a:rPr lang="en-US" sz="1200" dirty="0" err="1">
+                <a:latin typeface="Courier"/>
+                <a:cs typeface="Courier"/>
+              </a:rPr>
+              <a:t>DisposeBag</a:t>
+            </a:r>
+            <a:r>
+              <a:rPr lang="en-US" sz="1200" dirty="0">
+                <a:latin typeface="Courier"/>
+                <a:cs typeface="Courier"/>
+              </a:rPr>
+              <a:t>()</a:t>
+            </a:r>
+          </a:p>
+          <a:p>
+            <a:r>
+              <a:rPr lang="mr-IN" sz="1200" dirty="0">
+                <a:latin typeface="Courier"/>
+                <a:cs typeface="Courier"/>
+              </a:rPr>
+              <a:t>    </a:t>
+            </a:r>
+            <a:endParaRPr lang="en-US" sz="1200" dirty="0" smtClean="0">
+              <a:latin typeface="Courier"/>
+              <a:cs typeface="Courier"/>
+            </a:endParaRPr>
+          </a:p>
+          <a:p>
+            <a:endParaRPr lang="mr-IN" sz="1200" dirty="0">
+              <a:latin typeface="Courier"/>
+              <a:cs typeface="Courier"/>
+            </a:endParaRPr>
+          </a:p>
+          <a:p>
+            <a:r>
+              <a:rPr lang="en-US" sz="1200" dirty="0" smtClean="0">
+                <a:latin typeface="Courier"/>
+                <a:cs typeface="Courier"/>
+              </a:rPr>
+              <a:t>override </a:t>
+            </a:r>
+            <a:r>
+              <a:rPr lang="en-US" sz="1200" dirty="0" err="1">
+                <a:latin typeface="Courier"/>
+                <a:cs typeface="Courier"/>
+              </a:rPr>
+              <a:t>func</a:t>
+            </a:r>
+            <a:r>
+              <a:rPr lang="en-US" sz="1200" dirty="0">
+                <a:latin typeface="Courier"/>
+                <a:cs typeface="Courier"/>
+              </a:rPr>
+              <a:t> </a:t>
+            </a:r>
+            <a:r>
+              <a:rPr lang="en-US" sz="1200" dirty="0" err="1">
+                <a:latin typeface="Courier"/>
+                <a:cs typeface="Courier"/>
+              </a:rPr>
+              <a:t>awakeFromNib</a:t>
+            </a:r>
+            <a:r>
+              <a:rPr lang="en-US" sz="1200" dirty="0">
+                <a:latin typeface="Courier"/>
+                <a:cs typeface="Courier"/>
+              </a:rPr>
+              <a:t>() {</a:t>
+            </a:r>
+          </a:p>
+          <a:p>
+            <a:r>
+              <a:rPr lang="en-US" sz="1200" dirty="0">
+                <a:latin typeface="Courier"/>
+                <a:cs typeface="Courier"/>
+              </a:rPr>
+              <a:t>   </a:t>
+            </a:r>
+            <a:r>
+              <a:rPr lang="en-US" sz="1200" dirty="0" err="1" smtClean="0">
+                <a:latin typeface="Courier"/>
+                <a:cs typeface="Courier"/>
+              </a:rPr>
+              <a:t>super.awakeFromNib</a:t>
+            </a:r>
+            <a:r>
+              <a:rPr lang="en-US" sz="1200" dirty="0">
+                <a:latin typeface="Courier"/>
+                <a:cs typeface="Courier"/>
+              </a:rPr>
+              <a:t>()</a:t>
+            </a:r>
+          </a:p>
+          <a:p>
+            <a:r>
+              <a:rPr lang="en-US" sz="1200" dirty="0">
+                <a:latin typeface="Courier"/>
+                <a:cs typeface="Courier"/>
+              </a:rPr>
+              <a:t>   </a:t>
+            </a:r>
+            <a:r>
+              <a:rPr lang="en-US" sz="1200" dirty="0" smtClean="0">
+                <a:latin typeface="Courier"/>
+                <a:cs typeface="Courier"/>
+              </a:rPr>
+              <a:t>/</a:t>
+            </a:r>
+            <a:r>
+              <a:rPr lang="en-US" sz="1200" dirty="0">
+                <a:latin typeface="Courier"/>
+                <a:cs typeface="Courier"/>
+              </a:rPr>
+              <a:t>/ Initialization code</a:t>
+            </a:r>
+          </a:p>
+          <a:p>
+            <a:endParaRPr lang="en-US" sz="1200" dirty="0">
+              <a:latin typeface="Courier"/>
+              <a:cs typeface="Courier"/>
+            </a:endParaRPr>
+          </a:p>
+          <a:p>
+            <a:r>
+              <a:rPr lang="en-US" sz="1200" b="1" dirty="0">
+                <a:latin typeface="Courier"/>
+                <a:cs typeface="Courier"/>
+              </a:rPr>
+              <a:t>   </a:t>
+            </a:r>
+            <a:r>
+              <a:rPr lang="en-US" sz="1200" b="1" dirty="0" smtClean="0">
+                <a:latin typeface="Courier"/>
+                <a:cs typeface="Courier"/>
+              </a:rPr>
+              <a:t>let </a:t>
+            </a:r>
+            <a:r>
+              <a:rPr lang="en-US" sz="1200" b="1" dirty="0" err="1">
+                <a:latin typeface="Courier"/>
+                <a:cs typeface="Courier"/>
+              </a:rPr>
+              <a:t>textDisposable</a:t>
+            </a:r>
+            <a:r>
+              <a:rPr lang="en-US" sz="1200" b="1" dirty="0">
+                <a:latin typeface="Courier"/>
+                <a:cs typeface="Courier"/>
+              </a:rPr>
+              <a:t> = </a:t>
+            </a:r>
+            <a:r>
+              <a:rPr lang="en-US" sz="1200" b="1" dirty="0" err="1">
+                <a:latin typeface="Courier"/>
+                <a:cs typeface="Courier"/>
+              </a:rPr>
+              <a:t>textField.rx.textInput</a:t>
+            </a:r>
+            <a:r>
+              <a:rPr lang="en-US" sz="1200" b="1" dirty="0">
+                <a:latin typeface="Courier"/>
+                <a:cs typeface="Courier"/>
+              </a:rPr>
+              <a:t> </a:t>
+            </a:r>
+            <a:r>
+              <a:rPr lang="en-US" sz="1200" b="1" dirty="0">
+                <a:solidFill>
+                  <a:schemeClr val="tx1"/>
+                </a:solidFill>
+                <a:latin typeface="Courier"/>
+                <a:cs typeface="Courier"/>
+              </a:rPr>
+              <a:t>&lt;-&gt;</a:t>
+            </a:r>
+            <a:r>
+              <a:rPr lang="en-US" sz="1200" b="1" dirty="0">
+                <a:latin typeface="Courier"/>
+                <a:cs typeface="Courier"/>
+              </a:rPr>
+              <a:t> </a:t>
+            </a:r>
+            <a:r>
+              <a:rPr lang="en-US" sz="1200" b="1" dirty="0" err="1">
+                <a:latin typeface="Courier"/>
+                <a:cs typeface="Courier"/>
+              </a:rPr>
+              <a:t>textValue</a:t>
+            </a:r>
+            <a:endParaRPr lang="en-US" sz="1200" b="1" dirty="0">
+              <a:latin typeface="Courier"/>
+              <a:cs typeface="Courier"/>
+            </a:endParaRPr>
+          </a:p>
+          <a:p>
+            <a:r>
+              <a:rPr lang="en-US" sz="1200" b="1" dirty="0">
+                <a:latin typeface="Courier"/>
+                <a:cs typeface="Courier"/>
+              </a:rPr>
+              <a:t>   </a:t>
+            </a:r>
+            <a:r>
+              <a:rPr lang="en-US" sz="1200" b="1" dirty="0" err="1" smtClean="0">
+                <a:latin typeface="Courier"/>
+                <a:cs typeface="Courier"/>
+              </a:rPr>
+              <a:t>textDisposable.disposed</a:t>
+            </a:r>
+            <a:r>
+              <a:rPr lang="en-US" sz="1200" b="1" dirty="0">
+                <a:latin typeface="Courier"/>
+                <a:cs typeface="Courier"/>
+              </a:rPr>
+              <a:t>(by: </a:t>
+            </a:r>
+            <a:r>
+              <a:rPr lang="en-US" sz="1200" b="1" dirty="0" err="1">
+                <a:latin typeface="Courier"/>
+                <a:cs typeface="Courier"/>
+              </a:rPr>
+              <a:t>self.disposeBag</a:t>
+            </a:r>
+            <a:r>
+              <a:rPr lang="en-US" sz="1200" b="1" dirty="0">
+                <a:latin typeface="Courier"/>
+                <a:cs typeface="Courier"/>
+              </a:rPr>
+              <a:t>)</a:t>
+            </a:r>
+          </a:p>
+          <a:p>
+            <a:r>
+              <a:rPr lang="mr-IN" sz="1200" dirty="0" smtClean="0">
+                <a:latin typeface="Courier"/>
+                <a:cs typeface="Courier"/>
+              </a:rPr>
+              <a:t>}</a:t>
+            </a:r>
+            <a:endParaRPr lang="en-US" sz="1200" b="1" dirty="0" smtClean="0">
+              <a:latin typeface="Courier"/>
+              <a:cs typeface="Courier"/>
+            </a:endParaRPr>
+          </a:p>
+        </p:txBody>
+      </p:sp>
+    </p:spTree>
+    <p:extLst>
+      <p:ext uri="{BB962C8B-B14F-4D97-AF65-F5344CB8AC3E}">
+        <p14:creationId xmlns:p14="http://schemas.microsoft.com/office/powerpoint/2010/main" val="76180067"/>
+      </p:ext>
+    </p:extLst>
+  </p:cSld>
+  <p:clrMapOvr>
+    <a:masterClrMapping/>
+  </p:clrMapOvr>
+  <p:timing>
+    <p:tnLst>
+      <p:par>
+        <p:cTn xmlns:p14="http://schemas.microsoft.com/office/powerpoint/2010/main" id="1" dur="indefinite" restart="never" nodeType="tmRoot"/>
+      </p:par>
+    </p:tnLst>
+  </p:timing>
+</p:sld>
+</file>
+
+<file path=ppt/slides/slide15.xml><?xml version="1.0" encoding="utf-8"?>
+<p:sld xmlns:a="http://schemas.openxmlformats.org/drawingml/2006/main" xmlns:r="http://schemas.openxmlformats.org/officeDocument/2006/relationships" xmlns:p="http://schemas.openxmlformats.org/presentationml/2006/main">
+  <p:cSld>
+    <p:spTree>
+      <p:nvGrpSpPr>
+        <p:cNvPr id="1" name="Shape 188"/>
+        <p:cNvGrpSpPr/>
+        <p:nvPr/>
+      </p:nvGrpSpPr>
+      <p:grpSpPr>
+        <a:xfrm>
+          <a:off x="0" y="0"/>
+          <a:ext cx="0" cy="0"/>
+          <a:chOff x="0" y="0"/>
+          <a:chExt cx="0" cy="0"/>
+        </a:xfrm>
+      </p:grpSpPr>
+      <p:sp>
+        <p:nvSpPr>
+          <p:cNvPr id="189" name="Shape 189"/>
+          <p:cNvSpPr txBox="1">
+            <a:spLocks noGrp="1"/>
+          </p:cNvSpPr>
+          <p:nvPr>
+            <p:ph type="title"/>
+          </p:nvPr>
+        </p:nvSpPr>
+        <p:spPr>
+          <a:xfrm>
+            <a:off x="1052178" y="392575"/>
+            <a:ext cx="5600876" cy="766200"/>
+          </a:xfrm>
+          <a:prstGeom prst="rect">
+            <a:avLst/>
+          </a:prstGeom>
+        </p:spPr>
+        <p:txBody>
+          <a:bodyPr wrap="square" lIns="91425" tIns="91425" rIns="91425" bIns="91425" anchor="ctr" anchorCtr="0">
+            <a:noAutofit/>
+          </a:bodyPr>
+          <a:lstStyle/>
+          <a:p>
+            <a:pPr lvl="0" rtl="0">
+              <a:spcBef>
+                <a:spcPts val="0"/>
+              </a:spcBef>
+              <a:buNone/>
+            </a:pPr>
+            <a:r>
+              <a:rPr lang="en-US" dirty="0" smtClean="0"/>
+              <a:t>Adding a reactive extension to Custom UI Element</a:t>
+            </a:r>
+            <a:endParaRPr lang="en" dirty="0"/>
+          </a:p>
+        </p:txBody>
+      </p:sp>
+      <p:sp>
+        <p:nvSpPr>
+          <p:cNvPr id="192" name="Shape 192"/>
+          <p:cNvSpPr txBox="1">
+            <a:spLocks noGrp="1"/>
+          </p:cNvSpPr>
+          <p:nvPr>
+            <p:ph type="sldNum" idx="12"/>
+          </p:nvPr>
+        </p:nvSpPr>
+        <p:spPr>
+          <a:xfrm>
+            <a:off x="7618000" y="4636500"/>
+            <a:ext cx="1487400" cy="315600"/>
+          </a:xfrm>
+          <a:prstGeom prst="rect">
+            <a:avLst/>
+          </a:prstGeom>
+        </p:spPr>
+        <p:txBody>
+          <a:bodyPr wrap="square" lIns="91425" tIns="91425" rIns="91425" bIns="91425" anchor="ctr" anchorCtr="0">
+            <a:noAutofit/>
+          </a:bodyPr>
+          <a:lstStyle/>
+          <a:p>
+            <a:pPr lvl="0">
+              <a:spcBef>
+                <a:spcPts val="0"/>
+              </a:spcBef>
+              <a:buNone/>
+            </a:pPr>
+            <a:fld id="{00000000-1234-1234-1234-123412341234}" type="slidenum">
+              <a:rPr lang="en"/>
+              <a:t>15</a:t>
+            </a:fld>
+            <a:endParaRPr lang="en"/>
+          </a:p>
+        </p:txBody>
+      </p:sp>
+      <p:pic>
+        <p:nvPicPr>
+          <p:cNvPr id="2" name="Picture 1" descr="Rx_Logo_M.png"/>
+          <p:cNvPicPr>
+            <a:picLocks noChangeAspect="1"/>
+          </p:cNvPicPr>
+          <p:nvPr/>
+        </p:nvPicPr>
+        <p:blipFill>
+          <a:blip r:embed="rId3">
+            <a:extLst>
+              <a:ext uri="{28A0092B-C50C-407E-A947-70E740481C1C}">
+                <a14:useLocalDpi xmlns:a14="http://schemas.microsoft.com/office/drawing/2010/main" val="0"/>
+              </a:ext>
+            </a:extLst>
+          </a:blip>
+          <a:stretch>
+            <a:fillRect/>
+          </a:stretch>
+        </p:blipFill>
+        <p:spPr>
+          <a:xfrm>
+            <a:off x="151129" y="442005"/>
+            <a:ext cx="663146" cy="663146"/>
+          </a:xfrm>
+          <a:prstGeom prst="rect">
+            <a:avLst/>
+          </a:prstGeom>
+        </p:spPr>
+      </p:pic>
+      <p:sp>
+        <p:nvSpPr>
+          <p:cNvPr id="6" name="TextBox 5"/>
+          <p:cNvSpPr txBox="1"/>
+          <p:nvPr/>
+        </p:nvSpPr>
+        <p:spPr>
+          <a:xfrm>
+            <a:off x="272617" y="1859164"/>
+            <a:ext cx="3202387" cy="830997"/>
+          </a:xfrm>
+          <a:prstGeom prst="rect">
+            <a:avLst/>
+          </a:prstGeom>
+          <a:noFill/>
+        </p:spPr>
+        <p:txBody>
+          <a:bodyPr wrap="square" rtlCol="0">
+            <a:spAutoFit/>
+          </a:bodyPr>
+          <a:lstStyle/>
+          <a:p>
+            <a:r>
+              <a:rPr lang="mr-IN" sz="1200" dirty="0" smtClean="0">
+                <a:latin typeface="Courier"/>
+                <a:cs typeface="Courier"/>
+              </a:rPr>
+              <a:t>  </a:t>
+            </a:r>
+            <a:r>
+              <a:rPr lang="en-US" sz="1200" dirty="0" err="1">
+                <a:latin typeface="Courier"/>
+                <a:cs typeface="Courier"/>
+              </a:rPr>
+              <a:t>myObservable</a:t>
+            </a:r>
+            <a:endParaRPr lang="en-US" sz="1200" dirty="0">
+              <a:latin typeface="Courier"/>
+              <a:cs typeface="Courier"/>
+            </a:endParaRPr>
+          </a:p>
+          <a:p>
+            <a:r>
+              <a:rPr lang="en-US" sz="1200" dirty="0">
+                <a:latin typeface="Courier"/>
+                <a:cs typeface="Courier"/>
+              </a:rPr>
+              <a:t>  .map { "new value is \($0)" }</a:t>
+            </a:r>
+          </a:p>
+          <a:p>
+            <a:r>
+              <a:rPr lang="en-US" sz="1200" dirty="0">
+                <a:latin typeface="Courier"/>
+                <a:cs typeface="Courier"/>
+              </a:rPr>
+              <a:t>  .bind(to: </a:t>
+            </a:r>
+            <a:r>
+              <a:rPr lang="en-US" sz="1200" dirty="0" err="1">
+                <a:latin typeface="Courier"/>
+                <a:cs typeface="Courier"/>
+              </a:rPr>
+              <a:t>myLabel.rx.text</a:t>
+            </a:r>
+            <a:r>
+              <a:rPr lang="en-US" sz="1200" dirty="0">
+                <a:latin typeface="Courier"/>
+                <a:cs typeface="Courier"/>
+              </a:rPr>
+              <a:t> )</a:t>
+            </a:r>
+          </a:p>
+          <a:p>
+            <a:r>
+              <a:rPr lang="en-US" sz="1200" dirty="0">
+                <a:latin typeface="Courier"/>
+                <a:cs typeface="Courier"/>
+              </a:rPr>
+              <a:t>  .disposed(by: bag)</a:t>
+            </a:r>
+            <a:endParaRPr lang="en-US" sz="1200" b="1" dirty="0" smtClean="0">
+              <a:latin typeface="Courier"/>
+              <a:cs typeface="Courier"/>
+            </a:endParaRPr>
+          </a:p>
+        </p:txBody>
+      </p:sp>
+      <p:sp>
+        <p:nvSpPr>
+          <p:cNvPr id="7" name="TextBox 6"/>
+          <p:cNvSpPr txBox="1"/>
+          <p:nvPr/>
+        </p:nvSpPr>
+        <p:spPr>
+          <a:xfrm>
+            <a:off x="272617" y="1410200"/>
+            <a:ext cx="2677978" cy="307777"/>
+          </a:xfrm>
+          <a:prstGeom prst="rect">
+            <a:avLst/>
+          </a:prstGeom>
+          <a:noFill/>
+        </p:spPr>
+        <p:txBody>
+          <a:bodyPr wrap="square" rtlCol="0">
+            <a:spAutoFit/>
+          </a:bodyPr>
+          <a:lstStyle/>
+          <a:p>
+            <a:r>
+              <a:rPr lang="en-US" b="1" dirty="0" err="1" smtClean="0">
+                <a:latin typeface="Courier"/>
+                <a:cs typeface="Courier"/>
+              </a:rPr>
+              <a:t>UILabel</a:t>
+            </a:r>
+            <a:endParaRPr lang="en-US" b="1" dirty="0" smtClean="0">
+              <a:latin typeface="Courier"/>
+              <a:cs typeface="Courier"/>
+            </a:endParaRPr>
+          </a:p>
+        </p:txBody>
+      </p:sp>
+      <p:sp>
+        <p:nvSpPr>
+          <p:cNvPr id="8" name="TextBox 7"/>
+          <p:cNvSpPr txBox="1"/>
+          <p:nvPr/>
+        </p:nvSpPr>
+        <p:spPr>
+          <a:xfrm>
+            <a:off x="272617" y="3054166"/>
+            <a:ext cx="6063764" cy="1754327"/>
+          </a:xfrm>
+          <a:prstGeom prst="rect">
+            <a:avLst/>
+          </a:prstGeom>
+          <a:noFill/>
+        </p:spPr>
+        <p:txBody>
+          <a:bodyPr wrap="square" rtlCol="0">
+            <a:spAutoFit/>
+          </a:bodyPr>
+          <a:lstStyle/>
+          <a:p>
+            <a:r>
+              <a:rPr lang="en-US" sz="1200" dirty="0">
+                <a:latin typeface="Courier"/>
+                <a:cs typeface="Courier"/>
+              </a:rPr>
+              <a:t> extension Reactive where Base: </a:t>
+            </a:r>
+            <a:r>
+              <a:rPr lang="en-US" sz="1200" dirty="0" err="1">
+                <a:latin typeface="Courier"/>
+                <a:cs typeface="Courier"/>
+              </a:rPr>
+              <a:t>UILabel</a:t>
+            </a:r>
+            <a:r>
+              <a:rPr lang="en-US" sz="1200" dirty="0">
+                <a:latin typeface="Courier"/>
+                <a:cs typeface="Courier"/>
+              </a:rPr>
+              <a:t> {</a:t>
+            </a:r>
+          </a:p>
+          <a:p>
+            <a:r>
+              <a:rPr lang="en-US" sz="1200" dirty="0">
+                <a:latin typeface="Courier"/>
+                <a:cs typeface="Courier"/>
+              </a:rPr>
+              <a:t>    </a:t>
+            </a:r>
+          </a:p>
+          <a:p>
+            <a:r>
+              <a:rPr lang="en-US" sz="1200" dirty="0">
+                <a:latin typeface="Courier"/>
+                <a:cs typeface="Courier"/>
+              </a:rPr>
+              <a:t>    /// </a:t>
+            </a:r>
+            <a:r>
+              <a:rPr lang="en-US" sz="1200" dirty="0" err="1">
+                <a:latin typeface="Courier"/>
+                <a:cs typeface="Courier"/>
+              </a:rPr>
+              <a:t>Bindable</a:t>
+            </a:r>
+            <a:r>
+              <a:rPr lang="en-US" sz="1200" dirty="0">
+                <a:latin typeface="Courier"/>
+                <a:cs typeface="Courier"/>
+              </a:rPr>
+              <a:t> sink for `text` property.</a:t>
+            </a:r>
+          </a:p>
+          <a:p>
+            <a:r>
+              <a:rPr lang="en-US" sz="1200" dirty="0">
+                <a:latin typeface="Courier"/>
+                <a:cs typeface="Courier"/>
+              </a:rPr>
+              <a:t>    public </a:t>
+            </a:r>
+            <a:r>
+              <a:rPr lang="en-US" sz="1200" dirty="0" err="1">
+                <a:latin typeface="Courier"/>
+                <a:cs typeface="Courier"/>
+              </a:rPr>
+              <a:t>var</a:t>
+            </a:r>
+            <a:r>
+              <a:rPr lang="en-US" sz="1200" dirty="0">
+                <a:latin typeface="Courier"/>
+                <a:cs typeface="Courier"/>
+              </a:rPr>
+              <a:t> text: Binder&lt;String?&gt; {</a:t>
+            </a:r>
+          </a:p>
+          <a:p>
+            <a:r>
+              <a:rPr lang="en-US" sz="1200" dirty="0">
+                <a:latin typeface="Courier"/>
+                <a:cs typeface="Courier"/>
+              </a:rPr>
+              <a:t>        return Binder(</a:t>
+            </a:r>
+            <a:r>
+              <a:rPr lang="en-US" sz="1200" dirty="0" err="1">
+                <a:latin typeface="Courier"/>
+                <a:cs typeface="Courier"/>
+              </a:rPr>
+              <a:t>self.base</a:t>
+            </a:r>
+            <a:r>
+              <a:rPr lang="en-US" sz="1200" dirty="0">
+                <a:latin typeface="Courier"/>
+                <a:cs typeface="Courier"/>
+              </a:rPr>
+              <a:t>) { label, text in</a:t>
+            </a:r>
+          </a:p>
+          <a:p>
+            <a:r>
+              <a:rPr lang="en-US" sz="1200" dirty="0">
+                <a:latin typeface="Courier"/>
+                <a:cs typeface="Courier"/>
+              </a:rPr>
+              <a:t>            </a:t>
+            </a:r>
+            <a:r>
+              <a:rPr lang="en-US" sz="1200" dirty="0" err="1">
+                <a:latin typeface="Courier"/>
+                <a:cs typeface="Courier"/>
+              </a:rPr>
+              <a:t>label.text</a:t>
+            </a:r>
+            <a:r>
+              <a:rPr lang="en-US" sz="1200" dirty="0">
+                <a:latin typeface="Courier"/>
+                <a:cs typeface="Courier"/>
+              </a:rPr>
+              <a:t> = text</a:t>
+            </a:r>
+          </a:p>
+          <a:p>
+            <a:r>
+              <a:rPr lang="en-US" sz="1200" dirty="0">
+                <a:latin typeface="Courier"/>
+                <a:cs typeface="Courier"/>
+              </a:rPr>
+              <a:t>        }</a:t>
+            </a:r>
+          </a:p>
+          <a:p>
+            <a:r>
+              <a:rPr lang="en-US" sz="1200" dirty="0">
+                <a:latin typeface="Courier"/>
+                <a:cs typeface="Courier"/>
+              </a:rPr>
+              <a:t>    }</a:t>
+            </a:r>
+          </a:p>
+          <a:p>
+            <a:r>
+              <a:rPr lang="en-US" sz="1200" dirty="0">
+                <a:latin typeface="Courier"/>
+                <a:cs typeface="Courier"/>
+              </a:rPr>
+              <a:t>}</a:t>
+            </a:r>
+            <a:endParaRPr lang="en-US" sz="1200" b="1" dirty="0" smtClean="0">
+              <a:latin typeface="Courier"/>
+              <a:cs typeface="Courier"/>
+            </a:endParaRPr>
+          </a:p>
+        </p:txBody>
+      </p:sp>
+    </p:spTree>
+    <p:extLst>
+      <p:ext uri="{BB962C8B-B14F-4D97-AF65-F5344CB8AC3E}">
+        <p14:creationId xmlns:p14="http://schemas.microsoft.com/office/powerpoint/2010/main" val="300885360"/>
+      </p:ext>
+    </p:extLst>
+  </p:cSld>
+  <p:clrMapOvr>
+    <a:masterClrMapping/>
+  </p:clrMapOvr>
+  <p:timing>
+    <p:tnLst>
+      <p:par>
+        <p:cTn xmlns:p14="http://schemas.microsoft.com/office/powerpoint/2010/main" id="1" dur="indefinite" restart="never" nodeType="tmRoot"/>
+      </p:par>
+    </p:tnLst>
+  </p:timing>
+</p:sld>
+</file>
+
+<file path=ppt/slides/slide16.xml><?xml version="1.0" encoding="utf-8"?>
+<p:sld xmlns:a="http://schemas.openxmlformats.org/drawingml/2006/main" xmlns:r="http://schemas.openxmlformats.org/officeDocument/2006/relationships" xmlns:p="http://schemas.openxmlformats.org/presentationml/2006/main">
+  <p:cSld>
+    <p:spTree>
+      <p:nvGrpSpPr>
+        <p:cNvPr id="1" name="Shape 188"/>
+        <p:cNvGrpSpPr/>
+        <p:nvPr/>
+      </p:nvGrpSpPr>
+      <p:grpSpPr>
+        <a:xfrm>
+          <a:off x="0" y="0"/>
+          <a:ext cx="0" cy="0"/>
+          <a:chOff x="0" y="0"/>
+          <a:chExt cx="0" cy="0"/>
+        </a:xfrm>
+      </p:grpSpPr>
+      <p:sp>
+        <p:nvSpPr>
+          <p:cNvPr id="189" name="Shape 189"/>
+          <p:cNvSpPr txBox="1">
+            <a:spLocks noGrp="1"/>
+          </p:cNvSpPr>
+          <p:nvPr>
+            <p:ph type="title"/>
+          </p:nvPr>
+        </p:nvSpPr>
+        <p:spPr>
+          <a:xfrm>
+            <a:off x="1052178" y="392575"/>
+            <a:ext cx="5600876" cy="766200"/>
+          </a:xfrm>
+          <a:prstGeom prst="rect">
+            <a:avLst/>
+          </a:prstGeom>
+        </p:spPr>
+        <p:txBody>
+          <a:bodyPr wrap="square" lIns="91425" tIns="91425" rIns="91425" bIns="91425" anchor="ctr" anchorCtr="0">
+            <a:noAutofit/>
+          </a:bodyPr>
+          <a:lstStyle/>
+          <a:p>
+            <a:pPr lvl="0" rtl="0">
+              <a:spcBef>
+                <a:spcPts val="0"/>
+              </a:spcBef>
+              <a:buNone/>
+            </a:pPr>
+            <a:r>
+              <a:rPr lang="en-US" dirty="0" smtClean="0"/>
+              <a:t>Adding a reactive extension to Custom UI Element</a:t>
+            </a:r>
+            <a:endParaRPr lang="en" dirty="0"/>
+          </a:p>
+        </p:txBody>
+      </p:sp>
+      <p:sp>
+        <p:nvSpPr>
+          <p:cNvPr id="192" name="Shape 192"/>
+          <p:cNvSpPr txBox="1">
+            <a:spLocks noGrp="1"/>
+          </p:cNvSpPr>
+          <p:nvPr>
+            <p:ph type="sldNum" idx="12"/>
+          </p:nvPr>
+        </p:nvSpPr>
+        <p:spPr>
+          <a:xfrm>
+            <a:off x="7618000" y="4636500"/>
+            <a:ext cx="1487400" cy="315600"/>
+          </a:xfrm>
+          <a:prstGeom prst="rect">
+            <a:avLst/>
+          </a:prstGeom>
+        </p:spPr>
+        <p:txBody>
+          <a:bodyPr wrap="square" lIns="91425" tIns="91425" rIns="91425" bIns="91425" anchor="ctr" anchorCtr="0">
+            <a:noAutofit/>
+          </a:bodyPr>
+          <a:lstStyle/>
+          <a:p>
+            <a:pPr lvl="0">
+              <a:spcBef>
+                <a:spcPts val="0"/>
+              </a:spcBef>
+              <a:buNone/>
+            </a:pPr>
+            <a:fld id="{00000000-1234-1234-1234-123412341234}" type="slidenum">
+              <a:rPr lang="en"/>
+              <a:t>16</a:t>
+            </a:fld>
+            <a:endParaRPr lang="en"/>
+          </a:p>
+        </p:txBody>
+      </p:sp>
+      <p:pic>
+        <p:nvPicPr>
+          <p:cNvPr id="2" name="Picture 1" descr="Rx_Logo_M.png"/>
+          <p:cNvPicPr>
+            <a:picLocks noChangeAspect="1"/>
+          </p:cNvPicPr>
+          <p:nvPr/>
+        </p:nvPicPr>
+        <p:blipFill>
+          <a:blip r:embed="rId3">
+            <a:extLst>
+              <a:ext uri="{28A0092B-C50C-407E-A947-70E740481C1C}">
+                <a14:useLocalDpi xmlns:a14="http://schemas.microsoft.com/office/drawing/2010/main" val="0"/>
+              </a:ext>
+            </a:extLst>
+          </a:blip>
+          <a:stretch>
+            <a:fillRect/>
+          </a:stretch>
+        </p:blipFill>
+        <p:spPr>
+          <a:xfrm>
+            <a:off x="151129" y="442005"/>
+            <a:ext cx="663146" cy="663146"/>
+          </a:xfrm>
+          <a:prstGeom prst="rect">
+            <a:avLst/>
+          </a:prstGeom>
+        </p:spPr>
+      </p:pic>
+      <p:sp>
+        <p:nvSpPr>
+          <p:cNvPr id="6" name="TextBox 5"/>
+          <p:cNvSpPr txBox="1"/>
+          <p:nvPr/>
+        </p:nvSpPr>
+        <p:spPr>
+          <a:xfrm>
+            <a:off x="272617" y="1859164"/>
+            <a:ext cx="8016848" cy="646331"/>
+          </a:xfrm>
+          <a:prstGeom prst="rect">
+            <a:avLst/>
+          </a:prstGeom>
+          <a:noFill/>
+        </p:spPr>
+        <p:txBody>
+          <a:bodyPr wrap="square" rtlCol="0">
+            <a:spAutoFit/>
+          </a:bodyPr>
+          <a:lstStyle/>
+          <a:p>
+            <a:r>
+              <a:rPr lang="en-US" sz="1200" dirty="0">
+                <a:latin typeface="Courier"/>
+                <a:cs typeface="Courier"/>
+              </a:rPr>
+              <a:t>Observable&lt;</a:t>
+            </a:r>
+            <a:r>
+              <a:rPr lang="en-US" sz="1200" dirty="0" err="1">
+                <a:latin typeface="Courier"/>
+                <a:cs typeface="Courier"/>
+              </a:rPr>
+              <a:t>Int</a:t>
+            </a:r>
+            <a:r>
+              <a:rPr lang="en-US" sz="1200" dirty="0">
+                <a:latin typeface="Courier"/>
+                <a:cs typeface="Courier"/>
+              </a:rPr>
+              <a:t>&gt;.timer(0.0, period: 0.15, scheduler: </a:t>
+            </a:r>
+            <a:r>
+              <a:rPr lang="en-US" sz="1200" dirty="0" err="1">
+                <a:latin typeface="Courier"/>
+                <a:cs typeface="Courier"/>
+              </a:rPr>
+              <a:t>MainScheduler.instance</a:t>
+            </a:r>
+            <a:r>
+              <a:rPr lang="en-US" sz="1200" dirty="0">
+                <a:latin typeface="Courier"/>
+                <a:cs typeface="Courier"/>
+              </a:rPr>
+              <a:t>)</a:t>
+            </a:r>
+          </a:p>
+          <a:p>
+            <a:r>
+              <a:rPr lang="en-US" sz="1200" dirty="0" smtClean="0">
+                <a:latin typeface="Courier"/>
+                <a:cs typeface="Courier"/>
+              </a:rPr>
+              <a:t>   .</a:t>
+            </a:r>
+            <a:r>
+              <a:rPr lang="en-US" sz="1200" dirty="0">
+                <a:latin typeface="Courier"/>
+                <a:cs typeface="Courier"/>
+              </a:rPr>
+              <a:t>bind(to: </a:t>
+            </a:r>
+            <a:r>
+              <a:rPr lang="en-US" sz="1200" dirty="0" err="1">
+                <a:latin typeface="Courier"/>
+                <a:cs typeface="Courier"/>
+              </a:rPr>
+              <a:t>SwiftSpinner.sharedInstance.rx.progress</a:t>
+            </a:r>
+            <a:r>
+              <a:rPr lang="en-US" sz="1200" dirty="0">
+                <a:latin typeface="Courier"/>
+                <a:cs typeface="Courier"/>
+              </a:rPr>
+              <a:t> )</a:t>
+            </a:r>
+          </a:p>
+          <a:p>
+            <a:r>
+              <a:rPr lang="en-US" sz="1200" dirty="0" smtClean="0">
+                <a:latin typeface="Courier"/>
+                <a:cs typeface="Courier"/>
+              </a:rPr>
+              <a:t>   .</a:t>
+            </a:r>
+            <a:r>
+              <a:rPr lang="en-US" sz="1200" dirty="0">
+                <a:latin typeface="Courier"/>
+                <a:cs typeface="Courier"/>
+              </a:rPr>
+              <a:t>disposed(by: bag)</a:t>
+            </a:r>
+            <a:endParaRPr lang="en-US" sz="1200" b="1" dirty="0" smtClean="0">
+              <a:latin typeface="Courier"/>
+              <a:cs typeface="Courier"/>
+            </a:endParaRPr>
+          </a:p>
+        </p:txBody>
+      </p:sp>
+      <p:sp>
+        <p:nvSpPr>
+          <p:cNvPr id="8" name="TextBox 7"/>
+          <p:cNvSpPr txBox="1"/>
+          <p:nvPr/>
+        </p:nvSpPr>
+        <p:spPr>
+          <a:xfrm>
+            <a:off x="37908" y="3054166"/>
+            <a:ext cx="9105400" cy="1569660"/>
+          </a:xfrm>
+          <a:prstGeom prst="rect">
+            <a:avLst/>
+          </a:prstGeom>
+          <a:noFill/>
+        </p:spPr>
+        <p:txBody>
+          <a:bodyPr wrap="square" rtlCol="0">
+            <a:spAutoFit/>
+          </a:bodyPr>
+          <a:lstStyle/>
+          <a:p>
+            <a:r>
+              <a:rPr lang="en-US" sz="1200" dirty="0">
+                <a:latin typeface="Courier"/>
+                <a:cs typeface="Courier"/>
+              </a:rPr>
+              <a:t>extension Reactive where Base: </a:t>
+            </a:r>
+            <a:r>
+              <a:rPr lang="en-US" sz="1200" dirty="0" err="1">
+                <a:latin typeface="Courier"/>
+                <a:cs typeface="Courier"/>
+              </a:rPr>
+              <a:t>SwiftSpinner</a:t>
+            </a:r>
+            <a:r>
+              <a:rPr lang="en-US" sz="1200" dirty="0">
+                <a:latin typeface="Courier"/>
+                <a:cs typeface="Courier"/>
+              </a:rPr>
+              <a:t> {</a:t>
+            </a:r>
+          </a:p>
+          <a:p>
+            <a:r>
+              <a:rPr lang="en-US" sz="1200" dirty="0">
+                <a:latin typeface="Courier"/>
+                <a:cs typeface="Courier"/>
+              </a:rPr>
+              <a:t>    public </a:t>
+            </a:r>
+            <a:r>
+              <a:rPr lang="en-US" sz="1200" dirty="0" err="1">
+                <a:latin typeface="Courier"/>
+                <a:cs typeface="Courier"/>
+              </a:rPr>
+              <a:t>var</a:t>
+            </a:r>
+            <a:r>
+              <a:rPr lang="en-US" sz="1200" dirty="0">
+                <a:latin typeface="Courier"/>
+                <a:cs typeface="Courier"/>
+              </a:rPr>
+              <a:t> progress: </a:t>
+            </a:r>
+            <a:r>
+              <a:rPr lang="en-US" sz="1200" dirty="0" smtClean="0">
+                <a:latin typeface="Courier"/>
+                <a:cs typeface="Courier"/>
+              </a:rPr>
+              <a:t>Binder&lt;</a:t>
+            </a:r>
+            <a:r>
+              <a:rPr lang="en-US" sz="1200" dirty="0" err="1" smtClean="0">
+                <a:latin typeface="Courier"/>
+                <a:cs typeface="Courier"/>
+              </a:rPr>
+              <a:t>Int</a:t>
+            </a:r>
+            <a:r>
+              <a:rPr lang="en-US" sz="1200" dirty="0">
+                <a:latin typeface="Courier"/>
+                <a:cs typeface="Courier"/>
+              </a:rPr>
+              <a:t>&gt; {</a:t>
+            </a:r>
+          </a:p>
+          <a:p>
+            <a:r>
+              <a:rPr lang="en-US" sz="1200" dirty="0">
+                <a:latin typeface="Courier"/>
+                <a:cs typeface="Courier"/>
+              </a:rPr>
+              <a:t>        return </a:t>
+            </a:r>
+            <a:r>
+              <a:rPr lang="en-US" sz="1200" dirty="0" smtClean="0">
+                <a:latin typeface="Courier"/>
+                <a:cs typeface="Courier"/>
+              </a:rPr>
+              <a:t>Binder(</a:t>
+            </a:r>
+            <a:r>
+              <a:rPr lang="en-US" sz="1200" dirty="0" err="1" smtClean="0">
+                <a:latin typeface="Courier"/>
+                <a:cs typeface="Courier"/>
+              </a:rPr>
+              <a:t>self.base</a:t>
+            </a:r>
+            <a:r>
+              <a:rPr lang="en-US" sz="1200" dirty="0">
+                <a:latin typeface="Courier"/>
+                <a:cs typeface="Courier"/>
+              </a:rPr>
+              <a:t>) { spinner, progress in</a:t>
+            </a:r>
+          </a:p>
+          <a:p>
+            <a:r>
+              <a:rPr lang="en-US" sz="1200" dirty="0">
+                <a:latin typeface="Courier"/>
+                <a:cs typeface="Courier"/>
+              </a:rPr>
+              <a:t>            let progress = max(0, min(progress, 100))</a:t>
+            </a:r>
+          </a:p>
+          <a:p>
+            <a:r>
+              <a:rPr lang="en-US" sz="1200" dirty="0">
+                <a:latin typeface="Courier"/>
+                <a:cs typeface="Courier"/>
+              </a:rPr>
+              <a:t>            </a:t>
+            </a:r>
+            <a:r>
+              <a:rPr lang="en-US" sz="1200" dirty="0" err="1">
+                <a:latin typeface="Courier"/>
+                <a:cs typeface="Courier"/>
+              </a:rPr>
+              <a:t>SwiftSpinner.show</a:t>
+            </a:r>
+            <a:r>
+              <a:rPr lang="en-US" sz="1200" dirty="0">
+                <a:latin typeface="Courier"/>
+                <a:cs typeface="Courier"/>
+              </a:rPr>
+              <a:t>(progress: Double(progress)/100.0, title: "\(progress)% completed")</a:t>
+            </a:r>
+          </a:p>
+          <a:p>
+            <a:r>
+              <a:rPr lang="en-US" sz="1200" dirty="0">
+                <a:latin typeface="Courier"/>
+                <a:cs typeface="Courier"/>
+              </a:rPr>
+              <a:t>        }</a:t>
+            </a:r>
+          </a:p>
+          <a:p>
+            <a:r>
+              <a:rPr lang="en-US" sz="1200" dirty="0">
+                <a:latin typeface="Courier"/>
+                <a:cs typeface="Courier"/>
+              </a:rPr>
+              <a:t>    }</a:t>
+            </a:r>
+          </a:p>
+          <a:p>
+            <a:r>
+              <a:rPr lang="en-US" sz="1200" dirty="0">
+                <a:latin typeface="Courier"/>
+                <a:cs typeface="Courier"/>
+              </a:rPr>
+              <a:t>}</a:t>
+            </a:r>
+            <a:endParaRPr lang="en-US" sz="1200" b="1" dirty="0" smtClean="0">
+              <a:latin typeface="Courier"/>
+              <a:cs typeface="Courier"/>
+            </a:endParaRPr>
+          </a:p>
+        </p:txBody>
+      </p:sp>
+      <p:sp>
+        <p:nvSpPr>
+          <p:cNvPr id="9" name="TextBox 8"/>
+          <p:cNvSpPr txBox="1"/>
+          <p:nvPr/>
+        </p:nvSpPr>
+        <p:spPr>
+          <a:xfrm>
+            <a:off x="272617" y="1410200"/>
+            <a:ext cx="2677978" cy="307777"/>
+          </a:xfrm>
+          <a:prstGeom prst="rect">
+            <a:avLst/>
+          </a:prstGeom>
+          <a:noFill/>
+        </p:spPr>
+        <p:txBody>
+          <a:bodyPr wrap="square" rtlCol="0">
+            <a:spAutoFit/>
+          </a:bodyPr>
+          <a:lstStyle/>
+          <a:p>
+            <a:r>
+              <a:rPr lang="en-US" b="1" dirty="0" err="1">
+                <a:latin typeface="Courier"/>
+                <a:cs typeface="Courier"/>
+              </a:rPr>
+              <a:t>SwiftSpinner</a:t>
+            </a:r>
+            <a:endParaRPr lang="en-US" b="1" dirty="0" smtClean="0">
+              <a:latin typeface="Courier"/>
+              <a:cs typeface="Courier"/>
+            </a:endParaRPr>
+          </a:p>
+        </p:txBody>
+      </p:sp>
+    </p:spTree>
+    <p:extLst>
+      <p:ext uri="{BB962C8B-B14F-4D97-AF65-F5344CB8AC3E}">
+        <p14:creationId xmlns:p14="http://schemas.microsoft.com/office/powerpoint/2010/main" val="431115927"/>
+      </p:ext>
+    </p:extLst>
+  </p:cSld>
+  <p:clrMapOvr>
+    <a:masterClrMapping/>
+  </p:clrMapOvr>
+  <p:timing>
+    <p:tnLst>
+      <p:par>
+        <p:cTn xmlns:p14="http://schemas.microsoft.com/office/powerpoint/2010/main" id="1" dur="indefinite" restart="never" nodeType="tmRoot"/>
+      </p:par>
+    </p:tnLst>
+  </p:timing>
+</p:sld>
+</file>
+
+<file path=ppt/slides/slide17.xml><?xml version="1.0" encoding="utf-8"?>
+<p:sld xmlns:a="http://schemas.openxmlformats.org/drawingml/2006/main" xmlns:r="http://schemas.openxmlformats.org/officeDocument/2006/relationships" xmlns:p="http://schemas.openxmlformats.org/presentationml/2006/main">
+  <p:cSld>
+    <p:spTree>
+      <p:nvGrpSpPr>
+        <p:cNvPr id="1" name="Shape 188"/>
+        <p:cNvGrpSpPr/>
+        <p:nvPr/>
+      </p:nvGrpSpPr>
+      <p:grpSpPr>
+        <a:xfrm>
+          <a:off x="0" y="0"/>
+          <a:ext cx="0" cy="0"/>
+          <a:chOff x="0" y="0"/>
+          <a:chExt cx="0" cy="0"/>
+        </a:xfrm>
+      </p:grpSpPr>
+      <p:sp>
+        <p:nvSpPr>
+          <p:cNvPr id="189" name="Shape 189"/>
+          <p:cNvSpPr txBox="1">
+            <a:spLocks noGrp="1"/>
+          </p:cNvSpPr>
+          <p:nvPr>
+            <p:ph type="title"/>
+          </p:nvPr>
+        </p:nvSpPr>
+        <p:spPr>
+          <a:xfrm>
+            <a:off x="1052178" y="392575"/>
+            <a:ext cx="5600876" cy="766200"/>
+          </a:xfrm>
+          <a:prstGeom prst="rect">
+            <a:avLst/>
+          </a:prstGeom>
+        </p:spPr>
+        <p:txBody>
+          <a:bodyPr wrap="square" lIns="91425" tIns="91425" rIns="91425" bIns="91425" anchor="ctr" anchorCtr="0">
+            <a:noAutofit/>
+          </a:bodyPr>
+          <a:lstStyle/>
+          <a:p>
+            <a:pPr lvl="0"/>
+            <a:r>
+              <a:rPr lang="en" dirty="0"/>
+              <a:t>RxDataSources</a:t>
+            </a:r>
+          </a:p>
+        </p:txBody>
+      </p:sp>
+      <p:sp>
+        <p:nvSpPr>
+          <p:cNvPr id="192" name="Shape 192"/>
+          <p:cNvSpPr txBox="1">
+            <a:spLocks noGrp="1"/>
+          </p:cNvSpPr>
+          <p:nvPr>
+            <p:ph type="sldNum" idx="12"/>
+          </p:nvPr>
+        </p:nvSpPr>
+        <p:spPr>
+          <a:xfrm>
+            <a:off x="7618000" y="4636500"/>
+            <a:ext cx="1487400" cy="315600"/>
+          </a:xfrm>
+          <a:prstGeom prst="rect">
+            <a:avLst/>
+          </a:prstGeom>
+        </p:spPr>
+        <p:txBody>
+          <a:bodyPr wrap="square" lIns="91425" tIns="91425" rIns="91425" bIns="91425" anchor="ctr" anchorCtr="0">
+            <a:noAutofit/>
+          </a:bodyPr>
+          <a:lstStyle/>
+          <a:p>
+            <a:pPr lvl="0">
+              <a:spcBef>
+                <a:spcPts val="0"/>
+              </a:spcBef>
+              <a:buNone/>
+            </a:pPr>
+            <a:fld id="{00000000-1234-1234-1234-123412341234}" type="slidenum">
+              <a:rPr lang="en"/>
+              <a:t>17</a:t>
+            </a:fld>
+            <a:endParaRPr lang="en"/>
+          </a:p>
+        </p:txBody>
+      </p:sp>
+      <p:pic>
+        <p:nvPicPr>
+          <p:cNvPr id="2" name="Picture 1" descr="Rx_Logo_M.png"/>
+          <p:cNvPicPr>
+            <a:picLocks noChangeAspect="1"/>
+          </p:cNvPicPr>
+          <p:nvPr/>
+        </p:nvPicPr>
+        <p:blipFill>
+          <a:blip r:embed="rId3">
+            <a:extLst>
+              <a:ext uri="{28A0092B-C50C-407E-A947-70E740481C1C}">
+                <a14:useLocalDpi xmlns:a14="http://schemas.microsoft.com/office/drawing/2010/main" val="0"/>
+              </a:ext>
+            </a:extLst>
+          </a:blip>
+          <a:stretch>
+            <a:fillRect/>
+          </a:stretch>
+        </p:blipFill>
+        <p:spPr>
+          <a:xfrm>
+            <a:off x="151129" y="442005"/>
+            <a:ext cx="663146" cy="663146"/>
+          </a:xfrm>
+          <a:prstGeom prst="rect">
+            <a:avLst/>
+          </a:prstGeom>
+        </p:spPr>
+      </p:pic>
+      <p:sp>
+        <p:nvSpPr>
+          <p:cNvPr id="6" name="TextBox 5"/>
+          <p:cNvSpPr txBox="1"/>
+          <p:nvPr/>
+        </p:nvSpPr>
+        <p:spPr>
+          <a:xfrm>
+            <a:off x="272617" y="1859164"/>
+            <a:ext cx="7909439" cy="1815882"/>
+          </a:xfrm>
+          <a:prstGeom prst="rect">
+            <a:avLst/>
+          </a:prstGeom>
+          <a:noFill/>
+        </p:spPr>
+        <p:txBody>
+          <a:bodyPr wrap="square" rtlCol="0">
+            <a:spAutoFit/>
+          </a:bodyPr>
+          <a:lstStyle/>
+          <a:p>
+            <a:r>
+              <a:rPr lang="en-US" dirty="0"/>
+              <a:t>Using </a:t>
+            </a:r>
+            <a:r>
+              <a:rPr lang="en-US" b="1" dirty="0" err="1"/>
+              <a:t>RxDataSources</a:t>
+            </a:r>
+            <a:r>
+              <a:rPr lang="en-US" dirty="0"/>
+              <a:t> requires more work to learn its idioms, but offers more powerful, advanced features. Instead of a simple array of data, it requires you to provide contents using objects which conform to the </a:t>
+            </a:r>
+            <a:r>
+              <a:rPr lang="en-US" b="1" dirty="0" err="1"/>
+              <a:t>SectionModelType</a:t>
+            </a:r>
+            <a:r>
+              <a:rPr lang="en-US" dirty="0"/>
+              <a:t> protocol. </a:t>
+            </a:r>
+            <a:endParaRPr lang="en-US" dirty="0" smtClean="0"/>
+          </a:p>
+          <a:p>
+            <a:endParaRPr lang="en-US" dirty="0"/>
+          </a:p>
+          <a:p>
+            <a:r>
+              <a:rPr lang="en-US" dirty="0" smtClean="0"/>
+              <a:t>Each </a:t>
+            </a:r>
+            <a:r>
+              <a:rPr lang="en-US" dirty="0"/>
+              <a:t>section itself contains the actual objects. For sections with multiple object types, use the </a:t>
+            </a:r>
+            <a:r>
+              <a:rPr lang="en-US" dirty="0" err="1"/>
+              <a:t>enum</a:t>
+            </a:r>
+            <a:r>
+              <a:rPr lang="en-US" dirty="0"/>
+              <a:t> technique shown above to differentiate the types</a:t>
+            </a:r>
+            <a:r>
+              <a:rPr lang="en-US" dirty="0" smtClean="0"/>
+              <a:t>.</a:t>
+            </a:r>
+          </a:p>
+          <a:p>
+            <a:endParaRPr lang="en-US" dirty="0"/>
+          </a:p>
+          <a:p>
+            <a:r>
+              <a:rPr lang="en-US" b="1" i="1" dirty="0"/>
+              <a:t>https://</a:t>
+            </a:r>
+            <a:r>
+              <a:rPr lang="en-US" b="1" i="1" dirty="0" err="1"/>
+              <a:t>github.com</a:t>
+            </a:r>
+            <a:r>
+              <a:rPr lang="en-US" b="1" i="1" dirty="0"/>
+              <a:t>/</a:t>
+            </a:r>
+            <a:r>
+              <a:rPr lang="en-US" b="1" i="1" dirty="0" err="1"/>
+              <a:t>RxSwiftCommunity</a:t>
+            </a:r>
+            <a:r>
+              <a:rPr lang="en-US" b="1" i="1" dirty="0"/>
+              <a:t>/</a:t>
+            </a:r>
+            <a:r>
+              <a:rPr lang="en-US" b="1" i="1" dirty="0" err="1"/>
+              <a:t>RxDataSources</a:t>
+            </a:r>
+            <a:endParaRPr lang="en-US" b="1" i="1" dirty="0"/>
+          </a:p>
+        </p:txBody>
+      </p:sp>
+    </p:spTree>
+    <p:extLst>
+      <p:ext uri="{BB962C8B-B14F-4D97-AF65-F5344CB8AC3E}">
+        <p14:creationId xmlns:p14="http://schemas.microsoft.com/office/powerpoint/2010/main" val="1409506867"/>
+      </p:ext>
+    </p:extLst>
+  </p:cSld>
+  <p:clrMapOvr>
+    <a:masterClrMapping/>
+  </p:clrMapOvr>
+  <p:timing>
+    <p:tnLst>
+      <p:par>
+        <p:cTn xmlns:p14="http://schemas.microsoft.com/office/powerpoint/2010/main" id="1" dur="indefinite" restart="never" nodeType="tmRoot"/>
+      </p:par>
+    </p:tnLst>
+  </p:timing>
+</p:sld>
+</file>
+
+<file path=ppt/slides/slide18.xml><?xml version="1.0" encoding="utf-8"?>
+<p:sld xmlns:a="http://schemas.openxmlformats.org/drawingml/2006/main" xmlns:r="http://schemas.openxmlformats.org/officeDocument/2006/relationships" xmlns:p="http://schemas.openxmlformats.org/presentationml/2006/main">
+  <p:cSld>
+    <p:spTree>
+      <p:nvGrpSpPr>
+        <p:cNvPr id="1" name="Shape 188"/>
+        <p:cNvGrpSpPr/>
+        <p:nvPr/>
+      </p:nvGrpSpPr>
+      <p:grpSpPr>
+        <a:xfrm>
+          <a:off x="0" y="0"/>
+          <a:ext cx="0" cy="0"/>
+          <a:chOff x="0" y="0"/>
+          <a:chExt cx="0" cy="0"/>
+        </a:xfrm>
+      </p:grpSpPr>
+      <p:sp>
+        <p:nvSpPr>
+          <p:cNvPr id="189" name="Shape 189"/>
+          <p:cNvSpPr txBox="1">
+            <a:spLocks noGrp="1"/>
+          </p:cNvSpPr>
+          <p:nvPr>
+            <p:ph type="title"/>
+          </p:nvPr>
+        </p:nvSpPr>
+        <p:spPr>
+          <a:xfrm>
+            <a:off x="1052178" y="392575"/>
+            <a:ext cx="5600876" cy="766200"/>
+          </a:xfrm>
+          <a:prstGeom prst="rect">
+            <a:avLst/>
+          </a:prstGeom>
+        </p:spPr>
+        <p:txBody>
+          <a:bodyPr wrap="square" lIns="91425" tIns="91425" rIns="91425" bIns="91425" anchor="ctr" anchorCtr="0">
+            <a:noAutofit/>
+          </a:bodyPr>
+          <a:lstStyle/>
+          <a:p>
+            <a:pPr lvl="0"/>
+            <a:r>
+              <a:rPr lang="en" dirty="0" smtClean="0"/>
+              <a:t>Lab</a:t>
+            </a:r>
+            <a:endParaRPr lang="en" dirty="0"/>
+          </a:p>
+        </p:txBody>
+      </p:sp>
+      <p:sp>
+        <p:nvSpPr>
+          <p:cNvPr id="192" name="Shape 192"/>
+          <p:cNvSpPr txBox="1">
+            <a:spLocks noGrp="1"/>
+          </p:cNvSpPr>
+          <p:nvPr>
+            <p:ph type="sldNum" idx="12"/>
+          </p:nvPr>
+        </p:nvSpPr>
+        <p:spPr>
+          <a:xfrm>
+            <a:off x="7618000" y="4636500"/>
+            <a:ext cx="1487400" cy="315600"/>
+          </a:xfrm>
+          <a:prstGeom prst="rect">
+            <a:avLst/>
+          </a:prstGeom>
+        </p:spPr>
+        <p:txBody>
+          <a:bodyPr wrap="square" lIns="91425" tIns="91425" rIns="91425" bIns="91425" anchor="ctr" anchorCtr="0">
+            <a:noAutofit/>
+          </a:bodyPr>
+          <a:lstStyle/>
+          <a:p>
+            <a:pPr lvl="0">
+              <a:spcBef>
+                <a:spcPts val="0"/>
+              </a:spcBef>
+              <a:buNone/>
+            </a:pPr>
+            <a:fld id="{00000000-1234-1234-1234-123412341234}" type="slidenum">
+              <a:rPr lang="en"/>
+              <a:t>18</a:t>
             </a:fld>
             <a:endParaRPr lang="en"/>
           </a:p>
@@ -5215,8 +9653,8 @@
         </p:nvSpPr>
         <p:spPr>
           <a:xfrm>
-            <a:off x="151129" y="1447005"/>
-            <a:ext cx="8891026" cy="3353768"/>
+            <a:off x="151129" y="1367692"/>
+            <a:ext cx="8891026" cy="3775807"/>
           </a:xfrm>
           <a:prstGeom prst="rect">
             <a:avLst/>
@@ -5292,17 +9730,12 @@
             </a:r>
             <a:r>
               <a:rPr lang="en-US" dirty="0" smtClean="0"/>
-              <a:t>Binding Track Activity (show / hide ‘Loading</a:t>
-            </a:r>
-            <a:r>
-              <a:rPr lang="en-US" smtClean="0"/>
-              <a:t>’ </a:t>
-            </a:r>
-            <a:r>
-              <a:rPr lang="en-US"/>
+              <a:t>Binding Track Activity (show / hide ‘Loading’ </a:t>
+            </a:r>
+            <a:r>
+              <a:rPr lang="en-US" dirty="0"/>
               <a:t>), Scan Operator</a:t>
             </a:r>
-            <a:endParaRPr lang="en-US" dirty="0"/>
           </a:p>
           <a:p>
             <a:r>
@@ -5319,33 +9752,38 @@
             </a:r>
             <a:r>
               <a:rPr lang="en-US" b="1" dirty="0" smtClean="0"/>
-              <a:t> Adding </a:t>
+              <a:t> Binding</a:t>
+            </a:r>
+            <a:r>
+              <a:rPr lang="en-US" b="1" dirty="0" smtClean="0"/>
+              <a:t>, </a:t>
+            </a:r>
+            <a:r>
+              <a:rPr lang="en-US" b="1" dirty="0" smtClean="0"/>
+              <a:t>KVO, 2-Way Bindings</a:t>
+            </a:r>
+          </a:p>
+          <a:p>
+            <a:pPr lvl="1">
+              <a:buNone/>
+            </a:pPr>
+            <a:r>
+              <a:rPr lang="en-US" b="1" dirty="0" smtClean="0"/>
+              <a:t>               Adding </a:t>
             </a:r>
             <a:r>
               <a:rPr lang="en-US" b="1" dirty="0"/>
-              <a:t>a </a:t>
-            </a:r>
+              <a:t>a Reactive Extension to Custom UI Element, </a:t>
+            </a:r>
+            <a:endParaRPr lang="en-US" b="1" dirty="0" smtClean="0"/>
+          </a:p>
+          <a:p>
+            <a:pPr lvl="1">
+              <a:buNone/>
+            </a:pPr>
             <a:r>
               <a:rPr lang="en-US" b="1" dirty="0" smtClean="0"/>
-              <a:t>Reactive Extension </a:t>
-            </a:r>
-            <a:r>
-              <a:rPr lang="en-US" b="1" dirty="0"/>
-              <a:t>to Custom UI </a:t>
-            </a:r>
-            <a:r>
-              <a:rPr lang="en-US" b="1" dirty="0" smtClean="0"/>
-              <a:t>Element, </a:t>
-            </a:r>
-          </a:p>
-          <a:p>
-            <a:r>
-              <a:rPr lang="en-US" b="1" dirty="0"/>
-              <a:t> </a:t>
-            </a:r>
-            <a:r>
-              <a:rPr lang="en-US" b="1" dirty="0" smtClean="0"/>
-              <a:t>             2 Way Binding, Advanced </a:t>
+              <a:t>                Advanced </a:t>
             </a:r>
             <a:r>
               <a:rPr lang="en-US" b="1" dirty="0" err="1"/>
@@ -5595,8 +10033,8 @@
         </p:nvSpPr>
         <p:spPr>
           <a:xfrm>
-            <a:off x="495333" y="1580402"/>
-            <a:ext cx="2619535" cy="1169551"/>
+            <a:off x="1745795" y="2088402"/>
+            <a:ext cx="4369744" cy="1169551"/>
           </a:xfrm>
           <a:prstGeom prst="rect">
             <a:avLst/>
@@ -5610,42 +10048,113 @@
           <a:lstStyle/>
           <a:p>
             <a:r>
-              <a:rPr lang="en-US" dirty="0" err="1" smtClean="0"/>
-              <a:t>OneObservable</a:t>
-            </a:r>
-            <a:endParaRPr lang="en-US" dirty="0" smtClean="0"/>
-          </a:p>
-          <a:p>
-            <a:endParaRPr lang="en-US" dirty="0" smtClean="0"/>
-          </a:p>
-          <a:p>
-            <a:r>
-              <a:rPr lang="en-US" dirty="0" smtClean="0"/>
+              <a:rPr lang="en-US" b="1" dirty="0" err="1" smtClean="0">
+                <a:latin typeface="Courier"/>
+                <a:cs typeface="Courier"/>
+              </a:rPr>
+              <a:t>OneObject</a:t>
+            </a:r>
+            <a:r>
+              <a:rPr lang="en-US" b="1" i="1" dirty="0" smtClean="0">
+                <a:latin typeface="Courier"/>
+                <a:cs typeface="Courier"/>
+              </a:rPr>
+              <a:t>: </a:t>
+            </a:r>
+            <a:r>
+              <a:rPr lang="en-US" b="1" i="1" dirty="0" err="1" smtClean="0">
+                <a:solidFill>
+                  <a:srgbClr val="0000FF"/>
+                </a:solidFill>
+                <a:latin typeface="Courier"/>
+                <a:cs typeface="Courier"/>
+              </a:rPr>
+              <a:t>ObservableType</a:t>
+            </a:r>
+            <a:endParaRPr lang="en-US" b="1" i="1" dirty="0" smtClean="0">
+              <a:solidFill>
+                <a:srgbClr val="0000FF"/>
+              </a:solidFill>
+              <a:latin typeface="Courier"/>
+              <a:cs typeface="Courier"/>
+            </a:endParaRPr>
+          </a:p>
+          <a:p>
+            <a:endParaRPr lang="en-US" b="1" dirty="0" smtClean="0">
+              <a:latin typeface="Courier"/>
+              <a:cs typeface="Courier"/>
+            </a:endParaRPr>
+          </a:p>
+          <a:p>
+            <a:r>
+              <a:rPr lang="en-US" b="1" dirty="0" smtClean="0">
+                <a:latin typeface="Courier"/>
+                <a:cs typeface="Courier"/>
+              </a:rPr>
               <a:t>    .bind(to: </a:t>
             </a:r>
             <a:r>
-              <a:rPr lang="en-US" dirty="0" err="1" smtClean="0"/>
-              <a:t>TwoObservable</a:t>
-            </a:r>
-            <a:r>
-              <a:rPr lang="en-US" dirty="0" smtClean="0"/>
+              <a:rPr lang="en-US" b="1" dirty="0" err="1" smtClean="0">
+                <a:latin typeface="Courier"/>
+                <a:cs typeface="Courier"/>
+              </a:rPr>
+              <a:t>TwoObject</a:t>
+            </a:r>
+            <a:r>
+              <a:rPr lang="en-US" b="1" dirty="0" smtClean="0">
+                <a:latin typeface="Courier"/>
+                <a:cs typeface="Courier"/>
+              </a:rPr>
+              <a:t>: </a:t>
+            </a:r>
+            <a:r>
+              <a:rPr lang="en-US" b="1" i="1" dirty="0" err="1" smtClean="0">
+                <a:solidFill>
+                  <a:srgbClr val="0000FF"/>
+                </a:solidFill>
+                <a:latin typeface="Courier"/>
+                <a:cs typeface="Courier"/>
+              </a:rPr>
+              <a:t>ObserverType</a:t>
+            </a:r>
+            <a:r>
+              <a:rPr lang="en-US" b="1" dirty="0" smtClean="0">
+                <a:latin typeface="Courier"/>
+                <a:cs typeface="Courier"/>
+              </a:rPr>
               <a:t>)</a:t>
             </a:r>
-          </a:p>
-          <a:p>
-            <a:endParaRPr lang="en-US" dirty="0" smtClean="0"/>
-          </a:p>
-          <a:p>
-            <a:r>
-              <a:rPr lang="en-US" dirty="0" smtClean="0"/>
+            <a:endParaRPr lang="en-US" b="1" dirty="0" smtClean="0">
+              <a:latin typeface="Courier"/>
+              <a:cs typeface="Courier"/>
+            </a:endParaRPr>
+          </a:p>
+          <a:p>
+            <a:endParaRPr lang="en-US" b="1" dirty="0" smtClean="0">
+              <a:latin typeface="Courier"/>
+              <a:cs typeface="Courier"/>
+            </a:endParaRPr>
+          </a:p>
+          <a:p>
+            <a:r>
+              <a:rPr lang="en-US" b="1" dirty="0" smtClean="0">
+                <a:latin typeface="Courier"/>
+                <a:cs typeface="Courier"/>
+              </a:rPr>
               <a:t>    .disposed(by </a:t>
             </a:r>
             <a:r>
-              <a:rPr lang="en-US" dirty="0" err="1" smtClean="0"/>
+              <a:rPr lang="en-US" b="1" dirty="0" err="1" smtClean="0">
+                <a:latin typeface="Courier"/>
+                <a:cs typeface="Courier"/>
+              </a:rPr>
               <a:t>disposeBag</a:t>
             </a:r>
             <a:r>
-              <a:rPr lang="en-US" dirty="0" smtClean="0"/>
+              <a:rPr lang="en-US" b="1" dirty="0" smtClean="0">
+                <a:latin typeface="Courier"/>
+                <a:cs typeface="Courier"/>
+              </a:rPr>
               <a:t>)</a:t>
             </a:r>
           </a:p>
@@ -5720,8 +10229,8 @@
               <a:buNone/>
             </a:pPr>
             <a:r>
-              <a:rPr lang="en-US" dirty="0" smtClean="0"/>
-              <a:t>Binding</a:t>
+              <a:rPr lang="en-US" dirty="0" err="1" smtClean="0"/>
+              <a:t>ObservableType</a:t>
             </a:r>
             <a:endParaRPr lang="en" dirty="0"/>
           </a:p>
@@ -5798,14 +10307,14 @@
       </p:pic>
       <p:sp>
         <p:nvSpPr>
-          <p:cNvPr id="7" name="TextBox 6"/>
+          <p:cNvPr id="6" name="TextBox 5"/>
           <p:cNvSpPr txBox="1"/>
           <p:nvPr/>
         </p:nvSpPr>
         <p:spPr>
           <a:xfrm>
-            <a:off x="81049" y="1616505"/>
-            <a:ext cx="4340326" cy="2308324"/>
+            <a:off x="495332" y="1925583"/>
+            <a:ext cx="8108103" cy="1815882"/>
           </a:xfrm>
           <a:prstGeom prst="rect">
             <a:avLst/>
@@ -5813,472 +10322,268 @@
           <a:noFill/>
         </p:spPr>
         <p:txBody>
-          <a:bodyPr wrap="none" rtlCol="0">
+          <a:bodyPr wrap="square" rtlCol="0">
             <a:spAutoFit/>
           </a:bodyPr>
           <a:lstStyle/>
           <a:p>
             <a:r>
-              <a:rPr lang="en-US" sz="1200" dirty="0" err="1">
-                <a:latin typeface="Courier"/>
-                <a:cs typeface="Courier"/>
-              </a:rPr>
-              <a:t>cell.textValue.asObservable</a:t>
-            </a:r>
-            <a:r>
-              <a:rPr lang="en-US" sz="1200" dirty="0">
-                <a:latin typeface="Courier"/>
-                <a:cs typeface="Courier"/>
-              </a:rPr>
-              <a:t>()</a:t>
-            </a:r>
-          </a:p>
-          <a:p>
-            <a:r>
-              <a:rPr lang="mr-IN" sz="1200" dirty="0">
-                <a:latin typeface="Courier"/>
-                <a:cs typeface="Courier"/>
-              </a:rPr>
-              <a:t>       </a:t>
-            </a:r>
-            <a:r>
-              <a:rPr lang="mr-IN" sz="1200" dirty="0" smtClean="0">
-                <a:latin typeface="Courier"/>
-                <a:cs typeface="Courier"/>
-              </a:rPr>
-              <a:t>.</a:t>
-            </a:r>
-            <a:r>
-              <a:rPr lang="mr-IN" sz="1200" dirty="0">
-                <a:latin typeface="Courier"/>
-                <a:cs typeface="Courier"/>
-              </a:rPr>
-              <a:t>bind(to: self.userInputLabel.rx.text)</a:t>
-            </a:r>
-          </a:p>
-          <a:p>
-            <a:r>
-              <a:rPr lang="mr-IN" sz="1200" dirty="0">
-                <a:latin typeface="Courier"/>
-                <a:cs typeface="Courier"/>
-              </a:rPr>
-              <a:t>       </a:t>
-            </a:r>
-            <a:r>
-              <a:rPr lang="mr-IN" sz="1200" dirty="0" smtClean="0">
-                <a:latin typeface="Courier"/>
-                <a:cs typeface="Courier"/>
-              </a:rPr>
-              <a:t>.</a:t>
-            </a:r>
-            <a:r>
-              <a:rPr lang="mr-IN" sz="1200" dirty="0">
-                <a:latin typeface="Courier"/>
-                <a:cs typeface="Courier"/>
-              </a:rPr>
-              <a:t>disposed(by: cell.disposeBag)</a:t>
-            </a:r>
-          </a:p>
-          <a:p>
-            <a:r>
-              <a:rPr lang="mr-IN" sz="1200" dirty="0">
-                <a:latin typeface="Courier"/>
-                <a:cs typeface="Courier"/>
-              </a:rPr>
-              <a:t>                       </a:t>
-            </a:r>
-            <a:endParaRPr lang="en-US" sz="1200" dirty="0" smtClean="0">
+              <a:rPr lang="en-US" b="1" dirty="0" smtClean="0">
+                <a:latin typeface="Courier"/>
+                <a:cs typeface="Courier"/>
+              </a:rPr>
+              <a:t>public </a:t>
+            </a:r>
+            <a:r>
+              <a:rPr lang="en-US" b="1" dirty="0">
+                <a:latin typeface="Courier"/>
+                <a:cs typeface="Courier"/>
+              </a:rPr>
+              <a:t>protocol </a:t>
+            </a:r>
+            <a:r>
+              <a:rPr lang="en-US" b="1" dirty="0" err="1">
+                <a:latin typeface="Courier"/>
+                <a:cs typeface="Courier"/>
+              </a:rPr>
+              <a:t>ControlPropertyType</a:t>
+            </a:r>
+            <a:r>
+              <a:rPr lang="en-US" b="1" dirty="0">
+                <a:latin typeface="Courier"/>
+                <a:cs typeface="Courier"/>
+              </a:rPr>
+              <a:t> : </a:t>
+            </a:r>
+            <a:r>
+              <a:rPr lang="en-US" b="1" dirty="0" err="1">
+                <a:solidFill>
+                  <a:srgbClr val="0000FF"/>
+                </a:solidFill>
+                <a:latin typeface="Courier"/>
+                <a:cs typeface="Courier"/>
+              </a:rPr>
+              <a:t>ObservableType</a:t>
+            </a:r>
+            <a:r>
+              <a:rPr lang="en-US" b="1" dirty="0">
+                <a:latin typeface="Courier"/>
+                <a:cs typeface="Courier"/>
+              </a:rPr>
+              <a:t>, </a:t>
+            </a:r>
+            <a:r>
+              <a:rPr lang="en-US" b="1" dirty="0" err="1" smtClean="0">
+                <a:latin typeface="Courier"/>
+                <a:cs typeface="Courier"/>
+              </a:rPr>
+              <a:t>ObserverType</a:t>
+            </a:r>
+            <a:endParaRPr lang="en-US" b="1" dirty="0" smtClean="0">
               <a:latin typeface="Courier"/>
               <a:cs typeface="Courier"/>
             </a:endParaRPr>
           </a:p>
           <a:p>
-            <a:endParaRPr lang="en-US" sz="1200" dirty="0">
+            <a:endParaRPr lang="en-US" b="1" dirty="0">
               <a:latin typeface="Courier"/>
               <a:cs typeface="Courier"/>
             </a:endParaRPr>
           </a:p>
           <a:p>
-            <a:endParaRPr lang="en-US" sz="1200" dirty="0" smtClean="0">
+            <a:r>
+              <a:rPr lang="en-US" b="1" dirty="0">
+                <a:latin typeface="Courier"/>
+                <a:cs typeface="Courier"/>
+              </a:rPr>
+              <a:t>public </a:t>
+            </a:r>
+            <a:r>
+              <a:rPr lang="en-US" b="1" dirty="0" err="1">
+                <a:latin typeface="Courier"/>
+                <a:cs typeface="Courier"/>
+              </a:rPr>
+              <a:t>struct</a:t>
+            </a:r>
+            <a:r>
+              <a:rPr lang="en-US" b="1" dirty="0">
+                <a:latin typeface="Courier"/>
+                <a:cs typeface="Courier"/>
+              </a:rPr>
+              <a:t> </a:t>
+            </a:r>
+            <a:r>
+              <a:rPr lang="en-US" b="1" dirty="0" err="1">
+                <a:solidFill>
+                  <a:srgbClr val="FF0000"/>
+                </a:solidFill>
+                <a:latin typeface="Courier"/>
+                <a:cs typeface="Courier"/>
+              </a:rPr>
+              <a:t>ControlProperty</a:t>
+            </a:r>
+            <a:r>
+              <a:rPr lang="en-US" b="1" dirty="0">
+                <a:latin typeface="Courier"/>
+                <a:cs typeface="Courier"/>
+              </a:rPr>
+              <a:t>&lt;</a:t>
+            </a:r>
+            <a:r>
+              <a:rPr lang="en-US" b="1" dirty="0" err="1">
+                <a:latin typeface="Courier"/>
+                <a:cs typeface="Courier"/>
+              </a:rPr>
+              <a:t>PropertyType</a:t>
+            </a:r>
+            <a:r>
+              <a:rPr lang="en-US" b="1" dirty="0">
+                <a:latin typeface="Courier"/>
+                <a:cs typeface="Courier"/>
+              </a:rPr>
+              <a:t>&gt; : </a:t>
+            </a:r>
+            <a:r>
+              <a:rPr lang="en-US" b="1" dirty="0" err="1" smtClean="0">
+                <a:solidFill>
+                  <a:srgbClr val="0000FF"/>
+                </a:solidFill>
+                <a:latin typeface="Courier"/>
+                <a:cs typeface="Courier"/>
+              </a:rPr>
+              <a:t>ControlPropertyType</a:t>
+            </a:r>
+            <a:endParaRPr lang="en-US" b="1" dirty="0" smtClean="0">
+              <a:solidFill>
+                <a:srgbClr val="0000FF"/>
+              </a:solidFill>
               <a:latin typeface="Courier"/>
               <a:cs typeface="Courier"/>
             </a:endParaRPr>
           </a:p>
           <a:p>
-            <a:r>
-              <a:rPr lang="mr-IN" sz="1200" dirty="0" smtClean="0">
-                <a:latin typeface="Courier"/>
-                <a:cs typeface="Courier"/>
-              </a:rPr>
-              <a:t> </a:t>
-            </a:r>
-            <a:endParaRPr lang="en-US" sz="1200" dirty="0" smtClean="0">
+            <a:endParaRPr lang="en-US" b="1" dirty="0" smtClean="0">
               <a:latin typeface="Courier"/>
               <a:cs typeface="Courier"/>
             </a:endParaRPr>
           </a:p>
           <a:p>
-            <a:endParaRPr lang="en-US" sz="1200" dirty="0">
+            <a:r>
+              <a:rPr lang="en-US" b="1" dirty="0">
+                <a:latin typeface="Courier"/>
+                <a:cs typeface="Courier"/>
+              </a:rPr>
+              <a:t>public class </a:t>
+            </a:r>
+            <a:r>
+              <a:rPr lang="en-US" b="1" dirty="0">
+                <a:solidFill>
+                  <a:srgbClr val="FF0000"/>
+                </a:solidFill>
+                <a:latin typeface="Courier"/>
+                <a:cs typeface="Courier"/>
+              </a:rPr>
+              <a:t>Observable</a:t>
+            </a:r>
+            <a:r>
+              <a:rPr lang="en-US" b="1" dirty="0">
+                <a:latin typeface="Courier"/>
+                <a:cs typeface="Courier"/>
+              </a:rPr>
+              <a:t>&lt;Element&gt; : </a:t>
+            </a:r>
+            <a:r>
+              <a:rPr lang="en-US" b="1" dirty="0" err="1" smtClean="0">
+                <a:solidFill>
+                  <a:srgbClr val="0000FF"/>
+                </a:solidFill>
+                <a:latin typeface="Courier"/>
+                <a:cs typeface="Courier"/>
+              </a:rPr>
+              <a:t>ObservableType</a:t>
+            </a:r>
+            <a:endParaRPr lang="en-US" b="1" dirty="0" smtClean="0">
+              <a:solidFill>
+                <a:srgbClr val="0000FF"/>
+              </a:solidFill>
               <a:latin typeface="Courier"/>
               <a:cs typeface="Courier"/>
             </a:endParaRPr>
           </a:p>
           <a:p>
-            <a:endParaRPr lang="en-US" sz="1200" dirty="0" smtClean="0">
+            <a:endParaRPr lang="en-US" b="1" dirty="0" smtClean="0">
               <a:latin typeface="Courier"/>
               <a:cs typeface="Courier"/>
             </a:endParaRPr>
           </a:p>
           <a:p>
             <a:r>
-              <a:rPr lang="mr-IN" sz="1200" dirty="0" smtClean="0">
-                <a:latin typeface="Courier"/>
-                <a:cs typeface="Courier"/>
-              </a:rPr>
-              <a:t>cell.textValue.asDriver</a:t>
-            </a:r>
-            <a:r>
-              <a:rPr lang="mr-IN" sz="1200" dirty="0">
-                <a:latin typeface="Courier"/>
-                <a:cs typeface="Courier"/>
-              </a:rPr>
-              <a:t>()</a:t>
-            </a:r>
-          </a:p>
-          <a:p>
-            <a:r>
-              <a:rPr lang="mr-IN" sz="1200" dirty="0">
-                <a:latin typeface="Courier"/>
-                <a:cs typeface="Courier"/>
-              </a:rPr>
-              <a:t>       </a:t>
-            </a:r>
-            <a:r>
-              <a:rPr lang="mr-IN" sz="1200" dirty="0" smtClean="0">
-                <a:latin typeface="Courier"/>
-                <a:cs typeface="Courier"/>
-              </a:rPr>
-              <a:t>.</a:t>
-            </a:r>
-            <a:r>
-              <a:rPr lang="mr-IN" sz="1200" dirty="0">
-                <a:latin typeface="Courier"/>
-                <a:cs typeface="Courier"/>
-              </a:rPr>
-              <a:t>drive(self.userInputLabel.rx.text)</a:t>
-            </a:r>
-          </a:p>
-          <a:p>
-            <a:r>
-              <a:rPr lang="mr-IN" sz="1200" dirty="0">
-                <a:latin typeface="Courier"/>
-                <a:cs typeface="Courier"/>
-              </a:rPr>
-              <a:t>      </a:t>
-            </a:r>
-            <a:r>
-              <a:rPr lang="en-US" sz="1200" dirty="0">
-                <a:latin typeface="Courier"/>
-                <a:cs typeface="Courier"/>
-              </a:rPr>
-              <a:t> </a:t>
-            </a:r>
-            <a:r>
-              <a:rPr lang="mr-IN" sz="1200" dirty="0" smtClean="0">
-                <a:latin typeface="Courier"/>
-                <a:cs typeface="Courier"/>
-              </a:rPr>
-              <a:t>.</a:t>
-            </a:r>
-            <a:r>
-              <a:rPr lang="mr-IN" sz="1200" dirty="0">
-                <a:latin typeface="Courier"/>
-                <a:cs typeface="Courier"/>
-              </a:rPr>
-              <a:t>disposed(by: cell.disposeBag)</a:t>
-            </a:r>
-            <a:endParaRPr lang="en-US" sz="1200" dirty="0">
+              <a:rPr lang="en-US" b="1" dirty="0">
+                <a:latin typeface="Courier"/>
+                <a:cs typeface="Courier"/>
+              </a:rPr>
+              <a:t>public final class </a:t>
+            </a:r>
+            <a:r>
+              <a:rPr lang="en-US" b="1" dirty="0" err="1">
+                <a:solidFill>
+                  <a:srgbClr val="FF0000"/>
+                </a:solidFill>
+                <a:latin typeface="Courier"/>
+                <a:cs typeface="Courier"/>
+              </a:rPr>
+              <a:t>BehaviorRelay</a:t>
+            </a:r>
+            <a:r>
+              <a:rPr lang="en-US" b="1" dirty="0">
+                <a:latin typeface="Courier"/>
+                <a:cs typeface="Courier"/>
+              </a:rPr>
+              <a:t>&lt;Element&gt;: </a:t>
+            </a:r>
+            <a:r>
+              <a:rPr lang="en-US" b="1" dirty="0" err="1" smtClean="0">
+                <a:solidFill>
+                  <a:srgbClr val="0000FF"/>
+                </a:solidFill>
+                <a:latin typeface="Courier"/>
+                <a:cs typeface="Courier"/>
+              </a:rPr>
+              <a:t>ObservableType</a:t>
+            </a:r>
+            <a:endParaRPr lang="en-US" b="1" dirty="0" smtClean="0">
+              <a:solidFill>
+                <a:srgbClr val="0000FF"/>
+              </a:solidFill>
               <a:latin typeface="Courier"/>
               <a:cs typeface="Courier"/>
             </a:endParaRPr>
           </a:p>
-        </p:txBody>
-      </p:sp>
-      <p:sp>
-        <p:nvSpPr>
-          <p:cNvPr id="8" name="TextBox 7"/>
-          <p:cNvSpPr txBox="1"/>
-          <p:nvPr/>
-        </p:nvSpPr>
-        <p:spPr>
-          <a:xfrm>
-            <a:off x="4649863" y="1490129"/>
-            <a:ext cx="4432674" cy="2677656"/>
-          </a:xfrm>
-          <a:prstGeom prst="rect">
-            <a:avLst/>
-          </a:prstGeom>
-          <a:noFill/>
-        </p:spPr>
-        <p:txBody>
-          <a:bodyPr wrap="none" rtlCol="0">
-            <a:spAutoFit/>
-          </a:bodyPr>
-          <a:lstStyle/>
-          <a:p>
-            <a:r>
-              <a:rPr lang="en-US" sz="1200" dirty="0" err="1">
-                <a:latin typeface="Courier"/>
-                <a:cs typeface="Courier"/>
-              </a:rPr>
-              <a:t>cell.textValue.asObservable</a:t>
-            </a:r>
-            <a:r>
-              <a:rPr lang="en-US" sz="1200" dirty="0">
-                <a:latin typeface="Courier"/>
-                <a:cs typeface="Courier"/>
-              </a:rPr>
-              <a:t>()</a:t>
-            </a:r>
-          </a:p>
-          <a:p>
-            <a:r>
-              <a:rPr lang="mr-IN" sz="1200" dirty="0">
-                <a:latin typeface="Courier"/>
-                <a:cs typeface="Courier"/>
-              </a:rPr>
-              <a:t>        </a:t>
-            </a:r>
-            <a:r>
-              <a:rPr lang="mr-IN" sz="1200" dirty="0" smtClean="0">
-                <a:latin typeface="Courier"/>
-                <a:cs typeface="Courier"/>
-              </a:rPr>
-              <a:t>.</a:t>
-            </a:r>
-            <a:r>
-              <a:rPr lang="mr-IN" sz="1200" dirty="0">
-                <a:latin typeface="Courier"/>
-                <a:cs typeface="Courier"/>
-              </a:rPr>
-              <a:t>subscribe(onNext: { input in</a:t>
-            </a:r>
-          </a:p>
-          <a:p>
-            <a:r>
-              <a:rPr lang="mr-IN" sz="1200" dirty="0">
-                <a:latin typeface="Courier"/>
-                <a:cs typeface="Courier"/>
-              </a:rPr>
-              <a:t>             </a:t>
-            </a:r>
-            <a:r>
-              <a:rPr lang="mr-IN" sz="1200" dirty="0" smtClean="0">
+          <a:p>
+            <a:r>
+              <a:rPr lang="en-US" b="1" dirty="0">
+                <a:solidFill>
+                  <a:srgbClr val="0000FF"/>
+                </a:solidFill>
                 <a:latin typeface="Courier"/>
                 <a:cs typeface="Courier"/>
               </a:rPr>
               <a:t> </a:t>
             </a:r>
             <a:r>
-              <a:rPr lang="mr-IN" sz="1200" dirty="0">
-                <a:latin typeface="Courier"/>
-                <a:cs typeface="Courier"/>
-              </a:rPr>
-              <a:t>self.userInputLabel.text = input</a:t>
-            </a:r>
-          </a:p>
-          <a:p>
-            <a:r>
-              <a:rPr lang="mr-IN" sz="1200" dirty="0">
-                <a:latin typeface="Courier"/>
-                <a:cs typeface="Courier"/>
-              </a:rPr>
-              <a:t>         </a:t>
-            </a:r>
-            <a:r>
-              <a:rPr lang="mr-IN" sz="1200" dirty="0" smtClean="0">
-                <a:latin typeface="Courier"/>
-                <a:cs typeface="Courier"/>
-              </a:rPr>
-              <a:t>}</a:t>
-            </a:r>
-            <a:r>
-              <a:rPr lang="mr-IN" sz="1200" dirty="0">
-                <a:latin typeface="Courier"/>
-                <a:cs typeface="Courier"/>
-              </a:rPr>
-              <a:t>)</a:t>
-            </a:r>
-          </a:p>
-          <a:p>
-            <a:r>
-              <a:rPr lang="mr-IN" sz="1200" dirty="0">
-                <a:latin typeface="Courier"/>
-                <a:cs typeface="Courier"/>
-              </a:rPr>
-              <a:t>         </a:t>
-            </a:r>
-            <a:r>
-              <a:rPr lang="mr-IN" sz="1200" dirty="0" smtClean="0">
-                <a:latin typeface="Courier"/>
-                <a:cs typeface="Courier"/>
-              </a:rPr>
-              <a:t>.</a:t>
-            </a:r>
-            <a:r>
-              <a:rPr lang="mr-IN" sz="1200" dirty="0">
-                <a:latin typeface="Courier"/>
-                <a:cs typeface="Courier"/>
-              </a:rPr>
-              <a:t>disposed(by: cell.disposeBag)</a:t>
-            </a:r>
-          </a:p>
-          <a:p>
-            <a:r>
-              <a:rPr lang="mr-IN" sz="1200" dirty="0">
-                <a:latin typeface="Courier"/>
-                <a:cs typeface="Courier"/>
-              </a:rPr>
-              <a:t>             </a:t>
-            </a:r>
-            <a:endParaRPr lang="en-US" sz="1200" dirty="0" smtClean="0">
-              <a:latin typeface="Courier"/>
-              <a:cs typeface="Courier"/>
-            </a:endParaRPr>
-          </a:p>
-          <a:p>
-            <a:endParaRPr lang="en-US" sz="1200" dirty="0" smtClean="0">
-              <a:latin typeface="Courier"/>
-              <a:cs typeface="Courier"/>
-            </a:endParaRPr>
-          </a:p>
-          <a:p>
-            <a:endParaRPr lang="en-US" sz="1200" dirty="0">
-              <a:latin typeface="Courier"/>
-              <a:cs typeface="Courier"/>
-            </a:endParaRPr>
-          </a:p>
-          <a:p>
-            <a:r>
-              <a:rPr lang="mr-IN" sz="1200" dirty="0" smtClean="0">
-                <a:latin typeface="Courier"/>
-                <a:cs typeface="Courier"/>
-              </a:rPr>
-              <a:t>           </a:t>
-            </a:r>
-            <a:endParaRPr lang="en-US" sz="1200" dirty="0">
-              <a:latin typeface="Courier"/>
-              <a:cs typeface="Courier"/>
-            </a:endParaRPr>
-          </a:p>
-          <a:p>
-            <a:r>
-              <a:rPr lang="mr-IN" sz="1200" dirty="0" smtClean="0">
-                <a:latin typeface="Courier"/>
-                <a:cs typeface="Courier"/>
-              </a:rPr>
-              <a:t>cell.textValue.asDriver</a:t>
-            </a:r>
-            <a:r>
-              <a:rPr lang="mr-IN" sz="1200" dirty="0">
-                <a:latin typeface="Courier"/>
-                <a:cs typeface="Courier"/>
-              </a:rPr>
-              <a:t>()</a:t>
-            </a:r>
-          </a:p>
-          <a:p>
-            <a:r>
-              <a:rPr lang="mr-IN" sz="1200" dirty="0">
-                <a:latin typeface="Courier"/>
-                <a:cs typeface="Courier"/>
-              </a:rPr>
-              <a:t>        </a:t>
-            </a:r>
-            <a:r>
-              <a:rPr lang="mr-IN" sz="1200" dirty="0" smtClean="0">
-                <a:latin typeface="Courier"/>
-                <a:cs typeface="Courier"/>
-              </a:rPr>
-              <a:t>.</a:t>
-            </a:r>
-            <a:r>
-              <a:rPr lang="mr-IN" sz="1200" dirty="0">
-                <a:latin typeface="Courier"/>
-                <a:cs typeface="Courier"/>
-              </a:rPr>
-              <a:t>drive(onNext: { input in</a:t>
-            </a:r>
-          </a:p>
-          <a:p>
-            <a:r>
-              <a:rPr lang="mr-IN" sz="1200" dirty="0">
-                <a:latin typeface="Courier"/>
-                <a:cs typeface="Courier"/>
-              </a:rPr>
-              <a:t>             </a:t>
-            </a:r>
-            <a:r>
-              <a:rPr lang="mr-IN" sz="1200" dirty="0" smtClean="0">
-                <a:latin typeface="Courier"/>
-                <a:cs typeface="Courier"/>
-              </a:rPr>
-              <a:t>self.userInputLabel.text </a:t>
-            </a:r>
-            <a:r>
-              <a:rPr lang="mr-IN" sz="1200" dirty="0">
-                <a:latin typeface="Courier"/>
-                <a:cs typeface="Courier"/>
-              </a:rPr>
-              <a:t>= input</a:t>
-            </a:r>
-          </a:p>
-          <a:p>
-            <a:r>
-              <a:rPr lang="mr-IN" sz="1200" dirty="0">
-                <a:latin typeface="Courier"/>
-                <a:cs typeface="Courier"/>
-              </a:rPr>
-              <a:t>          </a:t>
-            </a:r>
-            <a:r>
-              <a:rPr lang="mr-IN" sz="1200" dirty="0" smtClean="0">
-                <a:latin typeface="Courier"/>
-                <a:cs typeface="Courier"/>
-              </a:rPr>
-              <a:t>}</a:t>
-            </a:r>
-            <a:r>
-              <a:rPr lang="mr-IN" sz="1200" dirty="0">
-                <a:latin typeface="Courier"/>
-                <a:cs typeface="Courier"/>
-              </a:rPr>
-              <a:t>)</a:t>
-            </a:r>
-          </a:p>
-          <a:p>
-            <a:r>
-              <a:rPr lang="mr-IN" sz="1200" dirty="0">
-                <a:latin typeface="Courier"/>
-                <a:cs typeface="Courier"/>
-              </a:rPr>
-              <a:t>          </a:t>
-            </a:r>
-            <a:r>
-              <a:rPr lang="mr-IN" sz="1200" dirty="0" smtClean="0">
-                <a:latin typeface="Courier"/>
-                <a:cs typeface="Courier"/>
-              </a:rPr>
-              <a:t>.</a:t>
-            </a:r>
-            <a:r>
-              <a:rPr lang="mr-IN" sz="1200" dirty="0">
-                <a:latin typeface="Courier"/>
-                <a:cs typeface="Courier"/>
-              </a:rPr>
-              <a:t>disposed(by: cell.disposeBag)</a:t>
-            </a:r>
-            <a:endParaRPr lang="en-US" sz="1200" dirty="0">
+              <a:rPr lang="en-US" b="1" i="1" dirty="0">
+                <a:solidFill>
+                  <a:srgbClr val="FF0000"/>
+                </a:solidFill>
+                <a:latin typeface="Courier"/>
+                <a:cs typeface="Courier"/>
+              </a:rPr>
+              <a:t>=&gt; any Subject and Relay</a:t>
+            </a:r>
+            <a:endParaRPr lang="en-US" b="1" dirty="0" smtClean="0">
+              <a:solidFill>
+                <a:srgbClr val="0000FF"/>
+              </a:solidFill>
               <a:latin typeface="Courier"/>
               <a:cs typeface="Courier"/>
             </a:endParaRPr>
@@ -6288,7 +10593,7 @@
     </p:spTree>
     <p:extLst>
       <p:ext uri="{BB962C8B-B14F-4D97-AF65-F5344CB8AC3E}">
-        <p14:creationId xmlns:p14="http://schemas.microsoft.com/office/powerpoint/2010/main" val="1627049392"/>
+        <p14:creationId xmlns:p14="http://schemas.microsoft.com/office/powerpoint/2010/main" val="3396571631"/>
       </p:ext>
     </p:extLst>
   </p:cSld>
@@ -6354,8 +10659,8 @@
               <a:buNone/>
             </a:pPr>
             <a:r>
-              <a:rPr lang="en-US" dirty="0" smtClean="0"/>
-              <a:t>2 Way Binding</a:t>
+              <a:rPr lang="en-US" dirty="0" err="1" smtClean="0"/>
+              <a:t>ObserverType</a:t>
             </a:r>
             <a:endParaRPr lang="en" dirty="0"/>
           </a:p>
@@ -6438,8 +10743,8 @@
         </p:nvSpPr>
         <p:spPr>
           <a:xfrm>
-            <a:off x="272617" y="2466867"/>
-            <a:ext cx="8541258" cy="2492990"/>
+            <a:off x="151130" y="1925583"/>
+            <a:ext cx="8810512" cy="1815882"/>
           </a:xfrm>
           <a:prstGeom prst="rect">
             <a:avLst/>
@@ -6453,304 +10758,60 @@
           <a:lstStyle/>
           <a:p>
             <a:r>
-              <a:rPr lang="en-US" sz="1200" dirty="0" err="1">
-                <a:latin typeface="Courier"/>
-                <a:cs typeface="Courier"/>
-              </a:rPr>
-              <a:t>func</a:t>
-            </a:r>
-            <a:r>
-              <a:rPr lang="en-US" sz="1200" dirty="0">
-                <a:latin typeface="Courier"/>
-                <a:cs typeface="Courier"/>
-              </a:rPr>
-              <a:t> &lt;-&gt; &lt;T&gt;(property: </a:t>
-            </a:r>
-            <a:r>
-              <a:rPr lang="en-US" sz="1200" dirty="0" err="1">
-                <a:latin typeface="Courier"/>
-                <a:cs typeface="Courier"/>
-              </a:rPr>
-              <a:t>ControlProperty</a:t>
-            </a:r>
-            <a:r>
-              <a:rPr lang="en-US" sz="1200" dirty="0">
-                <a:latin typeface="Courier"/>
-                <a:cs typeface="Courier"/>
-              </a:rPr>
-              <a:t>&lt;T&gt;, variable: </a:t>
-            </a:r>
-            <a:r>
-              <a:rPr lang="en-US" sz="1200" dirty="0" err="1">
-                <a:latin typeface="Courier"/>
-                <a:cs typeface="Courier"/>
-              </a:rPr>
-              <a:t>BehaviorRelay</a:t>
-            </a:r>
-            <a:r>
-              <a:rPr lang="en-US" sz="1200" dirty="0">
-                <a:latin typeface="Courier"/>
-                <a:cs typeface="Courier"/>
-              </a:rPr>
-              <a:t>&lt;T&gt;) -&gt; Disposable {</a:t>
-            </a:r>
-          </a:p>
-          <a:p>
-            <a:r>
-              <a:rPr lang="en-US" sz="1200" dirty="0">
-                <a:latin typeface="Courier"/>
-                <a:cs typeface="Courier"/>
-              </a:rPr>
-              <a:t>    </a:t>
-            </a:r>
-            <a:endParaRPr lang="mr-IN" sz="1200" dirty="0">
+              <a:rPr lang="en-US" b="1" dirty="0">
+                <a:latin typeface="Courier"/>
+                <a:cs typeface="Courier"/>
+              </a:rPr>
+              <a:t>public </a:t>
+            </a:r>
+            <a:r>
+              <a:rPr lang="en-US" b="1" dirty="0" err="1">
+                <a:latin typeface="Courier"/>
+                <a:cs typeface="Courier"/>
+              </a:rPr>
+              <a:t>struct</a:t>
+            </a:r>
+            <a:r>
+              <a:rPr lang="en-US" b="1" dirty="0">
+                <a:latin typeface="Courier"/>
+                <a:cs typeface="Courier"/>
+              </a:rPr>
+              <a:t> </a:t>
+            </a:r>
+            <a:r>
+              <a:rPr lang="en-US" b="1" dirty="0">
+                <a:solidFill>
+                  <a:srgbClr val="FF0000"/>
+                </a:solidFill>
+                <a:latin typeface="Courier"/>
+                <a:cs typeface="Courier"/>
+              </a:rPr>
+              <a:t>Binder</a:t>
+            </a:r>
+            <a:r>
+              <a:rPr lang="en-US" b="1" dirty="0">
+                <a:latin typeface="Courier"/>
+                <a:cs typeface="Courier"/>
+              </a:rPr>
+              <a:t>&lt;Value&gt;: </a:t>
+            </a:r>
+            <a:r>
+              <a:rPr lang="en-US" b="1" dirty="0" err="1">
+                <a:solidFill>
+                  <a:srgbClr val="0000FF"/>
+                </a:solidFill>
+                <a:latin typeface="Courier"/>
+                <a:cs typeface="Courier"/>
+              </a:rPr>
+              <a:t>ObserverType</a:t>
+            </a:r>
+            <a:endParaRPr lang="en-US" b="1" dirty="0" smtClean="0">
+              <a:solidFill>
+                <a:srgbClr val="0000FF"/>
+              </a:solidFill>
               <a:latin typeface="Courier"/>
               <a:cs typeface="Courier"/>
             </a:endParaRPr>
-          </a:p>
-          <a:p>
-            <a:r>
-              <a:rPr lang="en-US" sz="1200" dirty="0">
-                <a:latin typeface="Courier"/>
-                <a:cs typeface="Courier"/>
-              </a:rPr>
-              <a:t>    let </a:t>
-            </a:r>
-            <a:r>
-              <a:rPr lang="en-US" sz="1200" dirty="0" err="1">
-                <a:latin typeface="Courier"/>
-                <a:cs typeface="Courier"/>
-              </a:rPr>
-              <a:t>bindToUIDisposable</a:t>
-            </a:r>
-            <a:r>
-              <a:rPr lang="en-US" sz="1200" dirty="0">
-                <a:latin typeface="Courier"/>
-                <a:cs typeface="Courier"/>
-              </a:rPr>
-              <a:t> = </a:t>
-            </a:r>
-            <a:r>
-              <a:rPr lang="en-US" sz="1200" dirty="0" err="1">
-                <a:latin typeface="Courier"/>
-                <a:cs typeface="Courier"/>
-              </a:rPr>
-              <a:t>variable.asObservable</a:t>
-            </a:r>
-            <a:r>
-              <a:rPr lang="en-US" sz="1200" dirty="0">
-                <a:latin typeface="Courier"/>
-                <a:cs typeface="Courier"/>
-              </a:rPr>
-              <a:t>()</a:t>
-            </a:r>
-          </a:p>
-          <a:p>
-            <a:r>
-              <a:rPr lang="mr-IN" sz="1200" dirty="0">
-                <a:latin typeface="Courier"/>
-                <a:cs typeface="Courier"/>
-              </a:rPr>
-              <a:t>        .bind(to: property)</a:t>
-            </a:r>
-          </a:p>
-          <a:p>
-            <a:r>
-              <a:rPr lang="en-US" sz="1200" dirty="0">
-                <a:latin typeface="Courier"/>
-                <a:cs typeface="Courier"/>
-              </a:rPr>
-              <a:t>    let </a:t>
-            </a:r>
-            <a:r>
-              <a:rPr lang="en-US" sz="1200" dirty="0" err="1">
-                <a:latin typeface="Courier"/>
-                <a:cs typeface="Courier"/>
-              </a:rPr>
-              <a:t>bindToVariable</a:t>
-            </a:r>
-            <a:r>
-              <a:rPr lang="en-US" sz="1200" dirty="0">
-                <a:latin typeface="Courier"/>
-                <a:cs typeface="Courier"/>
-              </a:rPr>
-              <a:t> = property</a:t>
-            </a:r>
-          </a:p>
-          <a:p>
-            <a:r>
-              <a:rPr lang="en-US" sz="1200" dirty="0">
-                <a:latin typeface="Courier"/>
-                <a:cs typeface="Courier"/>
-              </a:rPr>
-              <a:t>        .subscribe(</a:t>
-            </a:r>
-            <a:r>
-              <a:rPr lang="en-US" sz="1200" dirty="0" err="1">
-                <a:latin typeface="Courier"/>
-                <a:cs typeface="Courier"/>
-              </a:rPr>
-              <a:t>onNext</a:t>
-            </a:r>
-            <a:r>
-              <a:rPr lang="en-US" sz="1200" dirty="0">
-                <a:latin typeface="Courier"/>
-                <a:cs typeface="Courier"/>
-              </a:rPr>
-              <a:t>: { n in</a:t>
-            </a:r>
-          </a:p>
-          <a:p>
-            <a:r>
-              <a:rPr lang="mr-IN" sz="1200" dirty="0">
-                <a:latin typeface="Courier"/>
-                <a:cs typeface="Courier"/>
-              </a:rPr>
-              <a:t>            variable.accept(n)</a:t>
-            </a:r>
-          </a:p>
-          <a:p>
-            <a:r>
-              <a:rPr lang="mr-IN" sz="1200" dirty="0">
-                <a:latin typeface="Courier"/>
-                <a:cs typeface="Courier"/>
-              </a:rPr>
-              <a:t>        }, onCompleted:  {</a:t>
-            </a:r>
-          </a:p>
-          <a:p>
-            <a:r>
-              <a:rPr lang="en-US" sz="1200" dirty="0">
-                <a:latin typeface="Courier"/>
-                <a:cs typeface="Courier"/>
-              </a:rPr>
-              <a:t>            </a:t>
-            </a:r>
-            <a:r>
-              <a:rPr lang="en-US" sz="1200" dirty="0" err="1">
-                <a:latin typeface="Courier"/>
-                <a:cs typeface="Courier"/>
-              </a:rPr>
-              <a:t>bindToUIDisposable.dispose</a:t>
-            </a:r>
-            <a:r>
-              <a:rPr lang="en-US" sz="1200" dirty="0">
-                <a:latin typeface="Courier"/>
-                <a:cs typeface="Courier"/>
-              </a:rPr>
-              <a:t>()</a:t>
-            </a:r>
-          </a:p>
-          <a:p>
-            <a:r>
-              <a:rPr lang="mr-IN" sz="1200" dirty="0">
-                <a:latin typeface="Courier"/>
-                <a:cs typeface="Courier"/>
-              </a:rPr>
-              <a:t>        })</a:t>
-            </a:r>
-          </a:p>
-          <a:p>
-            <a:endParaRPr lang="mr-IN" sz="1200" dirty="0">
-              <a:latin typeface="Courier"/>
-              <a:cs typeface="Courier"/>
-            </a:endParaRPr>
-          </a:p>
-          <a:p>
-            <a:r>
-              <a:rPr lang="en-US" sz="1200" dirty="0">
-                <a:latin typeface="Courier"/>
-                <a:cs typeface="Courier"/>
-              </a:rPr>
-              <a:t>    return </a:t>
-            </a:r>
-            <a:r>
-              <a:rPr lang="en-US" sz="1200" dirty="0" err="1">
-                <a:latin typeface="Courier"/>
-                <a:cs typeface="Courier"/>
-              </a:rPr>
-              <a:t>Disposables.create</a:t>
-            </a:r>
-            <a:r>
-              <a:rPr lang="en-US" sz="1200" dirty="0">
-                <a:latin typeface="Courier"/>
-                <a:cs typeface="Courier"/>
-              </a:rPr>
-              <a:t>(</a:t>
-            </a:r>
-            <a:r>
-              <a:rPr lang="en-US" sz="1200" dirty="0" err="1">
-                <a:latin typeface="Courier"/>
-                <a:cs typeface="Courier"/>
-              </a:rPr>
-              <a:t>bindToUIDisposable</a:t>
-            </a:r>
-            <a:r>
-              <a:rPr lang="en-US" sz="1200" dirty="0">
-                <a:latin typeface="Courier"/>
-                <a:cs typeface="Courier"/>
-              </a:rPr>
-              <a:t>, </a:t>
-            </a:r>
-            <a:r>
-              <a:rPr lang="en-US" sz="1200" dirty="0" err="1">
-                <a:latin typeface="Courier"/>
-                <a:cs typeface="Courier"/>
-              </a:rPr>
-              <a:t>bindToVariable</a:t>
-            </a:r>
-            <a:r>
-              <a:rPr lang="en-US" sz="1200" dirty="0">
-                <a:latin typeface="Courier"/>
-                <a:cs typeface="Courier"/>
-              </a:rPr>
-              <a:t>)</a:t>
-            </a:r>
-          </a:p>
-          <a:p>
-            <a:r>
-              <a:rPr lang="en-US" sz="1200" dirty="0">
-                <a:latin typeface="Courier"/>
-                <a:cs typeface="Courier"/>
-              </a:rPr>
-              <a:t>}</a:t>
-            </a:r>
-            <a:endParaRPr lang="en-US" sz="1200" b="1" dirty="0" smtClean="0">
-              <a:latin typeface="Courier"/>
-              <a:cs typeface="Courier"/>
-            </a:endParaRPr>
-          </a:p>
-        </p:txBody>
-      </p:sp>
-      <p:sp>
-        <p:nvSpPr>
-          <p:cNvPr id="7" name="TextBox 6"/>
-          <p:cNvSpPr txBox="1"/>
-          <p:nvPr/>
-        </p:nvSpPr>
-        <p:spPr>
-          <a:xfrm>
-            <a:off x="272617" y="1410200"/>
-            <a:ext cx="8244303" cy="738664"/>
-          </a:xfrm>
-          <a:prstGeom prst="rect">
-            <a:avLst/>
-          </a:prstGeom>
-          <a:noFill/>
-        </p:spPr>
-        <p:txBody>
-          <a:bodyPr wrap="square" rtlCol="0">
-            <a:spAutoFit/>
-          </a:bodyPr>
-          <a:lstStyle/>
-          <a:p>
-            <a:r>
-              <a:rPr lang="en-US" b="1" dirty="0" smtClean="0">
-                <a:latin typeface="Courier"/>
-                <a:cs typeface="Courier"/>
-              </a:rPr>
-              <a:t>Custom Implementation</a:t>
-            </a:r>
           </a:p>
           <a:p>
             <a:endParaRPr lang="en-US" b="1" dirty="0" smtClean="0">
@@ -6760,61 +10821,248 @@
           </a:p>
           <a:p>
             <a:r>
-              <a:rPr lang="en-US" b="1" dirty="0"/>
-              <a:t>https://</a:t>
-            </a:r>
-            <a:r>
-              <a:rPr lang="en-US" b="1" dirty="0" err="1"/>
-              <a:t>github.com</a:t>
-            </a:r>
-            <a:r>
-              <a:rPr lang="en-US" b="1" dirty="0"/>
-              <a:t>/</a:t>
-            </a:r>
-            <a:r>
-              <a:rPr lang="en-US" b="1" dirty="0" err="1"/>
-              <a:t>ReactiveX</a:t>
-            </a:r>
-            <a:r>
-              <a:rPr lang="en-US" b="1" dirty="0"/>
-              <a:t>/</a:t>
-            </a:r>
-            <a:r>
-              <a:rPr lang="en-US" b="1" dirty="0" err="1"/>
-              <a:t>RxSwift</a:t>
-            </a:r>
-            <a:r>
-              <a:rPr lang="en-US" b="1" dirty="0"/>
-              <a:t>/blob/master/</a:t>
-            </a:r>
-            <a:r>
-              <a:rPr lang="en-US" b="1" dirty="0" err="1"/>
-              <a:t>RxExample</a:t>
-            </a:r>
-            <a:r>
-              <a:rPr lang="en-US" b="1" dirty="0"/>
-              <a:t>/</a:t>
-            </a:r>
-            <a:r>
-              <a:rPr lang="en-US" b="1" dirty="0" err="1"/>
-              <a:t>RxExample</a:t>
-            </a:r>
-            <a:r>
-              <a:rPr lang="en-US" b="1" dirty="0"/>
-              <a:t>/</a:t>
-            </a:r>
-            <a:r>
-              <a:rPr lang="en-US" b="1" dirty="0" err="1"/>
-              <a:t>Operators.swift</a:t>
-            </a:r>
-            <a:endParaRPr lang="en-US" b="1" dirty="0" smtClean="0"/>
+              <a:rPr lang="en-US" b="1" dirty="0" smtClean="0">
+                <a:latin typeface="Courier"/>
+                <a:cs typeface="Courier"/>
+              </a:rPr>
+              <a:t>public </a:t>
+            </a:r>
+            <a:r>
+              <a:rPr lang="en-US" b="1" dirty="0">
+                <a:latin typeface="Courier"/>
+                <a:cs typeface="Courier"/>
+              </a:rPr>
+              <a:t>protocol </a:t>
+            </a:r>
+            <a:r>
+              <a:rPr lang="en-US" b="1" dirty="0" err="1">
+                <a:latin typeface="Courier"/>
+                <a:cs typeface="Courier"/>
+              </a:rPr>
+              <a:t>ControlPropertyType</a:t>
+            </a:r>
+            <a:r>
+              <a:rPr lang="en-US" b="1" dirty="0">
+                <a:latin typeface="Courier"/>
+                <a:cs typeface="Courier"/>
+              </a:rPr>
+              <a:t> : </a:t>
+            </a:r>
+            <a:r>
+              <a:rPr lang="en-US" b="1" dirty="0" err="1">
+                <a:solidFill>
+                  <a:schemeClr val="tx1"/>
+                </a:solidFill>
+                <a:latin typeface="Courier"/>
+                <a:cs typeface="Courier"/>
+              </a:rPr>
+              <a:t>ObservableType</a:t>
+            </a:r>
+            <a:r>
+              <a:rPr lang="en-US" b="1" dirty="0">
+                <a:latin typeface="Courier"/>
+                <a:cs typeface="Courier"/>
+              </a:rPr>
+              <a:t>, </a:t>
+            </a:r>
+            <a:r>
+              <a:rPr lang="en-US" b="1" dirty="0" err="1" smtClean="0">
+                <a:solidFill>
+                  <a:srgbClr val="0000FF"/>
+                </a:solidFill>
+                <a:latin typeface="Courier"/>
+                <a:cs typeface="Courier"/>
+              </a:rPr>
+              <a:t>ObserverType</a:t>
+            </a:r>
+            <a:endParaRPr lang="en-US" b="1" dirty="0" smtClean="0">
+              <a:solidFill>
+                <a:srgbClr val="0000FF"/>
+              </a:solidFill>
+              <a:latin typeface="Courier"/>
+              <a:cs typeface="Courier"/>
+            </a:endParaRPr>
+          </a:p>
+          <a:p>
+            <a:endParaRPr lang="en-US" b="1" dirty="0">
+              <a:latin typeface="Courier"/>
+              <a:cs typeface="Courier"/>
+            </a:endParaRPr>
+          </a:p>
+          <a:p>
+            <a:r>
+              <a:rPr lang="en-US" b="1" dirty="0">
+                <a:latin typeface="Courier"/>
+                <a:cs typeface="Courier"/>
+              </a:rPr>
+              <a:t>public </a:t>
+            </a:r>
+            <a:r>
+              <a:rPr lang="en-US" b="1" dirty="0" err="1">
+                <a:latin typeface="Courier"/>
+                <a:cs typeface="Courier"/>
+              </a:rPr>
+              <a:t>struct</a:t>
+            </a:r>
+            <a:r>
+              <a:rPr lang="en-US" b="1" dirty="0">
+                <a:latin typeface="Courier"/>
+                <a:cs typeface="Courier"/>
+              </a:rPr>
+              <a:t> </a:t>
+            </a:r>
+            <a:r>
+              <a:rPr lang="en-US" b="1" dirty="0" err="1">
+                <a:solidFill>
+                  <a:srgbClr val="FF0000"/>
+                </a:solidFill>
+                <a:latin typeface="Courier"/>
+                <a:cs typeface="Courier"/>
+              </a:rPr>
+              <a:t>ControlProperty</a:t>
+            </a:r>
+            <a:r>
+              <a:rPr lang="en-US" b="1" dirty="0">
+                <a:latin typeface="Courier"/>
+                <a:cs typeface="Courier"/>
+              </a:rPr>
+              <a:t>&lt;</a:t>
+            </a:r>
+            <a:r>
+              <a:rPr lang="en-US" b="1" dirty="0" err="1">
+                <a:latin typeface="Courier"/>
+                <a:cs typeface="Courier"/>
+              </a:rPr>
+              <a:t>PropertyType</a:t>
+            </a:r>
+            <a:r>
+              <a:rPr lang="en-US" b="1" dirty="0">
+                <a:latin typeface="Courier"/>
+                <a:cs typeface="Courier"/>
+              </a:rPr>
+              <a:t>&gt; : </a:t>
+            </a:r>
+            <a:r>
+              <a:rPr lang="en-US" b="1" dirty="0" err="1" smtClean="0">
+                <a:solidFill>
+                  <a:srgbClr val="0000FF"/>
+                </a:solidFill>
+                <a:latin typeface="Courier"/>
+                <a:cs typeface="Courier"/>
+              </a:rPr>
+              <a:t>ControlPropertyType</a:t>
+            </a:r>
+            <a:endParaRPr lang="en-US" b="1" dirty="0" smtClean="0">
+              <a:solidFill>
+                <a:srgbClr val="0000FF"/>
+              </a:solidFill>
+              <a:latin typeface="Courier"/>
+              <a:cs typeface="Courier"/>
+            </a:endParaRPr>
+          </a:p>
+          <a:p>
+            <a:endParaRPr lang="en-US" b="1" dirty="0" smtClean="0">
+              <a:latin typeface="Courier"/>
+              <a:cs typeface="Courier"/>
+            </a:endParaRPr>
+          </a:p>
+          <a:p>
+            <a:r>
+              <a:rPr lang="en-US" b="1" dirty="0">
+                <a:latin typeface="Courier"/>
+                <a:cs typeface="Courier"/>
+              </a:rPr>
+              <a:t>public final class </a:t>
+            </a:r>
+            <a:r>
+              <a:rPr lang="en-US" b="1" dirty="0" err="1">
+                <a:solidFill>
+                  <a:srgbClr val="FF0000"/>
+                </a:solidFill>
+                <a:latin typeface="Courier"/>
+                <a:cs typeface="Courier"/>
+              </a:rPr>
+              <a:t>PublishSubject</a:t>
+            </a:r>
+            <a:r>
+              <a:rPr lang="en-US" b="1" dirty="0">
+                <a:latin typeface="Courier"/>
+                <a:cs typeface="Courier"/>
+              </a:rPr>
+              <a:t>&lt;Element</a:t>
+            </a:r>
+            <a:r>
+              <a:rPr lang="en-US" b="1" dirty="0" smtClean="0">
+                <a:latin typeface="Courier"/>
+                <a:cs typeface="Courier"/>
+              </a:rPr>
+              <a:t>&gt;: </a:t>
+            </a:r>
+            <a:r>
+              <a:rPr lang="en-US" b="1" dirty="0">
+                <a:latin typeface="Courier"/>
+                <a:cs typeface="Courier"/>
+              </a:rPr>
+              <a:t>Observable&lt;Element</a:t>
+            </a:r>
+            <a:r>
+              <a:rPr lang="en-US" b="1" dirty="0" smtClean="0">
+                <a:latin typeface="Courier"/>
+                <a:cs typeface="Courier"/>
+              </a:rPr>
+              <a:t>&gt;, </a:t>
+            </a:r>
+            <a:r>
+              <a:rPr lang="en-US" b="1" dirty="0" err="1" smtClean="0">
+                <a:latin typeface="Courier"/>
+                <a:cs typeface="Courier"/>
+              </a:rPr>
+              <a:t>SubjectType</a:t>
+            </a:r>
+            <a:r>
+              <a:rPr lang="en-US" b="1" dirty="0" smtClean="0">
+                <a:latin typeface="Courier"/>
+                <a:cs typeface="Courier"/>
+              </a:rPr>
+              <a:t> Cancelable, </a:t>
+            </a:r>
+            <a:r>
+              <a:rPr lang="en-US" b="1" dirty="0" err="1" smtClean="0">
+                <a:solidFill>
+                  <a:srgbClr val="0000FF"/>
+                </a:solidFill>
+                <a:latin typeface="Courier"/>
+                <a:cs typeface="Courier"/>
+              </a:rPr>
+              <a:t>ObserverType</a:t>
+            </a:r>
+            <a:r>
+              <a:rPr lang="en-US" b="1" dirty="0" smtClean="0">
+                <a:solidFill>
+                  <a:srgbClr val="0000FF"/>
+                </a:solidFill>
+                <a:latin typeface="Courier"/>
+                <a:cs typeface="Courier"/>
+              </a:rPr>
+              <a:t> </a:t>
+            </a:r>
+            <a:r>
+              <a:rPr lang="en-US" b="1" i="1" dirty="0" smtClean="0">
+                <a:solidFill>
+                  <a:srgbClr val="FF0000"/>
+                </a:solidFill>
+                <a:latin typeface="Courier"/>
+                <a:cs typeface="Courier"/>
+              </a:rPr>
+              <a:t>=&gt; any Subject and Relay</a:t>
+            </a:r>
           </a:p>
         </p:txBody>
       </p:sp>
     </p:spTree>
     <p:extLst>
       <p:ext uri="{BB962C8B-B14F-4D97-AF65-F5344CB8AC3E}">
-        <p14:creationId xmlns:p14="http://schemas.microsoft.com/office/powerpoint/2010/main" val="1057682120"/>
+        <p14:creationId xmlns:p14="http://schemas.microsoft.com/office/powerpoint/2010/main" val="1154880422"/>
       </p:ext>
     </p:extLst>
   </p:cSld>
@@ -6881,7 +11129,7 @@
             </a:pPr>
             <a:r>
               <a:rPr lang="en-US" dirty="0" smtClean="0"/>
-              <a:t>2 Way Binding</a:t>
+              <a:t>Binding</a:t>
             </a:r>
             <a:endParaRPr lang="en" dirty="0"/>
           </a:p>
@@ -6958,14 +11206,14 @@
       </p:pic>
       <p:sp>
         <p:nvSpPr>
-          <p:cNvPr id="6" name="TextBox 5"/>
+          <p:cNvPr id="7" name="TextBox 6"/>
           <p:cNvSpPr txBox="1"/>
           <p:nvPr/>
         </p:nvSpPr>
         <p:spPr>
           <a:xfrm>
-            <a:off x="272617" y="1739498"/>
-            <a:ext cx="8541258" cy="2308324"/>
+            <a:off x="81049" y="1616505"/>
+            <a:ext cx="4340326" cy="2308324"/>
           </a:xfrm>
           <a:prstGeom prst="rect">
             <a:avLst/>
@@ -6973,147 +11221,17 @@
           <a:noFill/>
         </p:spPr>
         <p:txBody>
-          <a:bodyPr wrap="square" rtlCol="0">
+          <a:bodyPr wrap="none" rtlCol="0">
             <a:spAutoFit/>
           </a:bodyPr>
           <a:lstStyle/>
           <a:p>
             <a:r>
-              <a:rPr lang="en-US" sz="1200" dirty="0">
-                <a:latin typeface="Courier"/>
-                <a:cs typeface="Courier"/>
-              </a:rPr>
-              <a:t>@</a:t>
-            </a:r>
-            <a:r>
               <a:rPr lang="en-US" sz="1200" dirty="0" err="1">
                 <a:latin typeface="Courier"/>
                 <a:cs typeface="Courier"/>
               </a:rPr>
-              <a:t>IBOutlet</a:t>
-            </a:r>
-            <a:r>
-              <a:rPr lang="en-US" sz="1200" dirty="0">
-                <a:latin typeface="Courier"/>
-                <a:cs typeface="Courier"/>
-              </a:rPr>
-              <a:t> weak </a:t>
-            </a:r>
-            <a:r>
-              <a:rPr lang="en-US" sz="1200" dirty="0" err="1">
-                <a:latin typeface="Courier"/>
-                <a:cs typeface="Courier"/>
-              </a:rPr>
-              <a:t>var</a:t>
-            </a:r>
-            <a:r>
-              <a:rPr lang="en-US" sz="1200" dirty="0">
-                <a:latin typeface="Courier"/>
-                <a:cs typeface="Courier"/>
-              </a:rPr>
-              <a:t> </a:t>
-            </a:r>
-            <a:r>
-              <a:rPr lang="en-US" sz="1200" dirty="0" err="1">
-                <a:latin typeface="Courier"/>
-                <a:cs typeface="Courier"/>
-              </a:rPr>
-              <a:t>textField</a:t>
-            </a:r>
-            <a:r>
-              <a:rPr lang="en-US" sz="1200" dirty="0">
-                <a:latin typeface="Courier"/>
-                <a:cs typeface="Courier"/>
-              </a:rPr>
-              <a:t>: </a:t>
-            </a:r>
-            <a:r>
-              <a:rPr lang="en-US" sz="1200" dirty="0" err="1">
-                <a:latin typeface="Courier"/>
-                <a:cs typeface="Courier"/>
-              </a:rPr>
-              <a:t>UITextField</a:t>
-            </a:r>
-            <a:r>
-              <a:rPr lang="en-US" sz="1200" dirty="0">
-                <a:latin typeface="Courier"/>
-                <a:cs typeface="Courier"/>
-              </a:rPr>
-              <a:t>!</a:t>
-            </a:r>
-          </a:p>
-          <a:p>
-            <a:r>
-              <a:rPr lang="en-US" sz="1200" dirty="0" smtClean="0">
-                <a:latin typeface="Courier"/>
-                <a:cs typeface="Courier"/>
-              </a:rPr>
-              <a:t>let </a:t>
-            </a:r>
-            <a:r>
-              <a:rPr lang="en-US" sz="1200" dirty="0" err="1">
-                <a:latin typeface="Courier"/>
-                <a:cs typeface="Courier"/>
-              </a:rPr>
-              <a:t>textValue</a:t>
-            </a:r>
-            <a:r>
-              <a:rPr lang="en-US" sz="1200" dirty="0">
-                <a:latin typeface="Courier"/>
-                <a:cs typeface="Courier"/>
-              </a:rPr>
-              <a:t> = </a:t>
-            </a:r>
-            <a:r>
-              <a:rPr lang="en-US" sz="1200" dirty="0" err="1">
-                <a:latin typeface="Courier"/>
-                <a:cs typeface="Courier"/>
-              </a:rPr>
-              <a:t>BehaviorRelay</a:t>
-            </a:r>
-            <a:r>
-              <a:rPr lang="en-US" sz="1200" dirty="0">
-                <a:latin typeface="Courier"/>
-                <a:cs typeface="Courier"/>
-              </a:rPr>
-              <a:t>(value: "")</a:t>
-            </a:r>
-          </a:p>
-          <a:p>
-            <a:r>
-              <a:rPr lang="en-US" sz="1200" dirty="0" err="1" smtClean="0">
-                <a:latin typeface="Courier"/>
-                <a:cs typeface="Courier"/>
-              </a:rPr>
-              <a:t>var</a:t>
-            </a:r>
-            <a:r>
-              <a:rPr lang="en-US" sz="1200" dirty="0" smtClean="0">
-                <a:latin typeface="Courier"/>
-                <a:cs typeface="Courier"/>
-              </a:rPr>
-              <a:t> </a:t>
-            </a:r>
-            <a:r>
-              <a:rPr lang="en-US" sz="1200" dirty="0" err="1">
-                <a:latin typeface="Courier"/>
-                <a:cs typeface="Courier"/>
-              </a:rPr>
-              <a:t>disposeBag</a:t>
-            </a:r>
-            <a:r>
-              <a:rPr lang="en-US" sz="1200" dirty="0">
-                <a:latin typeface="Courier"/>
-                <a:cs typeface="Courier"/>
-              </a:rPr>
-              <a:t> = </a:t>
-            </a:r>
-            <a:r>
-              <a:rPr lang="en-US" sz="1200" dirty="0" err="1">
-                <a:latin typeface="Courier"/>
-                <a:cs typeface="Courier"/>
-              </a:rPr>
-              <a:t>DisposeBag</a:t>
+              <a:t>cell.textValue.asObservable</a:t>
             </a:r>
             <a:r>
               <a:rPr lang="en-US" sz="1200" dirty="0">
@@ -7129,7 +11247,53 @@
                 <a:latin typeface="Courier"/>
                 <a:cs typeface="Courier"/>
               </a:rPr>
-              <a:t>    </a:t>
+              <a:t>       </a:t>
+            </a:r>
+            <a:r>
+              <a:rPr lang="mr-IN" sz="1200" dirty="0" smtClean="0">
+                <a:latin typeface="Courier"/>
+                <a:cs typeface="Courier"/>
+              </a:rPr>
+              <a:t>.</a:t>
+            </a:r>
+            <a:r>
+              <a:rPr lang="mr-IN" sz="1200" dirty="0">
+                <a:latin typeface="Courier"/>
+                <a:cs typeface="Courier"/>
+              </a:rPr>
+              <a:t>bind(to: self.userInputLabel.rx.text)</a:t>
+            </a:r>
+          </a:p>
+          <a:p>
+            <a:r>
+              <a:rPr lang="mr-IN" sz="1200" dirty="0">
+                <a:latin typeface="Courier"/>
+                <a:cs typeface="Courier"/>
+              </a:rPr>
+              <a:t>       </a:t>
+            </a:r>
+            <a:r>
+              <a:rPr lang="mr-IN" sz="1200" dirty="0" smtClean="0">
+                <a:latin typeface="Courier"/>
+                <a:cs typeface="Courier"/>
+              </a:rPr>
+              <a:t>.</a:t>
+            </a:r>
+            <a:r>
+              <a:rPr lang="mr-IN" sz="1200" dirty="0">
+                <a:latin typeface="Courier"/>
+                <a:cs typeface="Courier"/>
+              </a:rPr>
+              <a:t>disposed(by: cell.disposeBag)</a:t>
+            </a:r>
+          </a:p>
+          <a:p>
+            <a:r>
+              <a:rPr lang="mr-IN" sz="1200" dirty="0">
+                <a:latin typeface="Courier"/>
+                <a:cs typeface="Courier"/>
+              </a:rPr>
+              <a:t>                       </a:t>
             </a:r>
             <a:endParaRPr lang="en-US" sz="1200" dirty="0" smtClean="0">
               <a:latin typeface="Courier"/>
@@ -7137,203 +11301,217 @@
             </a:endParaRPr>
           </a:p>
           <a:p>
-            <a:endParaRPr lang="mr-IN" sz="1200" dirty="0">
-              <a:latin typeface="Courier"/>
-              <a:cs typeface="Courier"/>
-            </a:endParaRPr>
-          </a:p>
-          <a:p>
-            <a:r>
-              <a:rPr lang="en-US" sz="1200" dirty="0" smtClean="0">
-                <a:latin typeface="Courier"/>
-                <a:cs typeface="Courier"/>
-              </a:rPr>
-              <a:t>override </a:t>
-            </a:r>
-            <a:r>
-              <a:rPr lang="en-US" sz="1200" dirty="0" err="1">
-                <a:latin typeface="Courier"/>
-                <a:cs typeface="Courier"/>
-              </a:rPr>
-              <a:t>func</a:t>
-            </a:r>
-            <a:r>
-              <a:rPr lang="en-US" sz="1200" dirty="0">
-                <a:latin typeface="Courier"/>
-                <a:cs typeface="Courier"/>
-              </a:rPr>
-              <a:t> </a:t>
-            </a:r>
-            <a:r>
-              <a:rPr lang="en-US" sz="1200" dirty="0" err="1">
-                <a:latin typeface="Courier"/>
-                <a:cs typeface="Courier"/>
-              </a:rPr>
-              <a:t>awakeFromNib</a:t>
-            </a:r>
-            <a:r>
-              <a:rPr lang="en-US" sz="1200" dirty="0">
-                <a:latin typeface="Courier"/>
-                <a:cs typeface="Courier"/>
-              </a:rPr>
-              <a:t>() {</a:t>
-            </a:r>
-          </a:p>
-          <a:p>
-            <a:r>
-              <a:rPr lang="en-US" sz="1200" dirty="0">
-                <a:latin typeface="Courier"/>
-                <a:cs typeface="Courier"/>
-              </a:rPr>
-              <a:t>   </a:t>
-            </a:r>
-            <a:r>
-              <a:rPr lang="en-US" sz="1200" dirty="0" err="1" smtClean="0">
-                <a:latin typeface="Courier"/>
-                <a:cs typeface="Courier"/>
-              </a:rPr>
-              <a:t>super.awakeFromNib</a:t>
-            </a:r>
-            <a:r>
-              <a:rPr lang="en-US" sz="1200" dirty="0">
-                <a:latin typeface="Courier"/>
-                <a:cs typeface="Courier"/>
-              </a:rPr>
-              <a:t>()</a:t>
-            </a:r>
-          </a:p>
-          <a:p>
-            <a:r>
-              <a:rPr lang="en-US" sz="1200" dirty="0">
-                <a:latin typeface="Courier"/>
-                <a:cs typeface="Courier"/>
-              </a:rPr>
-              <a:t>   </a:t>
-            </a:r>
-            <a:r>
-              <a:rPr lang="en-US" sz="1200" dirty="0" smtClean="0">
-                <a:latin typeface="Courier"/>
-                <a:cs typeface="Courier"/>
-              </a:rPr>
-              <a:t>/</a:t>
-            </a:r>
-            <a:r>
-              <a:rPr lang="en-US" sz="1200" dirty="0">
-                <a:latin typeface="Courier"/>
-                <a:cs typeface="Courier"/>
-              </a:rPr>
-              <a:t>/ Initialization code</a:t>
-            </a:r>
-          </a:p>
-          <a:p>
             <a:endParaRPr lang="en-US" sz="1200" dirty="0">
               <a:latin typeface="Courier"/>
               <a:cs typeface="Courier"/>
             </a:endParaRPr>
           </a:p>
           <a:p>
-            <a:r>
-              <a:rPr lang="en-US" sz="1200" b="1" dirty="0">
-                <a:latin typeface="Courier"/>
-                <a:cs typeface="Courier"/>
-              </a:rPr>
-              <a:t>   </a:t>
-            </a:r>
-            <a:r>
-              <a:rPr lang="en-US" sz="1200" b="1" dirty="0" smtClean="0">
-                <a:latin typeface="Courier"/>
-                <a:cs typeface="Courier"/>
-              </a:rPr>
-              <a:t>let </a:t>
-            </a:r>
-            <a:r>
-              <a:rPr lang="en-US" sz="1200" b="1" dirty="0" err="1">
-                <a:latin typeface="Courier"/>
-                <a:cs typeface="Courier"/>
-              </a:rPr>
-              <a:t>textDisposable</a:t>
-            </a:r>
-            <a:r>
-              <a:rPr lang="en-US" sz="1200" b="1" dirty="0">
-                <a:latin typeface="Courier"/>
-                <a:cs typeface="Courier"/>
-              </a:rPr>
-              <a:t> = </a:t>
-            </a:r>
-            <a:r>
-              <a:rPr lang="en-US" sz="1200" b="1" dirty="0" err="1">
-                <a:latin typeface="Courier"/>
-                <a:cs typeface="Courier"/>
-              </a:rPr>
-              <a:t>textField.rx.textInput</a:t>
-            </a:r>
-            <a:r>
-              <a:rPr lang="en-US" sz="1200" b="1" dirty="0">
-                <a:latin typeface="Courier"/>
-                <a:cs typeface="Courier"/>
-              </a:rPr>
-              <a:t> </a:t>
-            </a:r>
-            <a:r>
-              <a:rPr lang="en-US" sz="1200" b="1" dirty="0">
-                <a:solidFill>
-                  <a:schemeClr val="tx1"/>
-                </a:solidFill>
-                <a:latin typeface="Courier"/>
-                <a:cs typeface="Courier"/>
-              </a:rPr>
-              <a:t>&lt;-&gt;</a:t>
-            </a:r>
-            <a:r>
-              <a:rPr lang="en-US" sz="1200" b="1" dirty="0">
-                <a:latin typeface="Courier"/>
-                <a:cs typeface="Courier"/>
-              </a:rPr>
-              <a:t> </a:t>
-            </a:r>
-            <a:r>
-              <a:rPr lang="en-US" sz="1200" b="1" dirty="0" err="1">
-                <a:latin typeface="Courier"/>
-                <a:cs typeface="Courier"/>
-              </a:rPr>
-              <a:t>textValue</a:t>
-            </a:r>
-            <a:endParaRPr lang="en-US" sz="1200" b="1" dirty="0">
+            <a:endParaRPr lang="en-US" sz="1200" dirty="0" smtClean="0">
               <a:latin typeface="Courier"/>
               <a:cs typeface="Courier"/>
             </a:endParaRPr>
           </a:p>
           <a:p>
             <a:r>
-              <a:rPr lang="en-US" sz="1200" b="1" dirty="0">
-                <a:latin typeface="Courier"/>
-                <a:cs typeface="Courier"/>
-              </a:rPr>
-              <a:t>   </a:t>
-            </a:r>
-            <a:r>
-              <a:rPr lang="en-US" sz="1200" b="1" dirty="0" err="1" smtClean="0">
-                <a:latin typeface="Courier"/>
-                <a:cs typeface="Courier"/>
-              </a:rPr>
-              <a:t>textDisposable.disposed</a:t>
-            </a:r>
-            <a:r>
-              <a:rPr lang="en-US" sz="1200" b="1" dirty="0">
-                <a:latin typeface="Courier"/>
-                <a:cs typeface="Courier"/>
-              </a:rPr>
-              <a:t>(by: </a:t>
-            </a:r>
-            <a:r>
-              <a:rPr lang="en-US" sz="1200" b="1" dirty="0" err="1">
-                <a:latin typeface="Courier"/>
-                <a:cs typeface="Courier"/>
-              </a:rPr>
-              <a:t>self.disposeBag</a:t>
-            </a:r>
-            <a:r>
-              <a:rPr lang="en-US" sz="1200" b="1" dirty="0">
+              <a:rPr lang="mr-IN" sz="1200" dirty="0" smtClean="0">
+                <a:latin typeface="Courier"/>
+                <a:cs typeface="Courier"/>
+              </a:rPr>
+              <a:t> </a:t>
+            </a:r>
+            <a:endParaRPr lang="en-US" sz="1200" dirty="0" smtClean="0">
+              <a:latin typeface="Courier"/>
+              <a:cs typeface="Courier"/>
+            </a:endParaRPr>
+          </a:p>
+          <a:p>
+            <a:endParaRPr lang="en-US" sz="1200" dirty="0">
+              <a:latin typeface="Courier"/>
+              <a:cs typeface="Courier"/>
+            </a:endParaRPr>
+          </a:p>
+          <a:p>
+            <a:endParaRPr lang="en-US" sz="1200" dirty="0" smtClean="0">
+              <a:latin typeface="Courier"/>
+              <a:cs typeface="Courier"/>
+            </a:endParaRPr>
+          </a:p>
+          <a:p>
+            <a:r>
+              <a:rPr lang="mr-IN" sz="1200" dirty="0" smtClean="0">
+                <a:latin typeface="Courier"/>
+                <a:cs typeface="Courier"/>
+              </a:rPr>
+              <a:t>cell.textValue.asDriver</a:t>
+            </a:r>
+            <a:r>
+              <a:rPr lang="mr-IN" sz="1200" dirty="0">
+                <a:latin typeface="Courier"/>
+                <a:cs typeface="Courier"/>
+              </a:rPr>
+              <a:t>()</a:t>
+            </a:r>
+          </a:p>
+          <a:p>
+            <a:r>
+              <a:rPr lang="mr-IN" sz="1200" dirty="0">
+                <a:latin typeface="Courier"/>
+                <a:cs typeface="Courier"/>
+              </a:rPr>
+              <a:t>       </a:t>
+            </a:r>
+            <a:r>
+              <a:rPr lang="mr-IN" sz="1200" dirty="0" smtClean="0">
+                <a:latin typeface="Courier"/>
+                <a:cs typeface="Courier"/>
+              </a:rPr>
+              <a:t>.</a:t>
+            </a:r>
+            <a:r>
+              <a:rPr lang="mr-IN" sz="1200" dirty="0">
+                <a:latin typeface="Courier"/>
+                <a:cs typeface="Courier"/>
+              </a:rPr>
+              <a:t>drive(self.userInputLabel.rx.text)</a:t>
+            </a:r>
+          </a:p>
+          <a:p>
+            <a:r>
+              <a:rPr lang="mr-IN" sz="1200" dirty="0">
+                <a:latin typeface="Courier"/>
+                <a:cs typeface="Courier"/>
+              </a:rPr>
+              <a:t>      </a:t>
+            </a:r>
+            <a:r>
+              <a:rPr lang="en-US" sz="1200" dirty="0">
+                <a:latin typeface="Courier"/>
+                <a:cs typeface="Courier"/>
+              </a:rPr>
+              <a:t> </a:t>
+            </a:r>
+            <a:r>
+              <a:rPr lang="mr-IN" sz="1200" dirty="0" smtClean="0">
+                <a:latin typeface="Courier"/>
+                <a:cs typeface="Courier"/>
+              </a:rPr>
+              <a:t>.</a:t>
+            </a:r>
+            <a:r>
+              <a:rPr lang="mr-IN" sz="1200" dirty="0">
+                <a:latin typeface="Courier"/>
+                <a:cs typeface="Courier"/>
+              </a:rPr>
+              <a:t>disposed(by: cell.disposeBag)</a:t>
+            </a:r>
+            <a:endParaRPr lang="en-US" sz="1200" dirty="0">
+              <a:latin typeface="Courier"/>
+              <a:cs typeface="Courier"/>
+            </a:endParaRPr>
+          </a:p>
+        </p:txBody>
+      </p:sp>
+      <p:sp>
+        <p:nvSpPr>
+          <p:cNvPr id="8" name="TextBox 7"/>
+          <p:cNvSpPr txBox="1"/>
+          <p:nvPr/>
+        </p:nvSpPr>
+        <p:spPr>
+          <a:xfrm>
+            <a:off x="4649863" y="1490129"/>
+            <a:ext cx="4432674" cy="2677656"/>
+          </a:xfrm>
+          <a:prstGeom prst="rect">
+            <a:avLst/>
+          </a:prstGeom>
+          <a:noFill/>
+        </p:spPr>
+        <p:txBody>
+          <a:bodyPr wrap="none" rtlCol="0">
+            <a:spAutoFit/>
+          </a:bodyPr>
+          <a:lstStyle/>
+          <a:p>
+            <a:r>
+              <a:rPr lang="en-US" sz="1200" dirty="0" err="1">
+                <a:latin typeface="Courier"/>
+                <a:cs typeface="Courier"/>
+              </a:rPr>
+              <a:t>cell.textValue.asObservable</a:t>
+            </a:r>
+            <a:r>
+              <a:rPr lang="en-US" sz="1200" dirty="0">
+                <a:latin typeface="Courier"/>
+                <a:cs typeface="Courier"/>
+              </a:rPr>
+              <a:t>()</a:t>
+            </a:r>
+          </a:p>
+          <a:p>
+            <a:r>
+              <a:rPr lang="mr-IN" sz="1200" dirty="0">
+                <a:latin typeface="Courier"/>
+                <a:cs typeface="Courier"/>
+              </a:rPr>
+              <a:t>        </a:t>
+            </a:r>
+            <a:r>
+              <a:rPr lang="mr-IN" sz="1200" dirty="0" smtClean="0">
+                <a:latin typeface="Courier"/>
+                <a:cs typeface="Courier"/>
+              </a:rPr>
+              <a:t>.</a:t>
+            </a:r>
+            <a:r>
+              <a:rPr lang="mr-IN" sz="1200" dirty="0">
+                <a:latin typeface="Courier"/>
+                <a:cs typeface="Courier"/>
+              </a:rPr>
+              <a:t>subscribe(onNext: { input in</a:t>
+            </a:r>
+          </a:p>
+          <a:p>
+            <a:r>
+              <a:rPr lang="mr-IN" sz="1200" dirty="0">
+                <a:latin typeface="Courier"/>
+                <a:cs typeface="Courier"/>
+              </a:rPr>
+              <a:t>             </a:t>
+            </a:r>
+            <a:r>
+              <a:rPr lang="mr-IN" sz="1200" dirty="0" smtClean="0">
+                <a:latin typeface="Courier"/>
+                <a:cs typeface="Courier"/>
+              </a:rPr>
+              <a:t> </a:t>
+            </a:r>
+            <a:r>
+              <a:rPr lang="mr-IN" sz="1200" dirty="0">
+                <a:latin typeface="Courier"/>
+                <a:cs typeface="Courier"/>
+              </a:rPr>
+              <a:t>self.userInputLabel.text = input</a:t>
+            </a:r>
+          </a:p>
+          <a:p>
+            <a:r>
+              <a:rPr lang="mr-IN" sz="1200" dirty="0">
+                <a:latin typeface="Courier"/>
+                <a:cs typeface="Courier"/>
+              </a:rPr>
+              <a:t>         </a:t>
+            </a:r>
+            <a:r>
+              <a:rPr lang="mr-IN" sz="1200" dirty="0" smtClean="0">
+                <a:latin typeface="Courier"/>
+                <a:cs typeface="Courier"/>
+              </a:rPr>
+              <a:t>}</a:t>
+            </a:r>
+            <a:r>
+              <a:rPr lang="mr-IN" sz="1200" dirty="0">
                 <a:latin typeface="Courier"/>
                 <a:cs typeface="Courier"/>
               </a:rPr>
@@ -7342,13 +11520,173 @@
           </a:p>
           <a:p>
             <a:r>
+              <a:rPr lang="mr-IN" sz="1200" dirty="0">
+                <a:latin typeface="Courier"/>
+                <a:cs typeface="Courier"/>
+              </a:rPr>
+              <a:t>         </a:t>
+            </a:r>
+            <a:r>
               <a:rPr lang="mr-IN" sz="1200" dirty="0" smtClean="0">
                 <a:latin typeface="Courier"/>
                 <a:cs typeface="Courier"/>
               </a:rPr>
+              <a:t>.</a:t>
+            </a:r>
+            <a:r>
+              <a:rPr lang="mr-IN" sz="1200" dirty="0">
+                <a:latin typeface="Courier"/>
+                <a:cs typeface="Courier"/>
+              </a:rPr>
+              <a:t>disposed(by: cell.disposeBag)</a:t>
+            </a:r>
+          </a:p>
+          <a:p>
+            <a:r>
+              <a:rPr lang="mr-IN" sz="1200" dirty="0">
+                <a:latin typeface="Courier"/>
+                <a:cs typeface="Courier"/>
+              </a:rPr>
+              <a:t>             </a:t>
+            </a:r>
+            <a:endParaRPr lang="en-US" sz="1200" dirty="0" smtClean="0">
+              <a:latin typeface="Courier"/>
+              <a:cs typeface="Courier"/>
+            </a:endParaRPr>
+          </a:p>
+          <a:p>
+            <a:endParaRPr lang="en-US" sz="1200" dirty="0" smtClean="0">
+              <a:latin typeface="Courier"/>
+              <a:cs typeface="Courier"/>
+            </a:endParaRPr>
+          </a:p>
+          <a:p>
+            <a:endParaRPr lang="en-US" sz="1200" dirty="0">
+              <a:latin typeface="Courier"/>
+              <a:cs typeface="Courier"/>
+            </a:endParaRPr>
+          </a:p>
+          <a:p>
+            <a:r>
+              <a:rPr lang="mr-IN" sz="1200" dirty="0" smtClean="0">
+                <a:latin typeface="Courier"/>
+                <a:cs typeface="Courier"/>
+              </a:rPr>
+              <a:t>           </a:t>
+            </a:r>
+            <a:endParaRPr lang="en-US" sz="1200" dirty="0">
+              <a:latin typeface="Courier"/>
+              <a:cs typeface="Courier"/>
+            </a:endParaRPr>
+          </a:p>
+          <a:p>
+            <a:r>
+              <a:rPr lang="mr-IN" sz="1200" dirty="0" smtClean="0">
+                <a:latin typeface="Courier"/>
+                <a:cs typeface="Courier"/>
+              </a:rPr>
+              <a:t>cell.textValue.asDriver</a:t>
+            </a:r>
+            <a:r>
+              <a:rPr lang="mr-IN" sz="1200" dirty="0">
+                <a:latin typeface="Courier"/>
+                <a:cs typeface="Courier"/>
+              </a:rPr>
+              <a:t>()</a:t>
+            </a:r>
+          </a:p>
+          <a:p>
+            <a:r>
+              <a:rPr lang="mr-IN" sz="1200" dirty="0">
+                <a:latin typeface="Courier"/>
+                <a:cs typeface="Courier"/>
+              </a:rPr>
+              <a:t>        </a:t>
+            </a:r>
+            <a:r>
+              <a:rPr lang="mr-IN" sz="1200" dirty="0" smtClean="0">
+                <a:latin typeface="Courier"/>
+                <a:cs typeface="Courier"/>
+              </a:rPr>
+              <a:t>.</a:t>
+            </a:r>
+            <a:r>
+              <a:rPr lang="mr-IN" sz="1200" dirty="0">
+                <a:latin typeface="Courier"/>
+                <a:cs typeface="Courier"/>
+              </a:rPr>
+              <a:t>drive(onNext: { input in</a:t>
+            </a:r>
+          </a:p>
+          <a:p>
+            <a:r>
+              <a:rPr lang="mr-IN" sz="1200" dirty="0">
+                <a:latin typeface="Courier"/>
+                <a:cs typeface="Courier"/>
+              </a:rPr>
+              <a:t>             </a:t>
+            </a:r>
+            <a:r>
+              <a:rPr lang="mr-IN" sz="1200" dirty="0" smtClean="0">
+                <a:latin typeface="Courier"/>
+                <a:cs typeface="Courier"/>
+              </a:rPr>
+              <a:t>self.userInputLabel.text </a:t>
+            </a:r>
+            <a:r>
+              <a:rPr lang="mr-IN" sz="1200" dirty="0">
+                <a:latin typeface="Courier"/>
+                <a:cs typeface="Courier"/>
+              </a:rPr>
+              <a:t>= input</a:t>
+            </a:r>
+          </a:p>
+          <a:p>
+            <a:r>
+              <a:rPr lang="mr-IN" sz="1200" dirty="0">
+                <a:latin typeface="Courier"/>
+                <a:cs typeface="Courier"/>
+              </a:rPr>
+              <a:t>          </a:t>
+            </a:r>
+            <a:r>
+              <a:rPr lang="mr-IN" sz="1200" dirty="0" smtClean="0">
+                <a:latin typeface="Courier"/>
+                <a:cs typeface="Courier"/>
+              </a:rPr>
               <a:t>}</a:t>
             </a:r>
-            <a:endParaRPr lang="en-US" sz="1200" b="1" dirty="0" smtClean="0">
+            <a:r>
+              <a:rPr lang="mr-IN" sz="1200" dirty="0">
+                <a:latin typeface="Courier"/>
+                <a:cs typeface="Courier"/>
+              </a:rPr>
+              <a:t>)</a:t>
+            </a:r>
+          </a:p>
+          <a:p>
+            <a:r>
+              <a:rPr lang="mr-IN" sz="1200" dirty="0">
+                <a:latin typeface="Courier"/>
+                <a:cs typeface="Courier"/>
+              </a:rPr>
+              <a:t>          </a:t>
+            </a:r>
+            <a:r>
+              <a:rPr lang="mr-IN" sz="1200" dirty="0" smtClean="0">
+                <a:latin typeface="Courier"/>
+                <a:cs typeface="Courier"/>
+              </a:rPr>
+              <a:t>.</a:t>
+            </a:r>
+            <a:r>
+              <a:rPr lang="mr-IN" sz="1200" dirty="0">
+                <a:latin typeface="Courier"/>
+                <a:cs typeface="Courier"/>
+              </a:rPr>
+              <a:t>disposed(by: cell.disposeBag)</a:t>
+            </a:r>
+            <a:endParaRPr lang="en-US" sz="1200" dirty="0">
               <a:latin typeface="Courier"/>
               <a:cs typeface="Courier"/>
             </a:endParaRPr>
@@ -7358,7 +11696,7 @@
     </p:spTree>
     <p:extLst>
       <p:ext uri="{BB962C8B-B14F-4D97-AF65-F5344CB8AC3E}">
-        <p14:creationId xmlns:p14="http://schemas.microsoft.com/office/powerpoint/2010/main" val="76180067"/>
+        <p14:creationId xmlns:p14="http://schemas.microsoft.com/office/powerpoint/2010/main" val="1627049392"/>
       </p:ext>
     </p:extLst>
   </p:cSld>
@@ -7425,7 +11763,7 @@
             </a:pPr>
             <a:r>
               <a:rPr lang="en-US" dirty="0" smtClean="0"/>
-              <a:t>Adding a reactive extension to Custom UI Element</a:t>
+              <a:t>Binding - KVO</a:t>
             </a:r>
             <a:endParaRPr lang="en" dirty="0"/>
           </a:p>
@@ -7502,14 +11840,14 @@
       </p:pic>
       <p:sp>
         <p:nvSpPr>
-          <p:cNvPr id="6" name="TextBox 5"/>
+          <p:cNvPr id="9" name="TextBox 8"/>
           <p:cNvSpPr txBox="1"/>
           <p:nvPr/>
         </p:nvSpPr>
         <p:spPr>
           <a:xfrm>
-            <a:off x="272617" y="1859164"/>
-            <a:ext cx="3202387" cy="830997"/>
+            <a:off x="1052178" y="1780650"/>
+            <a:ext cx="6235590" cy="2123658"/>
           </a:xfrm>
           <a:prstGeom prst="rect">
             <a:avLst/>
@@ -7523,279 +11861,304 @@
           <a:lstStyle/>
           <a:p>
             <a:r>
-              <a:rPr lang="mr-IN" sz="1200" dirty="0" smtClean="0">
-                <a:latin typeface="Courier"/>
-                <a:cs typeface="Courier"/>
-              </a:rPr>
-              <a:t>  </a:t>
+              <a:rPr lang="en-US" sz="1200" dirty="0">
+                <a:latin typeface="Courier"/>
+                <a:cs typeface="Courier"/>
+              </a:rPr>
+              <a:t> @</a:t>
             </a:r>
             <a:r>
               <a:rPr lang="en-US" sz="1200" dirty="0" err="1">
                 <a:latin typeface="Courier"/>
                 <a:cs typeface="Courier"/>
               </a:rPr>
-              <a:t>myObservable</a:t>
-            </a:r>
+              <a:t>IBOutlet</a:t>
+            </a:r>
+            <a:r>
+              <a:rPr lang="en-US" sz="1200" dirty="0">
+                <a:latin typeface="Courier"/>
+                <a:cs typeface="Courier"/>
+              </a:rPr>
+              <a:t> weak </a:t>
+            </a:r>
+            <a:r>
+              <a:rPr lang="en-US" sz="1200" dirty="0" err="1">
+                <a:latin typeface="Courier"/>
+                <a:cs typeface="Courier"/>
+              </a:rPr>
+              <a:t>var</a:t>
+            </a:r>
+            <a:r>
+              <a:rPr lang="en-US" sz="1200" dirty="0">
+                <a:latin typeface="Courier"/>
+                <a:cs typeface="Courier"/>
+              </a:rPr>
+              <a:t> </a:t>
+            </a:r>
+            <a:r>
+              <a:rPr lang="en-US" sz="1200" dirty="0" err="1">
+                <a:latin typeface="Courier"/>
+                <a:cs typeface="Courier"/>
+              </a:rPr>
+              <a:t>oneLabel</a:t>
+            </a:r>
+            <a:r>
+              <a:rPr lang="en-US" sz="1200" dirty="0">
+                <a:latin typeface="Courier"/>
+                <a:cs typeface="Courier"/>
+              </a:rPr>
+              <a:t>: </a:t>
+            </a:r>
+            <a:r>
+              <a:rPr lang="en-US" sz="1200" dirty="0" err="1">
+                <a:latin typeface="Courier"/>
+                <a:cs typeface="Courier"/>
+              </a:rPr>
+              <a:t>UILabel</a:t>
+            </a:r>
+            <a:r>
+              <a:rPr lang="en-US" sz="1200" dirty="0">
+                <a:latin typeface="Courier"/>
+                <a:cs typeface="Courier"/>
+              </a:rPr>
+              <a:t>!</a:t>
+            </a:r>
+          </a:p>
+          <a:p>
+            <a:r>
+              <a:rPr lang="en-US" sz="1200" dirty="0">
+                <a:latin typeface="Courier"/>
+                <a:cs typeface="Courier"/>
+              </a:rPr>
+              <a:t> </a:t>
+            </a:r>
+            <a:r>
+              <a:rPr lang="en-US" sz="1200" dirty="0" smtClean="0">
+                <a:latin typeface="Courier"/>
+                <a:cs typeface="Courier"/>
+              </a:rPr>
+              <a:t>@</a:t>
+            </a:r>
+            <a:r>
+              <a:rPr lang="en-US" sz="1200" dirty="0" err="1">
+                <a:latin typeface="Courier"/>
+                <a:cs typeface="Courier"/>
+              </a:rPr>
+              <a:t>IBOutlet</a:t>
+            </a:r>
+            <a:r>
+              <a:rPr lang="en-US" sz="1200" dirty="0">
+                <a:latin typeface="Courier"/>
+                <a:cs typeface="Courier"/>
+              </a:rPr>
+              <a:t> weak </a:t>
+            </a:r>
+            <a:r>
+              <a:rPr lang="en-US" sz="1200" dirty="0" err="1">
+                <a:latin typeface="Courier"/>
+                <a:cs typeface="Courier"/>
+              </a:rPr>
+              <a:t>var</a:t>
+            </a:r>
+            <a:r>
+              <a:rPr lang="en-US" sz="1200" dirty="0">
+                <a:latin typeface="Courier"/>
+                <a:cs typeface="Courier"/>
+              </a:rPr>
+              <a:t> </a:t>
+            </a:r>
+            <a:r>
+              <a:rPr lang="en-US" sz="1200" dirty="0" err="1">
+                <a:latin typeface="Courier"/>
+                <a:cs typeface="Courier"/>
+              </a:rPr>
+              <a:t>twoLabel</a:t>
+            </a:r>
+            <a:r>
+              <a:rPr lang="en-US" sz="1200" dirty="0">
+                <a:latin typeface="Courier"/>
+                <a:cs typeface="Courier"/>
+              </a:rPr>
+              <a:t>: </a:t>
+            </a:r>
+            <a:r>
+              <a:rPr lang="en-US" sz="1200" dirty="0" err="1">
+                <a:latin typeface="Courier"/>
+                <a:cs typeface="Courier"/>
+              </a:rPr>
+              <a:t>UILabel</a:t>
+            </a:r>
+            <a:r>
+              <a:rPr lang="en-US" sz="1200" dirty="0">
+                <a:latin typeface="Courier"/>
+                <a:cs typeface="Courier"/>
+              </a:rPr>
+              <a:t>!</a:t>
+            </a:r>
+          </a:p>
+          <a:p>
+            <a:r>
+              <a:rPr lang="en-US" sz="1200" dirty="0" smtClean="0">
+                <a:latin typeface="Courier"/>
+                <a:cs typeface="Courier"/>
+              </a:rPr>
+              <a:t> let </a:t>
+            </a:r>
+            <a:r>
+              <a:rPr lang="en-US" sz="1200" dirty="0" err="1">
+                <a:latin typeface="Courier"/>
+                <a:cs typeface="Courier"/>
+              </a:rPr>
+              <a:t>disposeBag</a:t>
+            </a:r>
+            <a:r>
+              <a:rPr lang="en-US" sz="1200" dirty="0">
+                <a:latin typeface="Courier"/>
+                <a:cs typeface="Courier"/>
+              </a:rPr>
+              <a:t> = </a:t>
+            </a:r>
+            <a:r>
+              <a:rPr lang="en-US" sz="1200" dirty="0" err="1">
+                <a:latin typeface="Courier"/>
+                <a:cs typeface="Courier"/>
+              </a:rPr>
+              <a:t>DisposeBag</a:t>
+            </a:r>
+            <a:r>
+              <a:rPr lang="en-US" sz="1200" dirty="0">
+                <a:latin typeface="Courier"/>
+                <a:cs typeface="Courier"/>
+              </a:rPr>
+              <a:t>()</a:t>
+            </a:r>
+            <a:endParaRPr lang="en-US" sz="1200" dirty="0" smtClean="0">
+              <a:latin typeface="Courier"/>
+              <a:cs typeface="Courier"/>
+            </a:endParaRPr>
+          </a:p>
+          <a:p>
             <a:endParaRPr lang="en-US" sz="1200" dirty="0">
               <a:latin typeface="Courier"/>
               <a:cs typeface="Courier"/>
             </a:endParaRPr>
           </a:p>
           <a:p>
-            <a:r>
-              <a:rPr lang="en-US" sz="1200" dirty="0">
-                <a:latin typeface="Courier"/>
-                <a:cs typeface="Courier"/>
-              </a:rPr>
-              <a:t>  .map { "new value is \($0)" }</a:t>
-            </a:r>
-          </a:p>
-          <a:p>
-            <a:r>
-              <a:rPr lang="en-US" sz="1200" dirty="0">
-                <a:latin typeface="Courier"/>
-                <a:cs typeface="Courier"/>
-              </a:rPr>
-              <a:t>  .bind(to: </a:t>
-            </a:r>
-            <a:r>
-              <a:rPr lang="en-US" sz="1200" dirty="0" err="1">
-                <a:latin typeface="Courier"/>
-                <a:cs typeface="Courier"/>
-              </a:rPr>
-              <a:t>myLabel.rx.text</a:t>
-            </a:r>
-            <a:r>
-              <a:rPr lang="en-US" sz="1200" dirty="0">
-                <a:latin typeface="Courier"/>
-                <a:cs typeface="Courier"/>
-              </a:rPr>
-              <a:t> )</a:t>
-            </a:r>
-          </a:p>
-          <a:p>
-            <a:r>
-              <a:rPr lang="en-US" sz="1200" dirty="0">
-                <a:latin typeface="Courier"/>
-                <a:cs typeface="Courier"/>
-              </a:rPr>
-              <a:t>  .disposed(by: bag)</a:t>
-            </a:r>
-            <a:endParaRPr lang="en-US" sz="1200" b="1" dirty="0" smtClean="0">
+            <a:endParaRPr lang="en-US" sz="1200" dirty="0" smtClean="0">
               <a:latin typeface="Courier"/>
               <a:cs typeface="Courier"/>
             </a:endParaRPr>
           </a:p>
-        </p:txBody>
-      </p:sp>
-      <p:sp>
-        <p:nvSpPr>
-          <p:cNvPr id="7" name="TextBox 6"/>
-          <p:cNvSpPr txBox="1"/>
-          <p:nvPr/>
-        </p:nvSpPr>
-        <p:spPr>
-          <a:xfrm>
-            <a:off x="272617" y="1410200"/>
-            <a:ext cx="2677978" cy="307777"/>
-          </a:xfrm>
-          <a:prstGeom prst="rect">
-            <a:avLst/>
-          </a:prstGeom>
-          <a:noFill/>
-        </p:spPr>
-        <p:txBody>
-          <a:bodyPr wrap="square" rtlCol="0">
-            <a:spAutoFit/>
-          </a:bodyPr>
-          <a:lstStyle/>
-          <a:p>
-            <a:r>
-              <a:rPr lang="en-US" b="1" dirty="0" err="1" smtClean="0">
-                <a:latin typeface="Courier"/>
-                <a:cs typeface="Courier"/>
-              </a:rPr>
-              <a:t>UILabel</a:t>
-            </a:r>
-            <a:endParaRPr lang="en-US" b="1" dirty="0" smtClean="0">
-              <a:latin typeface="Courier"/>
-              <a:cs typeface="Courier"/>
-            </a:endParaRPr>
-          </a:p>
-        </p:txBody>
-      </p:sp>
-      <p:sp>
-        <p:nvSpPr>
-          <p:cNvPr id="8" name="TextBox 7"/>
-          <p:cNvSpPr txBox="1"/>
-          <p:nvPr/>
-        </p:nvSpPr>
-        <p:spPr>
-          <a:xfrm>
-            <a:off x="272617" y="3054166"/>
-            <a:ext cx="6063764" cy="1754327"/>
-          </a:xfrm>
-          <a:prstGeom prst="rect">
-            <a:avLst/>
-          </a:prstGeom>
-          <a:noFill/>
-        </p:spPr>
-        <p:txBody>
-          <a:bodyPr wrap="square" rtlCol="0">
-            <a:spAutoFit/>
-          </a:bodyPr>
-          <a:lstStyle/>
-          <a:p>
-            <a:r>
-              <a:rPr lang="en-US" sz="1200" dirty="0">
-                <a:latin typeface="Courier"/>
-                <a:cs typeface="Courier"/>
-              </a:rPr>
-              <a:t> extension Reactive where Base: </a:t>
+          <a:p>
+            <a:r>
+              <a:rPr lang="en-US" sz="1200" dirty="0">
+                <a:latin typeface="Courier"/>
+                <a:cs typeface="Courier"/>
+              </a:rPr>
+              <a:t> </a:t>
             </a:r>
             <a:r>
               <a:rPr lang="en-US" sz="1200" dirty="0" err="1">
                 <a:latin typeface="Courier"/>
                 <a:cs typeface="Courier"/>
               </a:rPr>
-              <a:t>UILabel</a:t>
-            </a:r>
-            <a:r>
-              <a:rPr lang="en-US" sz="1200" dirty="0">
-                <a:latin typeface="Courier"/>
-                <a:cs typeface="Courier"/>
-              </a:rPr>
-              <a:t> {</a:t>
-            </a:r>
-          </a:p>
-          <a:p>
-            <a:r>
-              <a:rPr lang="en-US" sz="1200" dirty="0">
-                <a:latin typeface="Courier"/>
-                <a:cs typeface="Courier"/>
-              </a:rPr>
-              <a:t>    </a:t>
-            </a:r>
-          </a:p>
-          <a:p>
-            <a:r>
-              <a:rPr lang="en-US" sz="1200" dirty="0">
-                <a:latin typeface="Courier"/>
-                <a:cs typeface="Courier"/>
-              </a:rPr>
-              <a:t>    /// </a:t>
+              <a:t>oneLabel.rx.observe</a:t>
+            </a:r>
+            <a:r>
+              <a:rPr lang="en-US" sz="1200" dirty="0">
+                <a:latin typeface="Courier"/>
+                <a:cs typeface="Courier"/>
+              </a:rPr>
+              <a:t>(</a:t>
             </a:r>
             <a:r>
               <a:rPr lang="en-US" sz="1200" dirty="0" err="1">
                 <a:latin typeface="Courier"/>
                 <a:cs typeface="Courier"/>
               </a:rPr>
-              <a:t>Bindable</a:t>
-            </a:r>
-            <a:r>
-              <a:rPr lang="en-US" sz="1200" dirty="0">
-                <a:latin typeface="Courier"/>
-                <a:cs typeface="Courier"/>
-              </a:rPr>
-              <a:t> sink for `text` property.</a:t>
-            </a:r>
-          </a:p>
-          <a:p>
-            <a:r>
-              <a:rPr lang="en-US" sz="1200" dirty="0">
-                <a:latin typeface="Courier"/>
-                <a:cs typeface="Courier"/>
-              </a:rPr>
-              <a:t>    public </a:t>
+              <a:t>Bool.self</a:t>
+            </a:r>
+            <a:r>
+              <a:rPr lang="en-US" sz="1200" dirty="0">
+                <a:latin typeface="Courier"/>
+                <a:cs typeface="Courier"/>
+              </a:rPr>
+              <a:t>, "hidden")</a:t>
+            </a:r>
+          </a:p>
+          <a:p>
+            <a:r>
+              <a:rPr lang="en-US" sz="1200" dirty="0">
+                <a:latin typeface="Courier"/>
+                <a:cs typeface="Courier"/>
+              </a:rPr>
+              <a:t>            .subscribe(</a:t>
             </a:r>
             <a:r>
               <a:rPr lang="en-US" sz="1200" dirty="0" err="1">
                 <a:latin typeface="Courier"/>
                 <a:cs typeface="Courier"/>
               </a:rPr>
-              <a:t>var</a:t>
-            </a:r>
-            <a:r>
-              <a:rPr lang="en-US" sz="1200" dirty="0">
-                <a:latin typeface="Courier"/>
-                <a:cs typeface="Courier"/>
-              </a:rPr>
-              <a:t> text: Binder&lt;String?&gt; {</a:t>
-            </a:r>
-          </a:p>
-          <a:p>
-            <a:r>
-              <a:rPr lang="en-US" sz="1200" dirty="0">
-                <a:latin typeface="Courier"/>
-                <a:cs typeface="Courier"/>
-              </a:rPr>
-              <a:t>        return Binder(</a:t>
+              <a:t>onNext</a:t>
+            </a:r>
+            <a:r>
+              <a:rPr lang="en-US" sz="1200" dirty="0">
+                <a:latin typeface="Courier"/>
+                <a:cs typeface="Courier"/>
+              </a:rPr>
+              <a:t>: { [</a:t>
             </a:r>
             <a:r>
               <a:rPr lang="en-US" sz="1200" dirty="0" err="1">
                 <a:latin typeface="Courier"/>
                 <a:cs typeface="Courier"/>
               </a:rPr>
-              <a:t>self.base</a:t>
-            </a:r>
-            <a:r>
-              <a:rPr lang="en-US" sz="1200" dirty="0">
-                <a:latin typeface="Courier"/>
-                <a:cs typeface="Courier"/>
-              </a:rPr>
-              <a:t>) { label, text in</a:t>
-            </a:r>
-          </a:p>
-          <a:p>
-            <a:r>
-              <a:rPr lang="en-US" sz="1200" dirty="0">
-                <a:latin typeface="Courier"/>
-                <a:cs typeface="Courier"/>
-              </a:rPr>
-              <a:t>            </a:t>
-            </a:r>
-            <a:r>
-              <a:rPr lang="en-US" sz="1200" dirty="0" err="1">
-                <a:latin typeface="Courier"/>
-                <a:cs typeface="Courier"/>
-              </a:rPr>
-              <a:t>label.text</a:t>
-            </a:r>
-            <a:r>
-              <a:rPr lang="en-US" sz="1200" dirty="0">
-                <a:latin typeface="Courier"/>
-                <a:cs typeface="Courier"/>
-              </a:rPr>
-              <a:t> = text</a:t>
-            </a:r>
-          </a:p>
-          <a:p>
-            <a:r>
-              <a:rPr lang="en-US" sz="1200" dirty="0">
-                <a:latin typeface="Courier"/>
-                <a:cs typeface="Courier"/>
-              </a:rPr>
-              <a:t>        }</a:t>
-            </a:r>
-          </a:p>
-          <a:p>
-            <a:r>
-              <a:rPr lang="en-US" sz="1200" dirty="0">
-                <a:latin typeface="Courier"/>
-                <a:cs typeface="Courier"/>
-              </a:rPr>
-              <a:t>    }</a:t>
-            </a:r>
-          </a:p>
-          <a:p>
-            <a:r>
-              <a:rPr lang="en-US" sz="1200" dirty="0">
-                <a:latin typeface="Courier"/>
-                <a:cs typeface="Courier"/>
-              </a:rPr>
-              <a:t>}</a:t>
-            </a:r>
-            <a:endParaRPr lang="en-US" sz="1200" b="1" dirty="0" smtClean="0">
+              <a:t>unowned</a:t>
+            </a:r>
+            <a:r>
+              <a:rPr lang="en-US" sz="1200" dirty="0">
+                <a:latin typeface="Courier"/>
+                <a:cs typeface="Courier"/>
+              </a:rPr>
+              <a:t> self] hidden in</a:t>
+            </a:r>
+          </a:p>
+          <a:p>
+            <a:r>
+              <a:rPr lang="mr-IN" sz="1200" dirty="0">
+                <a:latin typeface="Courier"/>
+                <a:cs typeface="Courier"/>
+              </a:rPr>
+              <a:t>                if let _hidden = hidden {</a:t>
+            </a:r>
+          </a:p>
+          <a:p>
+            <a:r>
+              <a:rPr lang="mr-IN" sz="1200" dirty="0">
+                <a:latin typeface="Courier"/>
+                <a:cs typeface="Courier"/>
+              </a:rPr>
+              <a:t>                    self.twoLabel.isHidden = _hidden</a:t>
+            </a:r>
+          </a:p>
+          <a:p>
+            <a:r>
+              <a:rPr lang="mr-IN" sz="1200" dirty="0">
+                <a:latin typeface="Courier"/>
+                <a:cs typeface="Courier"/>
+              </a:rPr>
+              <a:t>                }</a:t>
+            </a:r>
+          </a:p>
+          <a:p>
+            <a:r>
+              <a:rPr lang="mr-IN" sz="1200" dirty="0">
+                <a:latin typeface="Courier"/>
+                <a:cs typeface="Courier"/>
+              </a:rPr>
+              <a:t>            }).disposed(by: disposeBag)</a:t>
+            </a:r>
+            <a:endParaRPr lang="en-US" sz="1200" dirty="0">
               <a:latin typeface="Courier"/>
               <a:cs typeface="Courier"/>
             </a:endParaRPr>
@@ -7805,7 +12168,7 @@
     </p:spTree>
     <p:extLst>
       <p:ext uri="{BB962C8B-B14F-4D97-AF65-F5344CB8AC3E}">
-        <p14:creationId xmlns:p14="http://schemas.microsoft.com/office/powerpoint/2010/main" val="300885360"/>
+        <p14:creationId xmlns:p14="http://schemas.microsoft.com/office/powerpoint/2010/main" val="236769934"/>
       </p:ext>
     </p:extLst>
   </p:cSld>
@@ -7872,7 +12235,7 @@
             </a:pPr>
             <a:r>
               <a:rPr lang="en-US" dirty="0" smtClean="0"/>
-              <a:t>Adding a reactive extension to Custom UI Element</a:t>
+              <a:t>Binding - KVO</a:t>
             </a:r>
             <a:endParaRPr lang="en" dirty="0"/>
           </a:p>
@@ -7949,14 +12312,14 @@
       </p:pic>
       <p:sp>
         <p:nvSpPr>
-          <p:cNvPr id="6" name="TextBox 5"/>
+          <p:cNvPr id="9" name="TextBox 8"/>
           <p:cNvSpPr txBox="1"/>
           <p:nvPr/>
         </p:nvSpPr>
         <p:spPr>
           <a:xfrm>
-            <a:off x="272617" y="1859164"/>
-            <a:ext cx="8016848" cy="646331"/>
+            <a:off x="1052178" y="1780650"/>
+            <a:ext cx="6235590" cy="3077765"/>
           </a:xfrm>
           <a:prstGeom prst="rect">
             <a:avLst/>
@@ -7974,302 +12337,458 @@
                 <a:latin typeface="Courier"/>
                 <a:cs typeface="Courier"/>
               </a:rPr>
-              <a:t>Observable&lt;</a:t>
+              <a:t> @</a:t>
             </a:r>
             <a:r>
               <a:rPr lang="en-US" sz="1200" dirty="0" err="1">
                 <a:latin typeface="Courier"/>
                 <a:cs typeface="Courier"/>
               </a:rPr>
-              <a:t>Int</a:t>
-            </a:r>
-            <a:r>
-              <a:rPr lang="en-US" sz="1200" dirty="0">
-                <a:latin typeface="Courier"/>
-                <a:cs typeface="Courier"/>
-              </a:rPr>
-              <a:t>&gt;.timer(0.0, period: 0.15, scheduler: </a:t>
+              <a:t>IBOutlet</a:t>
+            </a:r>
+            <a:r>
+              <a:rPr lang="en-US" sz="1200" dirty="0">
+                <a:latin typeface="Courier"/>
+                <a:cs typeface="Courier"/>
+              </a:rPr>
+              <a:t> weak </a:t>
             </a:r>
             <a:r>
               <a:rPr lang="en-US" sz="1200" dirty="0" err="1">
                 <a:latin typeface="Courier"/>
                 <a:cs typeface="Courier"/>
               </a:rPr>
-              <a:t>MainScheduler.instance</a:t>
-            </a:r>
-            <a:r>
-              <a:rPr lang="en-US" sz="1200" dirty="0">
-                <a:latin typeface="Courier"/>
-                <a:cs typeface="Courier"/>
-              </a:rPr>
-              <a:t>)</a:t>
-            </a:r>
-          </a:p>
-          <a:p>
+              <a:t>var</a:t>
+            </a:r>
+            <a:r>
+              <a:rPr lang="en-US" sz="1200" dirty="0">
+                <a:latin typeface="Courier"/>
+                <a:cs typeface="Courier"/>
+              </a:rPr>
+              <a:t> </a:t>
+            </a:r>
+            <a:r>
+              <a:rPr lang="en-US" sz="1200" dirty="0" err="1">
+                <a:latin typeface="Courier"/>
+                <a:cs typeface="Courier"/>
+              </a:rPr>
+              <a:t>oneLabel</a:t>
+            </a:r>
+            <a:r>
+              <a:rPr lang="en-US" sz="1200" dirty="0">
+                <a:latin typeface="Courier"/>
+                <a:cs typeface="Courier"/>
+              </a:rPr>
+              <a:t>: </a:t>
+            </a:r>
+            <a:r>
+              <a:rPr lang="en-US" sz="1200" dirty="0" err="1">
+                <a:latin typeface="Courier"/>
+                <a:cs typeface="Courier"/>
+              </a:rPr>
+              <a:t>UILabel</a:t>
+            </a:r>
+            <a:r>
+              <a:rPr lang="en-US" sz="1200" dirty="0">
+                <a:latin typeface="Courier"/>
+                <a:cs typeface="Courier"/>
+              </a:rPr>
+              <a:t>!</a:t>
+            </a:r>
+          </a:p>
+          <a:p>
+            <a:r>
+              <a:rPr lang="en-US" sz="1200" dirty="0">
+                <a:latin typeface="Courier"/>
+                <a:cs typeface="Courier"/>
+              </a:rPr>
+              <a:t> </a:t>
+            </a:r>
             <a:r>
               <a:rPr lang="en-US" sz="1200" dirty="0" smtClean="0">
                 <a:latin typeface="Courier"/>
                 <a:cs typeface="Courier"/>
               </a:rPr>
-              <a:t>   .</a:t>
-            </a:r>
-            <a:r>
-              <a:rPr lang="en-US" sz="1200" dirty="0">
-                <a:latin typeface="Courier"/>
-                <a:cs typeface="Courier"/>
-              </a:rPr>
-              <a:t>bind(to: </a:t>
+              <a:t>@</a:t>
             </a:r>
             <a:r>
               <a:rPr lang="en-US" sz="1200" dirty="0" err="1">
                 <a:latin typeface="Courier"/>
                 <a:cs typeface="Courier"/>
               </a:rPr>
-              <a:t>SwiftSpinner.sharedInstance.rx.progress</a:t>
-            </a:r>
-            <a:r>
-              <a:rPr lang="en-US" sz="1200" dirty="0">
-                <a:latin typeface="Courier"/>
-                <a:cs typeface="Courier"/>
-              </a:rPr>
-              <a:t> )</a:t>
-            </a:r>
-          </a:p>
-          <a:p>
+              <a:t>IBOutlet</a:t>
+            </a:r>
+            <a:r>
+              <a:rPr lang="en-US" sz="1200" dirty="0">
+                <a:latin typeface="Courier"/>
+                <a:cs typeface="Courier"/>
+              </a:rPr>
+              <a:t> weak </a:t>
+            </a:r>
+            <a:r>
+              <a:rPr lang="en-US" sz="1200" dirty="0" err="1">
+                <a:latin typeface="Courier"/>
+                <a:cs typeface="Courier"/>
+              </a:rPr>
+              <a:t>var</a:t>
+            </a:r>
+            <a:r>
+              <a:rPr lang="en-US" sz="1200" dirty="0">
+                <a:latin typeface="Courier"/>
+                <a:cs typeface="Courier"/>
+              </a:rPr>
+              <a:t> </a:t>
+            </a:r>
+            <a:r>
+              <a:rPr lang="en-US" sz="1200" dirty="0" err="1">
+                <a:latin typeface="Courier"/>
+                <a:cs typeface="Courier"/>
+              </a:rPr>
+              <a:t>twoLabel</a:t>
+            </a:r>
+            <a:r>
+              <a:rPr lang="en-US" sz="1200" dirty="0">
+                <a:latin typeface="Courier"/>
+                <a:cs typeface="Courier"/>
+              </a:rPr>
+              <a:t>: </a:t>
+            </a:r>
+            <a:r>
+              <a:rPr lang="en-US" sz="1200" dirty="0" err="1">
+                <a:latin typeface="Courier"/>
+                <a:cs typeface="Courier"/>
+              </a:rPr>
+              <a:t>UILabel</a:t>
+            </a:r>
+            <a:r>
+              <a:rPr lang="en-US" sz="1200" dirty="0">
+                <a:latin typeface="Courier"/>
+                <a:cs typeface="Courier"/>
+              </a:rPr>
+              <a:t>!</a:t>
+            </a:r>
+          </a:p>
+          <a:p>
+            <a:r>
+              <a:rPr lang="en-US" sz="1200" dirty="0">
+                <a:latin typeface="Courier"/>
+                <a:cs typeface="Courier"/>
+              </a:rPr>
+              <a:t> </a:t>
+            </a:r>
             <a:r>
               <a:rPr lang="en-US" sz="1200" dirty="0" smtClean="0">
                 <a:latin typeface="Courier"/>
                 <a:cs typeface="Courier"/>
               </a:rPr>
-              <a:t>   .</a:t>
-            </a:r>
-            <a:r>
-              <a:rPr lang="en-US" sz="1200" dirty="0">
-                <a:latin typeface="Courier"/>
-                <a:cs typeface="Courier"/>
-              </a:rPr>
-              <a:t>disposed(by: bag)</a:t>
-            </a:r>
-            <a:endParaRPr lang="en-US" sz="1200" b="1" dirty="0" smtClean="0">
+              <a:t>let </a:t>
+            </a:r>
+            <a:r>
+              <a:rPr lang="en-US" sz="1200" dirty="0" err="1">
+                <a:latin typeface="Courier"/>
+                <a:cs typeface="Courier"/>
+              </a:rPr>
+              <a:t>hiddenRelay</a:t>
+            </a:r>
+            <a:r>
+              <a:rPr lang="en-US" sz="1200" dirty="0">
+                <a:latin typeface="Courier"/>
+                <a:cs typeface="Courier"/>
+              </a:rPr>
+              <a:t> = </a:t>
+            </a:r>
+            <a:r>
+              <a:rPr lang="en-US" sz="1200" dirty="0" err="1">
+                <a:latin typeface="Courier"/>
+                <a:cs typeface="Courier"/>
+              </a:rPr>
+              <a:t>BehaviorRelay</a:t>
+            </a:r>
+            <a:r>
+              <a:rPr lang="en-US" sz="1200" dirty="0">
+                <a:latin typeface="Courier"/>
+                <a:cs typeface="Courier"/>
+              </a:rPr>
+              <a:t>&lt;</a:t>
+            </a:r>
+            <a:r>
+              <a:rPr lang="en-US" sz="1200" dirty="0" err="1">
+                <a:latin typeface="Courier"/>
+                <a:cs typeface="Courier"/>
+              </a:rPr>
+              <a:t>Bool</a:t>
+            </a:r>
+            <a:r>
+              <a:rPr lang="en-US" sz="1200" dirty="0">
+                <a:latin typeface="Courier"/>
+                <a:cs typeface="Courier"/>
+              </a:rPr>
+              <a:t>&gt;(value: false)</a:t>
+            </a:r>
+            <a:endParaRPr lang="en-US" sz="1200" dirty="0" smtClean="0">
               <a:latin typeface="Courier"/>
               <a:cs typeface="Courier"/>
             </a:endParaRPr>
           </a:p>
-        </p:txBody>
-      </p:sp>
-      <p:sp>
-        <p:nvSpPr>
-          <p:cNvPr id="8" name="TextBox 7"/>
-          <p:cNvSpPr txBox="1"/>
-          <p:nvPr/>
-        </p:nvSpPr>
-        <p:spPr>
-          <a:xfrm>
-            <a:off x="37908" y="3054166"/>
-            <a:ext cx="9105400" cy="1569660"/>
-          </a:xfrm>
-          <a:prstGeom prst="rect">
-            <a:avLst/>
-          </a:prstGeom>
-          <a:noFill/>
-        </p:spPr>
-        <p:txBody>
-          <a:bodyPr wrap="square" rtlCol="0">
-            <a:spAutoFit/>
-          </a:bodyPr>
-          <a:lstStyle/>
-          <a:p>
-            <a:r>
-              <a:rPr lang="en-US" sz="1200" dirty="0">
-                <a:latin typeface="Courier"/>
-                <a:cs typeface="Courier"/>
-              </a:rPr>
-              <a:t>extension Reactive where Base: </a:t>
+          <a:p>
+            <a:r>
+              <a:rPr lang="mr-IN" sz="1200" dirty="0" smtClean="0">
+                <a:latin typeface="Courier"/>
+                <a:cs typeface="Courier"/>
+              </a:rPr>
+              <a:t> </a:t>
+            </a:r>
+            <a:r>
+              <a:rPr lang="en-US" sz="1200" dirty="0" smtClean="0">
+                <a:latin typeface="Courier"/>
+                <a:cs typeface="Courier"/>
+              </a:rPr>
+              <a:t>let </a:t>
             </a:r>
             <a:r>
               <a:rPr lang="en-US" sz="1200" dirty="0" err="1">
                 <a:latin typeface="Courier"/>
                 <a:cs typeface="Courier"/>
               </a:rPr>
-              <a:t>SwiftSpinner</a:t>
-            </a:r>
-            <a:r>
-              <a:rPr lang="en-US" sz="1200" dirty="0">
-                <a:latin typeface="Courier"/>
-                <a:cs typeface="Courier"/>
-              </a:rPr>
-              <a:t> {</a:t>
-            </a:r>
-          </a:p>
-          <a:p>
-            <a:r>
-              <a:rPr lang="en-US" sz="1200" dirty="0">
-                <a:latin typeface="Courier"/>
-                <a:cs typeface="Courier"/>
-              </a:rPr>
-              <a:t>    public </a:t>
+              <a:t>disposeBag</a:t>
+            </a:r>
+            <a:r>
+              <a:rPr lang="en-US" sz="1200" dirty="0">
+                <a:latin typeface="Courier"/>
+                <a:cs typeface="Courier"/>
+              </a:rPr>
+              <a:t> = </a:t>
             </a:r>
             <a:r>
               <a:rPr lang="en-US" sz="1200" dirty="0" err="1">
                 <a:latin typeface="Courier"/>
                 <a:cs typeface="Courier"/>
               </a:rPr>
-              <a:t>var</a:t>
-            </a:r>
-            <a:r>
-              <a:rPr lang="en-US" sz="1200" dirty="0">
-                <a:latin typeface="Courier"/>
-                <a:cs typeface="Courier"/>
-              </a:rPr>
-              <a:t> progress: </a:t>
-            </a:r>
-            <a:r>
-              <a:rPr lang="en-US" sz="1200" dirty="0" smtClean="0">
-                <a:latin typeface="Courier"/>
-                <a:cs typeface="Courier"/>
-              </a:rPr>
-              <a:t>Binder&lt;</a:t>
-            </a:r>
-            <a:r>
-              <a:rPr lang="en-US" sz="1200" dirty="0" err="1" smtClean="0">
-                <a:latin typeface="Courier"/>
-                <a:cs typeface="Courier"/>
-              </a:rPr>
-              <a:t>Int</a:t>
-            </a:r>
-            <a:r>
-              <a:rPr lang="en-US" sz="1200" dirty="0">
-                <a:latin typeface="Courier"/>
-                <a:cs typeface="Courier"/>
-              </a:rPr>
-              <a:t>&gt; {</a:t>
-            </a:r>
-          </a:p>
-          <a:p>
-            <a:r>
-              <a:rPr lang="en-US" sz="1200" dirty="0">
-                <a:latin typeface="Courier"/>
-                <a:cs typeface="Courier"/>
-              </a:rPr>
-              <a:t>        return </a:t>
-            </a:r>
-            <a:r>
-              <a:rPr lang="en-US" sz="1200" dirty="0" smtClean="0">
-                <a:latin typeface="Courier"/>
-                <a:cs typeface="Courier"/>
-              </a:rPr>
-              <a:t>Binder(</a:t>
-            </a:r>
-            <a:r>
-              <a:rPr lang="en-US" sz="1200" dirty="0" err="1" smtClean="0">
-                <a:latin typeface="Courier"/>
-                <a:cs typeface="Courier"/>
-              </a:rPr>
-              <a:t>self.base</a:t>
-            </a:r>
-            <a:r>
-              <a:rPr lang="en-US" sz="1200" dirty="0">
-                <a:latin typeface="Courier"/>
-                <a:cs typeface="Courier"/>
-              </a:rPr>
-              <a:t>) { spinner, progress in</a:t>
-            </a:r>
-          </a:p>
-          <a:p>
-            <a:r>
-              <a:rPr lang="en-US" sz="1200" dirty="0">
-                <a:latin typeface="Courier"/>
-                <a:cs typeface="Courier"/>
-              </a:rPr>
-              <a:t>            let progress = max(0, min(progress, 100))</a:t>
-            </a:r>
-          </a:p>
-          <a:p>
-            <a:r>
-              <a:rPr lang="en-US" sz="1200" dirty="0">
-                <a:latin typeface="Courier"/>
-                <a:cs typeface="Courier"/>
-              </a:rPr>
-              <a:t>            </a:t>
-            </a:r>
-            <a:r>
-              <a:rPr lang="en-US" sz="1200" dirty="0" err="1">
-                <a:latin typeface="Courier"/>
-                <a:cs typeface="Courier"/>
-              </a:rPr>
-              <a:t>SwiftSpinner.show</a:t>
-            </a:r>
-            <a:r>
-              <a:rPr lang="en-US" sz="1200" dirty="0">
-                <a:latin typeface="Courier"/>
-                <a:cs typeface="Courier"/>
-              </a:rPr>
-              <a:t>(progress: Double(progress)/100.0, title: "\(progress)% completed")</a:t>
-            </a:r>
-          </a:p>
-          <a:p>
-            <a:r>
-              <a:rPr lang="en-US" sz="1200" dirty="0">
-                <a:latin typeface="Courier"/>
-                <a:cs typeface="Courier"/>
-              </a:rPr>
-              <a:t>        }</a:t>
-            </a:r>
-          </a:p>
-          <a:p>
-            <a:r>
-              <a:rPr lang="en-US" sz="1200" dirty="0">
-                <a:latin typeface="Courier"/>
-                <a:cs typeface="Courier"/>
-              </a:rPr>
-              <a:t>    }</a:t>
-            </a:r>
-          </a:p>
-          <a:p>
-            <a:r>
-              <a:rPr lang="en-US" sz="1200" dirty="0">
-                <a:latin typeface="Courier"/>
-                <a:cs typeface="Courier"/>
-              </a:rPr>
-              <a:t>}</a:t>
-            </a:r>
-            <a:endParaRPr lang="en-US" sz="1200" b="1" dirty="0" smtClean="0">
+              <a:t>DisposeBag</a:t>
+            </a:r>
+            <a:r>
+              <a:rPr lang="en-US" sz="1200" dirty="0">
+                <a:latin typeface="Courier"/>
+                <a:cs typeface="Courier"/>
+              </a:rPr>
+              <a:t>()</a:t>
+            </a:r>
+            <a:endParaRPr lang="en-US" sz="1200" dirty="0" smtClean="0">
               <a:latin typeface="Courier"/>
               <a:cs typeface="Courier"/>
             </a:endParaRPr>
           </a:p>
-        </p:txBody>
-      </p:sp>
-      <p:sp>
-        <p:nvSpPr>
-          <p:cNvPr id="9" name="TextBox 8"/>
-          <p:cNvSpPr txBox="1"/>
-          <p:nvPr/>
-        </p:nvSpPr>
-        <p:spPr>
-          <a:xfrm>
-            <a:off x="272617" y="1410200"/>
-            <a:ext cx="2677978" cy="307777"/>
-          </a:xfrm>
-          <a:prstGeom prst="rect">
-            <a:avLst/>
-          </a:prstGeom>
-          <a:noFill/>
-        </p:spPr>
-        <p:txBody>
-          <a:bodyPr wrap="square" rtlCol="0">
-            <a:spAutoFit/>
-          </a:bodyPr>
-          <a:lstStyle/>
-          <a:p>
-            <a:r>
-              <a:rPr lang="en-US" b="1" dirty="0" err="1">
-                <a:latin typeface="Courier"/>
-                <a:cs typeface="Courier"/>
-              </a:rPr>
-              <a:t>SwiftSpinner</a:t>
-            </a:r>
-            <a:endParaRPr lang="en-US" b="1" dirty="0" smtClean="0">
+          <a:p>
+            <a:endParaRPr lang="en-US" sz="1200" dirty="0">
+              <a:latin typeface="Courier"/>
+              <a:cs typeface="Courier"/>
+            </a:endParaRPr>
+          </a:p>
+          <a:p>
+            <a:endParaRPr lang="en-US" sz="1200" dirty="0" smtClean="0">
+              <a:latin typeface="Courier"/>
+              <a:cs typeface="Courier"/>
+            </a:endParaRPr>
+          </a:p>
+          <a:p>
+            <a:r>
+              <a:rPr lang="en-US" sz="1200" dirty="0">
+                <a:latin typeface="Courier"/>
+                <a:cs typeface="Courier"/>
+              </a:rPr>
+              <a:t> </a:t>
+            </a:r>
+            <a:r>
+              <a:rPr lang="en-US" sz="1200" dirty="0" err="1">
+                <a:latin typeface="Courier"/>
+                <a:cs typeface="Courier"/>
+              </a:rPr>
+              <a:t>oneLabel.rx.observe</a:t>
+            </a:r>
+            <a:r>
+              <a:rPr lang="en-US" sz="1200" dirty="0">
+                <a:latin typeface="Courier"/>
+                <a:cs typeface="Courier"/>
+              </a:rPr>
+              <a:t>(</a:t>
+            </a:r>
+            <a:r>
+              <a:rPr lang="en-US" sz="1200" dirty="0" err="1">
+                <a:latin typeface="Courier"/>
+                <a:cs typeface="Courier"/>
+              </a:rPr>
+              <a:t>Bool.self</a:t>
+            </a:r>
+            <a:r>
+              <a:rPr lang="en-US" sz="1200" dirty="0">
+                <a:latin typeface="Courier"/>
+                <a:cs typeface="Courier"/>
+              </a:rPr>
+              <a:t>, "hidden")</a:t>
+            </a:r>
+          </a:p>
+          <a:p>
+            <a:r>
+              <a:rPr lang="en-US" sz="1200" dirty="0">
+                <a:latin typeface="Courier"/>
+                <a:cs typeface="Courier"/>
+              </a:rPr>
+              <a:t>            .subscribe(</a:t>
+            </a:r>
+            <a:r>
+              <a:rPr lang="en-US" sz="1200" dirty="0" err="1">
+                <a:latin typeface="Courier"/>
+                <a:cs typeface="Courier"/>
+              </a:rPr>
+              <a:t>onNext</a:t>
+            </a:r>
+            <a:r>
+              <a:rPr lang="en-US" sz="1200" dirty="0">
+                <a:latin typeface="Courier"/>
+                <a:cs typeface="Courier"/>
+              </a:rPr>
+              <a:t>: { [</a:t>
+            </a:r>
+            <a:r>
+              <a:rPr lang="en-US" sz="1200" dirty="0" err="1">
+                <a:latin typeface="Courier"/>
+                <a:cs typeface="Courier"/>
+              </a:rPr>
+              <a:t>unowned</a:t>
+            </a:r>
+            <a:r>
+              <a:rPr lang="en-US" sz="1200" dirty="0">
+                <a:latin typeface="Courier"/>
+                <a:cs typeface="Courier"/>
+              </a:rPr>
+              <a:t> self] hidden in</a:t>
+            </a:r>
+          </a:p>
+          <a:p>
+            <a:r>
+              <a:rPr lang="mr-IN" sz="1200" dirty="0">
+                <a:latin typeface="Courier"/>
+                <a:cs typeface="Courier"/>
+              </a:rPr>
+              <a:t>                if let _hidden = hidden {</a:t>
+            </a:r>
+          </a:p>
+          <a:p>
+            <a:r>
+              <a:rPr lang="en-US" sz="1200" dirty="0">
+                <a:latin typeface="Courier"/>
+                <a:cs typeface="Courier"/>
+              </a:rPr>
+              <a:t>                    </a:t>
+            </a:r>
+            <a:r>
+              <a:rPr lang="en-US" sz="1200" dirty="0" err="1">
+                <a:latin typeface="Courier"/>
+                <a:cs typeface="Courier"/>
+              </a:rPr>
+              <a:t>self.hiddenRelay.accept</a:t>
+            </a:r>
+            <a:r>
+              <a:rPr lang="en-US" sz="1200" dirty="0">
+                <a:latin typeface="Courier"/>
+                <a:cs typeface="Courier"/>
+              </a:rPr>
+              <a:t>(_hidden)</a:t>
+            </a:r>
+          </a:p>
+          <a:p>
+            <a:r>
+              <a:rPr lang="mr-IN" sz="1200" dirty="0">
+                <a:latin typeface="Courier"/>
+                <a:cs typeface="Courier"/>
+              </a:rPr>
+              <a:t>                }</a:t>
+            </a:r>
+          </a:p>
+          <a:p>
+            <a:r>
+              <a:rPr lang="mr-IN" sz="1200" dirty="0">
+                <a:latin typeface="Courier"/>
+                <a:cs typeface="Courier"/>
+              </a:rPr>
+              <a:t>            }).disposed(by: disposeBag)</a:t>
+            </a:r>
+          </a:p>
+          <a:p>
+            <a:endParaRPr lang="mr-IN" sz="1200" dirty="0">
+              <a:latin typeface="Courier"/>
+              <a:cs typeface="Courier"/>
+            </a:endParaRPr>
+          </a:p>
+          <a:p>
+            <a:r>
+              <a:rPr lang="en-US" sz="1200" dirty="0">
+                <a:latin typeface="Courier"/>
+                <a:cs typeface="Courier"/>
+              </a:rPr>
+              <a:t> </a:t>
+            </a:r>
+            <a:r>
+              <a:rPr lang="en-US" sz="1200" dirty="0" err="1" smtClean="0">
+                <a:latin typeface="Courier"/>
+                <a:cs typeface="Courier"/>
+              </a:rPr>
+              <a:t>self.hiddenRelay.asObservable</a:t>
+            </a:r>
+            <a:r>
+              <a:rPr lang="en-US" sz="1200" dirty="0">
+                <a:latin typeface="Courier"/>
+                <a:cs typeface="Courier"/>
+              </a:rPr>
+              <a:t>()</a:t>
+            </a:r>
+          </a:p>
+          <a:p>
+            <a:r>
+              <a:rPr lang="en-US" sz="1200" dirty="0">
+                <a:latin typeface="Courier"/>
+                <a:cs typeface="Courier"/>
+              </a:rPr>
+              <a:t>            .bind(to: </a:t>
+            </a:r>
+            <a:r>
+              <a:rPr lang="en-US" sz="1200" dirty="0" err="1">
+                <a:latin typeface="Courier"/>
+                <a:cs typeface="Courier"/>
+              </a:rPr>
+              <a:t>self.twoLabel.rx.isHidden</a:t>
+            </a:r>
+            <a:r>
+              <a:rPr lang="en-US" sz="1200" dirty="0">
+                <a:latin typeface="Courier"/>
+                <a:cs typeface="Courier"/>
+              </a:rPr>
+              <a:t>)</a:t>
+            </a:r>
+          </a:p>
+          <a:p>
+            <a:r>
+              <a:rPr lang="en-US" sz="1200" dirty="0">
+                <a:latin typeface="Courier"/>
+                <a:cs typeface="Courier"/>
+              </a:rPr>
+              <a:t>            .disposed(by: </a:t>
+            </a:r>
+            <a:r>
+              <a:rPr lang="en-US" sz="1200" dirty="0" err="1">
+                <a:latin typeface="Courier"/>
+                <a:cs typeface="Courier"/>
+              </a:rPr>
+              <a:t>disposeBag</a:t>
+            </a:r>
+            <a:r>
+              <a:rPr lang="en-US" sz="1200" dirty="0">
+                <a:latin typeface="Courier"/>
+                <a:cs typeface="Courier"/>
+              </a:rPr>
+              <a:t>)</a:t>
+            </a:r>
+            <a:endParaRPr lang="en-US" sz="1200" dirty="0">
               <a:latin typeface="Courier"/>
               <a:cs typeface="Courier"/>
             </a:endParaRPr>
@@ -8279,7 +12798,7 @@
     </p:spTree>
     <p:extLst>
       <p:ext uri="{BB962C8B-B14F-4D97-AF65-F5344CB8AC3E}">
-        <p14:creationId xmlns:p14="http://schemas.microsoft.com/office/powerpoint/2010/main" val="431115927"/>
+        <p14:creationId xmlns:p14="http://schemas.microsoft.com/office/powerpoint/2010/main" val="4047079384"/>
       </p:ext>
     </p:extLst>
   </p:cSld>

--- a/AdvancedRxSwift/day4/AdvancedRxSwift4.pptx
+++ b/AdvancedRxSwift/day4/AdvancedRxSwift4.pptx
@@ -5,7 +5,7 @@
     <p:sldMasterId id="2147483657" r:id="rId1"/>
   </p:sldMasterIdLst>
   <p:notesMasterIdLst>
-    <p:notesMasterId r:id="rId20"/>
+    <p:notesMasterId r:id="rId23"/>
   </p:notesMasterIdLst>
   <p:sldIdLst>
     <p:sldId id="256" r:id="rId2"/>
@@ -14,18 +14,21 @@
     <p:sldId id="344" r:id="rId5"/>
     <p:sldId id="368" r:id="rId6"/>
     <p:sldId id="369" r:id="rId7"/>
-    <p:sldId id="362" r:id="rId8"/>
-    <p:sldId id="370" r:id="rId9"/>
-    <p:sldId id="371" r:id="rId10"/>
-    <p:sldId id="372" r:id="rId11"/>
-    <p:sldId id="373" r:id="rId12"/>
-    <p:sldId id="374" r:id="rId13"/>
-    <p:sldId id="361" r:id="rId14"/>
-    <p:sldId id="363" r:id="rId15"/>
-    <p:sldId id="364" r:id="rId16"/>
-    <p:sldId id="365" r:id="rId17"/>
-    <p:sldId id="366" r:id="rId18"/>
-    <p:sldId id="367" r:id="rId19"/>
+    <p:sldId id="376" r:id="rId8"/>
+    <p:sldId id="375" r:id="rId9"/>
+    <p:sldId id="377" r:id="rId10"/>
+    <p:sldId id="362" r:id="rId11"/>
+    <p:sldId id="370" r:id="rId12"/>
+    <p:sldId id="371" r:id="rId13"/>
+    <p:sldId id="372" r:id="rId14"/>
+    <p:sldId id="373" r:id="rId15"/>
+    <p:sldId id="374" r:id="rId16"/>
+    <p:sldId id="361" r:id="rId17"/>
+    <p:sldId id="363" r:id="rId18"/>
+    <p:sldId id="364" r:id="rId19"/>
+    <p:sldId id="365" r:id="rId20"/>
+    <p:sldId id="366" r:id="rId21"/>
+    <p:sldId id="367" r:id="rId22"/>
   </p:sldIdLst>
   <p:sldSz cx="9144000" cy="5143500" type="screen16x9"/>
   <p:notesSz cx="6858000" cy="9144000"/>
@@ -1524,7 +1527,310 @@
 </p:notes>
 </file>
 
+<file path=ppt/notesSlides/notesSlide19.xml><?xml version="1.0" encoding="utf-8"?>
+<p:notes xmlns:a="http://schemas.openxmlformats.org/drawingml/2006/main" xmlns:r="http://schemas.openxmlformats.org/officeDocument/2006/relationships" xmlns:p="http://schemas.openxmlformats.org/presentationml/2006/main" showMasterSp="0" showMasterPhAnim="0">
+  <p:cSld>
+    <p:spTree>
+      <p:nvGrpSpPr>
+        <p:cNvPr id="1" name="Shape 185"/>
+        <p:cNvGrpSpPr/>
+        <p:nvPr/>
+      </p:nvGrpSpPr>
+      <p:grpSpPr>
+        <a:xfrm>
+          <a:off x="0" y="0"/>
+          <a:ext cx="0" cy="0"/>
+          <a:chOff x="0" y="0"/>
+          <a:chExt cx="0" cy="0"/>
+        </a:xfrm>
+      </p:grpSpPr>
+      <p:sp>
+        <p:nvSpPr>
+          <p:cNvPr id="186" name="Shape 186"/>
+          <p:cNvSpPr>
+            <a:spLocks noGrp="1" noRot="1" noChangeAspect="1"/>
+          </p:cNvSpPr>
+          <p:nvPr>
+            <p:ph type="sldImg" idx="2"/>
+          </p:nvPr>
+        </p:nvSpPr>
+        <p:spPr>
+          <a:xfrm>
+            <a:off x="381000" y="685800"/>
+            <a:ext cx="6096000" cy="3429000"/>
+          </a:xfrm>
+          <a:custGeom>
+            <a:avLst/>
+            <a:gdLst/>
+            <a:ahLst/>
+            <a:cxnLst/>
+            <a:rect l="0" t="0" r="0" b="0"/>
+            <a:pathLst>
+              <a:path w="120000" h="120000" extrusionOk="0">
+                <a:moveTo>
+                  <a:pt x="0" y="0"/>
+                </a:moveTo>
+                <a:lnTo>
+                  <a:pt x="120000" y="0"/>
+                </a:lnTo>
+                <a:lnTo>
+                  <a:pt x="120000" y="120000"/>
+                </a:lnTo>
+                <a:lnTo>
+                  <a:pt x="0" y="120000"/>
+                </a:lnTo>
+                <a:close/>
+              </a:path>
+            </a:pathLst>
+          </a:custGeom>
+        </p:spPr>
+      </p:sp>
+      <p:sp>
+        <p:nvSpPr>
+          <p:cNvPr id="187" name="Shape 187"/>
+          <p:cNvSpPr txBox="1">
+            <a:spLocks noGrp="1"/>
+          </p:cNvSpPr>
+          <p:nvPr>
+            <p:ph type="body" idx="1"/>
+          </p:nvPr>
+        </p:nvSpPr>
+        <p:spPr>
+          <a:xfrm>
+            <a:off x="685800" y="4343400"/>
+            <a:ext cx="5486400" cy="4114800"/>
+          </a:xfrm>
+          <a:prstGeom prst="rect">
+            <a:avLst/>
+          </a:prstGeom>
+        </p:spPr>
+        <p:txBody>
+          <a:bodyPr wrap="square" lIns="91425" tIns="91425" rIns="91425" bIns="91425" anchor="t" anchorCtr="0">
+            <a:noAutofit/>
+          </a:bodyPr>
+          <a:lstStyle/>
+          <a:p>
+            <a:pPr lvl="0">
+              <a:spcBef>
+                <a:spcPts val="0"/>
+              </a:spcBef>
+              <a:buNone/>
+            </a:pPr>
+            <a:endParaRPr/>
+          </a:p>
+        </p:txBody>
+      </p:sp>
+    </p:spTree>
+  </p:cSld>
+  <p:clrMapOvr>
+    <a:masterClrMapping/>
+  </p:clrMapOvr>
+</p:notes>
+</file>
+
 <file path=ppt/notesSlides/notesSlide2.xml><?xml version="1.0" encoding="utf-8"?>
+<p:notes xmlns:a="http://schemas.openxmlformats.org/drawingml/2006/main" xmlns:r="http://schemas.openxmlformats.org/officeDocument/2006/relationships" xmlns:p="http://schemas.openxmlformats.org/presentationml/2006/main" showMasterSp="0" showMasterPhAnim="0">
+  <p:cSld>
+    <p:spTree>
+      <p:nvGrpSpPr>
+        <p:cNvPr id="1" name="Shape 185"/>
+        <p:cNvGrpSpPr/>
+        <p:nvPr/>
+      </p:nvGrpSpPr>
+      <p:grpSpPr>
+        <a:xfrm>
+          <a:off x="0" y="0"/>
+          <a:ext cx="0" cy="0"/>
+          <a:chOff x="0" y="0"/>
+          <a:chExt cx="0" cy="0"/>
+        </a:xfrm>
+      </p:grpSpPr>
+      <p:sp>
+        <p:nvSpPr>
+          <p:cNvPr id="186" name="Shape 186"/>
+          <p:cNvSpPr>
+            <a:spLocks noGrp="1" noRot="1" noChangeAspect="1"/>
+          </p:cNvSpPr>
+          <p:nvPr>
+            <p:ph type="sldImg" idx="2"/>
+          </p:nvPr>
+        </p:nvSpPr>
+        <p:spPr>
+          <a:xfrm>
+            <a:off x="381000" y="685800"/>
+            <a:ext cx="6096000" cy="3429000"/>
+          </a:xfrm>
+          <a:custGeom>
+            <a:avLst/>
+            <a:gdLst/>
+            <a:ahLst/>
+            <a:cxnLst/>
+            <a:rect l="0" t="0" r="0" b="0"/>
+            <a:pathLst>
+              <a:path w="120000" h="120000" extrusionOk="0">
+                <a:moveTo>
+                  <a:pt x="0" y="0"/>
+                </a:moveTo>
+                <a:lnTo>
+                  <a:pt x="120000" y="0"/>
+                </a:lnTo>
+                <a:lnTo>
+                  <a:pt x="120000" y="120000"/>
+                </a:lnTo>
+                <a:lnTo>
+                  <a:pt x="0" y="120000"/>
+                </a:lnTo>
+                <a:close/>
+              </a:path>
+            </a:pathLst>
+          </a:custGeom>
+        </p:spPr>
+      </p:sp>
+      <p:sp>
+        <p:nvSpPr>
+          <p:cNvPr id="187" name="Shape 187"/>
+          <p:cNvSpPr txBox="1">
+            <a:spLocks noGrp="1"/>
+          </p:cNvSpPr>
+          <p:nvPr>
+            <p:ph type="body" idx="1"/>
+          </p:nvPr>
+        </p:nvSpPr>
+        <p:spPr>
+          <a:xfrm>
+            <a:off x="685800" y="4343400"/>
+            <a:ext cx="5486400" cy="4114800"/>
+          </a:xfrm>
+          <a:prstGeom prst="rect">
+            <a:avLst/>
+          </a:prstGeom>
+        </p:spPr>
+        <p:txBody>
+          <a:bodyPr wrap="square" lIns="91425" tIns="91425" rIns="91425" bIns="91425" anchor="t" anchorCtr="0">
+            <a:noAutofit/>
+          </a:bodyPr>
+          <a:lstStyle/>
+          <a:p>
+            <a:pPr lvl="0">
+              <a:spcBef>
+                <a:spcPts val="0"/>
+              </a:spcBef>
+              <a:buNone/>
+            </a:pPr>
+            <a:endParaRPr/>
+          </a:p>
+        </p:txBody>
+      </p:sp>
+    </p:spTree>
+  </p:cSld>
+  <p:clrMapOvr>
+    <a:masterClrMapping/>
+  </p:clrMapOvr>
+</p:notes>
+</file>
+
+<file path=ppt/notesSlides/notesSlide20.xml><?xml version="1.0" encoding="utf-8"?>
+<p:notes xmlns:a="http://schemas.openxmlformats.org/drawingml/2006/main" xmlns:r="http://schemas.openxmlformats.org/officeDocument/2006/relationships" xmlns:p="http://schemas.openxmlformats.org/presentationml/2006/main" showMasterSp="0" showMasterPhAnim="0">
+  <p:cSld>
+    <p:spTree>
+      <p:nvGrpSpPr>
+        <p:cNvPr id="1" name="Shape 185"/>
+        <p:cNvGrpSpPr/>
+        <p:nvPr/>
+      </p:nvGrpSpPr>
+      <p:grpSpPr>
+        <a:xfrm>
+          <a:off x="0" y="0"/>
+          <a:ext cx="0" cy="0"/>
+          <a:chOff x="0" y="0"/>
+          <a:chExt cx="0" cy="0"/>
+        </a:xfrm>
+      </p:grpSpPr>
+      <p:sp>
+        <p:nvSpPr>
+          <p:cNvPr id="186" name="Shape 186"/>
+          <p:cNvSpPr>
+            <a:spLocks noGrp="1" noRot="1" noChangeAspect="1"/>
+          </p:cNvSpPr>
+          <p:nvPr>
+            <p:ph type="sldImg" idx="2"/>
+          </p:nvPr>
+        </p:nvSpPr>
+        <p:spPr>
+          <a:xfrm>
+            <a:off x="381000" y="685800"/>
+            <a:ext cx="6096000" cy="3429000"/>
+          </a:xfrm>
+          <a:custGeom>
+            <a:avLst/>
+            <a:gdLst/>
+            <a:ahLst/>
+            <a:cxnLst/>
+            <a:rect l="0" t="0" r="0" b="0"/>
+            <a:pathLst>
+              <a:path w="120000" h="120000" extrusionOk="0">
+                <a:moveTo>
+                  <a:pt x="0" y="0"/>
+                </a:moveTo>
+                <a:lnTo>
+                  <a:pt x="120000" y="0"/>
+                </a:lnTo>
+                <a:lnTo>
+                  <a:pt x="120000" y="120000"/>
+                </a:lnTo>
+                <a:lnTo>
+                  <a:pt x="0" y="120000"/>
+                </a:lnTo>
+                <a:close/>
+              </a:path>
+            </a:pathLst>
+          </a:custGeom>
+        </p:spPr>
+      </p:sp>
+      <p:sp>
+        <p:nvSpPr>
+          <p:cNvPr id="187" name="Shape 187"/>
+          <p:cNvSpPr txBox="1">
+            <a:spLocks noGrp="1"/>
+          </p:cNvSpPr>
+          <p:nvPr>
+            <p:ph type="body" idx="1"/>
+          </p:nvPr>
+        </p:nvSpPr>
+        <p:spPr>
+          <a:xfrm>
+            <a:off x="685800" y="4343400"/>
+            <a:ext cx="5486400" cy="4114800"/>
+          </a:xfrm>
+          <a:prstGeom prst="rect">
+            <a:avLst/>
+          </a:prstGeom>
+        </p:spPr>
+        <p:txBody>
+          <a:bodyPr wrap="square" lIns="91425" tIns="91425" rIns="91425" bIns="91425" anchor="t" anchorCtr="0">
+            <a:noAutofit/>
+          </a:bodyPr>
+          <a:lstStyle/>
+          <a:p>
+            <a:pPr lvl="0">
+              <a:spcBef>
+                <a:spcPts val="0"/>
+              </a:spcBef>
+              <a:buNone/>
+            </a:pPr>
+            <a:endParaRPr/>
+          </a:p>
+        </p:txBody>
+      </p:sp>
+    </p:spTree>
+  </p:cSld>
+  <p:clrMapOvr>
+    <a:masterClrMapping/>
+  </p:clrMapOvr>
+</p:notes>
+</file>
+
+<file path=ppt/notesSlides/notesSlide21.xml><?xml version="1.0" encoding="utf-8"?>
 <p:notes xmlns:a="http://schemas.openxmlformats.org/drawingml/2006/main" xmlns:r="http://schemas.openxmlformats.org/officeDocument/2006/relationships" xmlns:p="http://schemas.openxmlformats.org/presentationml/2006/main" showMasterSp="0" showMasterPhAnim="0">
   <p:cSld>
     <p:spTree>
@@ -5054,7 +5360,7 @@
             </a:pPr>
             <a:r>
               <a:rPr lang="en-US" dirty="0" smtClean="0"/>
-              <a:t>Binding - KVO</a:t>
+              <a:t>Binding</a:t>
             </a:r>
             <a:endParaRPr lang="en" dirty="0"/>
           </a:p>
@@ -5131,14 +5437,14 @@
       </p:pic>
       <p:sp>
         <p:nvSpPr>
-          <p:cNvPr id="9" name="TextBox 8"/>
+          <p:cNvPr id="7" name="TextBox 6"/>
           <p:cNvSpPr txBox="1"/>
           <p:nvPr/>
         </p:nvSpPr>
         <p:spPr>
           <a:xfrm>
-            <a:off x="1052178" y="1780650"/>
-            <a:ext cx="6235590" cy="2923877"/>
+            <a:off x="81049" y="1616505"/>
+            <a:ext cx="4340326" cy="2308324"/>
           </a:xfrm>
           <a:prstGeom prst="rect">
             <a:avLst/>
@@ -5146,175 +5452,17 @@
           <a:noFill/>
         </p:spPr>
         <p:txBody>
-          <a:bodyPr wrap="square" rtlCol="0">
+          <a:bodyPr wrap="none" rtlCol="0">
             <a:spAutoFit/>
           </a:bodyPr>
           <a:lstStyle/>
           <a:p>
             <a:r>
-              <a:rPr lang="en-US" sz="1200" dirty="0">
-                <a:latin typeface="Courier"/>
-                <a:cs typeface="Courier"/>
-              </a:rPr>
-              <a:t> @</a:t>
-            </a:r>
-            <a:r>
               <a:rPr lang="en-US" sz="1200" dirty="0" err="1">
                 <a:latin typeface="Courier"/>
                 <a:cs typeface="Courier"/>
               </a:rPr>
-              <a:t>IBOutlet</a:t>
-            </a:r>
-            <a:r>
-              <a:rPr lang="en-US" sz="1200" dirty="0">
-                <a:latin typeface="Courier"/>
-                <a:cs typeface="Courier"/>
-              </a:rPr>
-              <a:t> weak </a:t>
-            </a:r>
-            <a:r>
-              <a:rPr lang="en-US" sz="1200" dirty="0" err="1">
-                <a:latin typeface="Courier"/>
-                <a:cs typeface="Courier"/>
-              </a:rPr>
-              <a:t>var</a:t>
-            </a:r>
-            <a:r>
-              <a:rPr lang="en-US" sz="1200" dirty="0">
-                <a:latin typeface="Courier"/>
-                <a:cs typeface="Courier"/>
-              </a:rPr>
-              <a:t> </a:t>
-            </a:r>
-            <a:r>
-              <a:rPr lang="en-US" sz="1200" dirty="0" err="1">
-                <a:latin typeface="Courier"/>
-                <a:cs typeface="Courier"/>
-              </a:rPr>
-              <a:t>oneLabel</a:t>
-            </a:r>
-            <a:r>
-              <a:rPr lang="en-US" sz="1200" dirty="0">
-                <a:latin typeface="Courier"/>
-                <a:cs typeface="Courier"/>
-              </a:rPr>
-              <a:t>: </a:t>
-            </a:r>
-            <a:r>
-              <a:rPr lang="en-US" sz="1200" dirty="0" err="1">
-                <a:latin typeface="Courier"/>
-                <a:cs typeface="Courier"/>
-              </a:rPr>
-              <a:t>UILabel</a:t>
-            </a:r>
-            <a:r>
-              <a:rPr lang="en-US" sz="1200" dirty="0">
-                <a:latin typeface="Courier"/>
-                <a:cs typeface="Courier"/>
-              </a:rPr>
-              <a:t>!</a:t>
-            </a:r>
-          </a:p>
-          <a:p>
-            <a:r>
-              <a:rPr lang="en-US" sz="1200" dirty="0">
-                <a:latin typeface="Courier"/>
-                <a:cs typeface="Courier"/>
-              </a:rPr>
-              <a:t> </a:t>
-            </a:r>
-            <a:r>
-              <a:rPr lang="en-US" sz="1200" dirty="0" smtClean="0">
-                <a:latin typeface="Courier"/>
-                <a:cs typeface="Courier"/>
-              </a:rPr>
-              <a:t>@</a:t>
-            </a:r>
-            <a:r>
-              <a:rPr lang="en-US" sz="1200" dirty="0" err="1">
-                <a:latin typeface="Courier"/>
-                <a:cs typeface="Courier"/>
-              </a:rPr>
-              <a:t>IBOutlet</a:t>
-            </a:r>
-            <a:r>
-              <a:rPr lang="en-US" sz="1200" dirty="0">
-                <a:latin typeface="Courier"/>
-                <a:cs typeface="Courier"/>
-              </a:rPr>
-              <a:t> weak </a:t>
-            </a:r>
-            <a:r>
-              <a:rPr lang="en-US" sz="1200" dirty="0" err="1">
-                <a:latin typeface="Courier"/>
-                <a:cs typeface="Courier"/>
-              </a:rPr>
-              <a:t>var</a:t>
-            </a:r>
-            <a:r>
-              <a:rPr lang="en-US" sz="1200" dirty="0">
-                <a:latin typeface="Courier"/>
-                <a:cs typeface="Courier"/>
-              </a:rPr>
-              <a:t> </a:t>
-            </a:r>
-            <a:r>
-              <a:rPr lang="en-US" sz="1200" dirty="0" err="1">
-                <a:latin typeface="Courier"/>
-                <a:cs typeface="Courier"/>
-              </a:rPr>
-              <a:t>twoLabel</a:t>
-            </a:r>
-            <a:r>
-              <a:rPr lang="en-US" sz="1200" dirty="0">
-                <a:latin typeface="Courier"/>
-                <a:cs typeface="Courier"/>
-              </a:rPr>
-              <a:t>: </a:t>
-            </a:r>
-            <a:r>
-              <a:rPr lang="en-US" sz="1200" dirty="0" err="1">
-                <a:latin typeface="Courier"/>
-                <a:cs typeface="Courier"/>
-              </a:rPr>
-              <a:t>UILabel</a:t>
-            </a:r>
-            <a:r>
-              <a:rPr lang="en-US" sz="1200" dirty="0">
-                <a:latin typeface="Courier"/>
-                <a:cs typeface="Courier"/>
-              </a:rPr>
-              <a:t>!</a:t>
-            </a:r>
-          </a:p>
-          <a:p>
-            <a:r>
-              <a:rPr lang="en-US" sz="1200" dirty="0" smtClean="0">
-                <a:latin typeface="Courier"/>
-                <a:cs typeface="Courier"/>
-              </a:rPr>
-              <a:t> let </a:t>
-            </a:r>
-            <a:r>
-              <a:rPr lang="en-US" sz="1200" dirty="0" err="1">
-                <a:latin typeface="Courier"/>
-                <a:cs typeface="Courier"/>
-              </a:rPr>
-              <a:t>disposeBag</a:t>
-            </a:r>
-            <a:r>
-              <a:rPr lang="en-US" sz="1200" dirty="0">
-                <a:latin typeface="Courier"/>
-                <a:cs typeface="Courier"/>
-              </a:rPr>
-              <a:t> = </a:t>
-            </a:r>
-            <a:r>
-              <a:rPr lang="en-US" sz="1200" dirty="0" err="1">
-                <a:latin typeface="Courier"/>
-                <a:cs typeface="Courier"/>
-              </a:rPr>
-              <a:t>DisposeBag</a:t>
+              <a:t>cell.textValue.asObservable</a:t>
             </a:r>
             <a:r>
               <a:rPr lang="en-US" sz="1200" dirty="0">
@@ -5322,6 +5470,61 @@
                 <a:cs typeface="Courier"/>
               </a:rPr>
               <a:t>()</a:t>
+            </a:r>
+          </a:p>
+          <a:p>
+            <a:r>
+              <a:rPr lang="mr-IN" sz="1200" dirty="0">
+                <a:latin typeface="Courier"/>
+                <a:cs typeface="Courier"/>
+              </a:rPr>
+              <a:t>       </a:t>
+            </a:r>
+            <a:r>
+              <a:rPr lang="mr-IN" sz="1200" dirty="0" smtClean="0">
+                <a:latin typeface="Courier"/>
+                <a:cs typeface="Courier"/>
+              </a:rPr>
+              <a:t>.</a:t>
+            </a:r>
+            <a:r>
+              <a:rPr lang="mr-IN" sz="1200" dirty="0">
+                <a:latin typeface="Courier"/>
+                <a:cs typeface="Courier"/>
+              </a:rPr>
+              <a:t>bind(to: self.userInputLabel.rx.text)</a:t>
+            </a:r>
+          </a:p>
+          <a:p>
+            <a:r>
+              <a:rPr lang="mr-IN" sz="1200" dirty="0">
+                <a:latin typeface="Courier"/>
+                <a:cs typeface="Courier"/>
+              </a:rPr>
+              <a:t>       </a:t>
+            </a:r>
+            <a:r>
+              <a:rPr lang="mr-IN" sz="1200" dirty="0" smtClean="0">
+                <a:latin typeface="Courier"/>
+                <a:cs typeface="Courier"/>
+              </a:rPr>
+              <a:t>.</a:t>
+            </a:r>
+            <a:r>
+              <a:rPr lang="mr-IN" sz="1200" dirty="0">
+                <a:latin typeface="Courier"/>
+                <a:cs typeface="Courier"/>
+              </a:rPr>
+              <a:t>disposed(by: cell.disposeBag)</a:t>
+            </a:r>
+          </a:p>
+          <a:p>
+            <a:r>
+              <a:rPr lang="mr-IN" sz="1200" dirty="0">
+                <a:latin typeface="Courier"/>
+                <a:cs typeface="Courier"/>
+              </a:rPr>
+              <a:t>                       </a:t>
             </a:r>
             <a:endParaRPr lang="en-US" sz="1200" dirty="0" smtClean="0">
               <a:latin typeface="Courier"/>
@@ -5342,39 +5545,139 @@
           </a:p>
           <a:p>
             <a:r>
-              <a:rPr lang="en-US" sz="1200" dirty="0">
+              <a:rPr lang="mr-IN" sz="1200" dirty="0" smtClean="0">
                 <a:latin typeface="Courier"/>
                 <a:cs typeface="Courier"/>
               </a:rPr>
               <a:t> </a:t>
             </a:r>
+            <a:endParaRPr lang="en-US" sz="1200" dirty="0" smtClean="0">
+              <a:latin typeface="Courier"/>
+              <a:cs typeface="Courier"/>
+            </a:endParaRPr>
+          </a:p>
+          <a:p>
+            <a:endParaRPr lang="en-US" sz="1200" dirty="0">
+              <a:latin typeface="Courier"/>
+              <a:cs typeface="Courier"/>
+            </a:endParaRPr>
+          </a:p>
+          <a:p>
+            <a:endParaRPr lang="en-US" sz="1200" dirty="0" smtClean="0">
+              <a:latin typeface="Courier"/>
+              <a:cs typeface="Courier"/>
+            </a:endParaRPr>
+          </a:p>
+          <a:p>
+            <a:r>
+              <a:rPr lang="mr-IN" sz="1200" dirty="0" smtClean="0">
+                <a:latin typeface="Courier"/>
+                <a:cs typeface="Courier"/>
+              </a:rPr>
+              <a:t>cell.textValue.asDriver</a:t>
+            </a:r>
+            <a:r>
+              <a:rPr lang="mr-IN" sz="1200" dirty="0">
+                <a:latin typeface="Courier"/>
+                <a:cs typeface="Courier"/>
+              </a:rPr>
+              <a:t>()</a:t>
+            </a:r>
+          </a:p>
+          <a:p>
+            <a:r>
+              <a:rPr lang="mr-IN" sz="1200" dirty="0">
+                <a:latin typeface="Courier"/>
+                <a:cs typeface="Courier"/>
+              </a:rPr>
+              <a:t>       </a:t>
+            </a:r>
+            <a:r>
+              <a:rPr lang="mr-IN" sz="1200" dirty="0" smtClean="0">
+                <a:latin typeface="Courier"/>
+                <a:cs typeface="Courier"/>
+              </a:rPr>
+              <a:t>.</a:t>
+            </a:r>
+            <a:r>
+              <a:rPr lang="mr-IN" sz="1200" dirty="0">
+                <a:latin typeface="Courier"/>
+                <a:cs typeface="Courier"/>
+              </a:rPr>
+              <a:t>drive(self.userInputLabel.rx.text)</a:t>
+            </a:r>
+          </a:p>
+          <a:p>
+            <a:r>
+              <a:rPr lang="mr-IN" sz="1200" dirty="0">
+                <a:latin typeface="Courier"/>
+                <a:cs typeface="Courier"/>
+              </a:rPr>
+              <a:t>      </a:t>
+            </a:r>
+            <a:r>
+              <a:rPr lang="en-US" sz="1200" dirty="0">
+                <a:latin typeface="Courier"/>
+                <a:cs typeface="Courier"/>
+              </a:rPr>
+              <a:t> </a:t>
+            </a:r>
+            <a:r>
+              <a:rPr lang="mr-IN" sz="1200" dirty="0" smtClean="0">
+                <a:latin typeface="Courier"/>
+                <a:cs typeface="Courier"/>
+              </a:rPr>
+              <a:t>.</a:t>
+            </a:r>
+            <a:r>
+              <a:rPr lang="mr-IN" sz="1200" dirty="0">
+                <a:latin typeface="Courier"/>
+                <a:cs typeface="Courier"/>
+              </a:rPr>
+              <a:t>disposed(by: cell.disposeBag)</a:t>
+            </a:r>
+            <a:endParaRPr lang="en-US" sz="1200" dirty="0">
+              <a:latin typeface="Courier"/>
+              <a:cs typeface="Courier"/>
+            </a:endParaRPr>
+          </a:p>
+        </p:txBody>
+      </p:sp>
+      <p:sp>
+        <p:nvSpPr>
+          <p:cNvPr id="8" name="TextBox 7"/>
+          <p:cNvSpPr txBox="1"/>
+          <p:nvPr/>
+        </p:nvSpPr>
+        <p:spPr>
+          <a:xfrm>
+            <a:off x="4649863" y="1490129"/>
+            <a:ext cx="4432674" cy="2677656"/>
+          </a:xfrm>
+          <a:prstGeom prst="rect">
+            <a:avLst/>
+          </a:prstGeom>
+          <a:noFill/>
+        </p:spPr>
+        <p:txBody>
+          <a:bodyPr wrap="none" rtlCol="0">
+            <a:spAutoFit/>
+          </a:bodyPr>
+          <a:lstStyle/>
+          <a:p>
             <a:r>
               <a:rPr lang="en-US" sz="1200" dirty="0" err="1">
                 <a:latin typeface="Courier"/>
                 <a:cs typeface="Courier"/>
               </a:rPr>
-              <a:t>oneLabel.rx.observe</a:t>
-            </a:r>
-            <a:r>
-              <a:rPr lang="en-US" sz="1200" dirty="0">
-                <a:latin typeface="Courier"/>
-                <a:cs typeface="Courier"/>
-              </a:rPr>
-              <a:t>(</a:t>
-            </a:r>
-            <a:r>
-              <a:rPr lang="en-US" sz="1200" dirty="0" err="1">
-                <a:latin typeface="Courier"/>
-                <a:cs typeface="Courier"/>
-              </a:rPr>
-              <a:t>Bool.self</a:t>
-            </a:r>
-            <a:r>
-              <a:rPr lang="en-US" sz="1200" dirty="0">
-                <a:latin typeface="Courier"/>
-                <a:cs typeface="Courier"/>
-              </a:rPr>
-              <a:t>, "hidden")</a:t>
+              <a:t>cell.textValue.asObservable</a:t>
+            </a:r>
+            <a:r>
+              <a:rPr lang="en-US" sz="1200" dirty="0">
+                <a:latin typeface="Courier"/>
+                <a:cs typeface="Courier"/>
+              </a:rPr>
+              <a:t>()</a:t>
             </a:r>
           </a:p>
           <a:p>
@@ -5383,16 +5686,21 @@
                 <a:latin typeface="Courier"/>
                 <a:cs typeface="Courier"/>
               </a:rPr>
-              <a:t>            .map { //unwrapping</a:t>
-            </a:r>
-          </a:p>
-          <a:p>
+              <a:t>        </a:t>
+            </a:r>
+            <a:r>
+              <a:rPr lang="mr-IN" sz="1200" dirty="0" smtClean="0">
+                <a:latin typeface="Courier"/>
+                <a:cs typeface="Courier"/>
+              </a:rPr>
+              <a:t>.</a:t>
+            </a:r>
             <a:r>
               <a:rPr lang="mr-IN" sz="1200" dirty="0">
                 <a:latin typeface="Courier"/>
                 <a:cs typeface="Courier"/>
               </a:rPr>
-              <a:t>                if let hidden = $0 {</a:t>
+              <a:t>subscribe(onNext: { input in</a:t>
             </a:r>
           </a:p>
           <a:p>
@@ -5401,16 +5709,21 @@
                 <a:latin typeface="Courier"/>
                 <a:cs typeface="Courier"/>
               </a:rPr>
-              <a:t>                    return hidden</a:t>
-            </a:r>
-          </a:p>
-          <a:p>
+              <a:t>             </a:t>
+            </a:r>
+            <a:r>
+              <a:rPr lang="mr-IN" sz="1200" dirty="0" smtClean="0">
+                <a:latin typeface="Courier"/>
+                <a:cs typeface="Courier"/>
+              </a:rPr>
+              <a:t> </a:t>
+            </a:r>
             <a:r>
               <a:rPr lang="mr-IN" sz="1200" dirty="0">
                 <a:latin typeface="Courier"/>
                 <a:cs typeface="Courier"/>
               </a:rPr>
-              <a:t>                } else {</a:t>
+              <a:t>self.userInputLabel.text = input</a:t>
             </a:r>
           </a:p>
           <a:p>
@@ -5419,16 +5732,21 @@
                 <a:latin typeface="Courier"/>
                 <a:cs typeface="Courier"/>
               </a:rPr>
-              <a:t>                    return false</a:t>
-            </a:r>
-          </a:p>
-          <a:p>
+              <a:t>         </a:t>
+            </a:r>
+            <a:r>
+              <a:rPr lang="mr-IN" sz="1200" dirty="0" smtClean="0">
+                <a:latin typeface="Courier"/>
+                <a:cs typeface="Courier"/>
+              </a:rPr>
+              <a:t>}</a:t>
+            </a:r>
             <a:r>
               <a:rPr lang="mr-IN" sz="1200" dirty="0">
                 <a:latin typeface="Courier"/>
                 <a:cs typeface="Courier"/>
               </a:rPr>
-              <a:t>                }</a:t>
+              <a:t>)</a:t>
             </a:r>
           </a:p>
           <a:p>
@@ -5437,26 +5755,140 @@
                 <a:latin typeface="Courier"/>
                 <a:cs typeface="Courier"/>
               </a:rPr>
-              <a:t>            }</a:t>
-            </a:r>
-          </a:p>
-          <a:p>
-            <a:r>
-              <a:rPr lang="en-US" sz="1200" dirty="0">
-                <a:latin typeface="Courier"/>
-                <a:cs typeface="Courier"/>
-              </a:rPr>
-              <a:t>            .bind(to: </a:t>
-            </a:r>
-            <a:r>
-              <a:rPr lang="en-US" sz="1200" dirty="0" err="1">
-                <a:latin typeface="Courier"/>
-                <a:cs typeface="Courier"/>
-              </a:rPr>
-              <a:t>self.twoLabel.rx.isHidden</a:t>
-            </a:r>
-            <a:r>
-              <a:rPr lang="en-US" sz="1200" dirty="0">
+              <a:t>         </a:t>
+            </a:r>
+            <a:r>
+              <a:rPr lang="mr-IN" sz="1200" dirty="0" smtClean="0">
+                <a:latin typeface="Courier"/>
+                <a:cs typeface="Courier"/>
+              </a:rPr>
+              <a:t>.</a:t>
+            </a:r>
+            <a:r>
+              <a:rPr lang="mr-IN" sz="1200" dirty="0">
+                <a:latin typeface="Courier"/>
+                <a:cs typeface="Courier"/>
+              </a:rPr>
+              <a:t>disposed(by: cell.disposeBag)</a:t>
+            </a:r>
+          </a:p>
+          <a:p>
+            <a:r>
+              <a:rPr lang="mr-IN" sz="1200" dirty="0">
+                <a:latin typeface="Courier"/>
+                <a:cs typeface="Courier"/>
+              </a:rPr>
+              <a:t>             </a:t>
+            </a:r>
+            <a:endParaRPr lang="en-US" sz="1200" dirty="0" smtClean="0">
+              <a:latin typeface="Courier"/>
+              <a:cs typeface="Courier"/>
+            </a:endParaRPr>
+          </a:p>
+          <a:p>
+            <a:endParaRPr lang="en-US" sz="1200" dirty="0" smtClean="0">
+              <a:latin typeface="Courier"/>
+              <a:cs typeface="Courier"/>
+            </a:endParaRPr>
+          </a:p>
+          <a:p>
+            <a:endParaRPr lang="en-US" sz="1200" dirty="0">
+              <a:latin typeface="Courier"/>
+              <a:cs typeface="Courier"/>
+            </a:endParaRPr>
+          </a:p>
+          <a:p>
+            <a:r>
+              <a:rPr lang="mr-IN" sz="1200" dirty="0" smtClean="0">
+                <a:latin typeface="Courier"/>
+                <a:cs typeface="Courier"/>
+              </a:rPr>
+              <a:t>           </a:t>
+            </a:r>
+            <a:endParaRPr lang="en-US" sz="1200" dirty="0">
+              <a:latin typeface="Courier"/>
+              <a:cs typeface="Courier"/>
+            </a:endParaRPr>
+          </a:p>
+          <a:p>
+            <a:r>
+              <a:rPr lang="mr-IN" sz="1200" dirty="0" smtClean="0">
+                <a:latin typeface="Courier"/>
+                <a:cs typeface="Courier"/>
+              </a:rPr>
+              <a:t>cell.textValue.asDriver</a:t>
+            </a:r>
+            <a:r>
+              <a:rPr lang="mr-IN" sz="1200" dirty="0">
+                <a:latin typeface="Courier"/>
+                <a:cs typeface="Courier"/>
+              </a:rPr>
+              <a:t>()</a:t>
+            </a:r>
+          </a:p>
+          <a:p>
+            <a:r>
+              <a:rPr lang="mr-IN" sz="1200" dirty="0">
+                <a:latin typeface="Courier"/>
+                <a:cs typeface="Courier"/>
+              </a:rPr>
+              <a:t>        </a:t>
+            </a:r>
+            <a:r>
+              <a:rPr lang="mr-IN" sz="1200" dirty="0" smtClean="0">
+                <a:latin typeface="Courier"/>
+                <a:cs typeface="Courier"/>
+              </a:rPr>
+              <a:t>.</a:t>
+            </a:r>
+            <a:r>
+              <a:rPr lang="mr-IN" sz="1200" dirty="0">
+                <a:latin typeface="Courier"/>
+                <a:cs typeface="Courier"/>
+              </a:rPr>
+              <a:t>drive(onNext: { input in</a:t>
+            </a:r>
+          </a:p>
+          <a:p>
+            <a:r>
+              <a:rPr lang="mr-IN" sz="1200" dirty="0">
+                <a:latin typeface="Courier"/>
+                <a:cs typeface="Courier"/>
+              </a:rPr>
+              <a:t>             </a:t>
+            </a:r>
+            <a:r>
+              <a:rPr lang="mr-IN" sz="1200" dirty="0" smtClean="0">
+                <a:latin typeface="Courier"/>
+                <a:cs typeface="Courier"/>
+              </a:rPr>
+              <a:t>self.userInputLabel.text </a:t>
+            </a:r>
+            <a:r>
+              <a:rPr lang="mr-IN" sz="1200" dirty="0">
+                <a:latin typeface="Courier"/>
+                <a:cs typeface="Courier"/>
+              </a:rPr>
+              <a:t>= input</a:t>
+            </a:r>
+          </a:p>
+          <a:p>
+            <a:r>
+              <a:rPr lang="mr-IN" sz="1200" dirty="0">
+                <a:latin typeface="Courier"/>
+                <a:cs typeface="Courier"/>
+              </a:rPr>
+              <a:t>          </a:t>
+            </a:r>
+            <a:r>
+              <a:rPr lang="mr-IN" sz="1200" dirty="0" smtClean="0">
+                <a:latin typeface="Courier"/>
+                <a:cs typeface="Courier"/>
+              </a:rPr>
+              <a:t>}</a:t>
+            </a:r>
+            <a:r>
+              <a:rPr lang="mr-IN" sz="1200" dirty="0">
                 <a:latin typeface="Courier"/>
                 <a:cs typeface="Courier"/>
               </a:rPr>
@@ -5465,25 +5897,25 @@
           </a:p>
           <a:p>
             <a:r>
-              <a:rPr lang="en-US" sz="1200" dirty="0">
-                <a:latin typeface="Courier"/>
-                <a:cs typeface="Courier"/>
-              </a:rPr>
-              <a:t>            .disposed(by: </a:t>
-            </a:r>
-            <a:r>
-              <a:rPr lang="en-US" sz="1200" dirty="0" err="1">
-                <a:latin typeface="Courier"/>
-                <a:cs typeface="Courier"/>
-              </a:rPr>
-              <a:t>disposeBag</a:t>
-            </a:r>
-            <a:r>
-              <a:rPr lang="en-US" sz="1200" dirty="0">
-                <a:latin typeface="Courier"/>
-                <a:cs typeface="Courier"/>
-              </a:rPr>
-              <a:t>)</a:t>
+              <a:rPr lang="mr-IN" sz="1200" dirty="0">
+                <a:latin typeface="Courier"/>
+                <a:cs typeface="Courier"/>
+              </a:rPr>
+              <a:t>          </a:t>
+            </a:r>
+            <a:r>
+              <a:rPr lang="mr-IN" sz="1200" dirty="0" smtClean="0">
+                <a:latin typeface="Courier"/>
+                <a:cs typeface="Courier"/>
+              </a:rPr>
+              <a:t>.</a:t>
+            </a:r>
+            <a:r>
+              <a:rPr lang="mr-IN" sz="1200" dirty="0">
+                <a:latin typeface="Courier"/>
+                <a:cs typeface="Courier"/>
+              </a:rPr>
+              <a:t>disposed(by: cell.disposeBag)</a:t>
             </a:r>
             <a:endParaRPr lang="en-US" sz="1200" dirty="0">
               <a:latin typeface="Courier"/>
@@ -5495,7 +5927,7 @@
     </p:spTree>
     <p:extLst>
       <p:ext uri="{BB962C8B-B14F-4D97-AF65-F5344CB8AC3E}">
-        <p14:creationId xmlns:p14="http://schemas.microsoft.com/office/powerpoint/2010/main" val="1897413152"/>
+        <p14:creationId xmlns:p14="http://schemas.microsoft.com/office/powerpoint/2010/main" val="1627049392"/>
       </p:ext>
     </p:extLst>
   </p:cSld>
@@ -5562,7 +5994,7 @@
             </a:pPr>
             <a:r>
               <a:rPr lang="en-US" dirty="0" smtClean="0"/>
-              <a:t>KVO</a:t>
+              <a:t>Binding - KVO</a:t>
             </a:r>
             <a:endParaRPr lang="en" dirty="0"/>
           </a:p>
@@ -5645,8 +6077,8 @@
         </p:nvSpPr>
         <p:spPr>
           <a:xfrm>
-            <a:off x="670994" y="1911847"/>
-            <a:ext cx="6235590" cy="3231653"/>
+            <a:off x="1052178" y="1780650"/>
+            <a:ext cx="6235590" cy="2123658"/>
           </a:xfrm>
           <a:prstGeom prst="rect">
             <a:avLst/>
@@ -5664,31 +6096,177 @@
                 <a:latin typeface="Courier"/>
                 <a:cs typeface="Courier"/>
               </a:rPr>
-              <a:t>Key-Value Observing</a:t>
-            </a:r>
-          </a:p>
-          <a:p>
-            <a:r>
-              <a:rPr lang="en-US" sz="1200" dirty="0">
-                <a:latin typeface="Courier"/>
-                <a:cs typeface="Courier"/>
-              </a:rPr>
-              <a:t>Key-value observing is a mechanism that allows objects to be notified of changes to specified properties of other objects. You can use key-value observing with a Swift class, as long as the class inherits from the </a:t>
+              <a:t> @</a:t>
             </a:r>
             <a:r>
               <a:rPr lang="en-US" sz="1200" dirty="0" err="1">
                 <a:latin typeface="Courier"/>
                 <a:cs typeface="Courier"/>
               </a:rPr>
-              <a:t>NSObject</a:t>
-            </a:r>
-            <a:r>
-              <a:rPr lang="en-US" sz="1200" dirty="0">
-                <a:latin typeface="Courier"/>
-                <a:cs typeface="Courier"/>
-              </a:rPr>
-              <a:t> class. You can use these two steps to implement key-value observing in Swift.</a:t>
-            </a:r>
+              <a:t>IBOutlet</a:t>
+            </a:r>
+            <a:r>
+              <a:rPr lang="en-US" sz="1200" dirty="0">
+                <a:latin typeface="Courier"/>
+                <a:cs typeface="Courier"/>
+              </a:rPr>
+              <a:t> weak </a:t>
+            </a:r>
+            <a:r>
+              <a:rPr lang="en-US" sz="1200" dirty="0" err="1">
+                <a:latin typeface="Courier"/>
+                <a:cs typeface="Courier"/>
+              </a:rPr>
+              <a:t>var</a:t>
+            </a:r>
+            <a:r>
+              <a:rPr lang="en-US" sz="1200" dirty="0">
+                <a:latin typeface="Courier"/>
+                <a:cs typeface="Courier"/>
+              </a:rPr>
+              <a:t> </a:t>
+            </a:r>
+            <a:r>
+              <a:rPr lang="en-US" sz="1200" dirty="0" err="1">
+                <a:latin typeface="Courier"/>
+                <a:cs typeface="Courier"/>
+              </a:rPr>
+              <a:t>oneLabel</a:t>
+            </a:r>
+            <a:r>
+              <a:rPr lang="en-US" sz="1200" dirty="0">
+                <a:latin typeface="Courier"/>
+                <a:cs typeface="Courier"/>
+              </a:rPr>
+              <a:t>: </a:t>
+            </a:r>
+            <a:r>
+              <a:rPr lang="en-US" sz="1200" dirty="0" err="1">
+                <a:latin typeface="Courier"/>
+                <a:cs typeface="Courier"/>
+              </a:rPr>
+              <a:t>UILabel</a:t>
+            </a:r>
+            <a:r>
+              <a:rPr lang="en-US" sz="1200" dirty="0">
+                <a:latin typeface="Courier"/>
+                <a:cs typeface="Courier"/>
+              </a:rPr>
+              <a:t>!</a:t>
+            </a:r>
+          </a:p>
+          <a:p>
+            <a:r>
+              <a:rPr lang="en-US" sz="1200" dirty="0">
+                <a:latin typeface="Courier"/>
+                <a:cs typeface="Courier"/>
+              </a:rPr>
+              <a:t> </a:t>
+            </a:r>
+            <a:r>
+              <a:rPr lang="en-US" sz="1200" dirty="0" smtClean="0">
+                <a:latin typeface="Courier"/>
+                <a:cs typeface="Courier"/>
+              </a:rPr>
+              <a:t>@</a:t>
+            </a:r>
+            <a:r>
+              <a:rPr lang="en-US" sz="1200" dirty="0" err="1">
+                <a:latin typeface="Courier"/>
+                <a:cs typeface="Courier"/>
+              </a:rPr>
+              <a:t>IBOutlet</a:t>
+            </a:r>
+            <a:r>
+              <a:rPr lang="en-US" sz="1200" dirty="0">
+                <a:latin typeface="Courier"/>
+                <a:cs typeface="Courier"/>
+              </a:rPr>
+              <a:t> weak </a:t>
+            </a:r>
+            <a:r>
+              <a:rPr lang="en-US" sz="1200" dirty="0" err="1">
+                <a:latin typeface="Courier"/>
+                <a:cs typeface="Courier"/>
+              </a:rPr>
+              <a:t>var</a:t>
+            </a:r>
+            <a:r>
+              <a:rPr lang="en-US" sz="1200" dirty="0">
+                <a:latin typeface="Courier"/>
+                <a:cs typeface="Courier"/>
+              </a:rPr>
+              <a:t> </a:t>
+            </a:r>
+            <a:r>
+              <a:rPr lang="en-US" sz="1200" dirty="0" err="1">
+                <a:latin typeface="Courier"/>
+                <a:cs typeface="Courier"/>
+              </a:rPr>
+              <a:t>twoLabel</a:t>
+            </a:r>
+            <a:r>
+              <a:rPr lang="en-US" sz="1200" dirty="0">
+                <a:latin typeface="Courier"/>
+                <a:cs typeface="Courier"/>
+              </a:rPr>
+              <a:t>: </a:t>
+            </a:r>
+            <a:r>
+              <a:rPr lang="en-US" sz="1200" dirty="0" err="1">
+                <a:latin typeface="Courier"/>
+                <a:cs typeface="Courier"/>
+              </a:rPr>
+              <a:t>UILabel</a:t>
+            </a:r>
+            <a:r>
+              <a:rPr lang="en-US" sz="1200" dirty="0">
+                <a:latin typeface="Courier"/>
+                <a:cs typeface="Courier"/>
+              </a:rPr>
+              <a:t>!</a:t>
+            </a:r>
+          </a:p>
+          <a:p>
+            <a:r>
+              <a:rPr lang="en-US" sz="1200" dirty="0" smtClean="0">
+                <a:latin typeface="Courier"/>
+                <a:cs typeface="Courier"/>
+              </a:rPr>
+              <a:t> let </a:t>
+            </a:r>
+            <a:r>
+              <a:rPr lang="en-US" sz="1200" dirty="0" err="1">
+                <a:latin typeface="Courier"/>
+                <a:cs typeface="Courier"/>
+              </a:rPr>
+              <a:t>disposeBag</a:t>
+            </a:r>
+            <a:r>
+              <a:rPr lang="en-US" sz="1200" dirty="0">
+                <a:latin typeface="Courier"/>
+                <a:cs typeface="Courier"/>
+              </a:rPr>
+              <a:t> = </a:t>
+            </a:r>
+            <a:r>
+              <a:rPr lang="en-US" sz="1200" dirty="0" err="1">
+                <a:latin typeface="Courier"/>
+                <a:cs typeface="Courier"/>
+              </a:rPr>
+              <a:t>DisposeBag</a:t>
+            </a:r>
+            <a:r>
+              <a:rPr lang="en-US" sz="1200" dirty="0">
+                <a:latin typeface="Courier"/>
+                <a:cs typeface="Courier"/>
+              </a:rPr>
+              <a:t>()</a:t>
+            </a:r>
+            <a:endParaRPr lang="en-US" sz="1200" dirty="0" smtClean="0">
+              <a:latin typeface="Courier"/>
+              <a:cs typeface="Courier"/>
+            </a:endParaRPr>
           </a:p>
           <a:p>
             <a:endParaRPr lang="en-US" sz="1200" dirty="0">
@@ -5697,296 +6275,131 @@
             </a:endParaRPr>
           </a:p>
           <a:p>
-            <a:r>
-              <a:rPr lang="en-US" sz="1200" dirty="0">
-                <a:latin typeface="Courier"/>
-                <a:cs typeface="Courier"/>
-              </a:rPr>
-              <a:t>Add the dynamic modifier and @</a:t>
+            <a:endParaRPr lang="en-US" sz="1200" dirty="0" smtClean="0">
+              <a:latin typeface="Courier"/>
+              <a:cs typeface="Courier"/>
+            </a:endParaRPr>
+          </a:p>
+          <a:p>
+            <a:r>
+              <a:rPr lang="en-US" sz="1200" dirty="0">
+                <a:latin typeface="Courier"/>
+                <a:cs typeface="Courier"/>
+              </a:rPr>
+              <a:t> </a:t>
             </a:r>
             <a:r>
               <a:rPr lang="en-US" sz="1200" dirty="0" err="1">
                 <a:latin typeface="Courier"/>
                 <a:cs typeface="Courier"/>
               </a:rPr>
-              <a:t>objc</a:t>
-            </a:r>
-            <a:r>
-              <a:rPr lang="en-US" sz="1200" dirty="0">
-                <a:latin typeface="Courier"/>
-                <a:cs typeface="Courier"/>
-              </a:rPr>
-              <a:t> attribute to any property you want to observe. For more information on dynamic, see Requiring Dynamic Dispatch.</a:t>
-            </a:r>
-          </a:p>
-          <a:p>
+              <a:t>oneLabel.rx.observe</a:t>
+            </a:r>
+            <a:r>
+              <a:rPr lang="en-US" sz="1200" dirty="0">
+                <a:latin typeface="Courier"/>
+                <a:cs typeface="Courier"/>
+              </a:rPr>
+              <a:t>(</a:t>
+            </a:r>
+            <a:r>
+              <a:rPr lang="en-US" sz="1200" dirty="0" err="1">
+                <a:latin typeface="Courier"/>
+                <a:cs typeface="Courier"/>
+              </a:rPr>
+              <a:t>Bool.self</a:t>
+            </a:r>
+            <a:r>
+              <a:rPr lang="en-US" sz="1200" dirty="0">
+                <a:latin typeface="Courier"/>
+                <a:cs typeface="Courier"/>
+              </a:rPr>
+              <a:t>, "hidden")</a:t>
+            </a:r>
+          </a:p>
+          <a:p>
+            <a:r>
+              <a:rPr lang="en-US" sz="1200" dirty="0">
+                <a:latin typeface="Courier"/>
+                <a:cs typeface="Courier"/>
+              </a:rPr>
+              <a:t>            .subscribe(</a:t>
+            </a:r>
+            <a:r>
+              <a:rPr lang="en-US" sz="1200" dirty="0" err="1">
+                <a:latin typeface="Courier"/>
+                <a:cs typeface="Courier"/>
+              </a:rPr>
+              <a:t>onNext</a:t>
+            </a:r>
+            <a:r>
+              <a:rPr lang="en-US" sz="1200" dirty="0">
+                <a:latin typeface="Courier"/>
+                <a:cs typeface="Courier"/>
+              </a:rPr>
+              <a:t>: { [</a:t>
+            </a:r>
+            <a:r>
+              <a:rPr lang="en-US" sz="1200" dirty="0" err="1">
+                <a:latin typeface="Courier"/>
+                <a:cs typeface="Courier"/>
+              </a:rPr>
+              <a:t>unowned</a:t>
+            </a:r>
+            <a:r>
+              <a:rPr lang="en-US" sz="1200" dirty="0">
+                <a:latin typeface="Courier"/>
+                <a:cs typeface="Courier"/>
+              </a:rPr>
+              <a:t> self] hidden in</a:t>
+            </a:r>
+          </a:p>
+          <a:p>
+            <a:r>
+              <a:rPr lang="mr-IN" sz="1200" dirty="0">
+                <a:latin typeface="Courier"/>
+                <a:cs typeface="Courier"/>
+              </a:rPr>
+              <a:t>                if let _hidden = hidden {</a:t>
+            </a:r>
+          </a:p>
+          <a:p>
+            <a:r>
+              <a:rPr lang="mr-IN" sz="1200" dirty="0">
+                <a:latin typeface="Courier"/>
+                <a:cs typeface="Courier"/>
+              </a:rPr>
+              <a:t>                    self.twoLabel.isHidden = _hidden</a:t>
+            </a:r>
+          </a:p>
+          <a:p>
+            <a:r>
+              <a:rPr lang="mr-IN" sz="1200" dirty="0">
+                <a:latin typeface="Courier"/>
+                <a:cs typeface="Courier"/>
+              </a:rPr>
+              <a:t>                }</a:t>
+            </a:r>
+          </a:p>
+          <a:p>
+            <a:r>
+              <a:rPr lang="mr-IN" sz="1200" dirty="0">
+                <a:latin typeface="Courier"/>
+                <a:cs typeface="Courier"/>
+              </a:rPr>
+              <a:t>            }).disposed(by: disposeBag)</a:t>
+            </a:r>
             <a:endParaRPr lang="en-US" sz="1200" dirty="0">
               <a:latin typeface="Courier"/>
               <a:cs typeface="Courier"/>
             </a:endParaRPr>
-          </a:p>
-          <a:p>
-            <a:r>
-              <a:rPr lang="en-US" sz="1200" dirty="0">
-                <a:latin typeface="Courier"/>
-                <a:cs typeface="Courier"/>
-              </a:rPr>
-              <a:t>class </a:t>
-            </a:r>
-            <a:r>
-              <a:rPr lang="en-US" sz="1200" dirty="0" err="1">
-                <a:latin typeface="Courier"/>
-                <a:cs typeface="Courier"/>
-              </a:rPr>
-              <a:t>MyObjectToObserve</a:t>
-            </a:r>
-            <a:r>
-              <a:rPr lang="en-US" sz="1200" dirty="0">
-                <a:latin typeface="Courier"/>
-                <a:cs typeface="Courier"/>
-              </a:rPr>
-              <a:t>: </a:t>
-            </a:r>
-            <a:r>
-              <a:rPr lang="en-US" sz="1200" dirty="0" err="1">
-                <a:latin typeface="Courier"/>
-                <a:cs typeface="Courier"/>
-              </a:rPr>
-              <a:t>NSObject</a:t>
-            </a:r>
-            <a:r>
-              <a:rPr lang="en-US" sz="1200" dirty="0">
-                <a:latin typeface="Courier"/>
-                <a:cs typeface="Courier"/>
-              </a:rPr>
-              <a:t> {</a:t>
-            </a:r>
-          </a:p>
-          <a:p>
-            <a:r>
-              <a:rPr lang="en-US" sz="1200" dirty="0">
-                <a:latin typeface="Courier"/>
-                <a:cs typeface="Courier"/>
-              </a:rPr>
-              <a:t>    @</a:t>
-            </a:r>
-            <a:r>
-              <a:rPr lang="en-US" sz="1200" dirty="0" err="1">
-                <a:latin typeface="Courier"/>
-                <a:cs typeface="Courier"/>
-              </a:rPr>
-              <a:t>objc</a:t>
-            </a:r>
-            <a:r>
-              <a:rPr lang="en-US" sz="1200" dirty="0">
-                <a:latin typeface="Courier"/>
-                <a:cs typeface="Courier"/>
-              </a:rPr>
-              <a:t> dynamic </a:t>
-            </a:r>
-            <a:r>
-              <a:rPr lang="en-US" sz="1200" dirty="0" err="1">
-                <a:latin typeface="Courier"/>
-                <a:cs typeface="Courier"/>
-              </a:rPr>
-              <a:t>var</a:t>
-            </a:r>
-            <a:r>
-              <a:rPr lang="en-US" sz="1200" dirty="0">
-                <a:latin typeface="Courier"/>
-                <a:cs typeface="Courier"/>
-              </a:rPr>
-              <a:t> </a:t>
-            </a:r>
-            <a:r>
-              <a:rPr lang="en-US" sz="1200" dirty="0" err="1">
-                <a:latin typeface="Courier"/>
-                <a:cs typeface="Courier"/>
-              </a:rPr>
-              <a:t>myDate</a:t>
-            </a:r>
-            <a:r>
-              <a:rPr lang="en-US" sz="1200" dirty="0">
-                <a:latin typeface="Courier"/>
-                <a:cs typeface="Courier"/>
-              </a:rPr>
-              <a:t> = </a:t>
-            </a:r>
-            <a:r>
-              <a:rPr lang="en-US" sz="1200" dirty="0" err="1">
-                <a:latin typeface="Courier"/>
-                <a:cs typeface="Courier"/>
-              </a:rPr>
-              <a:t>NSDate</a:t>
-            </a:r>
-            <a:r>
-              <a:rPr lang="en-US" sz="1200" dirty="0">
-                <a:latin typeface="Courier"/>
-                <a:cs typeface="Courier"/>
-              </a:rPr>
-              <a:t>()</a:t>
-            </a:r>
-          </a:p>
-          <a:p>
-            <a:r>
-              <a:rPr lang="en-US" sz="1200" dirty="0">
-                <a:latin typeface="Courier"/>
-                <a:cs typeface="Courier"/>
-              </a:rPr>
-              <a:t>    </a:t>
-            </a:r>
-            <a:r>
-              <a:rPr lang="en-US" sz="1200" dirty="0" err="1">
-                <a:latin typeface="Courier"/>
-                <a:cs typeface="Courier"/>
-              </a:rPr>
-              <a:t>func</a:t>
-            </a:r>
-            <a:r>
-              <a:rPr lang="en-US" sz="1200" dirty="0">
-                <a:latin typeface="Courier"/>
-                <a:cs typeface="Courier"/>
-              </a:rPr>
-              <a:t> </a:t>
-            </a:r>
-            <a:r>
-              <a:rPr lang="en-US" sz="1200" dirty="0" err="1">
-                <a:latin typeface="Courier"/>
-                <a:cs typeface="Courier"/>
-              </a:rPr>
-              <a:t>updateDate</a:t>
-            </a:r>
-            <a:r>
-              <a:rPr lang="en-US" sz="1200" dirty="0">
-                <a:latin typeface="Courier"/>
-                <a:cs typeface="Courier"/>
-              </a:rPr>
-              <a:t>() {</a:t>
-            </a:r>
-          </a:p>
-          <a:p>
-            <a:r>
-              <a:rPr lang="en-US" sz="1200" dirty="0">
-                <a:latin typeface="Courier"/>
-                <a:cs typeface="Courier"/>
-              </a:rPr>
-              <a:t>        </a:t>
-            </a:r>
-            <a:r>
-              <a:rPr lang="en-US" sz="1200" dirty="0" err="1">
-                <a:latin typeface="Courier"/>
-                <a:cs typeface="Courier"/>
-              </a:rPr>
-              <a:t>myDate</a:t>
-            </a:r>
-            <a:r>
-              <a:rPr lang="en-US" sz="1200" dirty="0">
-                <a:latin typeface="Courier"/>
-                <a:cs typeface="Courier"/>
-              </a:rPr>
-              <a:t> = </a:t>
-            </a:r>
-            <a:r>
-              <a:rPr lang="en-US" sz="1200" dirty="0" err="1">
-                <a:latin typeface="Courier"/>
-                <a:cs typeface="Courier"/>
-              </a:rPr>
-              <a:t>NSDate</a:t>
-            </a:r>
-            <a:r>
-              <a:rPr lang="en-US" sz="1200" dirty="0">
-                <a:latin typeface="Courier"/>
-                <a:cs typeface="Courier"/>
-              </a:rPr>
-              <a:t>()</a:t>
-            </a:r>
-          </a:p>
-          <a:p>
-            <a:r>
-              <a:rPr lang="en-US" sz="1200" dirty="0">
-                <a:latin typeface="Courier"/>
-                <a:cs typeface="Courier"/>
-              </a:rPr>
-              <a:t>    }</a:t>
-            </a:r>
-          </a:p>
-          <a:p>
-            <a:r>
-              <a:rPr lang="en-US" sz="1200" dirty="0">
-                <a:latin typeface="Courier"/>
-                <a:cs typeface="Courier"/>
-              </a:rPr>
-              <a:t>}</a:t>
-            </a:r>
-            <a:endParaRPr lang="en-US" sz="1200" dirty="0">
-              <a:latin typeface="Courier"/>
-              <a:cs typeface="Courier"/>
-            </a:endParaRPr>
-          </a:p>
-        </p:txBody>
-      </p:sp>
-      <p:sp>
-        <p:nvSpPr>
-          <p:cNvPr id="3" name="TextBox 2"/>
-          <p:cNvSpPr txBox="1"/>
-          <p:nvPr/>
-        </p:nvSpPr>
-        <p:spPr>
-          <a:xfrm>
-            <a:off x="320463" y="1387018"/>
-            <a:ext cx="7547033" cy="461665"/>
-          </a:xfrm>
-          <a:prstGeom prst="rect">
-            <a:avLst/>
-          </a:prstGeom>
-          <a:noFill/>
-        </p:spPr>
-        <p:txBody>
-          <a:bodyPr wrap="none" rtlCol="0">
-            <a:spAutoFit/>
-          </a:bodyPr>
-          <a:lstStyle/>
-          <a:p>
-            <a:r>
-              <a:rPr lang="en-US" sz="1200" b="1" dirty="0">
-                <a:hlinkClick r:id="rId4"/>
-              </a:rPr>
-              <a:t>https://developer.apple.com/library/content/documentation/Swift</a:t>
-            </a:r>
-            <a:r>
-              <a:rPr lang="en-US" sz="1200" b="1" dirty="0" smtClean="0">
-                <a:hlinkClick r:id="rId4"/>
-              </a:rPr>
-              <a:t>/Conceptual/</a:t>
-            </a:r>
-          </a:p>
-          <a:p>
-            <a:r>
-              <a:rPr lang="en-US" sz="1200" b="1" dirty="0" smtClean="0">
-                <a:hlinkClick r:id="rId4"/>
-              </a:rPr>
-              <a:t>BuildingCocoaApps</a:t>
-            </a:r>
-            <a:r>
-              <a:rPr lang="en-US" sz="1200" b="1" dirty="0">
-                <a:hlinkClick r:id="rId4"/>
-              </a:rPr>
-              <a:t>/AdoptingCocoaDesignPatterns.html#//apple_ref/doc/uid/TP40014216-CH7-</a:t>
-            </a:r>
-            <a:r>
-              <a:rPr lang="en-US" sz="1200" b="1" dirty="0" smtClean="0">
-                <a:hlinkClick r:id="rId4"/>
-              </a:rPr>
-              <a:t>XID_8</a:t>
-            </a:r>
-            <a:endParaRPr lang="en-US" sz="1200" b="1" dirty="0" smtClean="0"/>
           </a:p>
         </p:txBody>
       </p:sp>
     </p:spTree>
     <p:extLst>
       <p:ext uri="{BB962C8B-B14F-4D97-AF65-F5344CB8AC3E}">
-        <p14:creationId xmlns:p14="http://schemas.microsoft.com/office/powerpoint/2010/main" val="1607685507"/>
+        <p14:creationId xmlns:p14="http://schemas.microsoft.com/office/powerpoint/2010/main" val="236769934"/>
       </p:ext>
     </p:extLst>
   </p:cSld>
@@ -6053,7 +6466,7 @@
             </a:pPr>
             <a:r>
               <a:rPr lang="en-US" dirty="0" smtClean="0"/>
-              <a:t>KVO</a:t>
+              <a:t>Binding - KVO</a:t>
             </a:r>
             <a:endParaRPr lang="en" dirty="0"/>
           </a:p>
@@ -6130,14 +6543,14 @@
       </p:pic>
       <p:sp>
         <p:nvSpPr>
-          <p:cNvPr id="4" name="TextBox 3"/>
+          <p:cNvPr id="9" name="TextBox 8"/>
           <p:cNvSpPr txBox="1"/>
           <p:nvPr/>
         </p:nvSpPr>
         <p:spPr>
           <a:xfrm>
-            <a:off x="0" y="1432264"/>
-            <a:ext cx="4304973" cy="3262431"/>
+            <a:off x="1052178" y="1780650"/>
+            <a:ext cx="6235590" cy="3077765"/>
           </a:xfrm>
           <a:prstGeom prst="rect">
             <a:avLst/>
@@ -6151,11 +6564,367 @@
           <a:lstStyle/>
           <a:p>
             <a:r>
+              <a:rPr lang="en-US" sz="1200" dirty="0">
+                <a:latin typeface="Courier"/>
+                <a:cs typeface="Courier"/>
+              </a:rPr>
+              <a:t> @</a:t>
+            </a:r>
+            <a:r>
+              <a:rPr lang="en-US" sz="1200" dirty="0" err="1">
+                <a:latin typeface="Courier"/>
+                <a:cs typeface="Courier"/>
+              </a:rPr>
+              <a:t>IBOutlet</a:t>
+            </a:r>
+            <a:r>
+              <a:rPr lang="en-US" sz="1200" dirty="0">
+                <a:latin typeface="Courier"/>
+                <a:cs typeface="Courier"/>
+              </a:rPr>
+              <a:t> weak </a:t>
+            </a:r>
+            <a:r>
+              <a:rPr lang="en-US" sz="1200" dirty="0" err="1">
+                <a:latin typeface="Courier"/>
+                <a:cs typeface="Courier"/>
+              </a:rPr>
+              <a:t>var</a:t>
+            </a:r>
+            <a:r>
+              <a:rPr lang="en-US" sz="1200" dirty="0">
+                <a:latin typeface="Courier"/>
+                <a:cs typeface="Courier"/>
+              </a:rPr>
+              <a:t> </a:t>
+            </a:r>
+            <a:r>
+              <a:rPr lang="en-US" sz="1200" dirty="0" err="1">
+                <a:latin typeface="Courier"/>
+                <a:cs typeface="Courier"/>
+              </a:rPr>
+              <a:t>oneLabel</a:t>
+            </a:r>
+            <a:r>
+              <a:rPr lang="en-US" sz="1200" dirty="0">
+                <a:latin typeface="Courier"/>
+                <a:cs typeface="Courier"/>
+              </a:rPr>
+              <a:t>: </a:t>
+            </a:r>
+            <a:r>
+              <a:rPr lang="en-US" sz="1200" dirty="0" err="1">
+                <a:latin typeface="Courier"/>
+                <a:cs typeface="Courier"/>
+              </a:rPr>
+              <a:t>UILabel</a:t>
+            </a:r>
+            <a:r>
+              <a:rPr lang="en-US" sz="1200" dirty="0">
+                <a:latin typeface="Courier"/>
+                <a:cs typeface="Courier"/>
+              </a:rPr>
+              <a:t>!</a:t>
+            </a:r>
+          </a:p>
+          <a:p>
+            <a:r>
+              <a:rPr lang="en-US" sz="1200" dirty="0">
+                <a:latin typeface="Courier"/>
+                <a:cs typeface="Courier"/>
+              </a:rPr>
+              <a:t> </a:t>
+            </a:r>
+            <a:r>
+              <a:rPr lang="en-US" sz="1200" dirty="0" smtClean="0">
+                <a:latin typeface="Courier"/>
+                <a:cs typeface="Courier"/>
+              </a:rPr>
+              <a:t>@</a:t>
+            </a:r>
+            <a:r>
+              <a:rPr lang="en-US" sz="1200" dirty="0" err="1">
+                <a:latin typeface="Courier"/>
+                <a:cs typeface="Courier"/>
+              </a:rPr>
+              <a:t>IBOutlet</a:t>
+            </a:r>
+            <a:r>
+              <a:rPr lang="en-US" sz="1200" dirty="0">
+                <a:latin typeface="Courier"/>
+                <a:cs typeface="Courier"/>
+              </a:rPr>
+              <a:t> weak </a:t>
+            </a:r>
+            <a:r>
+              <a:rPr lang="en-US" sz="1200" dirty="0" err="1">
+                <a:latin typeface="Courier"/>
+                <a:cs typeface="Courier"/>
+              </a:rPr>
+              <a:t>var</a:t>
+            </a:r>
+            <a:r>
+              <a:rPr lang="en-US" sz="1200" dirty="0">
+                <a:latin typeface="Courier"/>
+                <a:cs typeface="Courier"/>
+              </a:rPr>
+              <a:t> </a:t>
+            </a:r>
+            <a:r>
+              <a:rPr lang="en-US" sz="1200" dirty="0" err="1">
+                <a:latin typeface="Courier"/>
+                <a:cs typeface="Courier"/>
+              </a:rPr>
+              <a:t>twoLabel</a:t>
+            </a:r>
+            <a:r>
+              <a:rPr lang="en-US" sz="1200" dirty="0">
+                <a:latin typeface="Courier"/>
+                <a:cs typeface="Courier"/>
+              </a:rPr>
+              <a:t>: </a:t>
+            </a:r>
+            <a:r>
+              <a:rPr lang="en-US" sz="1200" dirty="0" err="1">
+                <a:latin typeface="Courier"/>
+                <a:cs typeface="Courier"/>
+              </a:rPr>
+              <a:t>UILabel</a:t>
+            </a:r>
+            <a:r>
+              <a:rPr lang="en-US" sz="1200" dirty="0">
+                <a:latin typeface="Courier"/>
+                <a:cs typeface="Courier"/>
+              </a:rPr>
+              <a:t>!</a:t>
+            </a:r>
+          </a:p>
+          <a:p>
+            <a:r>
+              <a:rPr lang="en-US" sz="1200" dirty="0">
+                <a:latin typeface="Courier"/>
+                <a:cs typeface="Courier"/>
+              </a:rPr>
+              <a:t> </a:t>
+            </a:r>
+            <a:r>
+              <a:rPr lang="en-US" sz="1200" dirty="0" smtClean="0">
+                <a:latin typeface="Courier"/>
+                <a:cs typeface="Courier"/>
+              </a:rPr>
+              <a:t>let </a:t>
+            </a:r>
+            <a:r>
+              <a:rPr lang="en-US" sz="1200" dirty="0" err="1">
+                <a:latin typeface="Courier"/>
+                <a:cs typeface="Courier"/>
+              </a:rPr>
+              <a:t>hiddenRelay</a:t>
+            </a:r>
+            <a:r>
+              <a:rPr lang="en-US" sz="1200" dirty="0">
+                <a:latin typeface="Courier"/>
+                <a:cs typeface="Courier"/>
+              </a:rPr>
+              <a:t> = </a:t>
+            </a:r>
+            <a:r>
+              <a:rPr lang="en-US" sz="1200" dirty="0" err="1">
+                <a:latin typeface="Courier"/>
+                <a:cs typeface="Courier"/>
+              </a:rPr>
+              <a:t>BehaviorRelay</a:t>
+            </a:r>
+            <a:r>
+              <a:rPr lang="en-US" sz="1200" dirty="0">
+                <a:latin typeface="Courier"/>
+                <a:cs typeface="Courier"/>
+              </a:rPr>
+              <a:t>&lt;</a:t>
+            </a:r>
+            <a:r>
+              <a:rPr lang="en-US" sz="1200" dirty="0" err="1">
+                <a:latin typeface="Courier"/>
+                <a:cs typeface="Courier"/>
+              </a:rPr>
+              <a:t>Bool</a:t>
+            </a:r>
+            <a:r>
+              <a:rPr lang="en-US" sz="1200" dirty="0">
+                <a:latin typeface="Courier"/>
+                <a:cs typeface="Courier"/>
+              </a:rPr>
+              <a:t>&gt;(value: false)</a:t>
+            </a:r>
+            <a:endParaRPr lang="en-US" sz="1200" dirty="0" smtClean="0">
+              <a:latin typeface="Courier"/>
+              <a:cs typeface="Courier"/>
+            </a:endParaRPr>
+          </a:p>
+          <a:p>
+            <a:r>
+              <a:rPr lang="mr-IN" sz="1200" dirty="0" smtClean="0">
+                <a:latin typeface="Courier"/>
+                <a:cs typeface="Courier"/>
+              </a:rPr>
+              <a:t> </a:t>
+            </a:r>
+            <a:r>
+              <a:rPr lang="en-US" sz="1200" dirty="0" smtClean="0">
+                <a:latin typeface="Courier"/>
+                <a:cs typeface="Courier"/>
+              </a:rPr>
+              <a:t>let </a:t>
+            </a:r>
+            <a:r>
+              <a:rPr lang="en-US" sz="1200" dirty="0" err="1">
+                <a:latin typeface="Courier"/>
+                <a:cs typeface="Courier"/>
+              </a:rPr>
+              <a:t>disposeBag</a:t>
+            </a:r>
+            <a:r>
+              <a:rPr lang="en-US" sz="1200" dirty="0">
+                <a:latin typeface="Courier"/>
+                <a:cs typeface="Courier"/>
+              </a:rPr>
+              <a:t> = </a:t>
+            </a:r>
+            <a:r>
+              <a:rPr lang="en-US" sz="1200" dirty="0" err="1">
+                <a:latin typeface="Courier"/>
+                <a:cs typeface="Courier"/>
+              </a:rPr>
+              <a:t>DisposeBag</a:t>
+            </a:r>
+            <a:r>
+              <a:rPr lang="en-US" sz="1200" dirty="0">
+                <a:latin typeface="Courier"/>
+                <a:cs typeface="Courier"/>
+              </a:rPr>
+              <a:t>()</a:t>
+            </a:r>
+            <a:endParaRPr lang="en-US" sz="1200" dirty="0" smtClean="0">
+              <a:latin typeface="Courier"/>
+              <a:cs typeface="Courier"/>
+            </a:endParaRPr>
+          </a:p>
+          <a:p>
+            <a:endParaRPr lang="en-US" sz="1200" dirty="0">
+              <a:latin typeface="Courier"/>
+              <a:cs typeface="Courier"/>
+            </a:endParaRPr>
+          </a:p>
+          <a:p>
+            <a:endParaRPr lang="en-US" sz="1200" dirty="0" smtClean="0">
+              <a:latin typeface="Courier"/>
+              <a:cs typeface="Courier"/>
+            </a:endParaRPr>
+          </a:p>
+          <a:p>
+            <a:r>
+              <a:rPr lang="en-US" sz="1200" dirty="0">
+                <a:latin typeface="Courier"/>
+                <a:cs typeface="Courier"/>
+              </a:rPr>
+              <a:t> </a:t>
+            </a:r>
+            <a:r>
+              <a:rPr lang="en-US" sz="1200" dirty="0" err="1">
+                <a:latin typeface="Courier"/>
+                <a:cs typeface="Courier"/>
+              </a:rPr>
+              <a:t>oneLabel.rx.observe</a:t>
+            </a:r>
+            <a:r>
+              <a:rPr lang="en-US" sz="1200" dirty="0">
+                <a:latin typeface="Courier"/>
+                <a:cs typeface="Courier"/>
+              </a:rPr>
+              <a:t>(</a:t>
+            </a:r>
+            <a:r>
+              <a:rPr lang="en-US" sz="1200" dirty="0" err="1">
+                <a:latin typeface="Courier"/>
+                <a:cs typeface="Courier"/>
+              </a:rPr>
+              <a:t>Bool.self</a:t>
+            </a:r>
+            <a:r>
+              <a:rPr lang="en-US" sz="1200" dirty="0">
+                <a:latin typeface="Courier"/>
+                <a:cs typeface="Courier"/>
+              </a:rPr>
+              <a:t>, "hidden")</a:t>
+            </a:r>
+          </a:p>
+          <a:p>
+            <a:r>
+              <a:rPr lang="en-US" sz="1200" dirty="0">
+                <a:latin typeface="Courier"/>
+                <a:cs typeface="Courier"/>
+              </a:rPr>
+              <a:t>            .subscribe(</a:t>
+            </a:r>
+            <a:r>
+              <a:rPr lang="en-US" sz="1200" dirty="0" err="1">
+                <a:latin typeface="Courier"/>
+                <a:cs typeface="Courier"/>
+              </a:rPr>
+              <a:t>onNext</a:t>
+            </a:r>
+            <a:r>
+              <a:rPr lang="en-US" sz="1200" dirty="0">
+                <a:latin typeface="Courier"/>
+                <a:cs typeface="Courier"/>
+              </a:rPr>
+              <a:t>: { [</a:t>
+            </a:r>
+            <a:r>
+              <a:rPr lang="en-US" sz="1200" dirty="0" err="1">
+                <a:latin typeface="Courier"/>
+                <a:cs typeface="Courier"/>
+              </a:rPr>
+              <a:t>unowned</a:t>
+            </a:r>
+            <a:r>
+              <a:rPr lang="en-US" sz="1200" dirty="0">
+                <a:latin typeface="Courier"/>
+                <a:cs typeface="Courier"/>
+              </a:rPr>
+              <a:t> self] hidden in</a:t>
+            </a:r>
+          </a:p>
+          <a:p>
+            <a:r>
               <a:rPr lang="mr-IN" sz="1200" dirty="0">
                 <a:latin typeface="Courier"/>
                 <a:cs typeface="Courier"/>
               </a:rPr>
-              <a:t> @IBOutlet weak var kvoTestButton: UIButton!</a:t>
+              <a:t>                if let _hidden = hidden {</a:t>
+            </a:r>
+          </a:p>
+          <a:p>
+            <a:r>
+              <a:rPr lang="en-US" sz="1200" dirty="0">
+                <a:latin typeface="Courier"/>
+                <a:cs typeface="Courier"/>
+              </a:rPr>
+              <a:t>                    </a:t>
+            </a:r>
+            <a:r>
+              <a:rPr lang="en-US" sz="1200" dirty="0" err="1">
+                <a:latin typeface="Courier"/>
+                <a:cs typeface="Courier"/>
+              </a:rPr>
+              <a:t>self.hiddenRelay.accept</a:t>
+            </a:r>
+            <a:r>
+              <a:rPr lang="en-US" sz="1200" dirty="0">
+                <a:latin typeface="Courier"/>
+                <a:cs typeface="Courier"/>
+              </a:rPr>
+              <a:t>(_hidden)</a:t>
             </a:r>
           </a:p>
           <a:p>
@@ -6164,44 +6933,7 @@
                 <a:latin typeface="Courier"/>
                 <a:cs typeface="Courier"/>
               </a:rPr>
-              <a:t> </a:t>
-            </a:r>
-            <a:r>
-              <a:rPr lang="mr-IN" sz="1200" b="1" dirty="0" smtClean="0">
-                <a:latin typeface="Courier"/>
-                <a:cs typeface="Courier"/>
-              </a:rPr>
-              <a:t>@</a:t>
-            </a:r>
-            <a:r>
-              <a:rPr lang="mr-IN" sz="1200" b="1" dirty="0">
-                <a:latin typeface="Courier"/>
-                <a:cs typeface="Courier"/>
-              </a:rPr>
-              <a:t>objc dynamic var someString = ""</a:t>
-            </a:r>
-          </a:p>
-          <a:p>
-            <a:r>
-              <a:rPr lang="mr-IN" sz="1200" b="1" dirty="0">
-                <a:latin typeface="Courier"/>
-                <a:cs typeface="Courier"/>
-              </a:rPr>
-              <a:t> </a:t>
-            </a:r>
-            <a:r>
-              <a:rPr lang="mr-IN" sz="1200" b="1" dirty="0" smtClean="0">
-                <a:latin typeface="Courier"/>
-                <a:cs typeface="Courier"/>
-              </a:rPr>
-              <a:t>@</a:t>
-            </a:r>
-            <a:r>
-              <a:rPr lang="mr-IN" sz="1200" b="1" dirty="0">
-                <a:latin typeface="Courier"/>
-                <a:cs typeface="Courier"/>
-              </a:rPr>
-              <a:t>objc dynamic var someBoolean = false</a:t>
+              <a:t>                }</a:t>
             </a:r>
           </a:p>
           <a:p>
@@ -6210,30 +6942,7 @@
                 <a:latin typeface="Courier"/>
                 <a:cs typeface="Courier"/>
               </a:rPr>
-              <a:t>    </a:t>
-            </a:r>
-          </a:p>
-          <a:p>
-            <a:r>
-              <a:rPr lang="mr-IN" sz="1200" dirty="0">
-                <a:latin typeface="Courier"/>
-                <a:cs typeface="Courier"/>
-              </a:rPr>
-              <a:t> </a:t>
-            </a:r>
-            <a:r>
-              <a:rPr lang="mr-IN" sz="1200" dirty="0" smtClean="0">
-                <a:latin typeface="Courier"/>
-                <a:cs typeface="Courier"/>
-              </a:rPr>
-              <a:t>let </a:t>
-            </a:r>
-            <a:r>
-              <a:rPr lang="mr-IN" sz="1200" dirty="0">
-                <a:latin typeface="Courier"/>
-                <a:cs typeface="Courier"/>
-              </a:rPr>
-              <a:t>disposeBag = DisposeBag()</a:t>
+              <a:t>            }).disposed(by: disposeBag)</a:t>
             </a:r>
           </a:p>
           <a:p>
@@ -6243,476 +6952,80 @@
             </a:endParaRPr>
           </a:p>
           <a:p>
-            <a:endParaRPr lang="mr-IN" sz="1200" dirty="0">
-              <a:latin typeface="Courier"/>
-              <a:cs typeface="Courier"/>
-            </a:endParaRPr>
-          </a:p>
-          <a:p>
-            <a:r>
-              <a:rPr lang="mr-IN" sz="1200" dirty="0">
-                <a:latin typeface="Courier"/>
-                <a:cs typeface="Courier"/>
-              </a:rPr>
-              <a:t>   </a:t>
-            </a:r>
-            <a:r>
-              <a:rPr lang="mr-IN" sz="1200" dirty="0" smtClean="0">
-                <a:latin typeface="Courier"/>
-                <a:cs typeface="Courier"/>
-              </a:rPr>
-              <a:t>/</a:t>
-            </a:r>
-            <a:r>
-              <a:rPr lang="mr-IN" sz="1200" dirty="0">
-                <a:latin typeface="Courier"/>
-                <a:cs typeface="Courier"/>
-              </a:rPr>
-              <a:t>/KVO Test</a:t>
-            </a:r>
-          </a:p>
-          <a:p>
-            <a:r>
-              <a:rPr lang="mr-IN" sz="1200" dirty="0">
-                <a:latin typeface="Courier"/>
-                <a:cs typeface="Courier"/>
-              </a:rPr>
-              <a:t>   </a:t>
-            </a:r>
-            <a:r>
-              <a:rPr lang="mr-IN" sz="1200" b="1" dirty="0" smtClean="0">
-                <a:latin typeface="Courier"/>
-                <a:cs typeface="Courier"/>
-              </a:rPr>
-              <a:t>self.rx.observe</a:t>
-            </a:r>
-            <a:r>
-              <a:rPr lang="mr-IN" sz="1200" b="1" dirty="0">
-                <a:latin typeface="Courier"/>
-                <a:cs typeface="Courier"/>
-              </a:rPr>
-              <a:t>(String.self, "someString")</a:t>
-            </a:r>
-          </a:p>
-          <a:p>
-            <a:r>
-              <a:rPr lang="mr-IN" sz="1200" dirty="0">
-                <a:latin typeface="Courier"/>
-                <a:cs typeface="Courier"/>
-              </a:rPr>
-              <a:t>       </a:t>
-            </a:r>
-            <a:r>
-              <a:rPr lang="mr-IN" sz="1200" dirty="0" smtClean="0">
-                <a:latin typeface="Courier"/>
-                <a:cs typeface="Courier"/>
-              </a:rPr>
-              <a:t>.</a:t>
-            </a:r>
-            <a:r>
-              <a:rPr lang="mr-IN" sz="1200" dirty="0">
-                <a:latin typeface="Courier"/>
-                <a:cs typeface="Courier"/>
-              </a:rPr>
-              <a:t>subscribe(onNext: { some in</a:t>
-            </a:r>
-          </a:p>
-          <a:p>
-            <a:r>
-              <a:rPr lang="mr-IN" sz="1200" dirty="0">
-                <a:latin typeface="Courier"/>
-                <a:cs typeface="Courier"/>
-              </a:rPr>
-              <a:t>           </a:t>
-            </a:r>
-            <a:r>
-              <a:rPr lang="mr-IN" sz="1200" dirty="0" smtClean="0">
-                <a:latin typeface="Courier"/>
-                <a:cs typeface="Courier"/>
-              </a:rPr>
-              <a:t>if </a:t>
-            </a:r>
-            <a:r>
-              <a:rPr lang="mr-IN" sz="1200" dirty="0">
-                <a:latin typeface="Courier"/>
-                <a:cs typeface="Courier"/>
-              </a:rPr>
-              <a:t>let _some = some {</a:t>
-            </a:r>
-          </a:p>
-          <a:p>
-            <a:r>
-              <a:rPr lang="mr-IN" sz="1200" dirty="0">
-                <a:latin typeface="Courier"/>
-                <a:cs typeface="Courier"/>
-              </a:rPr>
-              <a:t>              </a:t>
-            </a:r>
-            <a:r>
-              <a:rPr lang="mr-IN" sz="1200" dirty="0" smtClean="0">
-                <a:latin typeface="Courier"/>
-                <a:cs typeface="Courier"/>
-              </a:rPr>
-              <a:t>print</a:t>
-            </a:r>
-            <a:r>
-              <a:rPr lang="mr-IN" sz="1200" dirty="0">
-                <a:latin typeface="Courier"/>
-                <a:cs typeface="Courier"/>
-              </a:rPr>
-              <a:t>(_some)</a:t>
-            </a:r>
-          </a:p>
-          <a:p>
-            <a:r>
-              <a:rPr lang="mr-IN" sz="1200" dirty="0">
-                <a:latin typeface="Courier"/>
-                <a:cs typeface="Courier"/>
-              </a:rPr>
-              <a:t>           </a:t>
-            </a:r>
-            <a:r>
-              <a:rPr lang="mr-IN" sz="1200" dirty="0" smtClean="0">
-                <a:latin typeface="Courier"/>
-                <a:cs typeface="Courier"/>
-              </a:rPr>
-              <a:t>} </a:t>
-            </a:r>
-            <a:r>
-              <a:rPr lang="mr-IN" sz="1200" dirty="0">
-                <a:latin typeface="Courier"/>
-                <a:cs typeface="Courier"/>
-              </a:rPr>
-              <a:t>else {</a:t>
-            </a:r>
-          </a:p>
-          <a:p>
-            <a:r>
-              <a:rPr lang="mr-IN" sz="1200" dirty="0">
-                <a:latin typeface="Courier"/>
-                <a:cs typeface="Courier"/>
-              </a:rPr>
-              <a:t>              </a:t>
-            </a:r>
-            <a:r>
-              <a:rPr lang="mr-IN" sz="1200" dirty="0" smtClean="0">
-                <a:latin typeface="Courier"/>
-                <a:cs typeface="Courier"/>
-              </a:rPr>
-              <a:t>print</a:t>
-            </a:r>
-            <a:r>
-              <a:rPr lang="mr-IN" sz="1200" dirty="0">
-                <a:latin typeface="Courier"/>
-                <a:cs typeface="Courier"/>
-              </a:rPr>
-              <a:t>("")</a:t>
-            </a:r>
-          </a:p>
-          <a:p>
-            <a:r>
-              <a:rPr lang="mr-IN" sz="1200" dirty="0">
-                <a:latin typeface="Courier"/>
-                <a:cs typeface="Courier"/>
-              </a:rPr>
-              <a:t>           </a:t>
-            </a:r>
-            <a:r>
-              <a:rPr lang="mr-IN" sz="1200" dirty="0" smtClean="0">
-                <a:latin typeface="Courier"/>
-                <a:cs typeface="Courier"/>
-              </a:rPr>
-              <a:t>}</a:t>
-            </a:r>
-            <a:endParaRPr lang="mr-IN" sz="1200" dirty="0">
-              <a:latin typeface="Courier"/>
-              <a:cs typeface="Courier"/>
-            </a:endParaRPr>
-          </a:p>
-          <a:p>
-            <a:r>
-              <a:rPr lang="mr-IN" sz="1200" dirty="0">
-                <a:latin typeface="Courier"/>
-                <a:cs typeface="Courier"/>
-              </a:rPr>
-              <a:t>       </a:t>
-            </a:r>
-            <a:r>
-              <a:rPr lang="mr-IN" sz="1200" dirty="0" smtClean="0">
-                <a:latin typeface="Courier"/>
-                <a:cs typeface="Courier"/>
-              </a:rPr>
-              <a:t>}</a:t>
-            </a:r>
-            <a:r>
-              <a:rPr lang="mr-IN" sz="1200" dirty="0">
-                <a:latin typeface="Courier"/>
-                <a:cs typeface="Courier"/>
-              </a:rPr>
-              <a:t>).disposed(by: disposeBag)</a:t>
-            </a:r>
-          </a:p>
-          <a:p>
-            <a:r>
-              <a:rPr lang="mr-IN" dirty="0"/>
-              <a:t>        </a:t>
-            </a:r>
-            <a:endParaRPr lang="en-US" dirty="0"/>
-          </a:p>
-        </p:txBody>
-      </p:sp>
-      <p:sp>
-        <p:nvSpPr>
-          <p:cNvPr id="5" name="TextBox 4"/>
-          <p:cNvSpPr txBox="1"/>
-          <p:nvPr/>
-        </p:nvSpPr>
-        <p:spPr>
-          <a:xfrm>
-            <a:off x="4249586" y="1774178"/>
-            <a:ext cx="4894414" cy="2862322"/>
-          </a:xfrm>
-          <a:prstGeom prst="rect">
-            <a:avLst/>
-          </a:prstGeom>
-          <a:noFill/>
-        </p:spPr>
-        <p:txBody>
-          <a:bodyPr wrap="none" rtlCol="0">
-            <a:spAutoFit/>
-          </a:bodyPr>
-          <a:lstStyle/>
-          <a:p>
-            <a:r>
-              <a:rPr lang="mr-IN" sz="1200" dirty="0" smtClean="0">
-                <a:latin typeface="Courier"/>
-                <a:cs typeface="Courier"/>
-              </a:rPr>
-              <a:t>  </a:t>
-            </a:r>
-            <a:r>
-              <a:rPr lang="mr-IN" sz="1200" b="1" dirty="0" smtClean="0">
-                <a:latin typeface="Courier"/>
-                <a:cs typeface="Courier"/>
-              </a:rPr>
-              <a:t>self.rx.observe</a:t>
-            </a:r>
-            <a:r>
-              <a:rPr lang="mr-IN" sz="1200" b="1" dirty="0">
-                <a:latin typeface="Courier"/>
-                <a:cs typeface="Courier"/>
-              </a:rPr>
-              <a:t>(Bool.self, "someBoolean")</a:t>
-            </a:r>
-          </a:p>
-          <a:p>
-            <a:r>
-              <a:rPr lang="mr-IN" sz="1200" dirty="0">
-                <a:latin typeface="Courier"/>
-                <a:cs typeface="Courier"/>
-              </a:rPr>
-              <a:t>      </a:t>
-            </a:r>
-            <a:r>
-              <a:rPr lang="mr-IN" sz="1200" dirty="0" smtClean="0">
-                <a:latin typeface="Courier"/>
-                <a:cs typeface="Courier"/>
-              </a:rPr>
-              <a:t>.</a:t>
-            </a:r>
-            <a:r>
-              <a:rPr lang="mr-IN" sz="1200" dirty="0">
-                <a:latin typeface="Courier"/>
-                <a:cs typeface="Courier"/>
-              </a:rPr>
-              <a:t>subscribe(onNext: { some in</a:t>
-            </a:r>
-          </a:p>
-          <a:p>
-            <a:r>
-              <a:rPr lang="mr-IN" sz="1200" dirty="0">
-                <a:latin typeface="Courier"/>
-                <a:cs typeface="Courier"/>
-              </a:rPr>
-              <a:t>                if let _some = some {</a:t>
-            </a:r>
-          </a:p>
-          <a:p>
-            <a:r>
-              <a:rPr lang="mr-IN" sz="1200" dirty="0">
-                <a:latin typeface="Courier"/>
-                <a:cs typeface="Courier"/>
-              </a:rPr>
-              <a:t>                    print(_some ? "true" : "false")</a:t>
-            </a:r>
-          </a:p>
-          <a:p>
-            <a:r>
-              <a:rPr lang="mr-IN" sz="1200" dirty="0">
-                <a:latin typeface="Courier"/>
-                <a:cs typeface="Courier"/>
-              </a:rPr>
-              <a:t>                } else {</a:t>
-            </a:r>
-          </a:p>
-          <a:p>
-            <a:r>
-              <a:rPr lang="mr-IN" sz="1200" dirty="0">
-                <a:latin typeface="Courier"/>
-                <a:cs typeface="Courier"/>
-              </a:rPr>
-              <a:t>                    print("false")</a:t>
-            </a:r>
-          </a:p>
-          <a:p>
-            <a:r>
-              <a:rPr lang="mr-IN" sz="1200" dirty="0">
-                <a:latin typeface="Courier"/>
-                <a:cs typeface="Courier"/>
-              </a:rPr>
-              <a:t>                }</a:t>
-            </a:r>
-          </a:p>
-          <a:p>
-            <a:r>
-              <a:rPr lang="mr-IN" sz="1200" dirty="0">
-                <a:latin typeface="Courier"/>
-                <a:cs typeface="Courier"/>
-              </a:rPr>
-              <a:t>            }).disposed(by: disposeBag)</a:t>
-            </a:r>
-          </a:p>
-          <a:p>
-            <a:endParaRPr lang="en-US" sz="1200" dirty="0" smtClean="0">
-              <a:latin typeface="Courier"/>
-              <a:cs typeface="Courier"/>
-            </a:endParaRPr>
-          </a:p>
-          <a:p>
-            <a:endParaRPr lang="mr-IN" sz="1200" dirty="0">
-              <a:latin typeface="Courier"/>
-              <a:cs typeface="Courier"/>
-            </a:endParaRPr>
-          </a:p>
-          <a:p>
-            <a:r>
-              <a:rPr lang="mr-IN" sz="1200" dirty="0" smtClean="0">
-                <a:latin typeface="Courier"/>
-                <a:cs typeface="Courier"/>
-              </a:rPr>
-              <a:t>func </a:t>
-            </a:r>
-            <a:r>
-              <a:rPr lang="mr-IN" sz="1200" dirty="0">
-                <a:latin typeface="Courier"/>
-                <a:cs typeface="Courier"/>
-              </a:rPr>
-              <a:t>kvoTest() {</a:t>
-            </a:r>
-          </a:p>
-          <a:p>
-            <a:r>
-              <a:rPr lang="mr-IN" sz="1200" dirty="0">
-                <a:latin typeface="Courier"/>
-                <a:cs typeface="Courier"/>
-              </a:rPr>
-              <a:t>   </a:t>
-            </a:r>
-            <a:r>
-              <a:rPr lang="mr-IN" sz="1200" dirty="0" smtClean="0">
-                <a:latin typeface="Courier"/>
-                <a:cs typeface="Courier"/>
-              </a:rPr>
-              <a:t>self.someBoolean </a:t>
-            </a:r>
-            <a:r>
-              <a:rPr lang="mr-IN" sz="1200" dirty="0">
-                <a:latin typeface="Courier"/>
-                <a:cs typeface="Courier"/>
-              </a:rPr>
-              <a:t>= !self.someBoolean</a:t>
-            </a:r>
-          </a:p>
-          <a:p>
-            <a:r>
-              <a:rPr lang="mr-IN" sz="1200" dirty="0">
-                <a:latin typeface="Courier"/>
-                <a:cs typeface="Courier"/>
-              </a:rPr>
-              <a:t>   </a:t>
-            </a:r>
-            <a:r>
-              <a:rPr lang="mr-IN" sz="1200" dirty="0" smtClean="0">
-                <a:latin typeface="Courier"/>
-                <a:cs typeface="Courier"/>
-              </a:rPr>
-              <a:t>self.someString </a:t>
-            </a:r>
-            <a:r>
-              <a:rPr lang="mr-IN" sz="1200" dirty="0">
-                <a:latin typeface="Courier"/>
-                <a:cs typeface="Courier"/>
-              </a:rPr>
-              <a:t>= self.someBoolean ? </a:t>
-            </a:r>
-            <a:endParaRPr lang="en-US" sz="1200" dirty="0" smtClean="0">
-              <a:latin typeface="Courier"/>
-              <a:cs typeface="Courier"/>
-            </a:endParaRPr>
-          </a:p>
-          <a:p>
-            <a:r>
-              <a:rPr lang="en-US" sz="1200" dirty="0">
-                <a:latin typeface="Courier"/>
-                <a:cs typeface="Courier"/>
-              </a:rPr>
-              <a:t>	</a:t>
-            </a:r>
-            <a:r>
-              <a:rPr lang="mr-IN" sz="1200" dirty="0" smtClean="0">
-                <a:latin typeface="Courier"/>
-                <a:cs typeface="Courier"/>
-              </a:rPr>
-              <a:t>"</a:t>
-            </a:r>
-            <a:r>
-              <a:rPr lang="mr-IN" sz="1200" dirty="0">
-                <a:latin typeface="Courier"/>
-                <a:cs typeface="Courier"/>
-              </a:rPr>
-              <a:t>KVO Test 1" : "KVO Test </a:t>
-            </a:r>
-            <a:r>
-              <a:rPr lang="mr-IN" sz="1200" dirty="0" smtClean="0">
-                <a:latin typeface="Courier"/>
-                <a:cs typeface="Courier"/>
-              </a:rPr>
-              <a:t>2”</a:t>
-            </a:r>
-            <a:endParaRPr lang="mr-IN" sz="1200" dirty="0">
-              <a:latin typeface="Courier"/>
-              <a:cs typeface="Courier"/>
-            </a:endParaRPr>
-          </a:p>
-          <a:p>
-            <a:r>
-              <a:rPr lang="mr-IN" sz="1200" dirty="0" smtClean="0">
-                <a:latin typeface="Courier"/>
-                <a:cs typeface="Courier"/>
-              </a:rPr>
-              <a:t>}</a:t>
-            </a:r>
-            <a:endParaRPr lang="en-US" sz="1200" dirty="0">
-              <a:latin typeface="Courier"/>
-              <a:cs typeface="Courier"/>
-            </a:endParaRPr>
+            <a:r>
+              <a:rPr lang="en-US" sz="1200" dirty="0">
+                <a:latin typeface="Courier"/>
+                <a:cs typeface="Courier"/>
+              </a:rPr>
+              <a:t> </a:t>
+            </a:r>
+            <a:r>
+              <a:rPr lang="en-US" sz="1200" dirty="0" err="1" smtClean="0">
+                <a:latin typeface="Courier"/>
+                <a:cs typeface="Courier"/>
+              </a:rPr>
+              <a:t>self.hiddenRelay.asObservable</a:t>
+            </a:r>
+            <a:r>
+              <a:rPr lang="en-US" sz="1200" dirty="0">
+                <a:latin typeface="Courier"/>
+                <a:cs typeface="Courier"/>
+              </a:rPr>
+              <a:t>()</a:t>
+            </a:r>
+          </a:p>
+          <a:p>
+            <a:r>
+              <a:rPr lang="en-US" sz="1200" dirty="0">
+                <a:latin typeface="Courier"/>
+                <a:cs typeface="Courier"/>
+              </a:rPr>
+              <a:t>            .bind(to: </a:t>
+            </a:r>
+            <a:r>
+              <a:rPr lang="en-US" sz="1200" dirty="0" err="1">
+                <a:latin typeface="Courier"/>
+                <a:cs typeface="Courier"/>
+              </a:rPr>
+              <a:t>self.twoLabel.rx.isHidden</a:t>
+            </a:r>
+            <a:r>
+              <a:rPr lang="en-US" sz="1200" dirty="0">
+                <a:latin typeface="Courier"/>
+                <a:cs typeface="Courier"/>
+              </a:rPr>
+              <a:t>)</a:t>
+            </a:r>
+          </a:p>
+          <a:p>
+            <a:r>
+              <a:rPr lang="en-US" sz="1200" dirty="0">
+                <a:latin typeface="Courier"/>
+                <a:cs typeface="Courier"/>
+              </a:rPr>
+              <a:t>            .disposed(by: </a:t>
+            </a:r>
+            <a:r>
+              <a:rPr lang="en-US" sz="1200" dirty="0" err="1">
+                <a:latin typeface="Courier"/>
+                <a:cs typeface="Courier"/>
+              </a:rPr>
+              <a:t>disposeBag</a:t>
+            </a:r>
+            <a:r>
+              <a:rPr lang="en-US" sz="1200" dirty="0">
+                <a:latin typeface="Courier"/>
+                <a:cs typeface="Courier"/>
+              </a:rPr>
+              <a:t>)</a:t>
+            </a:r>
           </a:p>
         </p:txBody>
       </p:sp>
     </p:spTree>
     <p:extLst>
       <p:ext uri="{BB962C8B-B14F-4D97-AF65-F5344CB8AC3E}">
-        <p14:creationId xmlns:p14="http://schemas.microsoft.com/office/powerpoint/2010/main" val="4119951043"/>
+        <p14:creationId xmlns:p14="http://schemas.microsoft.com/office/powerpoint/2010/main" val="4047079384"/>
       </p:ext>
     </p:extLst>
   </p:cSld>
@@ -6779,11 +7092,7 @@
             </a:pPr>
             <a:r>
               <a:rPr lang="en-US" dirty="0" smtClean="0"/>
-              <a:t>2 Way </a:t>
-            </a:r>
-            <a:r>
-              <a:rPr lang="en-US" dirty="0" smtClean="0"/>
-              <a:t>Bindings</a:t>
+              <a:t>Binding - KVO</a:t>
             </a:r>
             <a:endParaRPr lang="en" dirty="0"/>
           </a:p>
@@ -6860,14 +7169,14 @@
       </p:pic>
       <p:sp>
         <p:nvSpPr>
-          <p:cNvPr id="6" name="TextBox 5"/>
+          <p:cNvPr id="9" name="TextBox 8"/>
           <p:cNvSpPr txBox="1"/>
           <p:nvPr/>
         </p:nvSpPr>
         <p:spPr>
           <a:xfrm>
-            <a:off x="272617" y="2466867"/>
-            <a:ext cx="8541258" cy="2492990"/>
+            <a:off x="1052178" y="1780650"/>
+            <a:ext cx="6235590" cy="2923877"/>
           </a:xfrm>
           <a:prstGeom prst="rect">
             <a:avLst/>
@@ -6881,368 +7190,346 @@
           <a:lstStyle/>
           <a:p>
             <a:r>
+              <a:rPr lang="en-US" sz="1200" dirty="0">
+                <a:latin typeface="Courier"/>
+                <a:cs typeface="Courier"/>
+              </a:rPr>
+              <a:t> @</a:t>
+            </a:r>
+            <a:r>
               <a:rPr lang="en-US" sz="1200" dirty="0" err="1">
                 <a:latin typeface="Courier"/>
                 <a:cs typeface="Courier"/>
               </a:rPr>
-              <a:t>func</a:t>
-            </a:r>
-            <a:r>
-              <a:rPr lang="en-US" sz="1200" dirty="0">
-                <a:latin typeface="Courier"/>
-                <a:cs typeface="Courier"/>
-              </a:rPr>
-              <a:t> &lt;-&gt; &lt;T&gt;(property: </a:t>
-            </a:r>
-            <a:r>
-              <a:rPr lang="en-US" sz="1200" b="1" dirty="0" err="1">
-                <a:latin typeface="Courier"/>
-                <a:cs typeface="Courier"/>
-              </a:rPr>
-              <a:t>ControlProperty</a:t>
-            </a:r>
-            <a:r>
-              <a:rPr lang="en-US" sz="1200" dirty="0">
-                <a:latin typeface="Courier"/>
-                <a:cs typeface="Courier"/>
-              </a:rPr>
-              <a:t>&lt;T&gt;, variable: </a:t>
+              <a:t>IBOutlet</a:t>
+            </a:r>
+            <a:r>
+              <a:rPr lang="en-US" sz="1200" dirty="0">
+                <a:latin typeface="Courier"/>
+                <a:cs typeface="Courier"/>
+              </a:rPr>
+              <a:t> weak </a:t>
             </a:r>
             <a:r>
               <a:rPr lang="en-US" sz="1200" dirty="0" err="1">
                 <a:latin typeface="Courier"/>
                 <a:cs typeface="Courier"/>
               </a:rPr>
-              <a:t>BehaviorRelay</a:t>
-            </a:r>
-            <a:r>
-              <a:rPr lang="en-US" sz="1200" dirty="0">
-                <a:latin typeface="Courier"/>
-                <a:cs typeface="Courier"/>
-              </a:rPr>
-              <a:t>&lt;T&gt;) -&gt; Disposable {</a:t>
-            </a:r>
-          </a:p>
-          <a:p>
-            <a:r>
-              <a:rPr lang="en-US" sz="1200" dirty="0">
-                <a:latin typeface="Courier"/>
-                <a:cs typeface="Courier"/>
-              </a:rPr>
-              <a:t>    </a:t>
-            </a:r>
-            <a:endParaRPr lang="mr-IN" sz="1200" dirty="0">
+              <a:t>var</a:t>
+            </a:r>
+            <a:r>
+              <a:rPr lang="en-US" sz="1200" dirty="0">
+                <a:latin typeface="Courier"/>
+                <a:cs typeface="Courier"/>
+              </a:rPr>
+              <a:t> </a:t>
+            </a:r>
+            <a:r>
+              <a:rPr lang="en-US" sz="1200" dirty="0" err="1">
+                <a:latin typeface="Courier"/>
+                <a:cs typeface="Courier"/>
+              </a:rPr>
+              <a:t>oneLabel</a:t>
+            </a:r>
+            <a:r>
+              <a:rPr lang="en-US" sz="1200" dirty="0">
+                <a:latin typeface="Courier"/>
+                <a:cs typeface="Courier"/>
+              </a:rPr>
+              <a:t>: </a:t>
+            </a:r>
+            <a:r>
+              <a:rPr lang="en-US" sz="1200" dirty="0" err="1">
+                <a:latin typeface="Courier"/>
+                <a:cs typeface="Courier"/>
+              </a:rPr>
+              <a:t>UILabel</a:t>
+            </a:r>
+            <a:r>
+              <a:rPr lang="en-US" sz="1200" dirty="0">
+                <a:latin typeface="Courier"/>
+                <a:cs typeface="Courier"/>
+              </a:rPr>
+              <a:t>!</a:t>
+            </a:r>
+          </a:p>
+          <a:p>
+            <a:r>
+              <a:rPr lang="en-US" sz="1200" dirty="0">
+                <a:latin typeface="Courier"/>
+                <a:cs typeface="Courier"/>
+              </a:rPr>
+              <a:t> </a:t>
+            </a:r>
+            <a:r>
+              <a:rPr lang="en-US" sz="1200" dirty="0" smtClean="0">
+                <a:latin typeface="Courier"/>
+                <a:cs typeface="Courier"/>
+              </a:rPr>
+              <a:t>@</a:t>
+            </a:r>
+            <a:r>
+              <a:rPr lang="en-US" sz="1200" dirty="0" err="1">
+                <a:latin typeface="Courier"/>
+                <a:cs typeface="Courier"/>
+              </a:rPr>
+              <a:t>IBOutlet</a:t>
+            </a:r>
+            <a:r>
+              <a:rPr lang="en-US" sz="1200" dirty="0">
+                <a:latin typeface="Courier"/>
+                <a:cs typeface="Courier"/>
+              </a:rPr>
+              <a:t> weak </a:t>
+            </a:r>
+            <a:r>
+              <a:rPr lang="en-US" sz="1200" dirty="0" err="1">
+                <a:latin typeface="Courier"/>
+                <a:cs typeface="Courier"/>
+              </a:rPr>
+              <a:t>var</a:t>
+            </a:r>
+            <a:r>
+              <a:rPr lang="en-US" sz="1200" dirty="0">
+                <a:latin typeface="Courier"/>
+                <a:cs typeface="Courier"/>
+              </a:rPr>
+              <a:t> </a:t>
+            </a:r>
+            <a:r>
+              <a:rPr lang="en-US" sz="1200" dirty="0" err="1">
+                <a:latin typeface="Courier"/>
+                <a:cs typeface="Courier"/>
+              </a:rPr>
+              <a:t>twoLabel</a:t>
+            </a:r>
+            <a:r>
+              <a:rPr lang="en-US" sz="1200" dirty="0">
+                <a:latin typeface="Courier"/>
+                <a:cs typeface="Courier"/>
+              </a:rPr>
+              <a:t>: </a:t>
+            </a:r>
+            <a:r>
+              <a:rPr lang="en-US" sz="1200" dirty="0" err="1">
+                <a:latin typeface="Courier"/>
+                <a:cs typeface="Courier"/>
+              </a:rPr>
+              <a:t>UILabel</a:t>
+            </a:r>
+            <a:r>
+              <a:rPr lang="en-US" sz="1200" dirty="0">
+                <a:latin typeface="Courier"/>
+                <a:cs typeface="Courier"/>
+              </a:rPr>
+              <a:t>!</a:t>
+            </a:r>
+          </a:p>
+          <a:p>
+            <a:r>
+              <a:rPr lang="en-US" sz="1200" dirty="0" smtClean="0">
+                <a:latin typeface="Courier"/>
+                <a:cs typeface="Courier"/>
+              </a:rPr>
+              <a:t> let </a:t>
+            </a:r>
+            <a:r>
+              <a:rPr lang="en-US" sz="1200" dirty="0" err="1">
+                <a:latin typeface="Courier"/>
+                <a:cs typeface="Courier"/>
+              </a:rPr>
+              <a:t>disposeBag</a:t>
+            </a:r>
+            <a:r>
+              <a:rPr lang="en-US" sz="1200" dirty="0">
+                <a:latin typeface="Courier"/>
+                <a:cs typeface="Courier"/>
+              </a:rPr>
+              <a:t> = </a:t>
+            </a:r>
+            <a:r>
+              <a:rPr lang="en-US" sz="1200" dirty="0" err="1">
+                <a:latin typeface="Courier"/>
+                <a:cs typeface="Courier"/>
+              </a:rPr>
+              <a:t>DisposeBag</a:t>
+            </a:r>
+            <a:r>
+              <a:rPr lang="en-US" sz="1200" dirty="0">
+                <a:latin typeface="Courier"/>
+                <a:cs typeface="Courier"/>
+              </a:rPr>
+              <a:t>()</a:t>
+            </a:r>
+            <a:endParaRPr lang="en-US" sz="1200" dirty="0" smtClean="0">
               <a:latin typeface="Courier"/>
               <a:cs typeface="Courier"/>
             </a:endParaRPr>
           </a:p>
           <a:p>
-            <a:r>
-              <a:rPr lang="en-US" sz="1200" dirty="0">
-                <a:latin typeface="Courier"/>
-                <a:cs typeface="Courier"/>
-              </a:rPr>
-              <a:t>    let </a:t>
-            </a:r>
-            <a:r>
-              <a:rPr lang="en-US" sz="1200" dirty="0" err="1">
-                <a:latin typeface="Courier"/>
-                <a:cs typeface="Courier"/>
-              </a:rPr>
-              <a:t>bindToUIDisposable</a:t>
-            </a:r>
-            <a:r>
-              <a:rPr lang="en-US" sz="1200" dirty="0">
-                <a:latin typeface="Courier"/>
-                <a:cs typeface="Courier"/>
-              </a:rPr>
-              <a:t> = </a:t>
-            </a:r>
-            <a:r>
-              <a:rPr lang="en-US" sz="1200" dirty="0" err="1">
-                <a:latin typeface="Courier"/>
-                <a:cs typeface="Courier"/>
-              </a:rPr>
-              <a:t>variable.asObservable</a:t>
-            </a:r>
-            <a:r>
-              <a:rPr lang="en-US" sz="1200" dirty="0">
-                <a:latin typeface="Courier"/>
-                <a:cs typeface="Courier"/>
-              </a:rPr>
-              <a:t>()</a:t>
-            </a:r>
-          </a:p>
-          <a:p>
-            <a:r>
-              <a:rPr lang="mr-IN" sz="1200" dirty="0">
-                <a:latin typeface="Courier"/>
-                <a:cs typeface="Courier"/>
-              </a:rPr>
-              <a:t>        .bind(to: property)</a:t>
-            </a:r>
-          </a:p>
-          <a:p>
-            <a:r>
-              <a:rPr lang="en-US" sz="1200" dirty="0">
-                <a:latin typeface="Courier"/>
-                <a:cs typeface="Courier"/>
-              </a:rPr>
-              <a:t>    let </a:t>
-            </a:r>
-            <a:r>
-              <a:rPr lang="en-US" sz="1200" dirty="0" err="1">
-                <a:latin typeface="Courier"/>
-                <a:cs typeface="Courier"/>
-              </a:rPr>
-              <a:t>bindToVariable</a:t>
-            </a:r>
-            <a:r>
-              <a:rPr lang="en-US" sz="1200" dirty="0">
-                <a:latin typeface="Courier"/>
-                <a:cs typeface="Courier"/>
-              </a:rPr>
-              <a:t> = property</a:t>
-            </a:r>
-          </a:p>
-          <a:p>
-            <a:r>
-              <a:rPr lang="en-US" sz="1200" dirty="0">
-                <a:latin typeface="Courier"/>
-                <a:cs typeface="Courier"/>
-              </a:rPr>
-              <a:t>        .subscribe(</a:t>
-            </a:r>
-            <a:r>
-              <a:rPr lang="en-US" sz="1200" dirty="0" err="1">
-                <a:latin typeface="Courier"/>
-                <a:cs typeface="Courier"/>
-              </a:rPr>
-              <a:t>onNext</a:t>
-            </a:r>
-            <a:r>
-              <a:rPr lang="en-US" sz="1200" dirty="0">
-                <a:latin typeface="Courier"/>
-                <a:cs typeface="Courier"/>
-              </a:rPr>
-              <a:t>: { n in</a:t>
-            </a:r>
-          </a:p>
-          <a:p>
-            <a:r>
-              <a:rPr lang="mr-IN" sz="1200" dirty="0">
-                <a:latin typeface="Courier"/>
-                <a:cs typeface="Courier"/>
-              </a:rPr>
-              <a:t>            variable.accept(n)</a:t>
-            </a:r>
-          </a:p>
-          <a:p>
-            <a:r>
-              <a:rPr lang="mr-IN" sz="1200" dirty="0">
-                <a:latin typeface="Courier"/>
-                <a:cs typeface="Courier"/>
-              </a:rPr>
-              <a:t>        }, onCompleted:  {</a:t>
-            </a:r>
-          </a:p>
-          <a:p>
-            <a:r>
-              <a:rPr lang="en-US" sz="1200" dirty="0">
-                <a:latin typeface="Courier"/>
-                <a:cs typeface="Courier"/>
-              </a:rPr>
-              <a:t>            </a:t>
-            </a:r>
-            <a:r>
-              <a:rPr lang="en-US" sz="1200" dirty="0" err="1">
-                <a:latin typeface="Courier"/>
-                <a:cs typeface="Courier"/>
-              </a:rPr>
-              <a:t>bindToUIDisposable.dispose</a:t>
-            </a:r>
-            <a:r>
-              <a:rPr lang="en-US" sz="1200" dirty="0">
-                <a:latin typeface="Courier"/>
-                <a:cs typeface="Courier"/>
-              </a:rPr>
-              <a:t>()</a:t>
-            </a:r>
-          </a:p>
-          <a:p>
-            <a:r>
-              <a:rPr lang="mr-IN" sz="1200" dirty="0">
-                <a:latin typeface="Courier"/>
-                <a:cs typeface="Courier"/>
-              </a:rPr>
-              <a:t>        })</a:t>
-            </a:r>
-          </a:p>
-          <a:p>
-            <a:endParaRPr lang="mr-IN" sz="1200" dirty="0">
+            <a:endParaRPr lang="en-US" sz="1200" dirty="0">
               <a:latin typeface="Courier"/>
               <a:cs typeface="Courier"/>
             </a:endParaRPr>
           </a:p>
           <a:p>
-            <a:r>
-              <a:rPr lang="en-US" sz="1200" dirty="0">
-                <a:latin typeface="Courier"/>
-                <a:cs typeface="Courier"/>
-              </a:rPr>
-              <a:t>    return </a:t>
-            </a:r>
-            <a:r>
-              <a:rPr lang="en-US" sz="1200" dirty="0" err="1">
-                <a:latin typeface="Courier"/>
-                <a:cs typeface="Courier"/>
-              </a:rPr>
-              <a:t>Disposables.create</a:t>
-            </a:r>
-            <a:r>
-              <a:rPr lang="en-US" sz="1200" dirty="0">
-                <a:latin typeface="Courier"/>
-                <a:cs typeface="Courier"/>
-              </a:rPr>
-              <a:t>(</a:t>
-            </a:r>
-            <a:r>
-              <a:rPr lang="en-US" sz="1200" dirty="0" err="1">
-                <a:latin typeface="Courier"/>
-                <a:cs typeface="Courier"/>
-              </a:rPr>
-              <a:t>bindToUIDisposable</a:t>
-            </a:r>
-            <a:r>
-              <a:rPr lang="en-US" sz="1200" dirty="0">
-                <a:latin typeface="Courier"/>
-                <a:cs typeface="Courier"/>
-              </a:rPr>
-              <a:t>, </a:t>
-            </a:r>
-            <a:r>
-              <a:rPr lang="en-US" sz="1200" dirty="0" err="1">
-                <a:latin typeface="Courier"/>
-                <a:cs typeface="Courier"/>
-              </a:rPr>
-              <a:t>bindToVariable</a:t>
-            </a:r>
-            <a:r>
-              <a:rPr lang="en-US" sz="1200" dirty="0">
-                <a:latin typeface="Courier"/>
-                <a:cs typeface="Courier"/>
-              </a:rPr>
-              <a:t>)</a:t>
-            </a:r>
-          </a:p>
-          <a:p>
-            <a:r>
-              <a:rPr lang="en-US" sz="1200" dirty="0">
-                <a:latin typeface="Courier"/>
-                <a:cs typeface="Courier"/>
-              </a:rPr>
-              <a:t>}</a:t>
-            </a:r>
-            <a:endParaRPr lang="en-US" sz="1200" b="1" dirty="0" smtClean="0">
+            <a:endParaRPr lang="en-US" sz="1200" dirty="0" smtClean="0">
               <a:latin typeface="Courier"/>
               <a:cs typeface="Courier"/>
             </a:endParaRPr>
           </a:p>
-        </p:txBody>
-      </p:sp>
-      <p:sp>
-        <p:nvSpPr>
-          <p:cNvPr id="7" name="TextBox 6"/>
-          <p:cNvSpPr txBox="1"/>
-          <p:nvPr/>
-        </p:nvSpPr>
-        <p:spPr>
-          <a:xfrm>
-            <a:off x="272617" y="1410200"/>
-            <a:ext cx="8244303" cy="738664"/>
-          </a:xfrm>
-          <a:prstGeom prst="rect">
-            <a:avLst/>
-          </a:prstGeom>
-          <a:noFill/>
-        </p:spPr>
-        <p:txBody>
-          <a:bodyPr wrap="square" rtlCol="0">
-            <a:spAutoFit/>
-          </a:bodyPr>
-          <a:lstStyle/>
-          <a:p>
-            <a:r>
-              <a:rPr lang="en-US" b="1" dirty="0" smtClean="0">
-                <a:latin typeface="Courier"/>
-                <a:cs typeface="Courier"/>
-              </a:rPr>
-              <a:t>Custom Implementation</a:t>
-            </a:r>
-          </a:p>
-          <a:p>
-            <a:endParaRPr lang="en-US" b="1" dirty="0" smtClean="0">
-              <a:latin typeface="Courier"/>
-              <a:cs typeface="Courier"/>
-            </a:endParaRPr>
-          </a:p>
-          <a:p>
-            <a:r>
-              <a:rPr lang="en-US" b="1" dirty="0"/>
-              <a:t>https://</a:t>
-            </a:r>
-            <a:r>
-              <a:rPr lang="en-US" b="1" dirty="0" err="1"/>
-              <a:t>github.com</a:t>
-            </a:r>
-            <a:r>
-              <a:rPr lang="en-US" b="1" dirty="0"/>
-              <a:t>/</a:t>
-            </a:r>
-            <a:r>
-              <a:rPr lang="en-US" b="1" dirty="0" err="1"/>
-              <a:t>ReactiveX</a:t>
-            </a:r>
-            <a:r>
-              <a:rPr lang="en-US" b="1" dirty="0"/>
-              <a:t>/</a:t>
-            </a:r>
-            <a:r>
-              <a:rPr lang="en-US" b="1" dirty="0" err="1"/>
-              <a:t>RxSwift</a:t>
-            </a:r>
-            <a:r>
-              <a:rPr lang="en-US" b="1" dirty="0"/>
-              <a:t>/blob/master/</a:t>
-            </a:r>
-            <a:r>
-              <a:rPr lang="en-US" b="1" dirty="0" err="1"/>
-              <a:t>RxExample</a:t>
-            </a:r>
-            <a:r>
-              <a:rPr lang="en-US" b="1" dirty="0"/>
-              <a:t>/</a:t>
-            </a:r>
-            <a:r>
-              <a:rPr lang="en-US" b="1" dirty="0" err="1"/>
-              <a:t>RxExample</a:t>
-            </a:r>
-            <a:r>
-              <a:rPr lang="en-US" b="1" dirty="0"/>
-              <a:t>/</a:t>
-            </a:r>
-            <a:r>
-              <a:rPr lang="en-US" b="1" dirty="0" err="1"/>
-              <a:t>Operators.swift</a:t>
-            </a:r>
-            <a:endParaRPr lang="en-US" b="1" dirty="0" smtClean="0"/>
+          <a:p>
+            <a:r>
+              <a:rPr lang="en-US" sz="1200" dirty="0">
+                <a:latin typeface="Courier"/>
+                <a:cs typeface="Courier"/>
+              </a:rPr>
+              <a:t> </a:t>
+            </a:r>
+            <a:r>
+              <a:rPr lang="en-US" sz="1200" dirty="0" err="1">
+                <a:latin typeface="Courier"/>
+                <a:cs typeface="Courier"/>
+              </a:rPr>
+              <a:t>oneLabel.rx.observe</a:t>
+            </a:r>
+            <a:r>
+              <a:rPr lang="en-US" sz="1200" dirty="0">
+                <a:latin typeface="Courier"/>
+                <a:cs typeface="Courier"/>
+              </a:rPr>
+              <a:t>(</a:t>
+            </a:r>
+            <a:r>
+              <a:rPr lang="en-US" sz="1200" dirty="0" err="1">
+                <a:latin typeface="Courier"/>
+                <a:cs typeface="Courier"/>
+              </a:rPr>
+              <a:t>Bool.self</a:t>
+            </a:r>
+            <a:r>
+              <a:rPr lang="en-US" sz="1200" dirty="0">
+                <a:latin typeface="Courier"/>
+                <a:cs typeface="Courier"/>
+              </a:rPr>
+              <a:t>, "hidden")</a:t>
+            </a:r>
+          </a:p>
+          <a:p>
+            <a:r>
+              <a:rPr lang="mr-IN" sz="1200" dirty="0">
+                <a:latin typeface="Courier"/>
+                <a:cs typeface="Courier"/>
+              </a:rPr>
+              <a:t>            .map { //unwrapping</a:t>
+            </a:r>
+          </a:p>
+          <a:p>
+            <a:r>
+              <a:rPr lang="mr-IN" sz="1200" dirty="0">
+                <a:latin typeface="Courier"/>
+                <a:cs typeface="Courier"/>
+              </a:rPr>
+              <a:t>                if let hidden = $0 {</a:t>
+            </a:r>
+          </a:p>
+          <a:p>
+            <a:r>
+              <a:rPr lang="mr-IN" sz="1200" dirty="0">
+                <a:latin typeface="Courier"/>
+                <a:cs typeface="Courier"/>
+              </a:rPr>
+              <a:t>                    return hidden</a:t>
+            </a:r>
+          </a:p>
+          <a:p>
+            <a:r>
+              <a:rPr lang="mr-IN" sz="1200" dirty="0">
+                <a:latin typeface="Courier"/>
+                <a:cs typeface="Courier"/>
+              </a:rPr>
+              <a:t>                } else {</a:t>
+            </a:r>
+          </a:p>
+          <a:p>
+            <a:r>
+              <a:rPr lang="mr-IN" sz="1200" dirty="0">
+                <a:latin typeface="Courier"/>
+                <a:cs typeface="Courier"/>
+              </a:rPr>
+              <a:t>                    return false</a:t>
+            </a:r>
+          </a:p>
+          <a:p>
+            <a:r>
+              <a:rPr lang="mr-IN" sz="1200" dirty="0">
+                <a:latin typeface="Courier"/>
+                <a:cs typeface="Courier"/>
+              </a:rPr>
+              <a:t>                }</a:t>
+            </a:r>
+          </a:p>
+          <a:p>
+            <a:r>
+              <a:rPr lang="mr-IN" sz="1200" dirty="0">
+                <a:latin typeface="Courier"/>
+                <a:cs typeface="Courier"/>
+              </a:rPr>
+              <a:t>            }</a:t>
+            </a:r>
+          </a:p>
+          <a:p>
+            <a:r>
+              <a:rPr lang="en-US" sz="1200" dirty="0">
+                <a:latin typeface="Courier"/>
+                <a:cs typeface="Courier"/>
+              </a:rPr>
+              <a:t>            .bind(to: </a:t>
+            </a:r>
+            <a:r>
+              <a:rPr lang="en-US" sz="1200" dirty="0" err="1">
+                <a:latin typeface="Courier"/>
+                <a:cs typeface="Courier"/>
+              </a:rPr>
+              <a:t>self.twoLabel.rx.isHidden</a:t>
+            </a:r>
+            <a:r>
+              <a:rPr lang="en-US" sz="1200" dirty="0">
+                <a:latin typeface="Courier"/>
+                <a:cs typeface="Courier"/>
+              </a:rPr>
+              <a:t>)</a:t>
+            </a:r>
+          </a:p>
+          <a:p>
+            <a:r>
+              <a:rPr lang="en-US" sz="1200" dirty="0">
+                <a:latin typeface="Courier"/>
+                <a:cs typeface="Courier"/>
+              </a:rPr>
+              <a:t>            .disposed(by: </a:t>
+            </a:r>
+            <a:r>
+              <a:rPr lang="en-US" sz="1200" dirty="0" err="1">
+                <a:latin typeface="Courier"/>
+                <a:cs typeface="Courier"/>
+              </a:rPr>
+              <a:t>disposeBag</a:t>
+            </a:r>
+            <a:r>
+              <a:rPr lang="en-US" sz="1200" dirty="0">
+                <a:latin typeface="Courier"/>
+                <a:cs typeface="Courier"/>
+              </a:rPr>
+              <a:t>)</a:t>
+            </a:r>
           </a:p>
         </p:txBody>
       </p:sp>
     </p:spTree>
     <p:extLst>
       <p:ext uri="{BB962C8B-B14F-4D97-AF65-F5344CB8AC3E}">
-        <p14:creationId xmlns:p14="http://schemas.microsoft.com/office/powerpoint/2010/main" val="1057682120"/>
+        <p14:creationId xmlns:p14="http://schemas.microsoft.com/office/powerpoint/2010/main" val="1897413152"/>
       </p:ext>
     </p:extLst>
   </p:cSld>
@@ -7309,11 +7596,7 @@
             </a:pPr>
             <a:r>
               <a:rPr lang="en-US" dirty="0" smtClean="0"/>
-              <a:t>2 Way </a:t>
-            </a:r>
-            <a:r>
-              <a:rPr lang="en-US" dirty="0" smtClean="0"/>
-              <a:t>Bindings</a:t>
+              <a:t>KVO</a:t>
             </a:r>
             <a:endParaRPr lang="en" dirty="0"/>
           </a:p>
@@ -7390,14 +7673,14 @@
       </p:pic>
       <p:sp>
         <p:nvSpPr>
-          <p:cNvPr id="6" name="TextBox 5"/>
+          <p:cNvPr id="9" name="TextBox 8"/>
           <p:cNvSpPr txBox="1"/>
           <p:nvPr/>
         </p:nvSpPr>
         <p:spPr>
           <a:xfrm>
-            <a:off x="272617" y="1739498"/>
-            <a:ext cx="8541258" cy="2308324"/>
+            <a:off x="670994" y="1911847"/>
+            <a:ext cx="6235590" cy="3231653"/>
           </a:xfrm>
           <a:prstGeom prst="rect">
             <a:avLst/>
@@ -7415,246 +7698,30 @@
                 <a:latin typeface="Courier"/>
                 <a:cs typeface="Courier"/>
               </a:rPr>
-              <a:t>@</a:t>
+              <a:t>Key-Value Observing</a:t>
+            </a:r>
+          </a:p>
+          <a:p>
+            <a:r>
+              <a:rPr lang="en-US" sz="1200" dirty="0">
+                <a:latin typeface="Courier"/>
+                <a:cs typeface="Courier"/>
+              </a:rPr>
+              <a:t>Key-value observing is a mechanism that allows objects to be notified of changes to specified properties of other objects. You can use key-value observing with a Swift class, as long as the class inherits from the </a:t>
             </a:r>
             <a:r>
               <a:rPr lang="en-US" sz="1200" dirty="0" err="1">
                 <a:latin typeface="Courier"/>
                 <a:cs typeface="Courier"/>
               </a:rPr>
-              <a:t>IBOutlet</a:t>
-            </a:r>
-            <a:r>
-              <a:rPr lang="en-US" sz="1200" dirty="0">
-                <a:latin typeface="Courier"/>
-                <a:cs typeface="Courier"/>
-              </a:rPr>
-              <a:t> weak </a:t>
-            </a:r>
-            <a:r>
-              <a:rPr lang="en-US" sz="1200" dirty="0" err="1">
-                <a:latin typeface="Courier"/>
-                <a:cs typeface="Courier"/>
-              </a:rPr>
-              <a:t>var</a:t>
-            </a:r>
-            <a:r>
-              <a:rPr lang="en-US" sz="1200" dirty="0">
-                <a:latin typeface="Courier"/>
-                <a:cs typeface="Courier"/>
-              </a:rPr>
-              <a:t> </a:t>
-            </a:r>
-            <a:r>
-              <a:rPr lang="en-US" sz="1200" dirty="0" err="1">
-                <a:latin typeface="Courier"/>
-                <a:cs typeface="Courier"/>
-              </a:rPr>
-              <a:t>textField</a:t>
-            </a:r>
-            <a:r>
-              <a:rPr lang="en-US" sz="1200" dirty="0">
-                <a:latin typeface="Courier"/>
-                <a:cs typeface="Courier"/>
-              </a:rPr>
-              <a:t>: </a:t>
-            </a:r>
-            <a:r>
-              <a:rPr lang="en-US" sz="1200" dirty="0" err="1">
-                <a:latin typeface="Courier"/>
-                <a:cs typeface="Courier"/>
-              </a:rPr>
-              <a:t>UITextField</a:t>
-            </a:r>
-            <a:r>
-              <a:rPr lang="en-US" sz="1200" dirty="0">
-                <a:latin typeface="Courier"/>
-                <a:cs typeface="Courier"/>
-              </a:rPr>
-              <a:t>!</a:t>
-            </a:r>
-          </a:p>
-          <a:p>
-            <a:r>
-              <a:rPr lang="en-US" sz="1200" dirty="0" smtClean="0">
-                <a:latin typeface="Courier"/>
-                <a:cs typeface="Courier"/>
-              </a:rPr>
-              <a:t>let </a:t>
-            </a:r>
-            <a:r>
-              <a:rPr lang="en-US" sz="1200" dirty="0" err="1">
-                <a:latin typeface="Courier"/>
-                <a:cs typeface="Courier"/>
-              </a:rPr>
-              <a:t>textValue</a:t>
-            </a:r>
-            <a:r>
-              <a:rPr lang="en-US" sz="1200" dirty="0">
-                <a:latin typeface="Courier"/>
-                <a:cs typeface="Courier"/>
-              </a:rPr>
-              <a:t> = </a:t>
-            </a:r>
-            <a:r>
-              <a:rPr lang="en-US" sz="1200" dirty="0" err="1">
-                <a:latin typeface="Courier"/>
-                <a:cs typeface="Courier"/>
-              </a:rPr>
-              <a:t>BehaviorRelay</a:t>
-            </a:r>
-            <a:r>
-              <a:rPr lang="en-US" sz="1200" dirty="0">
-                <a:latin typeface="Courier"/>
-                <a:cs typeface="Courier"/>
-              </a:rPr>
-              <a:t>(value: "")</a:t>
-            </a:r>
-          </a:p>
-          <a:p>
-            <a:r>
-              <a:rPr lang="en-US" sz="1200" dirty="0" err="1" smtClean="0">
-                <a:latin typeface="Courier"/>
-                <a:cs typeface="Courier"/>
-              </a:rPr>
-              <a:t>var</a:t>
-            </a:r>
-            <a:r>
-              <a:rPr lang="en-US" sz="1200" dirty="0" smtClean="0">
-                <a:latin typeface="Courier"/>
-                <a:cs typeface="Courier"/>
-              </a:rPr>
-              <a:t> </a:t>
-            </a:r>
-            <a:r>
-              <a:rPr lang="en-US" sz="1200" dirty="0" err="1">
-                <a:latin typeface="Courier"/>
-                <a:cs typeface="Courier"/>
-              </a:rPr>
-              <a:t>disposeBag</a:t>
-            </a:r>
-            <a:r>
-              <a:rPr lang="en-US" sz="1200" dirty="0">
-                <a:latin typeface="Courier"/>
-                <a:cs typeface="Courier"/>
-              </a:rPr>
-              <a:t> = </a:t>
-            </a:r>
-            <a:r>
-              <a:rPr lang="en-US" sz="1200" dirty="0" err="1">
-                <a:latin typeface="Courier"/>
-                <a:cs typeface="Courier"/>
-              </a:rPr>
-              <a:t>DisposeBag</a:t>
-            </a:r>
-            <a:r>
-              <a:rPr lang="en-US" sz="1200" dirty="0">
-                <a:latin typeface="Courier"/>
-                <a:cs typeface="Courier"/>
-              </a:rPr>
-              <a:t>()</a:t>
-            </a:r>
-          </a:p>
-          <a:p>
-            <a:r>
-              <a:rPr lang="mr-IN" sz="1200" dirty="0">
-                <a:latin typeface="Courier"/>
-                <a:cs typeface="Courier"/>
-              </a:rPr>
-              <a:t>    </a:t>
-            </a:r>
-            <a:endParaRPr lang="en-US" sz="1200" dirty="0" smtClean="0">
-              <a:latin typeface="Courier"/>
-              <a:cs typeface="Courier"/>
-            </a:endParaRPr>
-          </a:p>
-          <a:p>
-            <a:endParaRPr lang="mr-IN" sz="1200" dirty="0">
-              <a:latin typeface="Courier"/>
-              <a:cs typeface="Courier"/>
-            </a:endParaRPr>
-          </a:p>
-          <a:p>
-            <a:r>
-              <a:rPr lang="en-US" sz="1200" dirty="0" smtClean="0">
-                <a:latin typeface="Courier"/>
-                <a:cs typeface="Courier"/>
-              </a:rPr>
-              <a:t>override </a:t>
-            </a:r>
-            <a:r>
-              <a:rPr lang="en-US" sz="1200" dirty="0" err="1">
-                <a:latin typeface="Courier"/>
-                <a:cs typeface="Courier"/>
-              </a:rPr>
-              <a:t>func</a:t>
-            </a:r>
-            <a:r>
-              <a:rPr lang="en-US" sz="1200" dirty="0">
-                <a:latin typeface="Courier"/>
-                <a:cs typeface="Courier"/>
-              </a:rPr>
-              <a:t> </a:t>
-            </a:r>
-            <a:r>
-              <a:rPr lang="en-US" sz="1200" dirty="0" err="1">
-                <a:latin typeface="Courier"/>
-                <a:cs typeface="Courier"/>
-              </a:rPr>
-              <a:t>awakeFromNib</a:t>
-            </a:r>
-            <a:r>
-              <a:rPr lang="en-US" sz="1200" dirty="0">
-                <a:latin typeface="Courier"/>
-                <a:cs typeface="Courier"/>
-              </a:rPr>
-              <a:t>() {</a:t>
-            </a:r>
-          </a:p>
-          <a:p>
-            <a:r>
-              <a:rPr lang="en-US" sz="1200" dirty="0">
-                <a:latin typeface="Courier"/>
-                <a:cs typeface="Courier"/>
-              </a:rPr>
-              <a:t>   </a:t>
-            </a:r>
-            <a:r>
-              <a:rPr lang="en-US" sz="1200" dirty="0" err="1" smtClean="0">
-                <a:latin typeface="Courier"/>
-                <a:cs typeface="Courier"/>
-              </a:rPr>
-              <a:t>super.awakeFromNib</a:t>
-            </a:r>
-            <a:r>
-              <a:rPr lang="en-US" sz="1200" dirty="0">
-                <a:latin typeface="Courier"/>
-                <a:cs typeface="Courier"/>
-              </a:rPr>
-              <a:t>()</a:t>
-            </a:r>
-          </a:p>
-          <a:p>
-            <a:r>
-              <a:rPr lang="en-US" sz="1200" dirty="0">
-                <a:latin typeface="Courier"/>
-                <a:cs typeface="Courier"/>
-              </a:rPr>
-              <a:t>   </a:t>
-            </a:r>
-            <a:r>
-              <a:rPr lang="en-US" sz="1200" dirty="0" smtClean="0">
-                <a:latin typeface="Courier"/>
-                <a:cs typeface="Courier"/>
-              </a:rPr>
-              <a:t>/</a:t>
-            </a:r>
-            <a:r>
-              <a:rPr lang="en-US" sz="1200" dirty="0">
-                <a:latin typeface="Courier"/>
-                <a:cs typeface="Courier"/>
-              </a:rPr>
-              <a:t>/ Initialization code</a:t>
+              <a:t>NSObject</a:t>
+            </a:r>
+            <a:r>
+              <a:rPr lang="en-US" sz="1200" dirty="0">
+                <a:latin typeface="Courier"/>
+                <a:cs typeface="Courier"/>
+              </a:rPr>
+              <a:t> class. You can use these two steps to implement key-value observing in Swift.</a:t>
             </a:r>
           </a:p>
           <a:p>
@@ -7665,132 +7732,291 @@
           </a:p>
           <a:p>
             <a:r>
-              <a:rPr lang="en-US" sz="1200" b="1" dirty="0">
-                <a:latin typeface="Courier"/>
-                <a:cs typeface="Courier"/>
-              </a:rPr>
-              <a:t>   </a:t>
-            </a:r>
-            <a:r>
-              <a:rPr lang="en-US" sz="1200" b="1" dirty="0" smtClean="0">
-                <a:latin typeface="Courier"/>
-                <a:cs typeface="Courier"/>
-              </a:rPr>
-              <a:t>let </a:t>
-            </a:r>
-            <a:r>
-              <a:rPr lang="en-US" sz="1200" b="1" dirty="0" err="1">
-                <a:latin typeface="Courier"/>
-                <a:cs typeface="Courier"/>
-              </a:rPr>
-              <a:t>textDisposable</a:t>
-            </a:r>
-            <a:r>
-              <a:rPr lang="en-US" sz="1200" b="1" dirty="0">
-                <a:latin typeface="Courier"/>
-                <a:cs typeface="Courier"/>
-              </a:rPr>
-              <a:t> = </a:t>
-            </a:r>
-            <a:r>
-              <a:rPr lang="en-US" sz="1200" b="1" dirty="0" err="1">
-                <a:latin typeface="Courier"/>
-                <a:cs typeface="Courier"/>
-              </a:rPr>
-              <a:t>textField.rx.textInput</a:t>
-            </a:r>
-            <a:r>
-              <a:rPr lang="en-US" sz="1200" b="1" dirty="0">
-                <a:latin typeface="Courier"/>
-                <a:cs typeface="Courier"/>
-              </a:rPr>
-              <a:t> </a:t>
-            </a:r>
-            <a:r>
-              <a:rPr lang="en-US" sz="1200" b="1" dirty="0">
-                <a:solidFill>
-                  <a:schemeClr val="tx1"/>
-                </a:solidFill>
-                <a:latin typeface="Courier"/>
-                <a:cs typeface="Courier"/>
-              </a:rPr>
-              <a:t>&lt;-&gt;</a:t>
-            </a:r>
-            <a:r>
-              <a:rPr lang="en-US" sz="1200" b="1" dirty="0">
-                <a:latin typeface="Courier"/>
-                <a:cs typeface="Courier"/>
-              </a:rPr>
-              <a:t> </a:t>
-            </a:r>
-            <a:r>
-              <a:rPr lang="en-US" sz="1200" b="1" dirty="0" err="1">
-                <a:latin typeface="Courier"/>
-                <a:cs typeface="Courier"/>
-              </a:rPr>
-              <a:t>textValue</a:t>
-            </a:r>
-            <a:endParaRPr lang="en-US" sz="1200" b="1" dirty="0">
+              <a:rPr lang="en-US" sz="1200" dirty="0">
+                <a:latin typeface="Courier"/>
+                <a:cs typeface="Courier"/>
+              </a:rPr>
+              <a:t>Add the dynamic modifier and @</a:t>
+            </a:r>
+            <a:r>
+              <a:rPr lang="en-US" sz="1200" dirty="0" err="1">
+                <a:latin typeface="Courier"/>
+                <a:cs typeface="Courier"/>
+              </a:rPr>
+              <a:t>objc</a:t>
+            </a:r>
+            <a:r>
+              <a:rPr lang="en-US" sz="1200" dirty="0">
+                <a:latin typeface="Courier"/>
+                <a:cs typeface="Courier"/>
+              </a:rPr>
+              <a:t> attribute to any property you want to observe. For more information on dynamic, see Requiring Dynamic Dispatch.</a:t>
+            </a:r>
+          </a:p>
+          <a:p>
+            <a:endParaRPr lang="en-US" sz="1200" dirty="0">
               <a:latin typeface="Courier"/>
               <a:cs typeface="Courier"/>
             </a:endParaRPr>
           </a:p>
           <a:p>
             <a:r>
+              <a:rPr lang="en-US" sz="1200" dirty="0">
+                <a:latin typeface="Courier"/>
+                <a:cs typeface="Courier"/>
+              </a:rPr>
+              <a:t>class </a:t>
+            </a:r>
+            <a:r>
+              <a:rPr lang="en-US" sz="1200" dirty="0" err="1">
+                <a:latin typeface="Courier"/>
+                <a:cs typeface="Courier"/>
+              </a:rPr>
+              <a:t>MyObjectToObserve</a:t>
+            </a:r>
+            <a:r>
+              <a:rPr lang="en-US" sz="1200" dirty="0">
+                <a:latin typeface="Courier"/>
+                <a:cs typeface="Courier"/>
+              </a:rPr>
+              <a:t>: </a:t>
+            </a:r>
+            <a:r>
+              <a:rPr lang="en-US" sz="1200" dirty="0" err="1">
+                <a:latin typeface="Courier"/>
+                <a:cs typeface="Courier"/>
+              </a:rPr>
+              <a:t>NSObject</a:t>
+            </a:r>
+            <a:r>
+              <a:rPr lang="en-US" sz="1200" dirty="0">
+                <a:latin typeface="Courier"/>
+                <a:cs typeface="Courier"/>
+              </a:rPr>
+              <a:t> {</a:t>
+            </a:r>
+          </a:p>
+          <a:p>
+            <a:r>
+              <a:rPr lang="en-US" sz="1200" dirty="0">
+                <a:latin typeface="Courier"/>
+                <a:cs typeface="Courier"/>
+              </a:rPr>
+              <a:t>    @</a:t>
+            </a:r>
+            <a:r>
+              <a:rPr lang="en-US" sz="1200" dirty="0" err="1">
+                <a:latin typeface="Courier"/>
+                <a:cs typeface="Courier"/>
+              </a:rPr>
+              <a:t>objc</a:t>
+            </a:r>
+            <a:r>
+              <a:rPr lang="en-US" sz="1200" dirty="0">
+                <a:latin typeface="Courier"/>
+                <a:cs typeface="Courier"/>
+              </a:rPr>
+              <a:t> dynamic </a:t>
+            </a:r>
+            <a:r>
+              <a:rPr lang="en-US" sz="1200" dirty="0" err="1">
+                <a:latin typeface="Courier"/>
+                <a:cs typeface="Courier"/>
+              </a:rPr>
+              <a:t>var</a:t>
+            </a:r>
+            <a:r>
+              <a:rPr lang="en-US" sz="1200" dirty="0">
+                <a:latin typeface="Courier"/>
+                <a:cs typeface="Courier"/>
+              </a:rPr>
+              <a:t> </a:t>
+            </a:r>
+            <a:r>
+              <a:rPr lang="en-US" sz="1200" dirty="0" err="1">
+                <a:latin typeface="Courier"/>
+                <a:cs typeface="Courier"/>
+              </a:rPr>
+              <a:t>myDate</a:t>
+            </a:r>
+            <a:r>
+              <a:rPr lang="en-US" sz="1200" dirty="0">
+                <a:latin typeface="Courier"/>
+                <a:cs typeface="Courier"/>
+              </a:rPr>
+              <a:t> = </a:t>
+            </a:r>
+            <a:r>
+              <a:rPr lang="en-US" sz="1200" dirty="0" err="1">
+                <a:latin typeface="Courier"/>
+                <a:cs typeface="Courier"/>
+              </a:rPr>
+              <a:t>NSDate</a:t>
+            </a:r>
+            <a:r>
+              <a:rPr lang="en-US" sz="1200" dirty="0">
+                <a:latin typeface="Courier"/>
+                <a:cs typeface="Courier"/>
+              </a:rPr>
+              <a:t>()</a:t>
+            </a:r>
+          </a:p>
+          <a:p>
+            <a:r>
+              <a:rPr lang="en-US" sz="1200" dirty="0">
+                <a:latin typeface="Courier"/>
+                <a:cs typeface="Courier"/>
+              </a:rPr>
+              <a:t>    </a:t>
+            </a:r>
+            <a:r>
+              <a:rPr lang="en-US" sz="1200" dirty="0" err="1">
+                <a:latin typeface="Courier"/>
+                <a:cs typeface="Courier"/>
+              </a:rPr>
+              <a:t>func</a:t>
+            </a:r>
+            <a:r>
+              <a:rPr lang="en-US" sz="1200" dirty="0">
+                <a:latin typeface="Courier"/>
+                <a:cs typeface="Courier"/>
+              </a:rPr>
+              <a:t> </a:t>
+            </a:r>
+            <a:r>
+              <a:rPr lang="en-US" sz="1200" dirty="0" err="1">
+                <a:latin typeface="Courier"/>
+                <a:cs typeface="Courier"/>
+              </a:rPr>
+              <a:t>updateDate</a:t>
+            </a:r>
+            <a:r>
+              <a:rPr lang="en-US" sz="1200" dirty="0">
+                <a:latin typeface="Courier"/>
+                <a:cs typeface="Courier"/>
+              </a:rPr>
+              <a:t>() {</a:t>
+            </a:r>
+          </a:p>
+          <a:p>
+            <a:r>
+              <a:rPr lang="en-US" sz="1200" dirty="0">
+                <a:latin typeface="Courier"/>
+                <a:cs typeface="Courier"/>
+              </a:rPr>
+              <a:t>        </a:t>
+            </a:r>
+            <a:r>
+              <a:rPr lang="en-US" sz="1200" dirty="0" err="1">
+                <a:latin typeface="Courier"/>
+                <a:cs typeface="Courier"/>
+              </a:rPr>
+              <a:t>myDate</a:t>
+            </a:r>
+            <a:r>
+              <a:rPr lang="en-US" sz="1200" dirty="0">
+                <a:latin typeface="Courier"/>
+                <a:cs typeface="Courier"/>
+              </a:rPr>
+              <a:t> = </a:t>
+            </a:r>
+            <a:r>
+              <a:rPr lang="en-US" sz="1200" dirty="0" err="1">
+                <a:latin typeface="Courier"/>
+                <a:cs typeface="Courier"/>
+              </a:rPr>
+              <a:t>NSDate</a:t>
+            </a:r>
+            <a:r>
+              <a:rPr lang="en-US" sz="1200" dirty="0">
+                <a:latin typeface="Courier"/>
+                <a:cs typeface="Courier"/>
+              </a:rPr>
+              <a:t>()</a:t>
+            </a:r>
+          </a:p>
+          <a:p>
+            <a:r>
+              <a:rPr lang="en-US" sz="1200" dirty="0">
+                <a:latin typeface="Courier"/>
+                <a:cs typeface="Courier"/>
+              </a:rPr>
+              <a:t>    }</a:t>
+            </a:r>
+          </a:p>
+          <a:p>
+            <a:r>
+              <a:rPr lang="en-US" sz="1200" dirty="0">
+                <a:latin typeface="Courier"/>
+                <a:cs typeface="Courier"/>
+              </a:rPr>
+              <a:t>}</a:t>
+            </a:r>
+          </a:p>
+        </p:txBody>
+      </p:sp>
+      <p:sp>
+        <p:nvSpPr>
+          <p:cNvPr id="3" name="TextBox 2"/>
+          <p:cNvSpPr txBox="1"/>
+          <p:nvPr/>
+        </p:nvSpPr>
+        <p:spPr>
+          <a:xfrm>
+            <a:off x="320463" y="1387018"/>
+            <a:ext cx="7547033" cy="461665"/>
+          </a:xfrm>
+          <a:prstGeom prst="rect">
+            <a:avLst/>
+          </a:prstGeom>
+          <a:noFill/>
+        </p:spPr>
+        <p:txBody>
+          <a:bodyPr wrap="none" rtlCol="0">
+            <a:spAutoFit/>
+          </a:bodyPr>
+          <a:lstStyle/>
+          <a:p>
+            <a:r>
               <a:rPr lang="en-US" sz="1200" b="1" dirty="0">
-                <a:latin typeface="Courier"/>
-                <a:cs typeface="Courier"/>
-              </a:rPr>
-              <a:t>   </a:t>
-            </a:r>
-            <a:r>
-              <a:rPr lang="en-US" sz="1200" b="1" dirty="0" err="1" smtClean="0">
-                <a:latin typeface="Courier"/>
-                <a:cs typeface="Courier"/>
-              </a:rPr>
-              <a:t>textDisposable.disposed</a:t>
+                <a:hlinkClick r:id="rId4"/>
+              </a:rPr>
+              <a:t>https://developer.apple.com/library/content/documentation/Swift</a:t>
+            </a:r>
+            <a:r>
+              <a:rPr lang="en-US" sz="1200" b="1" dirty="0" smtClean="0">
+                <a:hlinkClick r:id="rId4"/>
+              </a:rPr>
+              <a:t>/Conceptual/</a:t>
+            </a:r>
+          </a:p>
+          <a:p>
+            <a:r>
+              <a:rPr lang="en-US" sz="1200" b="1" dirty="0" smtClean="0">
+                <a:hlinkClick r:id="rId4"/>
+              </a:rPr>
+              <a:t>BuildingCocoaApps</a:t>
             </a:r>
             <a:r>
               <a:rPr lang="en-US" sz="1200" b="1" dirty="0">
-                <a:latin typeface="Courier"/>
-                <a:cs typeface="Courier"/>
-              </a:rPr>
-              <a:t>(by: </a:t>
-            </a:r>
-            <a:r>
-              <a:rPr lang="en-US" sz="1200" b="1" dirty="0" err="1">
-                <a:latin typeface="Courier"/>
-                <a:cs typeface="Courier"/>
-              </a:rPr>
-              <a:t>self.disposeBag</a:t>
-            </a:r>
-            <a:r>
-              <a:rPr lang="en-US" sz="1200" b="1" dirty="0">
-                <a:latin typeface="Courier"/>
-                <a:cs typeface="Courier"/>
-              </a:rPr>
-              <a:t>)</a:t>
-            </a:r>
-          </a:p>
-          <a:p>
-            <a:r>
-              <a:rPr lang="mr-IN" sz="1200" dirty="0" smtClean="0">
-                <a:latin typeface="Courier"/>
-                <a:cs typeface="Courier"/>
-              </a:rPr>
-              <a:t>}</a:t>
-            </a:r>
-            <a:endParaRPr lang="en-US" sz="1200" b="1" dirty="0" smtClean="0">
-              <a:latin typeface="Courier"/>
-              <a:cs typeface="Courier"/>
-            </a:endParaRPr>
+                <a:hlinkClick r:id="rId4"/>
+              </a:rPr>
+              <a:t>/AdoptingCocoaDesignPatterns.html#//apple_ref/doc/uid/TP40014216-CH7-</a:t>
+            </a:r>
+            <a:r>
+              <a:rPr lang="en-US" sz="1200" b="1" dirty="0" smtClean="0">
+                <a:hlinkClick r:id="rId4"/>
+              </a:rPr>
+              <a:t>XID_8</a:t>
+            </a:r>
+            <a:endParaRPr lang="en-US" sz="1200" b="1" dirty="0" smtClean="0"/>
           </a:p>
         </p:txBody>
       </p:sp>
     </p:spTree>
     <p:extLst>
       <p:ext uri="{BB962C8B-B14F-4D97-AF65-F5344CB8AC3E}">
-        <p14:creationId xmlns:p14="http://schemas.microsoft.com/office/powerpoint/2010/main" val="76180067"/>
+        <p14:creationId xmlns:p14="http://schemas.microsoft.com/office/powerpoint/2010/main" val="1607685507"/>
       </p:ext>
     </p:extLst>
   </p:cSld>
@@ -7857,7 +8083,7 @@
             </a:pPr>
             <a:r>
               <a:rPr lang="en-US" dirty="0" smtClean="0"/>
-              <a:t>Adding a reactive extension to Custom UI Element</a:t>
+              <a:t>KVO</a:t>
             </a:r>
             <a:endParaRPr lang="en" dirty="0"/>
           </a:p>
@@ -7934,14 +8160,14 @@
       </p:pic>
       <p:sp>
         <p:nvSpPr>
-          <p:cNvPr id="6" name="TextBox 5"/>
+          <p:cNvPr id="4" name="TextBox 3"/>
           <p:cNvSpPr txBox="1"/>
           <p:nvPr/>
         </p:nvSpPr>
         <p:spPr>
           <a:xfrm>
-            <a:off x="272617" y="1859164"/>
-            <a:ext cx="3202387" cy="830997"/>
+            <a:off x="0" y="1432264"/>
+            <a:ext cx="4304973" cy="3262431"/>
           </a:xfrm>
           <a:prstGeom prst="rect">
             <a:avLst/>
@@ -7955,81 +8181,326 @@
           <a:lstStyle/>
           <a:p>
             <a:r>
+              <a:rPr lang="mr-IN" sz="1200" dirty="0">
+                <a:latin typeface="Courier"/>
+                <a:cs typeface="Courier"/>
+              </a:rPr>
+              <a:t> @IBOutlet weak var kvoTestButton: UIButton!</a:t>
+            </a:r>
+          </a:p>
+          <a:p>
+            <a:r>
+              <a:rPr lang="mr-IN" sz="1200" dirty="0">
+                <a:latin typeface="Courier"/>
+                <a:cs typeface="Courier"/>
+              </a:rPr>
+              <a:t> </a:t>
+            </a:r>
+            <a:r>
+              <a:rPr lang="mr-IN" sz="1200" b="1" dirty="0" smtClean="0">
+                <a:latin typeface="Courier"/>
+                <a:cs typeface="Courier"/>
+              </a:rPr>
+              <a:t>@</a:t>
+            </a:r>
+            <a:r>
+              <a:rPr lang="mr-IN" sz="1200" b="1" dirty="0">
+                <a:latin typeface="Courier"/>
+                <a:cs typeface="Courier"/>
+              </a:rPr>
+              <a:t>objc dynamic var someString = ""</a:t>
+            </a:r>
+          </a:p>
+          <a:p>
+            <a:r>
+              <a:rPr lang="mr-IN" sz="1200" b="1" dirty="0">
+                <a:latin typeface="Courier"/>
+                <a:cs typeface="Courier"/>
+              </a:rPr>
+              <a:t> </a:t>
+            </a:r>
+            <a:r>
+              <a:rPr lang="mr-IN" sz="1200" b="1" dirty="0" smtClean="0">
+                <a:latin typeface="Courier"/>
+                <a:cs typeface="Courier"/>
+              </a:rPr>
+              <a:t>@</a:t>
+            </a:r>
+            <a:r>
+              <a:rPr lang="mr-IN" sz="1200" b="1" dirty="0">
+                <a:latin typeface="Courier"/>
+                <a:cs typeface="Courier"/>
+              </a:rPr>
+              <a:t>objc dynamic var someBoolean = false</a:t>
+            </a:r>
+          </a:p>
+          <a:p>
+            <a:r>
+              <a:rPr lang="mr-IN" sz="1200" dirty="0">
+                <a:latin typeface="Courier"/>
+                <a:cs typeface="Courier"/>
+              </a:rPr>
+              <a:t>    </a:t>
+            </a:r>
+          </a:p>
+          <a:p>
+            <a:r>
+              <a:rPr lang="mr-IN" sz="1200" dirty="0">
+                <a:latin typeface="Courier"/>
+                <a:cs typeface="Courier"/>
+              </a:rPr>
+              <a:t> </a:t>
+            </a:r>
+            <a:r>
               <a:rPr lang="mr-IN" sz="1200" dirty="0" smtClean="0">
                 <a:latin typeface="Courier"/>
                 <a:cs typeface="Courier"/>
               </a:rPr>
-              <a:t>  </a:t>
-            </a:r>
-            <a:r>
-              <a:rPr lang="en-US" sz="1200" dirty="0" err="1">
-                <a:latin typeface="Courier"/>
-                <a:cs typeface="Courier"/>
-              </a:rPr>
-              <a:t>myObservable</a:t>
-            </a:r>
-            <a:endParaRPr lang="en-US" sz="1200" dirty="0">
+              <a:t>let </a:t>
+            </a:r>
+            <a:r>
+              <a:rPr lang="mr-IN" sz="1200" dirty="0">
+                <a:latin typeface="Courier"/>
+                <a:cs typeface="Courier"/>
+              </a:rPr>
+              <a:t>disposeBag = DisposeBag()</a:t>
+            </a:r>
+          </a:p>
+          <a:p>
+            <a:endParaRPr lang="mr-IN" sz="1200" dirty="0">
               <a:latin typeface="Courier"/>
               <a:cs typeface="Courier"/>
             </a:endParaRPr>
           </a:p>
           <a:p>
-            <a:r>
-              <a:rPr lang="en-US" sz="1200" dirty="0">
-                <a:latin typeface="Courier"/>
-                <a:cs typeface="Courier"/>
-              </a:rPr>
-              <a:t>  .map { "new value is \($0)" }</a:t>
-            </a:r>
-          </a:p>
-          <a:p>
-            <a:r>
-              <a:rPr lang="en-US" sz="1200" dirty="0">
-                <a:latin typeface="Courier"/>
-                <a:cs typeface="Courier"/>
-              </a:rPr>
-              <a:t>  .bind(to: </a:t>
-            </a:r>
-            <a:r>
-              <a:rPr lang="en-US" sz="1200" dirty="0" err="1">
-                <a:latin typeface="Courier"/>
-                <a:cs typeface="Courier"/>
-              </a:rPr>
-              <a:t>myLabel.rx.text</a:t>
-            </a:r>
-            <a:r>
-              <a:rPr lang="en-US" sz="1200" dirty="0">
-                <a:latin typeface="Courier"/>
-                <a:cs typeface="Courier"/>
-              </a:rPr>
-              <a:t> )</a:t>
-            </a:r>
-          </a:p>
-          <a:p>
-            <a:r>
-              <a:rPr lang="en-US" sz="1200" dirty="0">
-                <a:latin typeface="Courier"/>
-                <a:cs typeface="Courier"/>
-              </a:rPr>
-              <a:t>  .disposed(by: bag)</a:t>
-            </a:r>
-            <a:endParaRPr lang="en-US" sz="1200" b="1" dirty="0" smtClean="0">
+            <a:endParaRPr lang="mr-IN" sz="1200" dirty="0">
               <a:latin typeface="Courier"/>
               <a:cs typeface="Courier"/>
             </a:endParaRPr>
+          </a:p>
+          <a:p>
+            <a:r>
+              <a:rPr lang="mr-IN" sz="1200" dirty="0">
+                <a:latin typeface="Courier"/>
+                <a:cs typeface="Courier"/>
+              </a:rPr>
+              <a:t>   </a:t>
+            </a:r>
+            <a:r>
+              <a:rPr lang="mr-IN" sz="1200" dirty="0" smtClean="0">
+                <a:latin typeface="Courier"/>
+                <a:cs typeface="Courier"/>
+              </a:rPr>
+              <a:t>/</a:t>
+            </a:r>
+            <a:r>
+              <a:rPr lang="mr-IN" sz="1200" dirty="0">
+                <a:latin typeface="Courier"/>
+                <a:cs typeface="Courier"/>
+              </a:rPr>
+              <a:t>/KVO Test</a:t>
+            </a:r>
+          </a:p>
+          <a:p>
+            <a:r>
+              <a:rPr lang="mr-IN" sz="1200" dirty="0">
+                <a:latin typeface="Courier"/>
+                <a:cs typeface="Courier"/>
+              </a:rPr>
+              <a:t>   </a:t>
+            </a:r>
+            <a:r>
+              <a:rPr lang="mr-IN" sz="1200" b="1" dirty="0" smtClean="0">
+                <a:latin typeface="Courier"/>
+                <a:cs typeface="Courier"/>
+              </a:rPr>
+              <a:t>self.rx.observe</a:t>
+            </a:r>
+            <a:r>
+              <a:rPr lang="mr-IN" sz="1200" b="1" dirty="0">
+                <a:latin typeface="Courier"/>
+                <a:cs typeface="Courier"/>
+              </a:rPr>
+              <a:t>(String.self, "someString")</a:t>
+            </a:r>
+          </a:p>
+          <a:p>
+            <a:r>
+              <a:rPr lang="mr-IN" sz="1200" dirty="0">
+                <a:latin typeface="Courier"/>
+                <a:cs typeface="Courier"/>
+              </a:rPr>
+              <a:t>       </a:t>
+            </a:r>
+            <a:r>
+              <a:rPr lang="mr-IN" sz="1200" dirty="0" smtClean="0">
+                <a:latin typeface="Courier"/>
+                <a:cs typeface="Courier"/>
+              </a:rPr>
+              <a:t>.</a:t>
+            </a:r>
+            <a:r>
+              <a:rPr lang="mr-IN" sz="1200" dirty="0">
+                <a:latin typeface="Courier"/>
+                <a:cs typeface="Courier"/>
+              </a:rPr>
+              <a:t>subscribe(onNext: { some in</a:t>
+            </a:r>
+          </a:p>
+          <a:p>
+            <a:r>
+              <a:rPr lang="mr-IN" sz="1200" dirty="0">
+                <a:latin typeface="Courier"/>
+                <a:cs typeface="Courier"/>
+              </a:rPr>
+              <a:t>           </a:t>
+            </a:r>
+            <a:r>
+              <a:rPr lang="mr-IN" sz="1200" dirty="0" smtClean="0">
+                <a:latin typeface="Courier"/>
+                <a:cs typeface="Courier"/>
+              </a:rPr>
+              <a:t>if </a:t>
+            </a:r>
+            <a:r>
+              <a:rPr lang="mr-IN" sz="1200" dirty="0">
+                <a:latin typeface="Courier"/>
+                <a:cs typeface="Courier"/>
+              </a:rPr>
+              <a:t>let _some = some {</a:t>
+            </a:r>
+          </a:p>
+          <a:p>
+            <a:r>
+              <a:rPr lang="mr-IN" sz="1200" dirty="0">
+                <a:latin typeface="Courier"/>
+                <a:cs typeface="Courier"/>
+              </a:rPr>
+              <a:t>              </a:t>
+            </a:r>
+            <a:r>
+              <a:rPr lang="mr-IN" sz="1200" dirty="0" smtClean="0">
+                <a:latin typeface="Courier"/>
+                <a:cs typeface="Courier"/>
+              </a:rPr>
+              <a:t>print</a:t>
+            </a:r>
+            <a:r>
+              <a:rPr lang="mr-IN" sz="1200" dirty="0">
+                <a:latin typeface="Courier"/>
+                <a:cs typeface="Courier"/>
+              </a:rPr>
+              <a:t>(_some)</a:t>
+            </a:r>
+          </a:p>
+          <a:p>
+            <a:r>
+              <a:rPr lang="mr-IN" sz="1200" dirty="0">
+                <a:latin typeface="Courier"/>
+                <a:cs typeface="Courier"/>
+              </a:rPr>
+              <a:t>           </a:t>
+            </a:r>
+            <a:r>
+              <a:rPr lang="mr-IN" sz="1200" dirty="0" smtClean="0">
+                <a:latin typeface="Courier"/>
+                <a:cs typeface="Courier"/>
+              </a:rPr>
+              <a:t>} </a:t>
+            </a:r>
+            <a:r>
+              <a:rPr lang="mr-IN" sz="1200" dirty="0">
+                <a:latin typeface="Courier"/>
+                <a:cs typeface="Courier"/>
+              </a:rPr>
+              <a:t>else {</a:t>
+            </a:r>
+          </a:p>
+          <a:p>
+            <a:r>
+              <a:rPr lang="mr-IN" sz="1200" dirty="0">
+                <a:latin typeface="Courier"/>
+                <a:cs typeface="Courier"/>
+              </a:rPr>
+              <a:t>              </a:t>
+            </a:r>
+            <a:r>
+              <a:rPr lang="mr-IN" sz="1200" dirty="0" smtClean="0">
+                <a:latin typeface="Courier"/>
+                <a:cs typeface="Courier"/>
+              </a:rPr>
+              <a:t>print</a:t>
+            </a:r>
+            <a:r>
+              <a:rPr lang="mr-IN" sz="1200" dirty="0">
+                <a:latin typeface="Courier"/>
+                <a:cs typeface="Courier"/>
+              </a:rPr>
+              <a:t>("")</a:t>
+            </a:r>
+          </a:p>
+          <a:p>
+            <a:r>
+              <a:rPr lang="mr-IN" sz="1200" dirty="0">
+                <a:latin typeface="Courier"/>
+                <a:cs typeface="Courier"/>
+              </a:rPr>
+              <a:t>           </a:t>
+            </a:r>
+            <a:r>
+              <a:rPr lang="mr-IN" sz="1200" dirty="0" smtClean="0">
+                <a:latin typeface="Courier"/>
+                <a:cs typeface="Courier"/>
+              </a:rPr>
+              <a:t>}</a:t>
+            </a:r>
+            <a:endParaRPr lang="mr-IN" sz="1200" dirty="0">
+              <a:latin typeface="Courier"/>
+              <a:cs typeface="Courier"/>
+            </a:endParaRPr>
+          </a:p>
+          <a:p>
+            <a:r>
+              <a:rPr lang="mr-IN" sz="1200" dirty="0">
+                <a:latin typeface="Courier"/>
+                <a:cs typeface="Courier"/>
+              </a:rPr>
+              <a:t>       </a:t>
+            </a:r>
+            <a:r>
+              <a:rPr lang="mr-IN" sz="1200" dirty="0" smtClean="0">
+                <a:latin typeface="Courier"/>
+                <a:cs typeface="Courier"/>
+              </a:rPr>
+              <a:t>}</a:t>
+            </a:r>
+            <a:r>
+              <a:rPr lang="mr-IN" sz="1200" dirty="0">
+                <a:latin typeface="Courier"/>
+                <a:cs typeface="Courier"/>
+              </a:rPr>
+              <a:t>).disposed(by: disposeBag)</a:t>
+            </a:r>
+          </a:p>
+          <a:p>
+            <a:r>
+              <a:rPr lang="mr-IN" dirty="0"/>
+              <a:t>        </a:t>
+            </a:r>
+            <a:endParaRPr lang="en-US" dirty="0"/>
           </a:p>
         </p:txBody>
       </p:sp>
       <p:sp>
         <p:nvSpPr>
-          <p:cNvPr id="7" name="TextBox 6"/>
+          <p:cNvPr id="5" name="TextBox 4"/>
           <p:cNvSpPr txBox="1"/>
           <p:nvPr/>
         </p:nvSpPr>
         <p:spPr>
           <a:xfrm>
-            <a:off x="272617" y="1410200"/>
-            <a:ext cx="2677978" cy="307777"/>
+            <a:off x="4249586" y="1774178"/>
+            <a:ext cx="4894414" cy="2862322"/>
           </a:xfrm>
           <a:prstGeom prst="rect">
             <a:avLst/>
@@ -8037,197 +8508,231 @@
           <a:noFill/>
         </p:spPr>
         <p:txBody>
-          <a:bodyPr wrap="square" rtlCol="0">
+          <a:bodyPr wrap="none" rtlCol="0">
             <a:spAutoFit/>
           </a:bodyPr>
           <a:lstStyle/>
           <a:p>
             <a:r>
-              <a:rPr lang="en-US" b="1" dirty="0" err="1" smtClean="0">
-                <a:latin typeface="Courier"/>
-                <a:cs typeface="Courier"/>
-              </a:rPr>
-              <a:t>UILabel</a:t>
-            </a:r>
-            <a:endParaRPr lang="en-US" b="1" dirty="0" smtClean="0">
+              <a:rPr lang="mr-IN" sz="1200" dirty="0" smtClean="0">
+                <a:latin typeface="Courier"/>
+                <a:cs typeface="Courier"/>
+              </a:rPr>
+              <a:t>  </a:t>
+            </a:r>
+            <a:r>
+              <a:rPr lang="mr-IN" sz="1200" b="1" dirty="0" smtClean="0">
+                <a:latin typeface="Courier"/>
+                <a:cs typeface="Courier"/>
+              </a:rPr>
+              <a:t>self.rx.observe</a:t>
+            </a:r>
+            <a:r>
+              <a:rPr lang="mr-IN" sz="1200" b="1" dirty="0">
+                <a:latin typeface="Courier"/>
+                <a:cs typeface="Courier"/>
+              </a:rPr>
+              <a:t>(Bool.self, "someBoolean")</a:t>
+            </a:r>
+          </a:p>
+          <a:p>
+            <a:r>
+              <a:rPr lang="mr-IN" sz="1200" dirty="0">
+                <a:latin typeface="Courier"/>
+                <a:cs typeface="Courier"/>
+              </a:rPr>
+              <a:t>      </a:t>
+            </a:r>
+            <a:r>
+              <a:rPr lang="mr-IN" sz="1200" dirty="0" smtClean="0">
+                <a:latin typeface="Courier"/>
+                <a:cs typeface="Courier"/>
+              </a:rPr>
+              <a:t>.</a:t>
+            </a:r>
+            <a:r>
+              <a:rPr lang="mr-IN" sz="1200" dirty="0">
+                <a:latin typeface="Courier"/>
+                <a:cs typeface="Courier"/>
+              </a:rPr>
+              <a:t>subscribe(onNext: { some in</a:t>
+            </a:r>
+          </a:p>
+          <a:p>
+            <a:r>
+              <a:rPr lang="mr-IN" sz="1200" dirty="0">
+                <a:latin typeface="Courier"/>
+                <a:cs typeface="Courier"/>
+              </a:rPr>
+              <a:t>                if let _some = some {</a:t>
+            </a:r>
+          </a:p>
+          <a:p>
+            <a:r>
+              <a:rPr lang="mr-IN" sz="1200" dirty="0">
+                <a:latin typeface="Courier"/>
+                <a:cs typeface="Courier"/>
+              </a:rPr>
+              <a:t>                    print(_some ? "true" : "false")</a:t>
+            </a:r>
+          </a:p>
+          <a:p>
+            <a:r>
+              <a:rPr lang="mr-IN" sz="1200" dirty="0">
+                <a:latin typeface="Courier"/>
+                <a:cs typeface="Courier"/>
+              </a:rPr>
+              <a:t>                } else {</a:t>
+            </a:r>
+          </a:p>
+          <a:p>
+            <a:r>
+              <a:rPr lang="mr-IN" sz="1200" dirty="0">
+                <a:latin typeface="Courier"/>
+                <a:cs typeface="Courier"/>
+              </a:rPr>
+              <a:t>                    print("false")</a:t>
+            </a:r>
+          </a:p>
+          <a:p>
+            <a:r>
+              <a:rPr lang="mr-IN" sz="1200" dirty="0">
+                <a:latin typeface="Courier"/>
+                <a:cs typeface="Courier"/>
+              </a:rPr>
+              <a:t>                }</a:t>
+            </a:r>
+          </a:p>
+          <a:p>
+            <a:r>
+              <a:rPr lang="mr-IN" sz="1200" dirty="0">
+                <a:latin typeface="Courier"/>
+                <a:cs typeface="Courier"/>
+              </a:rPr>
+              <a:t>            }).disposed(by: disposeBag)</a:t>
+            </a:r>
+          </a:p>
+          <a:p>
+            <a:endParaRPr lang="en-US" sz="1200" dirty="0" smtClean="0">
               <a:latin typeface="Courier"/>
               <a:cs typeface="Courier"/>
             </a:endParaRPr>
           </a:p>
-        </p:txBody>
-      </p:sp>
-      <p:sp>
-        <p:nvSpPr>
-          <p:cNvPr id="8" name="TextBox 7"/>
-          <p:cNvSpPr txBox="1"/>
-          <p:nvPr/>
-        </p:nvSpPr>
-        <p:spPr>
-          <a:xfrm>
-            <a:off x="272617" y="3054166"/>
-            <a:ext cx="6063764" cy="1754327"/>
-          </a:xfrm>
-          <a:prstGeom prst="rect">
-            <a:avLst/>
-          </a:prstGeom>
-          <a:noFill/>
-        </p:spPr>
-        <p:txBody>
-          <a:bodyPr wrap="square" rtlCol="0">
-            <a:spAutoFit/>
-          </a:bodyPr>
-          <a:lstStyle/>
-          <a:p>
-            <a:r>
-              <a:rPr lang="en-US" sz="1200" dirty="0">
-                <a:latin typeface="Courier"/>
-                <a:cs typeface="Courier"/>
-              </a:rPr>
-              <a:t> extension Reactive where Base: </a:t>
-            </a:r>
-            <a:r>
-              <a:rPr lang="en-US" sz="1200" dirty="0" err="1">
-                <a:latin typeface="Courier"/>
-                <a:cs typeface="Courier"/>
-              </a:rPr>
-              <a:t>UILabel</a:t>
-            </a:r>
-            <a:r>
-              <a:rPr lang="en-US" sz="1200" dirty="0">
-                <a:latin typeface="Courier"/>
-                <a:cs typeface="Courier"/>
-              </a:rPr>
-              <a:t> {</a:t>
-            </a:r>
-          </a:p>
-          <a:p>
-            <a:r>
-              <a:rPr lang="en-US" sz="1200" dirty="0">
-                <a:latin typeface="Courier"/>
-                <a:cs typeface="Courier"/>
-              </a:rPr>
-              <a:t>    </a:t>
-            </a:r>
-          </a:p>
-          <a:p>
-            <a:r>
-              <a:rPr lang="en-US" sz="1200" dirty="0">
-                <a:latin typeface="Courier"/>
-                <a:cs typeface="Courier"/>
-              </a:rPr>
-              <a:t>    /// </a:t>
-            </a:r>
-            <a:r>
-              <a:rPr lang="en-US" sz="1200" dirty="0" err="1">
-                <a:latin typeface="Courier"/>
-                <a:cs typeface="Courier"/>
-              </a:rPr>
-              <a:t>Bindable</a:t>
-            </a:r>
-            <a:r>
-              <a:rPr lang="en-US" sz="1200" dirty="0">
-                <a:latin typeface="Courier"/>
-                <a:cs typeface="Courier"/>
-              </a:rPr>
-              <a:t> sink for `text` property.</a:t>
-            </a:r>
-          </a:p>
-          <a:p>
-            <a:r>
-              <a:rPr lang="en-US" sz="1200" dirty="0">
-                <a:latin typeface="Courier"/>
-                <a:cs typeface="Courier"/>
-              </a:rPr>
-              <a:t>    public </a:t>
-            </a:r>
-            <a:r>
-              <a:rPr lang="en-US" sz="1200" dirty="0" err="1">
-                <a:latin typeface="Courier"/>
-                <a:cs typeface="Courier"/>
-              </a:rPr>
-              <a:t>var</a:t>
-            </a:r>
-            <a:r>
-              <a:rPr lang="en-US" sz="1200" dirty="0">
-                <a:latin typeface="Courier"/>
-                <a:cs typeface="Courier"/>
-              </a:rPr>
-              <a:t> text: Binder&lt;String?&gt; {</a:t>
-            </a:r>
-          </a:p>
-          <a:p>
-            <a:r>
-              <a:rPr lang="en-US" sz="1200" dirty="0">
-                <a:latin typeface="Courier"/>
-                <a:cs typeface="Courier"/>
-              </a:rPr>
-              <a:t>        return Binder(</a:t>
-            </a:r>
-            <a:r>
-              <a:rPr lang="en-US" sz="1200" dirty="0" err="1">
-                <a:latin typeface="Courier"/>
-                <a:cs typeface="Courier"/>
-              </a:rPr>
-              <a:t>self.base</a:t>
-            </a:r>
-            <a:r>
-              <a:rPr lang="en-US" sz="1200" dirty="0">
-                <a:latin typeface="Courier"/>
-                <a:cs typeface="Courier"/>
-              </a:rPr>
-              <a:t>) { label, text in</a:t>
-            </a:r>
-          </a:p>
-          <a:p>
-            <a:r>
-              <a:rPr lang="en-US" sz="1200" dirty="0">
-                <a:latin typeface="Courier"/>
-                <a:cs typeface="Courier"/>
-              </a:rPr>
-              <a:t>            </a:t>
-            </a:r>
-            <a:r>
-              <a:rPr lang="en-US" sz="1200" dirty="0" err="1">
-                <a:latin typeface="Courier"/>
-                <a:cs typeface="Courier"/>
-              </a:rPr>
-              <a:t>label.text</a:t>
-            </a:r>
-            <a:r>
-              <a:rPr lang="en-US" sz="1200" dirty="0">
-                <a:latin typeface="Courier"/>
-                <a:cs typeface="Courier"/>
-              </a:rPr>
-              <a:t> = text</a:t>
-            </a:r>
-          </a:p>
-          <a:p>
-            <a:r>
-              <a:rPr lang="en-US" sz="1200" dirty="0">
-                <a:latin typeface="Courier"/>
-                <a:cs typeface="Courier"/>
-              </a:rPr>
-              <a:t>        }</a:t>
-            </a:r>
-          </a:p>
-          <a:p>
-            <a:r>
-              <a:rPr lang="en-US" sz="1200" dirty="0">
-                <a:latin typeface="Courier"/>
-                <a:cs typeface="Courier"/>
-              </a:rPr>
-              <a:t>    }</a:t>
-            </a:r>
-          </a:p>
-          <a:p>
-            <a:r>
-              <a:rPr lang="en-US" sz="1200" dirty="0">
+          <a:p>
+            <a:endParaRPr lang="mr-IN" sz="1200" dirty="0">
+              <a:latin typeface="Courier"/>
+              <a:cs typeface="Courier"/>
+            </a:endParaRPr>
+          </a:p>
+          <a:p>
+            <a:r>
+              <a:rPr lang="mr-IN" sz="1200" dirty="0" smtClean="0">
+                <a:latin typeface="Courier"/>
+                <a:cs typeface="Courier"/>
+              </a:rPr>
+              <a:t>func </a:t>
+            </a:r>
+            <a:r>
+              <a:rPr lang="mr-IN" sz="1200" dirty="0">
+                <a:latin typeface="Courier"/>
+                <a:cs typeface="Courier"/>
+              </a:rPr>
+              <a:t>kvoTest() {</a:t>
+            </a:r>
+          </a:p>
+          <a:p>
+            <a:r>
+              <a:rPr lang="mr-IN" sz="1200" dirty="0">
+                <a:latin typeface="Courier"/>
+                <a:cs typeface="Courier"/>
+              </a:rPr>
+              <a:t>   </a:t>
+            </a:r>
+            <a:r>
+              <a:rPr lang="mr-IN" sz="1200" dirty="0" smtClean="0">
+                <a:latin typeface="Courier"/>
+                <a:cs typeface="Courier"/>
+              </a:rPr>
+              <a:t>self.someBoolean </a:t>
+            </a:r>
+            <a:r>
+              <a:rPr lang="mr-IN" sz="1200" dirty="0">
+                <a:latin typeface="Courier"/>
+                <a:cs typeface="Courier"/>
+              </a:rPr>
+              <a:t>= !self.someBoolean</a:t>
+            </a:r>
+          </a:p>
+          <a:p>
+            <a:r>
+              <a:rPr lang="mr-IN" sz="1200" dirty="0">
+                <a:latin typeface="Courier"/>
+                <a:cs typeface="Courier"/>
+              </a:rPr>
+              <a:t>   </a:t>
+            </a:r>
+            <a:r>
+              <a:rPr lang="mr-IN" sz="1200" dirty="0" smtClean="0">
+                <a:latin typeface="Courier"/>
+                <a:cs typeface="Courier"/>
+              </a:rPr>
+              <a:t>self.someString </a:t>
+            </a:r>
+            <a:r>
+              <a:rPr lang="mr-IN" sz="1200" dirty="0">
+                <a:latin typeface="Courier"/>
+                <a:cs typeface="Courier"/>
+              </a:rPr>
+              <a:t>= self.someBoolean ? </a:t>
+            </a:r>
+            <a:endParaRPr lang="en-US" sz="1200" dirty="0" smtClean="0">
+              <a:latin typeface="Courier"/>
+              <a:cs typeface="Courier"/>
+            </a:endParaRPr>
+          </a:p>
+          <a:p>
+            <a:r>
+              <a:rPr lang="en-US" sz="1200" dirty="0">
+                <a:latin typeface="Courier"/>
+                <a:cs typeface="Courier"/>
+              </a:rPr>
+              <a:t>	</a:t>
+            </a:r>
+            <a:r>
+              <a:rPr lang="mr-IN" sz="1200" dirty="0" smtClean="0">
+                <a:latin typeface="Courier"/>
+                <a:cs typeface="Courier"/>
+              </a:rPr>
+              <a:t>"</a:t>
+            </a:r>
+            <a:r>
+              <a:rPr lang="mr-IN" sz="1200" dirty="0">
+                <a:latin typeface="Courier"/>
+                <a:cs typeface="Courier"/>
+              </a:rPr>
+              <a:t>KVO Test 1" : "KVO Test </a:t>
+            </a:r>
+            <a:r>
+              <a:rPr lang="mr-IN" sz="1200" dirty="0" smtClean="0">
+                <a:latin typeface="Courier"/>
+                <a:cs typeface="Courier"/>
+              </a:rPr>
+              <a:t>2”</a:t>
+            </a:r>
+            <a:endParaRPr lang="mr-IN" sz="1200" dirty="0">
+              <a:latin typeface="Courier"/>
+              <a:cs typeface="Courier"/>
+            </a:endParaRPr>
+          </a:p>
+          <a:p>
+            <a:r>
+              <a:rPr lang="mr-IN" sz="1200" dirty="0" smtClean="0">
                 <a:latin typeface="Courier"/>
                 <a:cs typeface="Courier"/>
               </a:rPr>
               <a:t>}</a:t>
             </a:r>
-            <a:endParaRPr lang="en-US" sz="1200" b="1" dirty="0" smtClean="0">
+            <a:endParaRPr lang="en-US" sz="1200" dirty="0">
               <a:latin typeface="Courier"/>
               <a:cs typeface="Courier"/>
             </a:endParaRPr>
@@ -8237,7 +8742,7 @@
     </p:spTree>
     <p:extLst>
       <p:ext uri="{BB962C8B-B14F-4D97-AF65-F5344CB8AC3E}">
-        <p14:creationId xmlns:p14="http://schemas.microsoft.com/office/powerpoint/2010/main" val="300885360"/>
+        <p14:creationId xmlns:p14="http://schemas.microsoft.com/office/powerpoint/2010/main" val="4119951043"/>
       </p:ext>
     </p:extLst>
   </p:cSld>
@@ -8304,7 +8809,7 @@
             </a:pPr>
             <a:r>
               <a:rPr lang="en-US" dirty="0" smtClean="0"/>
-              <a:t>Adding a reactive extension to Custom UI Element</a:t>
+              <a:t>2 Way Bindings</a:t>
             </a:r>
             <a:endParaRPr lang="en" dirty="0"/>
           </a:p>
@@ -8387,8 +8892,8 @@
         </p:nvSpPr>
         <p:spPr>
           <a:xfrm>
-            <a:off x="272617" y="1859164"/>
-            <a:ext cx="8016848" cy="646331"/>
+            <a:off x="272617" y="2466867"/>
+            <a:ext cx="8541258" cy="2492990"/>
           </a:xfrm>
           <a:prstGeom prst="rect">
             <a:avLst/>
@@ -8402,32 +8907,251 @@
           <a:lstStyle/>
           <a:p>
             <a:r>
-              <a:rPr lang="en-US" sz="1200" dirty="0">
-                <a:latin typeface="Courier"/>
-                <a:cs typeface="Courier"/>
-              </a:rPr>
-              <a:t>Observable&lt;</a:t>
-            </a:r>
-            <a:r>
               <a:rPr lang="en-US" sz="1200" dirty="0" err="1">
                 <a:latin typeface="Courier"/>
                 <a:cs typeface="Courier"/>
               </a:rPr>
-              <a:t>Int</a:t>
-            </a:r>
-            <a:r>
-              <a:rPr lang="en-US" sz="1200" dirty="0">
-                <a:latin typeface="Courier"/>
-                <a:cs typeface="Courier"/>
-              </a:rPr>
-              <a:t>&gt;.timer(0.0, period: 0.15, scheduler: </a:t>
+              <a:t>func</a:t>
+            </a:r>
+            <a:r>
+              <a:rPr lang="en-US" sz="1200" dirty="0">
+                <a:latin typeface="Courier"/>
+                <a:cs typeface="Courier"/>
+              </a:rPr>
+              <a:t> &lt;-&gt; &lt;T&gt;(property: </a:t>
+            </a:r>
+            <a:r>
+              <a:rPr lang="en-US" sz="1200" b="1" dirty="0" err="1">
+                <a:latin typeface="Courier"/>
+                <a:cs typeface="Courier"/>
+              </a:rPr>
+              <a:t>ControlProperty</a:t>
+            </a:r>
+            <a:r>
+              <a:rPr lang="en-US" sz="1200" dirty="0">
+                <a:latin typeface="Courier"/>
+                <a:cs typeface="Courier"/>
+              </a:rPr>
+              <a:t>&lt;T&gt;, variable: </a:t>
             </a:r>
             <a:r>
               <a:rPr lang="en-US" sz="1200" dirty="0" err="1">
                 <a:latin typeface="Courier"/>
                 <a:cs typeface="Courier"/>
               </a:rPr>
-              <a:t>MainScheduler.instance</a:t>
+              <a:t>BehaviorRelay</a:t>
+            </a:r>
+            <a:r>
+              <a:rPr lang="en-US" sz="1200" dirty="0">
+                <a:latin typeface="Courier"/>
+                <a:cs typeface="Courier"/>
+              </a:rPr>
+              <a:t>&lt;T&gt;) -&gt; Disposable {</a:t>
+            </a:r>
+          </a:p>
+          <a:p>
+            <a:r>
+              <a:rPr lang="en-US" sz="1200" dirty="0">
+                <a:latin typeface="Courier"/>
+                <a:cs typeface="Courier"/>
+              </a:rPr>
+              <a:t>    </a:t>
+            </a:r>
+            <a:endParaRPr lang="mr-IN" sz="1200" dirty="0">
+              <a:latin typeface="Courier"/>
+              <a:cs typeface="Courier"/>
+            </a:endParaRPr>
+          </a:p>
+          <a:p>
+            <a:r>
+              <a:rPr lang="en-US" sz="1200" dirty="0">
+                <a:latin typeface="Courier"/>
+                <a:cs typeface="Courier"/>
+              </a:rPr>
+              <a:t>    let </a:t>
+            </a:r>
+            <a:r>
+              <a:rPr lang="en-US" sz="1200" dirty="0" err="1">
+                <a:latin typeface="Courier"/>
+                <a:cs typeface="Courier"/>
+              </a:rPr>
+              <a:t>bindToUIDisposable</a:t>
+            </a:r>
+            <a:r>
+              <a:rPr lang="en-US" sz="1200" dirty="0">
+                <a:latin typeface="Courier"/>
+                <a:cs typeface="Courier"/>
+              </a:rPr>
+              <a:t> = </a:t>
+            </a:r>
+            <a:r>
+              <a:rPr lang="en-US" sz="1200" dirty="0" err="1">
+                <a:latin typeface="Courier"/>
+                <a:cs typeface="Courier"/>
+              </a:rPr>
+              <a:t>variable.asObservable</a:t>
+            </a:r>
+            <a:r>
+              <a:rPr lang="en-US" sz="1200" dirty="0">
+                <a:latin typeface="Courier"/>
+                <a:cs typeface="Courier"/>
+              </a:rPr>
+              <a:t>()</a:t>
+            </a:r>
+          </a:p>
+          <a:p>
+            <a:r>
+              <a:rPr lang="mr-IN" sz="1200" dirty="0">
+                <a:latin typeface="Courier"/>
+                <a:cs typeface="Courier"/>
+              </a:rPr>
+              <a:t>        .bind(to: property)</a:t>
+            </a:r>
+          </a:p>
+          <a:p>
+            <a:r>
+              <a:rPr lang="en-US" sz="1200" dirty="0">
+                <a:latin typeface="Courier"/>
+                <a:cs typeface="Courier"/>
+              </a:rPr>
+              <a:t>    let </a:t>
+            </a:r>
+            <a:r>
+              <a:rPr lang="en-US" sz="1200" dirty="0" err="1">
+                <a:latin typeface="Courier"/>
+                <a:cs typeface="Courier"/>
+              </a:rPr>
+              <a:t>bindToVariable</a:t>
+            </a:r>
+            <a:r>
+              <a:rPr lang="en-US" sz="1200" dirty="0">
+                <a:latin typeface="Courier"/>
+                <a:cs typeface="Courier"/>
+              </a:rPr>
+              <a:t> = property</a:t>
+            </a:r>
+          </a:p>
+          <a:p>
+            <a:r>
+              <a:rPr lang="en-US" sz="1200" dirty="0">
+                <a:latin typeface="Courier"/>
+                <a:cs typeface="Courier"/>
+              </a:rPr>
+              <a:t>        .subscribe(</a:t>
+            </a:r>
+            <a:r>
+              <a:rPr lang="en-US" sz="1200" dirty="0" err="1">
+                <a:latin typeface="Courier"/>
+                <a:cs typeface="Courier"/>
+              </a:rPr>
+              <a:t>onNext</a:t>
+            </a:r>
+            <a:r>
+              <a:rPr lang="en-US" sz="1200" dirty="0">
+                <a:latin typeface="Courier"/>
+                <a:cs typeface="Courier"/>
+              </a:rPr>
+              <a:t>: { n in</a:t>
+            </a:r>
+          </a:p>
+          <a:p>
+            <a:r>
+              <a:rPr lang="mr-IN" sz="1200" dirty="0">
+                <a:latin typeface="Courier"/>
+                <a:cs typeface="Courier"/>
+              </a:rPr>
+              <a:t>            variable.accept(n)</a:t>
+            </a:r>
+          </a:p>
+          <a:p>
+            <a:r>
+              <a:rPr lang="mr-IN" sz="1200" dirty="0">
+                <a:latin typeface="Courier"/>
+                <a:cs typeface="Courier"/>
+              </a:rPr>
+              <a:t>        }, onCompleted:  {</a:t>
+            </a:r>
+          </a:p>
+          <a:p>
+            <a:r>
+              <a:rPr lang="en-US" sz="1200" dirty="0">
+                <a:latin typeface="Courier"/>
+                <a:cs typeface="Courier"/>
+              </a:rPr>
+              <a:t>            </a:t>
+            </a:r>
+            <a:r>
+              <a:rPr lang="en-US" sz="1200" dirty="0" err="1">
+                <a:latin typeface="Courier"/>
+                <a:cs typeface="Courier"/>
+              </a:rPr>
+              <a:t>bindToUIDisposable.dispose</a:t>
+            </a:r>
+            <a:r>
+              <a:rPr lang="en-US" sz="1200" dirty="0">
+                <a:latin typeface="Courier"/>
+                <a:cs typeface="Courier"/>
+              </a:rPr>
+              <a:t>()</a:t>
+            </a:r>
+          </a:p>
+          <a:p>
+            <a:r>
+              <a:rPr lang="mr-IN" sz="1200" dirty="0">
+                <a:latin typeface="Courier"/>
+                <a:cs typeface="Courier"/>
+              </a:rPr>
+              <a:t>        })</a:t>
+            </a:r>
+          </a:p>
+          <a:p>
+            <a:endParaRPr lang="mr-IN" sz="1200" dirty="0">
+              <a:latin typeface="Courier"/>
+              <a:cs typeface="Courier"/>
+            </a:endParaRPr>
+          </a:p>
+          <a:p>
+            <a:r>
+              <a:rPr lang="en-US" sz="1200" dirty="0">
+                <a:latin typeface="Courier"/>
+                <a:cs typeface="Courier"/>
+              </a:rPr>
+              <a:t>    return </a:t>
+            </a:r>
+            <a:r>
+              <a:rPr lang="en-US" sz="1200" dirty="0" err="1">
+                <a:latin typeface="Courier"/>
+                <a:cs typeface="Courier"/>
+              </a:rPr>
+              <a:t>Disposables.create</a:t>
+            </a:r>
+            <a:r>
+              <a:rPr lang="en-US" sz="1200" dirty="0">
+                <a:latin typeface="Courier"/>
+                <a:cs typeface="Courier"/>
+              </a:rPr>
+              <a:t>(</a:t>
+            </a:r>
+            <a:r>
+              <a:rPr lang="en-US" sz="1200" dirty="0" err="1">
+                <a:latin typeface="Courier"/>
+                <a:cs typeface="Courier"/>
+              </a:rPr>
+              <a:t>bindToUIDisposable</a:t>
+            </a:r>
+            <a:r>
+              <a:rPr lang="en-US" sz="1200" dirty="0">
+                <a:latin typeface="Courier"/>
+                <a:cs typeface="Courier"/>
+              </a:rPr>
+              <a:t>, </a:t>
+            </a:r>
+            <a:r>
+              <a:rPr lang="en-US" sz="1200" dirty="0" err="1">
+                <a:latin typeface="Courier"/>
+                <a:cs typeface="Courier"/>
+              </a:rPr>
+              <a:t>bindToVariable</a:t>
             </a:r>
             <a:r>
               <a:rPr lang="en-US" sz="1200" dirty="0">
@@ -8439,48 +9163,11 @@
           </a:p>
           <a:p>
             <a:r>
-              <a:rPr lang="en-US" sz="1200" dirty="0" smtClean="0">
-                <a:latin typeface="Courier"/>
-                <a:cs typeface="Courier"/>
-              </a:rPr>
-              <a:t>   .</a:t>
-            </a:r>
-            <a:r>
-              <a:rPr lang="en-US" sz="1200" dirty="0">
-                <a:latin typeface="Courier"/>
-                <a:cs typeface="Courier"/>
-              </a:rPr>
-              <a:t>bind(to: </a:t>
-            </a:r>
-            <a:r>
-              <a:rPr lang="en-US" sz="1200" dirty="0" err="1">
-                <a:latin typeface="Courier"/>
-                <a:cs typeface="Courier"/>
-              </a:rPr>
-              <a:t>SwiftSpinner.sharedInstance.rx.progress</a:t>
-            </a:r>
-            <a:r>
-              <a:rPr lang="en-US" sz="1200" dirty="0">
-                <a:latin typeface="Courier"/>
-                <a:cs typeface="Courier"/>
-              </a:rPr>
-              <a:t> )</a:t>
-            </a:r>
-          </a:p>
-          <a:p>
-            <a:r>
-              <a:rPr lang="en-US" sz="1200" dirty="0" smtClean="0">
-                <a:latin typeface="Courier"/>
-                <a:cs typeface="Courier"/>
-              </a:rPr>
-              <a:t>   .</a:t>
-            </a:r>
-            <a:r>
-              <a:rPr lang="en-US" sz="1200" dirty="0">
-                <a:latin typeface="Courier"/>
-                <a:cs typeface="Courier"/>
-              </a:rPr>
-              <a:t>disposed(by: bag)</a:t>
+              <a:rPr lang="en-US" sz="1200" dirty="0">
+                <a:latin typeface="Courier"/>
+                <a:cs typeface="Courier"/>
+              </a:rPr>
+              <a:t>}</a:t>
             </a:r>
             <a:endParaRPr lang="en-US" sz="1200" b="1" dirty="0" smtClean="0">
               <a:latin typeface="Courier"/>
@@ -8491,14 +9178,14 @@
       </p:sp>
       <p:sp>
         <p:nvSpPr>
-          <p:cNvPr id="8" name="TextBox 7"/>
+          <p:cNvPr id="7" name="TextBox 6"/>
           <p:cNvSpPr txBox="1"/>
           <p:nvPr/>
         </p:nvSpPr>
         <p:spPr>
           <a:xfrm>
-            <a:off x="37908" y="3054166"/>
-            <a:ext cx="9105400" cy="1569660"/>
+            <a:off x="272617" y="1410200"/>
+            <a:ext cx="8244303" cy="738664"/>
           </a:xfrm>
           <a:prstGeom prst="rect">
             <a:avLst/>
@@ -8512,206 +9199,76 @@
           <a:lstStyle/>
           <a:p>
             <a:r>
-              <a:rPr lang="en-US" sz="1200" dirty="0">
-                <a:latin typeface="Courier"/>
-                <a:cs typeface="Courier"/>
-              </a:rPr>
-              <a:t>extension Reactive where Base: </a:t>
-            </a:r>
-            <a:r>
-              <a:rPr lang="en-US" sz="1200" dirty="0" err="1">
-                <a:latin typeface="Courier"/>
-                <a:cs typeface="Courier"/>
-              </a:rPr>
-              <a:t>SwiftSpinner</a:t>
-            </a:r>
-            <a:r>
-              <a:rPr lang="en-US" sz="1200" dirty="0">
-                <a:latin typeface="Courier"/>
-                <a:cs typeface="Courier"/>
-              </a:rPr>
-              <a:t> {</a:t>
-            </a:r>
-          </a:p>
-          <a:p>
-            <a:r>
-              <a:rPr lang="en-US" sz="1200" dirty="0">
-                <a:latin typeface="Courier"/>
-                <a:cs typeface="Courier"/>
-              </a:rPr>
-              <a:t>    public </a:t>
-            </a:r>
-            <a:r>
-              <a:rPr lang="en-US" sz="1200" dirty="0" err="1">
-                <a:latin typeface="Courier"/>
-                <a:cs typeface="Courier"/>
-              </a:rPr>
-              <a:t>var</a:t>
-            </a:r>
-            <a:r>
-              <a:rPr lang="en-US" sz="1200" dirty="0">
-                <a:latin typeface="Courier"/>
-                <a:cs typeface="Courier"/>
-              </a:rPr>
-              <a:t> progress: </a:t>
-            </a:r>
-            <a:r>
-              <a:rPr lang="en-US" sz="1200" dirty="0" smtClean="0">
-                <a:latin typeface="Courier"/>
-                <a:cs typeface="Courier"/>
-              </a:rPr>
-              <a:t>Binder&lt;</a:t>
-            </a:r>
-            <a:r>
-              <a:rPr lang="en-US" sz="1200" dirty="0" err="1" smtClean="0">
-                <a:latin typeface="Courier"/>
-                <a:cs typeface="Courier"/>
-              </a:rPr>
-              <a:t>Int</a:t>
-            </a:r>
-            <a:r>
-              <a:rPr lang="en-US" sz="1200" dirty="0">
-                <a:latin typeface="Courier"/>
-                <a:cs typeface="Courier"/>
-              </a:rPr>
-              <a:t>&gt; {</a:t>
-            </a:r>
-          </a:p>
-          <a:p>
-            <a:r>
-              <a:rPr lang="en-US" sz="1200" dirty="0">
-                <a:latin typeface="Courier"/>
-                <a:cs typeface="Courier"/>
-              </a:rPr>
-              <a:t>        return </a:t>
-            </a:r>
-            <a:r>
-              <a:rPr lang="en-US" sz="1200" dirty="0" smtClean="0">
-                <a:latin typeface="Courier"/>
-                <a:cs typeface="Courier"/>
-              </a:rPr>
-              <a:t>Binder(</a:t>
-            </a:r>
-            <a:r>
-              <a:rPr lang="en-US" sz="1200" dirty="0" err="1" smtClean="0">
-                <a:latin typeface="Courier"/>
-                <a:cs typeface="Courier"/>
-              </a:rPr>
-              <a:t>self.base</a:t>
-            </a:r>
-            <a:r>
-              <a:rPr lang="en-US" sz="1200" dirty="0">
-                <a:latin typeface="Courier"/>
-                <a:cs typeface="Courier"/>
-              </a:rPr>
-              <a:t>) { spinner, progress in</a:t>
-            </a:r>
-          </a:p>
-          <a:p>
-            <a:r>
-              <a:rPr lang="en-US" sz="1200" dirty="0">
-                <a:latin typeface="Courier"/>
-                <a:cs typeface="Courier"/>
-              </a:rPr>
-              <a:t>            let progress = max(0, min(progress, 100))</a:t>
-            </a:r>
-          </a:p>
-          <a:p>
-            <a:r>
-              <a:rPr lang="en-US" sz="1200" dirty="0">
-                <a:latin typeface="Courier"/>
-                <a:cs typeface="Courier"/>
-              </a:rPr>
-              <a:t>            </a:t>
-            </a:r>
-            <a:r>
-              <a:rPr lang="en-US" sz="1200" dirty="0" err="1">
-                <a:latin typeface="Courier"/>
-                <a:cs typeface="Courier"/>
-              </a:rPr>
-              <a:t>SwiftSpinner.show</a:t>
-            </a:r>
-            <a:r>
-              <a:rPr lang="en-US" sz="1200" dirty="0">
-                <a:latin typeface="Courier"/>
-                <a:cs typeface="Courier"/>
-              </a:rPr>
-              <a:t>(progress: Double(progress)/100.0, title: "\(progress)% completed")</a:t>
-            </a:r>
-          </a:p>
-          <a:p>
-            <a:r>
-              <a:rPr lang="en-US" sz="1200" dirty="0">
-                <a:latin typeface="Courier"/>
-                <a:cs typeface="Courier"/>
-              </a:rPr>
-              <a:t>        }</a:t>
-            </a:r>
-          </a:p>
-          <a:p>
-            <a:r>
-              <a:rPr lang="en-US" sz="1200" dirty="0">
-                <a:latin typeface="Courier"/>
-                <a:cs typeface="Courier"/>
-              </a:rPr>
-              <a:t>    }</a:t>
-            </a:r>
-          </a:p>
-          <a:p>
-            <a:r>
-              <a:rPr lang="en-US" sz="1200" dirty="0">
-                <a:latin typeface="Courier"/>
-                <a:cs typeface="Courier"/>
-              </a:rPr>
-              <a:t>}</a:t>
-            </a:r>
-            <a:endParaRPr lang="en-US" sz="1200" b="1" dirty="0" smtClean="0">
-              <a:latin typeface="Courier"/>
-              <a:cs typeface="Courier"/>
-            </a:endParaRPr>
-          </a:p>
-        </p:txBody>
-      </p:sp>
-      <p:sp>
-        <p:nvSpPr>
-          <p:cNvPr id="9" name="TextBox 8"/>
-          <p:cNvSpPr txBox="1"/>
-          <p:nvPr/>
-        </p:nvSpPr>
-        <p:spPr>
-          <a:xfrm>
-            <a:off x="272617" y="1410200"/>
-            <a:ext cx="2677978" cy="307777"/>
-          </a:xfrm>
-          <a:prstGeom prst="rect">
-            <a:avLst/>
-          </a:prstGeom>
-          <a:noFill/>
-        </p:spPr>
-        <p:txBody>
-          <a:bodyPr wrap="square" rtlCol="0">
-            <a:spAutoFit/>
-          </a:bodyPr>
-          <a:lstStyle/>
-          <a:p>
-            <a:r>
-              <a:rPr lang="en-US" b="1" dirty="0" err="1">
-                <a:latin typeface="Courier"/>
-                <a:cs typeface="Courier"/>
-              </a:rPr>
-              <a:t>SwiftSpinner</a:t>
-            </a:r>
+              <a:rPr lang="en-US" b="1" dirty="0" smtClean="0">
+                <a:latin typeface="Courier"/>
+                <a:cs typeface="Courier"/>
+              </a:rPr>
+              <a:t>Custom Implementation</a:t>
+            </a:r>
+          </a:p>
+          <a:p>
             <a:endParaRPr lang="en-US" b="1" dirty="0" smtClean="0">
               <a:latin typeface="Courier"/>
               <a:cs typeface="Courier"/>
             </a:endParaRPr>
+          </a:p>
+          <a:p>
+            <a:r>
+              <a:rPr lang="en-US" b="1" dirty="0"/>
+              <a:t>https://</a:t>
+            </a:r>
+            <a:r>
+              <a:rPr lang="en-US" b="1" dirty="0" err="1"/>
+              <a:t>github.com</a:t>
+            </a:r>
+            <a:r>
+              <a:rPr lang="en-US" b="1" dirty="0"/>
+              <a:t>/</a:t>
+            </a:r>
+            <a:r>
+              <a:rPr lang="en-US" b="1" dirty="0" err="1"/>
+              <a:t>ReactiveX</a:t>
+            </a:r>
+            <a:r>
+              <a:rPr lang="en-US" b="1" dirty="0"/>
+              <a:t>/</a:t>
+            </a:r>
+            <a:r>
+              <a:rPr lang="en-US" b="1" dirty="0" err="1"/>
+              <a:t>RxSwift</a:t>
+            </a:r>
+            <a:r>
+              <a:rPr lang="en-US" b="1" dirty="0"/>
+              <a:t>/blob/master/</a:t>
+            </a:r>
+            <a:r>
+              <a:rPr lang="en-US" b="1" dirty="0" err="1"/>
+              <a:t>RxExample</a:t>
+            </a:r>
+            <a:r>
+              <a:rPr lang="en-US" b="1" dirty="0"/>
+              <a:t>/</a:t>
+            </a:r>
+            <a:r>
+              <a:rPr lang="en-US" b="1" dirty="0" err="1"/>
+              <a:t>RxExample</a:t>
+            </a:r>
+            <a:r>
+              <a:rPr lang="en-US" b="1" dirty="0"/>
+              <a:t>/</a:t>
+            </a:r>
+            <a:r>
+              <a:rPr lang="en-US" b="1" dirty="0" err="1"/>
+              <a:t>Operators.swift</a:t>
+            </a:r>
+            <a:endParaRPr lang="en-US" b="1" dirty="0" smtClean="0"/>
           </a:p>
         </p:txBody>
       </p:sp>
     </p:spTree>
     <p:extLst>
       <p:ext uri="{BB962C8B-B14F-4D97-AF65-F5344CB8AC3E}">
-        <p14:creationId xmlns:p14="http://schemas.microsoft.com/office/powerpoint/2010/main" val="431115927"/>
+        <p14:creationId xmlns:p14="http://schemas.microsoft.com/office/powerpoint/2010/main" val="1057682120"/>
       </p:ext>
     </p:extLst>
   </p:cSld>
@@ -8770,11 +9327,17 @@
           </a:bodyPr>
           <a:lstStyle/>
           <a:p>
-            <a:pPr lvl="0"/>
-            <a:r>
-              <a:rPr lang="en" dirty="0"/>
-              <a:t>RxDataSources</a:t>
-            </a:r>
+            <a:pPr lvl="0" rtl="0">
+              <a:spcBef>
+                <a:spcPts val="0"/>
+              </a:spcBef>
+              <a:buNone/>
+            </a:pPr>
+            <a:r>
+              <a:rPr lang="en-US" dirty="0" smtClean="0"/>
+              <a:t>2 Way Bindings</a:t>
+            </a:r>
+            <a:endParaRPr lang="en" dirty="0"/>
           </a:p>
         </p:txBody>
       </p:sp>
@@ -8855,8 +9418,8 @@
         </p:nvSpPr>
         <p:spPr>
           <a:xfrm>
-            <a:off x="272617" y="1859164"/>
-            <a:ext cx="7909439" cy="1815882"/>
+            <a:off x="272617" y="1739498"/>
+            <a:ext cx="8541258" cy="2308324"/>
           </a:xfrm>
           <a:prstGeom prst="rect">
             <a:avLst/>
@@ -8870,88 +9433,386 @@
           <a:lstStyle/>
           <a:p>
             <a:r>
-              <a:rPr lang="en-US" dirty="0"/>
-              <a:t>Using </a:t>
-            </a:r>
-            <a:r>
-              <a:rPr lang="en-US" b="1" dirty="0" err="1"/>
-              <a:t>RxDataSources</a:t>
-            </a:r>
-            <a:r>
-              <a:rPr lang="en-US" dirty="0"/>
-              <a:t> requires more work to learn its idioms, but offers more powerful, advanced features. Instead of a simple array of data, it requires you to provide contents using objects which conform to the </a:t>
-            </a:r>
-            <a:r>
-              <a:rPr lang="en-US" b="1" dirty="0" err="1"/>
-              <a:t>SectionModelType</a:t>
-            </a:r>
-            <a:r>
-              <a:rPr lang="en-US" dirty="0"/>
-              <a:t> protocol. </a:t>
-            </a:r>
-            <a:endParaRPr lang="en-US" dirty="0" smtClean="0"/>
-          </a:p>
-          <a:p>
-            <a:endParaRPr lang="en-US" dirty="0"/>
-          </a:p>
-          <a:p>
-            <a:r>
-              <a:rPr lang="en-US" dirty="0" smtClean="0"/>
-              <a:t>Each </a:t>
-            </a:r>
-            <a:r>
-              <a:rPr lang="en-US" dirty="0"/>
-              <a:t>section itself contains the actual objects. For sections with multiple object types, use the </a:t>
-            </a:r>
-            <a:r>
-              <a:rPr lang="en-US" dirty="0" err="1"/>
-              <a:t>enum</a:t>
-            </a:r>
-            <a:r>
-              <a:rPr lang="en-US" dirty="0"/>
-              <a:t> technique shown above to differentiate the types</a:t>
-            </a:r>
-            <a:r>
-              <a:rPr lang="en-US" dirty="0" smtClean="0"/>
-              <a:t>.</a:t>
-            </a:r>
-          </a:p>
-          <a:p>
-            <a:endParaRPr lang="en-US" dirty="0"/>
-          </a:p>
-          <a:p>
-            <a:r>
-              <a:rPr lang="en-US" b="1" i="1" dirty="0"/>
-              <a:t>https://</a:t>
-            </a:r>
-            <a:r>
-              <a:rPr lang="en-US" b="1" i="1" dirty="0" err="1"/>
-              <a:t>github.com</a:t>
-            </a:r>
-            <a:r>
-              <a:rPr lang="en-US" b="1" i="1" dirty="0"/>
+              <a:rPr lang="en-US" sz="1200" dirty="0">
+                <a:latin typeface="Courier"/>
+                <a:cs typeface="Courier"/>
+              </a:rPr>
+              <a:t>@</a:t>
+            </a:r>
+            <a:r>
+              <a:rPr lang="en-US" sz="1200" dirty="0" err="1">
+                <a:latin typeface="Courier"/>
+                <a:cs typeface="Courier"/>
+              </a:rPr>
+              <a:t>IBOutlet</a:t>
+            </a:r>
+            <a:r>
+              <a:rPr lang="en-US" sz="1200" dirty="0">
+                <a:latin typeface="Courier"/>
+                <a:cs typeface="Courier"/>
+              </a:rPr>
+              <a:t> weak </a:t>
+            </a:r>
+            <a:r>
+              <a:rPr lang="en-US" sz="1200" dirty="0" err="1">
+                <a:latin typeface="Courier"/>
+                <a:cs typeface="Courier"/>
+              </a:rPr>
+              <a:t>var</a:t>
+            </a:r>
+            <a:r>
+              <a:rPr lang="en-US" sz="1200" dirty="0">
+                <a:latin typeface="Courier"/>
+                <a:cs typeface="Courier"/>
+              </a:rPr>
+              <a:t> </a:t>
+            </a:r>
+            <a:r>
+              <a:rPr lang="en-US" sz="1200" dirty="0" err="1">
+                <a:latin typeface="Courier"/>
+                <a:cs typeface="Courier"/>
+              </a:rPr>
+              <a:t>textField</a:t>
+            </a:r>
+            <a:r>
+              <a:rPr lang="en-US" sz="1200" dirty="0">
+                <a:latin typeface="Courier"/>
+                <a:cs typeface="Courier"/>
+              </a:rPr>
+              <a:t>: </a:t>
+            </a:r>
+            <a:r>
+              <a:rPr lang="en-US" sz="1200" dirty="0" err="1">
+                <a:latin typeface="Courier"/>
+                <a:cs typeface="Courier"/>
+              </a:rPr>
+              <a:t>UITextField</a:t>
+            </a:r>
+            <a:r>
+              <a:rPr lang="en-US" sz="1200" dirty="0">
+                <a:latin typeface="Courier"/>
+                <a:cs typeface="Courier"/>
+              </a:rPr>
+              <a:t>!</a:t>
+            </a:r>
+          </a:p>
+          <a:p>
+            <a:r>
+              <a:rPr lang="en-US" sz="1200" dirty="0" smtClean="0">
+                <a:latin typeface="Courier"/>
+                <a:cs typeface="Courier"/>
+              </a:rPr>
+              <a:t>let </a:t>
+            </a:r>
+            <a:r>
+              <a:rPr lang="en-US" sz="1200" dirty="0" err="1">
+                <a:latin typeface="Courier"/>
+                <a:cs typeface="Courier"/>
+              </a:rPr>
+              <a:t>textValue</a:t>
+            </a:r>
+            <a:r>
+              <a:rPr lang="en-US" sz="1200" dirty="0">
+                <a:latin typeface="Courier"/>
+                <a:cs typeface="Courier"/>
+              </a:rPr>
+              <a:t> = </a:t>
+            </a:r>
+            <a:r>
+              <a:rPr lang="en-US" sz="1200" dirty="0" err="1">
+                <a:latin typeface="Courier"/>
+                <a:cs typeface="Courier"/>
+              </a:rPr>
+              <a:t>BehaviorRelay</a:t>
+            </a:r>
+            <a:r>
+              <a:rPr lang="en-US" sz="1200" dirty="0">
+                <a:latin typeface="Courier"/>
+                <a:cs typeface="Courier"/>
+              </a:rPr>
+              <a:t>(value: "")</a:t>
+            </a:r>
+          </a:p>
+          <a:p>
+            <a:r>
+              <a:rPr lang="en-US" sz="1200" dirty="0" err="1" smtClean="0">
+                <a:latin typeface="Courier"/>
+                <a:cs typeface="Courier"/>
+              </a:rPr>
+              <a:t>var</a:t>
+            </a:r>
+            <a:r>
+              <a:rPr lang="en-US" sz="1200" dirty="0" smtClean="0">
+                <a:latin typeface="Courier"/>
+                <a:cs typeface="Courier"/>
+              </a:rPr>
+              <a:t> </a:t>
+            </a:r>
+            <a:r>
+              <a:rPr lang="en-US" sz="1200" dirty="0" err="1">
+                <a:latin typeface="Courier"/>
+                <a:cs typeface="Courier"/>
+              </a:rPr>
+              <a:t>disposeBag</a:t>
+            </a:r>
+            <a:r>
+              <a:rPr lang="en-US" sz="1200" dirty="0">
+                <a:latin typeface="Courier"/>
+                <a:cs typeface="Courier"/>
+              </a:rPr>
+              <a:t> = </a:t>
+            </a:r>
+            <a:r>
+              <a:rPr lang="en-US" sz="1200" dirty="0" err="1">
+                <a:latin typeface="Courier"/>
+                <a:cs typeface="Courier"/>
+              </a:rPr>
+              <a:t>DisposeBag</a:t>
+            </a:r>
+            <a:r>
+              <a:rPr lang="en-US" sz="1200" dirty="0">
+                <a:latin typeface="Courier"/>
+                <a:cs typeface="Courier"/>
+              </a:rPr>
+              <a:t>()</a:t>
+            </a:r>
+          </a:p>
+          <a:p>
+            <a:r>
+              <a:rPr lang="mr-IN" sz="1200" dirty="0">
+                <a:latin typeface="Courier"/>
+                <a:cs typeface="Courier"/>
+              </a:rPr>
+              <a:t>    </a:t>
+            </a:r>
+            <a:endParaRPr lang="en-US" sz="1200" dirty="0" smtClean="0">
+              <a:latin typeface="Courier"/>
+              <a:cs typeface="Courier"/>
+            </a:endParaRPr>
+          </a:p>
+          <a:p>
+            <a:endParaRPr lang="mr-IN" sz="1200" dirty="0">
+              <a:latin typeface="Courier"/>
+              <a:cs typeface="Courier"/>
+            </a:endParaRPr>
+          </a:p>
+          <a:p>
+            <a:r>
+              <a:rPr lang="en-US" sz="1200" dirty="0" smtClean="0">
+                <a:latin typeface="Courier"/>
+                <a:cs typeface="Courier"/>
+              </a:rPr>
+              <a:t>override </a:t>
+            </a:r>
+            <a:r>
+              <a:rPr lang="en-US" sz="1200" dirty="0" err="1">
+                <a:latin typeface="Courier"/>
+                <a:cs typeface="Courier"/>
+              </a:rPr>
+              <a:t>func</a:t>
+            </a:r>
+            <a:r>
+              <a:rPr lang="en-US" sz="1200" dirty="0">
+                <a:latin typeface="Courier"/>
+                <a:cs typeface="Courier"/>
+              </a:rPr>
+              <a:t> </a:t>
+            </a:r>
+            <a:r>
+              <a:rPr lang="en-US" sz="1200" dirty="0" err="1">
+                <a:latin typeface="Courier"/>
+                <a:cs typeface="Courier"/>
+              </a:rPr>
+              <a:t>awakeFromNib</a:t>
+            </a:r>
+            <a:r>
+              <a:rPr lang="en-US" sz="1200" dirty="0">
+                <a:latin typeface="Courier"/>
+                <a:cs typeface="Courier"/>
+              </a:rPr>
+              <a:t>() {</a:t>
+            </a:r>
+          </a:p>
+          <a:p>
+            <a:r>
+              <a:rPr lang="en-US" sz="1200" dirty="0">
+                <a:latin typeface="Courier"/>
+                <a:cs typeface="Courier"/>
+              </a:rPr>
+              <a:t>   </a:t>
+            </a:r>
+            <a:r>
+              <a:rPr lang="en-US" sz="1200" dirty="0" err="1" smtClean="0">
+                <a:latin typeface="Courier"/>
+                <a:cs typeface="Courier"/>
+              </a:rPr>
+              <a:t>super.awakeFromNib</a:t>
+            </a:r>
+            <a:r>
+              <a:rPr lang="en-US" sz="1200" dirty="0">
+                <a:latin typeface="Courier"/>
+                <a:cs typeface="Courier"/>
+              </a:rPr>
+              <a:t>()</a:t>
+            </a:r>
+          </a:p>
+          <a:p>
+            <a:r>
+              <a:rPr lang="en-US" sz="1200" dirty="0">
+                <a:latin typeface="Courier"/>
+                <a:cs typeface="Courier"/>
+              </a:rPr>
+              <a:t>   </a:t>
+            </a:r>
+            <a:r>
+              <a:rPr lang="en-US" sz="1200" dirty="0" smtClean="0">
+                <a:latin typeface="Courier"/>
+                <a:cs typeface="Courier"/>
+              </a:rPr>
               <a:t>/</a:t>
             </a:r>
             <a:r>
-              <a:rPr lang="en-US" b="1" i="1" dirty="0" err="1"/>
-              <a:t>RxSwiftCommunity</a:t>
-            </a:r>
-            <a:r>
-              <a:rPr lang="en-US" b="1" i="1" dirty="0"/>
-              <a:t>/</a:t>
-            </a:r>
-            <a:r>
-              <a:rPr lang="en-US" b="1" i="1" dirty="0" err="1"/>
-              <a:t>RxDataSources</a:t>
-            </a:r>
-            <a:endParaRPr lang="en-US" b="1" i="1" dirty="0"/>
+              <a:rPr lang="en-US" sz="1200" dirty="0">
+                <a:latin typeface="Courier"/>
+                <a:cs typeface="Courier"/>
+              </a:rPr>
+              <a:t>/ Initialization code</a:t>
+            </a:r>
+          </a:p>
+          <a:p>
+            <a:endParaRPr lang="en-US" sz="1200" dirty="0">
+              <a:latin typeface="Courier"/>
+              <a:cs typeface="Courier"/>
+            </a:endParaRPr>
+          </a:p>
+          <a:p>
+            <a:r>
+              <a:rPr lang="en-US" sz="1200" b="1" dirty="0">
+                <a:latin typeface="Courier"/>
+                <a:cs typeface="Courier"/>
+              </a:rPr>
+              <a:t>   </a:t>
+            </a:r>
+            <a:r>
+              <a:rPr lang="en-US" sz="1200" b="1" dirty="0" smtClean="0">
+                <a:latin typeface="Courier"/>
+                <a:cs typeface="Courier"/>
+              </a:rPr>
+              <a:t>let </a:t>
+            </a:r>
+            <a:r>
+              <a:rPr lang="en-US" sz="1200" b="1" dirty="0" err="1">
+                <a:latin typeface="Courier"/>
+                <a:cs typeface="Courier"/>
+              </a:rPr>
+              <a:t>textDisposable</a:t>
+            </a:r>
+            <a:r>
+              <a:rPr lang="en-US" sz="1200" b="1" dirty="0">
+                <a:latin typeface="Courier"/>
+                <a:cs typeface="Courier"/>
+              </a:rPr>
+              <a:t> = </a:t>
+            </a:r>
+            <a:r>
+              <a:rPr lang="en-US" sz="1200" b="1" dirty="0" err="1">
+                <a:latin typeface="Courier"/>
+                <a:cs typeface="Courier"/>
+              </a:rPr>
+              <a:t>textField.rx.textInput</a:t>
+            </a:r>
+            <a:r>
+              <a:rPr lang="en-US" sz="1200" b="1" dirty="0">
+                <a:latin typeface="Courier"/>
+                <a:cs typeface="Courier"/>
+              </a:rPr>
+              <a:t> </a:t>
+            </a:r>
+            <a:r>
+              <a:rPr lang="en-US" sz="1200" b="1" dirty="0">
+                <a:solidFill>
+                  <a:schemeClr val="tx1"/>
+                </a:solidFill>
+                <a:latin typeface="Courier"/>
+                <a:cs typeface="Courier"/>
+              </a:rPr>
+              <a:t>&lt;-&gt;</a:t>
+            </a:r>
+            <a:r>
+              <a:rPr lang="en-US" sz="1200" b="1" dirty="0">
+                <a:latin typeface="Courier"/>
+                <a:cs typeface="Courier"/>
+              </a:rPr>
+              <a:t> </a:t>
+            </a:r>
+            <a:r>
+              <a:rPr lang="en-US" sz="1200" b="1" dirty="0" err="1">
+                <a:latin typeface="Courier"/>
+                <a:cs typeface="Courier"/>
+              </a:rPr>
+              <a:t>textValue</a:t>
+            </a:r>
+            <a:endParaRPr lang="en-US" sz="1200" b="1" dirty="0">
+              <a:latin typeface="Courier"/>
+              <a:cs typeface="Courier"/>
+            </a:endParaRPr>
+          </a:p>
+          <a:p>
+            <a:r>
+              <a:rPr lang="en-US" sz="1200" b="1" dirty="0">
+                <a:latin typeface="Courier"/>
+                <a:cs typeface="Courier"/>
+              </a:rPr>
+              <a:t>   </a:t>
+            </a:r>
+            <a:r>
+              <a:rPr lang="en-US" sz="1200" b="1" dirty="0" err="1" smtClean="0">
+                <a:latin typeface="Courier"/>
+                <a:cs typeface="Courier"/>
+              </a:rPr>
+              <a:t>textDisposable.disposed</a:t>
+            </a:r>
+            <a:r>
+              <a:rPr lang="en-US" sz="1200" b="1" dirty="0">
+                <a:latin typeface="Courier"/>
+                <a:cs typeface="Courier"/>
+              </a:rPr>
+              <a:t>(by: </a:t>
+            </a:r>
+            <a:r>
+              <a:rPr lang="en-US" sz="1200" b="1" dirty="0" err="1">
+                <a:latin typeface="Courier"/>
+                <a:cs typeface="Courier"/>
+              </a:rPr>
+              <a:t>self.disposeBag</a:t>
+            </a:r>
+            <a:r>
+              <a:rPr lang="en-US" sz="1200" b="1" dirty="0">
+                <a:latin typeface="Courier"/>
+                <a:cs typeface="Courier"/>
+              </a:rPr>
+              <a:t>)</a:t>
+            </a:r>
+          </a:p>
+          <a:p>
+            <a:r>
+              <a:rPr lang="mr-IN" sz="1200" dirty="0" smtClean="0">
+                <a:latin typeface="Courier"/>
+                <a:cs typeface="Courier"/>
+              </a:rPr>
+              <a:t>}</a:t>
+            </a:r>
+            <a:endParaRPr lang="en-US" sz="1200" b="1" dirty="0" smtClean="0">
+              <a:latin typeface="Courier"/>
+              <a:cs typeface="Courier"/>
+            </a:endParaRPr>
           </a:p>
         </p:txBody>
       </p:sp>
     </p:spTree>
     <p:extLst>
       <p:ext uri="{BB962C8B-B14F-4D97-AF65-F5344CB8AC3E}">
-        <p14:creationId xmlns:p14="http://schemas.microsoft.com/office/powerpoint/2010/main" val="1409506867"/>
+        <p14:creationId xmlns:p14="http://schemas.microsoft.com/office/powerpoint/2010/main" val="76180067"/>
       </p:ext>
     </p:extLst>
   </p:cSld>
@@ -9010,10 +9871,15 @@
           </a:bodyPr>
           <a:lstStyle/>
           <a:p>
-            <a:pPr lvl="0"/>
-            <a:r>
-              <a:rPr lang="en" dirty="0" smtClean="0"/>
-              <a:t>Lab</a:t>
+            <a:pPr lvl="0" rtl="0">
+              <a:spcBef>
+                <a:spcPts val="0"/>
+              </a:spcBef>
+              <a:buNone/>
+            </a:pPr>
+            <a:r>
+              <a:rPr lang="en-US" dirty="0" smtClean="0"/>
+              <a:t>Adding a reactive extension to Custom UI Element</a:t>
             </a:r>
             <a:endParaRPr lang="en" dirty="0"/>
           </a:p>
@@ -9090,14 +9956,14 @@
       </p:pic>
       <p:sp>
         <p:nvSpPr>
-          <p:cNvPr id="3" name="TextBox 2"/>
+          <p:cNvPr id="6" name="TextBox 5"/>
           <p:cNvSpPr txBox="1"/>
           <p:nvPr/>
         </p:nvSpPr>
         <p:spPr>
           <a:xfrm>
-            <a:off x="1347552" y="2149844"/>
-            <a:ext cx="5360421" cy="738664"/>
+            <a:off x="272617" y="1859164"/>
+            <a:ext cx="3202387" cy="830997"/>
           </a:xfrm>
           <a:prstGeom prst="rect">
             <a:avLst/>
@@ -9105,60 +9971,769 @@
           <a:noFill/>
         </p:spPr>
         <p:txBody>
-          <a:bodyPr wrap="none" rtlCol="0">
+          <a:bodyPr wrap="square" rtlCol="0">
             <a:spAutoFit/>
           </a:bodyPr>
           <a:lstStyle/>
           <a:p>
             <a:r>
-              <a:rPr lang="en-US" b="1" i="1" dirty="0">
-                <a:hlinkClick r:id="rId4"/>
-              </a:rPr>
-              <a:t>https://github.com/younghwankim/RxSwiftClass/tree/</a:t>
-            </a:r>
-            <a:r>
-              <a:rPr lang="en-US" b="1" i="1" dirty="0" smtClean="0">
-                <a:hlinkClick r:id="rId4"/>
-              </a:rPr>
-              <a:t>master</a:t>
-            </a:r>
-          </a:p>
-          <a:p>
-            <a:r>
-              <a:rPr lang="en-US" b="1" i="1" dirty="0" smtClean="0">
-                <a:hlinkClick r:id="rId4"/>
-              </a:rPr>
-              <a:t>/</a:t>
-            </a:r>
-            <a:r>
-              <a:rPr lang="en-US" b="1" i="1" dirty="0" err="1">
-                <a:hlinkClick r:id="rId4"/>
-              </a:rPr>
-              <a:t>AdvancedRxSwift</a:t>
-            </a:r>
-            <a:r>
-              <a:rPr lang="en-US" b="1" i="1" dirty="0">
-                <a:hlinkClick r:id="rId4"/>
-              </a:rPr>
-              <a:t>/day4/</a:t>
-            </a:r>
-            <a:r>
-              <a:rPr lang="en-US" b="1" i="1" dirty="0" err="1" smtClean="0">
-                <a:hlinkClick r:id="rId4"/>
-              </a:rPr>
-              <a:t>AdvancedTableView</a:t>
-            </a:r>
-            <a:endParaRPr lang="en-US" b="1" i="1" dirty="0" smtClean="0"/>
-          </a:p>
-          <a:p>
-            <a:endParaRPr lang="en-US" b="1" i="1" dirty="0" smtClean="0"/>
+              <a:rPr lang="mr-IN" sz="1200" dirty="0" smtClean="0">
+                <a:latin typeface="Courier"/>
+                <a:cs typeface="Courier"/>
+              </a:rPr>
+              <a:t>  </a:t>
+            </a:r>
+            <a:r>
+              <a:rPr lang="en-US" sz="1200" dirty="0" err="1">
+                <a:latin typeface="Courier"/>
+                <a:cs typeface="Courier"/>
+              </a:rPr>
+              <a:t>myObservable</a:t>
+            </a:r>
+            <a:endParaRPr lang="en-US" sz="1200" dirty="0">
+              <a:latin typeface="Courier"/>
+              <a:cs typeface="Courier"/>
+            </a:endParaRPr>
+          </a:p>
+          <a:p>
+            <a:r>
+              <a:rPr lang="en-US" sz="1200" dirty="0">
+                <a:latin typeface="Courier"/>
+                <a:cs typeface="Courier"/>
+              </a:rPr>
+              <a:t>  .map { "new value is \($0)" }</a:t>
+            </a:r>
+          </a:p>
+          <a:p>
+            <a:r>
+              <a:rPr lang="en-US" sz="1200" dirty="0">
+                <a:latin typeface="Courier"/>
+                <a:cs typeface="Courier"/>
+              </a:rPr>
+              <a:t>  .bind(to: </a:t>
+            </a:r>
+            <a:r>
+              <a:rPr lang="en-US" sz="1200" dirty="0" err="1">
+                <a:latin typeface="Courier"/>
+                <a:cs typeface="Courier"/>
+              </a:rPr>
+              <a:t>myLabel.rx.text</a:t>
+            </a:r>
+            <a:r>
+              <a:rPr lang="en-US" sz="1200" dirty="0">
+                <a:latin typeface="Courier"/>
+                <a:cs typeface="Courier"/>
+              </a:rPr>
+              <a:t> )</a:t>
+            </a:r>
+          </a:p>
+          <a:p>
+            <a:r>
+              <a:rPr lang="en-US" sz="1200" dirty="0">
+                <a:latin typeface="Courier"/>
+                <a:cs typeface="Courier"/>
+              </a:rPr>
+              <a:t>  .disposed(by: bag)</a:t>
+            </a:r>
+            <a:endParaRPr lang="en-US" sz="1200" b="1" dirty="0" smtClean="0">
+              <a:latin typeface="Courier"/>
+              <a:cs typeface="Courier"/>
+            </a:endParaRPr>
+          </a:p>
+        </p:txBody>
+      </p:sp>
+      <p:sp>
+        <p:nvSpPr>
+          <p:cNvPr id="7" name="TextBox 6"/>
+          <p:cNvSpPr txBox="1"/>
+          <p:nvPr/>
+        </p:nvSpPr>
+        <p:spPr>
+          <a:xfrm>
+            <a:off x="272617" y="1410200"/>
+            <a:ext cx="2677978" cy="307777"/>
+          </a:xfrm>
+          <a:prstGeom prst="rect">
+            <a:avLst/>
+          </a:prstGeom>
+          <a:noFill/>
+        </p:spPr>
+        <p:txBody>
+          <a:bodyPr wrap="square" rtlCol="0">
+            <a:spAutoFit/>
+          </a:bodyPr>
+          <a:lstStyle/>
+          <a:p>
+            <a:r>
+              <a:rPr lang="en-US" b="1" dirty="0" err="1" smtClean="0">
+                <a:latin typeface="Courier"/>
+                <a:cs typeface="Courier"/>
+              </a:rPr>
+              <a:t>UILabel</a:t>
+            </a:r>
+            <a:endParaRPr lang="en-US" b="1" dirty="0" smtClean="0">
+              <a:latin typeface="Courier"/>
+              <a:cs typeface="Courier"/>
+            </a:endParaRPr>
+          </a:p>
+        </p:txBody>
+      </p:sp>
+      <p:sp>
+        <p:nvSpPr>
+          <p:cNvPr id="8" name="TextBox 7"/>
+          <p:cNvSpPr txBox="1"/>
+          <p:nvPr/>
+        </p:nvSpPr>
+        <p:spPr>
+          <a:xfrm>
+            <a:off x="272617" y="3054166"/>
+            <a:ext cx="6063764" cy="1754327"/>
+          </a:xfrm>
+          <a:prstGeom prst="rect">
+            <a:avLst/>
+          </a:prstGeom>
+          <a:noFill/>
+        </p:spPr>
+        <p:txBody>
+          <a:bodyPr wrap="square" rtlCol="0">
+            <a:spAutoFit/>
+          </a:bodyPr>
+          <a:lstStyle/>
+          <a:p>
+            <a:r>
+              <a:rPr lang="en-US" sz="1200" dirty="0">
+                <a:latin typeface="Courier"/>
+                <a:cs typeface="Courier"/>
+              </a:rPr>
+              <a:t> extension Reactive where Base: </a:t>
+            </a:r>
+            <a:r>
+              <a:rPr lang="en-US" sz="1200" dirty="0" err="1">
+                <a:latin typeface="Courier"/>
+                <a:cs typeface="Courier"/>
+              </a:rPr>
+              <a:t>UILabel</a:t>
+            </a:r>
+            <a:r>
+              <a:rPr lang="en-US" sz="1200" dirty="0">
+                <a:latin typeface="Courier"/>
+                <a:cs typeface="Courier"/>
+              </a:rPr>
+              <a:t> {</a:t>
+            </a:r>
+          </a:p>
+          <a:p>
+            <a:r>
+              <a:rPr lang="en-US" sz="1200" dirty="0">
+                <a:latin typeface="Courier"/>
+                <a:cs typeface="Courier"/>
+              </a:rPr>
+              <a:t>    </a:t>
+            </a:r>
+          </a:p>
+          <a:p>
+            <a:r>
+              <a:rPr lang="en-US" sz="1200" dirty="0">
+                <a:latin typeface="Courier"/>
+                <a:cs typeface="Courier"/>
+              </a:rPr>
+              <a:t>    /// </a:t>
+            </a:r>
+            <a:r>
+              <a:rPr lang="en-US" sz="1200" dirty="0" err="1">
+                <a:latin typeface="Courier"/>
+                <a:cs typeface="Courier"/>
+              </a:rPr>
+              <a:t>Bindable</a:t>
+            </a:r>
+            <a:r>
+              <a:rPr lang="en-US" sz="1200" dirty="0">
+                <a:latin typeface="Courier"/>
+                <a:cs typeface="Courier"/>
+              </a:rPr>
+              <a:t> sink for `text` property.</a:t>
+            </a:r>
+          </a:p>
+          <a:p>
+            <a:r>
+              <a:rPr lang="en-US" sz="1200" dirty="0">
+                <a:latin typeface="Courier"/>
+                <a:cs typeface="Courier"/>
+              </a:rPr>
+              <a:t>    public </a:t>
+            </a:r>
+            <a:r>
+              <a:rPr lang="en-US" sz="1200" dirty="0" err="1">
+                <a:latin typeface="Courier"/>
+                <a:cs typeface="Courier"/>
+              </a:rPr>
+              <a:t>var</a:t>
+            </a:r>
+            <a:r>
+              <a:rPr lang="en-US" sz="1200" dirty="0">
+                <a:latin typeface="Courier"/>
+                <a:cs typeface="Courier"/>
+              </a:rPr>
+              <a:t> text: Binder&lt;String?&gt; {</a:t>
+            </a:r>
+          </a:p>
+          <a:p>
+            <a:r>
+              <a:rPr lang="en-US" sz="1200" dirty="0">
+                <a:latin typeface="Courier"/>
+                <a:cs typeface="Courier"/>
+              </a:rPr>
+              <a:t>        return Binder(</a:t>
+            </a:r>
+            <a:r>
+              <a:rPr lang="en-US" sz="1200" dirty="0" err="1">
+                <a:latin typeface="Courier"/>
+                <a:cs typeface="Courier"/>
+              </a:rPr>
+              <a:t>self.base</a:t>
+            </a:r>
+            <a:r>
+              <a:rPr lang="en-US" sz="1200" dirty="0">
+                <a:latin typeface="Courier"/>
+                <a:cs typeface="Courier"/>
+              </a:rPr>
+              <a:t>) { label, text in</a:t>
+            </a:r>
+          </a:p>
+          <a:p>
+            <a:r>
+              <a:rPr lang="en-US" sz="1200" dirty="0">
+                <a:latin typeface="Courier"/>
+                <a:cs typeface="Courier"/>
+              </a:rPr>
+              <a:t>            </a:t>
+            </a:r>
+            <a:r>
+              <a:rPr lang="en-US" sz="1200" dirty="0" err="1">
+                <a:latin typeface="Courier"/>
+                <a:cs typeface="Courier"/>
+              </a:rPr>
+              <a:t>label.text</a:t>
+            </a:r>
+            <a:r>
+              <a:rPr lang="en-US" sz="1200" dirty="0">
+                <a:latin typeface="Courier"/>
+                <a:cs typeface="Courier"/>
+              </a:rPr>
+              <a:t> = text</a:t>
+            </a:r>
+          </a:p>
+          <a:p>
+            <a:r>
+              <a:rPr lang="en-US" sz="1200" dirty="0">
+                <a:latin typeface="Courier"/>
+                <a:cs typeface="Courier"/>
+              </a:rPr>
+              <a:t>        }</a:t>
+            </a:r>
+          </a:p>
+          <a:p>
+            <a:r>
+              <a:rPr lang="en-US" sz="1200" dirty="0">
+                <a:latin typeface="Courier"/>
+                <a:cs typeface="Courier"/>
+              </a:rPr>
+              <a:t>    }</a:t>
+            </a:r>
+          </a:p>
+          <a:p>
+            <a:r>
+              <a:rPr lang="en-US" sz="1200" dirty="0">
+                <a:latin typeface="Courier"/>
+                <a:cs typeface="Courier"/>
+              </a:rPr>
+              <a:t>}</a:t>
+            </a:r>
+            <a:endParaRPr lang="en-US" sz="1200" b="1" dirty="0" smtClean="0">
+              <a:latin typeface="Courier"/>
+              <a:cs typeface="Courier"/>
+            </a:endParaRPr>
           </a:p>
         </p:txBody>
       </p:sp>
     </p:spTree>
     <p:extLst>
       <p:ext uri="{BB962C8B-B14F-4D97-AF65-F5344CB8AC3E}">
-        <p14:creationId xmlns:p14="http://schemas.microsoft.com/office/powerpoint/2010/main" val="330065804"/>
+        <p14:creationId xmlns:p14="http://schemas.microsoft.com/office/powerpoint/2010/main" val="300885360"/>
+      </p:ext>
+    </p:extLst>
+  </p:cSld>
+  <p:clrMapOvr>
+    <a:masterClrMapping/>
+  </p:clrMapOvr>
+  <p:timing>
+    <p:tnLst>
+      <p:par>
+        <p:cTn xmlns:p14="http://schemas.microsoft.com/office/powerpoint/2010/main" id="1" dur="indefinite" restart="never" nodeType="tmRoot"/>
+      </p:par>
+    </p:tnLst>
+  </p:timing>
+</p:sld>
+</file>
+
+<file path=ppt/slides/slide19.xml><?xml version="1.0" encoding="utf-8"?>
+<p:sld xmlns:a="http://schemas.openxmlformats.org/drawingml/2006/main" xmlns:r="http://schemas.openxmlformats.org/officeDocument/2006/relationships" xmlns:p="http://schemas.openxmlformats.org/presentationml/2006/main">
+  <p:cSld>
+    <p:spTree>
+      <p:nvGrpSpPr>
+        <p:cNvPr id="1" name="Shape 188"/>
+        <p:cNvGrpSpPr/>
+        <p:nvPr/>
+      </p:nvGrpSpPr>
+      <p:grpSpPr>
+        <a:xfrm>
+          <a:off x="0" y="0"/>
+          <a:ext cx="0" cy="0"/>
+          <a:chOff x="0" y="0"/>
+          <a:chExt cx="0" cy="0"/>
+        </a:xfrm>
+      </p:grpSpPr>
+      <p:sp>
+        <p:nvSpPr>
+          <p:cNvPr id="189" name="Shape 189"/>
+          <p:cNvSpPr txBox="1">
+            <a:spLocks noGrp="1"/>
+          </p:cNvSpPr>
+          <p:nvPr>
+            <p:ph type="title"/>
+          </p:nvPr>
+        </p:nvSpPr>
+        <p:spPr>
+          <a:xfrm>
+            <a:off x="1052178" y="392575"/>
+            <a:ext cx="5600876" cy="766200"/>
+          </a:xfrm>
+          <a:prstGeom prst="rect">
+            <a:avLst/>
+          </a:prstGeom>
+        </p:spPr>
+        <p:txBody>
+          <a:bodyPr wrap="square" lIns="91425" tIns="91425" rIns="91425" bIns="91425" anchor="ctr" anchorCtr="0">
+            <a:noAutofit/>
+          </a:bodyPr>
+          <a:lstStyle/>
+          <a:p>
+            <a:pPr lvl="0" rtl="0">
+              <a:spcBef>
+                <a:spcPts val="0"/>
+              </a:spcBef>
+              <a:buNone/>
+            </a:pPr>
+            <a:r>
+              <a:rPr lang="en-US" dirty="0" smtClean="0"/>
+              <a:t>Adding a reactive extension to Custom UI Element</a:t>
+            </a:r>
+            <a:endParaRPr lang="en" dirty="0"/>
+          </a:p>
+        </p:txBody>
+      </p:sp>
+      <p:sp>
+        <p:nvSpPr>
+          <p:cNvPr id="192" name="Shape 192"/>
+          <p:cNvSpPr txBox="1">
+            <a:spLocks noGrp="1"/>
+          </p:cNvSpPr>
+          <p:nvPr>
+            <p:ph type="sldNum" idx="12"/>
+          </p:nvPr>
+        </p:nvSpPr>
+        <p:spPr>
+          <a:xfrm>
+            <a:off x="7618000" y="4636500"/>
+            <a:ext cx="1487400" cy="315600"/>
+          </a:xfrm>
+          <a:prstGeom prst="rect">
+            <a:avLst/>
+          </a:prstGeom>
+        </p:spPr>
+        <p:txBody>
+          <a:bodyPr wrap="square" lIns="91425" tIns="91425" rIns="91425" bIns="91425" anchor="ctr" anchorCtr="0">
+            <a:noAutofit/>
+          </a:bodyPr>
+          <a:lstStyle/>
+          <a:p>
+            <a:pPr lvl="0">
+              <a:spcBef>
+                <a:spcPts val="0"/>
+              </a:spcBef>
+              <a:buNone/>
+            </a:pPr>
+            <a:fld id="{00000000-1234-1234-1234-123412341234}" type="slidenum">
+              <a:rPr lang="en"/>
+              <a:t>19</a:t>
+            </a:fld>
+            <a:endParaRPr lang="en"/>
+          </a:p>
+        </p:txBody>
+      </p:sp>
+      <p:pic>
+        <p:nvPicPr>
+          <p:cNvPr id="2" name="Picture 1" descr="Rx_Logo_M.png"/>
+          <p:cNvPicPr>
+            <a:picLocks noChangeAspect="1"/>
+          </p:cNvPicPr>
+          <p:nvPr/>
+        </p:nvPicPr>
+        <p:blipFill>
+          <a:blip r:embed="rId3">
+            <a:extLst>
+              <a:ext uri="{28A0092B-C50C-407E-A947-70E740481C1C}">
+                <a14:useLocalDpi xmlns:a14="http://schemas.microsoft.com/office/drawing/2010/main" val="0"/>
+              </a:ext>
+            </a:extLst>
+          </a:blip>
+          <a:stretch>
+            <a:fillRect/>
+          </a:stretch>
+        </p:blipFill>
+        <p:spPr>
+          <a:xfrm>
+            <a:off x="151129" y="442005"/>
+            <a:ext cx="663146" cy="663146"/>
+          </a:xfrm>
+          <a:prstGeom prst="rect">
+            <a:avLst/>
+          </a:prstGeom>
+        </p:spPr>
+      </p:pic>
+      <p:sp>
+        <p:nvSpPr>
+          <p:cNvPr id="6" name="TextBox 5"/>
+          <p:cNvSpPr txBox="1"/>
+          <p:nvPr/>
+        </p:nvSpPr>
+        <p:spPr>
+          <a:xfrm>
+            <a:off x="272617" y="1859164"/>
+            <a:ext cx="8016848" cy="646331"/>
+          </a:xfrm>
+          <a:prstGeom prst="rect">
+            <a:avLst/>
+          </a:prstGeom>
+          <a:noFill/>
+        </p:spPr>
+        <p:txBody>
+          <a:bodyPr wrap="square" rtlCol="0">
+            <a:spAutoFit/>
+          </a:bodyPr>
+          <a:lstStyle/>
+          <a:p>
+            <a:r>
+              <a:rPr lang="en-US" sz="1200" dirty="0">
+                <a:latin typeface="Courier"/>
+                <a:cs typeface="Courier"/>
+              </a:rPr>
+              <a:t>Observable&lt;</a:t>
+            </a:r>
+            <a:r>
+              <a:rPr lang="en-US" sz="1200" dirty="0" err="1">
+                <a:latin typeface="Courier"/>
+                <a:cs typeface="Courier"/>
+              </a:rPr>
+              <a:t>Int</a:t>
+            </a:r>
+            <a:r>
+              <a:rPr lang="en-US" sz="1200" dirty="0">
+                <a:latin typeface="Courier"/>
+                <a:cs typeface="Courier"/>
+              </a:rPr>
+              <a:t>&gt;.timer(0.0, period: 0.15, scheduler: </a:t>
+            </a:r>
+            <a:r>
+              <a:rPr lang="en-US" sz="1200" dirty="0" err="1">
+                <a:latin typeface="Courier"/>
+                <a:cs typeface="Courier"/>
+              </a:rPr>
+              <a:t>MainScheduler.instance</a:t>
+            </a:r>
+            <a:r>
+              <a:rPr lang="en-US" sz="1200" dirty="0">
+                <a:latin typeface="Courier"/>
+                <a:cs typeface="Courier"/>
+              </a:rPr>
+              <a:t>)</a:t>
+            </a:r>
+          </a:p>
+          <a:p>
+            <a:r>
+              <a:rPr lang="en-US" sz="1200" dirty="0" smtClean="0">
+                <a:latin typeface="Courier"/>
+                <a:cs typeface="Courier"/>
+              </a:rPr>
+              <a:t>   .</a:t>
+            </a:r>
+            <a:r>
+              <a:rPr lang="en-US" sz="1200" dirty="0">
+                <a:latin typeface="Courier"/>
+                <a:cs typeface="Courier"/>
+              </a:rPr>
+              <a:t>bind(to: </a:t>
+            </a:r>
+            <a:r>
+              <a:rPr lang="en-US" sz="1200" dirty="0" err="1">
+                <a:latin typeface="Courier"/>
+                <a:cs typeface="Courier"/>
+              </a:rPr>
+              <a:t>SwiftSpinner.sharedInstance.rx.progress</a:t>
+            </a:r>
+            <a:r>
+              <a:rPr lang="en-US" sz="1200" dirty="0">
+                <a:latin typeface="Courier"/>
+                <a:cs typeface="Courier"/>
+              </a:rPr>
+              <a:t> )</a:t>
+            </a:r>
+          </a:p>
+          <a:p>
+            <a:r>
+              <a:rPr lang="en-US" sz="1200" dirty="0" smtClean="0">
+                <a:latin typeface="Courier"/>
+                <a:cs typeface="Courier"/>
+              </a:rPr>
+              <a:t>   .</a:t>
+            </a:r>
+            <a:r>
+              <a:rPr lang="en-US" sz="1200" dirty="0">
+                <a:latin typeface="Courier"/>
+                <a:cs typeface="Courier"/>
+              </a:rPr>
+              <a:t>disposed(by: bag)</a:t>
+            </a:r>
+            <a:endParaRPr lang="en-US" sz="1200" b="1" dirty="0" smtClean="0">
+              <a:latin typeface="Courier"/>
+              <a:cs typeface="Courier"/>
+            </a:endParaRPr>
+          </a:p>
+        </p:txBody>
+      </p:sp>
+      <p:sp>
+        <p:nvSpPr>
+          <p:cNvPr id="8" name="TextBox 7"/>
+          <p:cNvSpPr txBox="1"/>
+          <p:nvPr/>
+        </p:nvSpPr>
+        <p:spPr>
+          <a:xfrm>
+            <a:off x="37908" y="3054166"/>
+            <a:ext cx="9105400" cy="1569660"/>
+          </a:xfrm>
+          <a:prstGeom prst="rect">
+            <a:avLst/>
+          </a:prstGeom>
+          <a:noFill/>
+        </p:spPr>
+        <p:txBody>
+          <a:bodyPr wrap="square" rtlCol="0">
+            <a:spAutoFit/>
+          </a:bodyPr>
+          <a:lstStyle/>
+          <a:p>
+            <a:r>
+              <a:rPr lang="en-US" sz="1200" dirty="0">
+                <a:latin typeface="Courier"/>
+                <a:cs typeface="Courier"/>
+              </a:rPr>
+              <a:t>extension Reactive where Base: </a:t>
+            </a:r>
+            <a:r>
+              <a:rPr lang="en-US" sz="1200" dirty="0" err="1">
+                <a:latin typeface="Courier"/>
+                <a:cs typeface="Courier"/>
+              </a:rPr>
+              <a:t>SwiftSpinner</a:t>
+            </a:r>
+            <a:r>
+              <a:rPr lang="en-US" sz="1200" dirty="0">
+                <a:latin typeface="Courier"/>
+                <a:cs typeface="Courier"/>
+              </a:rPr>
+              <a:t> {</a:t>
+            </a:r>
+          </a:p>
+          <a:p>
+            <a:r>
+              <a:rPr lang="en-US" sz="1200" dirty="0">
+                <a:latin typeface="Courier"/>
+                <a:cs typeface="Courier"/>
+              </a:rPr>
+              <a:t>    public </a:t>
+            </a:r>
+            <a:r>
+              <a:rPr lang="en-US" sz="1200" dirty="0" err="1">
+                <a:latin typeface="Courier"/>
+                <a:cs typeface="Courier"/>
+              </a:rPr>
+              <a:t>var</a:t>
+            </a:r>
+            <a:r>
+              <a:rPr lang="en-US" sz="1200" dirty="0">
+                <a:latin typeface="Courier"/>
+                <a:cs typeface="Courier"/>
+              </a:rPr>
+              <a:t> progress: </a:t>
+            </a:r>
+            <a:r>
+              <a:rPr lang="en-US" sz="1200" dirty="0" smtClean="0">
+                <a:latin typeface="Courier"/>
+                <a:cs typeface="Courier"/>
+              </a:rPr>
+              <a:t>Binder&lt;</a:t>
+            </a:r>
+            <a:r>
+              <a:rPr lang="en-US" sz="1200" dirty="0" err="1" smtClean="0">
+                <a:latin typeface="Courier"/>
+                <a:cs typeface="Courier"/>
+              </a:rPr>
+              <a:t>Int</a:t>
+            </a:r>
+            <a:r>
+              <a:rPr lang="en-US" sz="1200" dirty="0">
+                <a:latin typeface="Courier"/>
+                <a:cs typeface="Courier"/>
+              </a:rPr>
+              <a:t>&gt; {</a:t>
+            </a:r>
+          </a:p>
+          <a:p>
+            <a:r>
+              <a:rPr lang="en-US" sz="1200" dirty="0">
+                <a:latin typeface="Courier"/>
+                <a:cs typeface="Courier"/>
+              </a:rPr>
+              <a:t>        return </a:t>
+            </a:r>
+            <a:r>
+              <a:rPr lang="en-US" sz="1200" dirty="0" smtClean="0">
+                <a:latin typeface="Courier"/>
+                <a:cs typeface="Courier"/>
+              </a:rPr>
+              <a:t>Binder(</a:t>
+            </a:r>
+            <a:r>
+              <a:rPr lang="en-US" sz="1200" dirty="0" err="1" smtClean="0">
+                <a:latin typeface="Courier"/>
+                <a:cs typeface="Courier"/>
+              </a:rPr>
+              <a:t>self.base</a:t>
+            </a:r>
+            <a:r>
+              <a:rPr lang="en-US" sz="1200" dirty="0">
+                <a:latin typeface="Courier"/>
+                <a:cs typeface="Courier"/>
+              </a:rPr>
+              <a:t>) { spinner, progress in</a:t>
+            </a:r>
+          </a:p>
+          <a:p>
+            <a:r>
+              <a:rPr lang="en-US" sz="1200" dirty="0">
+                <a:latin typeface="Courier"/>
+                <a:cs typeface="Courier"/>
+              </a:rPr>
+              <a:t>            let progress = max(0, min(progress, 100))</a:t>
+            </a:r>
+          </a:p>
+          <a:p>
+            <a:r>
+              <a:rPr lang="en-US" sz="1200" dirty="0">
+                <a:latin typeface="Courier"/>
+                <a:cs typeface="Courier"/>
+              </a:rPr>
+              <a:t>            </a:t>
+            </a:r>
+            <a:r>
+              <a:rPr lang="en-US" sz="1200" dirty="0" err="1">
+                <a:latin typeface="Courier"/>
+                <a:cs typeface="Courier"/>
+              </a:rPr>
+              <a:t>SwiftSpinner.show</a:t>
+            </a:r>
+            <a:r>
+              <a:rPr lang="en-US" sz="1200" dirty="0">
+                <a:latin typeface="Courier"/>
+                <a:cs typeface="Courier"/>
+              </a:rPr>
+              <a:t>(progress: Double(progress)/100.0, title: "\(progress)% completed")</a:t>
+            </a:r>
+          </a:p>
+          <a:p>
+            <a:r>
+              <a:rPr lang="en-US" sz="1200" dirty="0">
+                <a:latin typeface="Courier"/>
+                <a:cs typeface="Courier"/>
+              </a:rPr>
+              <a:t>        }</a:t>
+            </a:r>
+          </a:p>
+          <a:p>
+            <a:r>
+              <a:rPr lang="en-US" sz="1200" dirty="0">
+                <a:latin typeface="Courier"/>
+                <a:cs typeface="Courier"/>
+              </a:rPr>
+              <a:t>    }</a:t>
+            </a:r>
+          </a:p>
+          <a:p>
+            <a:r>
+              <a:rPr lang="en-US" sz="1200" dirty="0">
+                <a:latin typeface="Courier"/>
+                <a:cs typeface="Courier"/>
+              </a:rPr>
+              <a:t>}</a:t>
+            </a:r>
+            <a:endParaRPr lang="en-US" sz="1200" b="1" dirty="0" smtClean="0">
+              <a:latin typeface="Courier"/>
+              <a:cs typeface="Courier"/>
+            </a:endParaRPr>
+          </a:p>
+        </p:txBody>
+      </p:sp>
+      <p:sp>
+        <p:nvSpPr>
+          <p:cNvPr id="9" name="TextBox 8"/>
+          <p:cNvSpPr txBox="1"/>
+          <p:nvPr/>
+        </p:nvSpPr>
+        <p:spPr>
+          <a:xfrm>
+            <a:off x="272617" y="1410200"/>
+            <a:ext cx="2677978" cy="307777"/>
+          </a:xfrm>
+          <a:prstGeom prst="rect">
+            <a:avLst/>
+          </a:prstGeom>
+          <a:noFill/>
+        </p:spPr>
+        <p:txBody>
+          <a:bodyPr wrap="square" rtlCol="0">
+            <a:spAutoFit/>
+          </a:bodyPr>
+          <a:lstStyle/>
+          <a:p>
+            <a:r>
+              <a:rPr lang="en-US" b="1" dirty="0" err="1">
+                <a:latin typeface="Courier"/>
+                <a:cs typeface="Courier"/>
+              </a:rPr>
+              <a:t>SwiftSpinner</a:t>
+            </a:r>
+            <a:endParaRPr lang="en-US" b="1" dirty="0" smtClean="0">
+              <a:latin typeface="Courier"/>
+              <a:cs typeface="Courier"/>
+            </a:endParaRPr>
+          </a:p>
+        </p:txBody>
+      </p:sp>
+    </p:spTree>
+    <p:extLst>
+      <p:ext uri="{BB962C8B-B14F-4D97-AF65-F5344CB8AC3E}">
+        <p14:creationId xmlns:p14="http://schemas.microsoft.com/office/powerpoint/2010/main" val="431115927"/>
       </p:ext>
     </p:extLst>
   </p:cSld>
@@ -9512,6 +11087,453 @@
 </p:sld>
 </file>
 
+<file path=ppt/slides/slide20.xml><?xml version="1.0" encoding="utf-8"?>
+<p:sld xmlns:a="http://schemas.openxmlformats.org/drawingml/2006/main" xmlns:r="http://schemas.openxmlformats.org/officeDocument/2006/relationships" xmlns:p="http://schemas.openxmlformats.org/presentationml/2006/main">
+  <p:cSld>
+    <p:spTree>
+      <p:nvGrpSpPr>
+        <p:cNvPr id="1" name="Shape 188"/>
+        <p:cNvGrpSpPr/>
+        <p:nvPr/>
+      </p:nvGrpSpPr>
+      <p:grpSpPr>
+        <a:xfrm>
+          <a:off x="0" y="0"/>
+          <a:ext cx="0" cy="0"/>
+          <a:chOff x="0" y="0"/>
+          <a:chExt cx="0" cy="0"/>
+        </a:xfrm>
+      </p:grpSpPr>
+      <p:sp>
+        <p:nvSpPr>
+          <p:cNvPr id="189" name="Shape 189"/>
+          <p:cNvSpPr txBox="1">
+            <a:spLocks noGrp="1"/>
+          </p:cNvSpPr>
+          <p:nvPr>
+            <p:ph type="title"/>
+          </p:nvPr>
+        </p:nvSpPr>
+        <p:spPr>
+          <a:xfrm>
+            <a:off x="1052178" y="392575"/>
+            <a:ext cx="5600876" cy="766200"/>
+          </a:xfrm>
+          <a:prstGeom prst="rect">
+            <a:avLst/>
+          </a:prstGeom>
+        </p:spPr>
+        <p:txBody>
+          <a:bodyPr wrap="square" lIns="91425" tIns="91425" rIns="91425" bIns="91425" anchor="ctr" anchorCtr="0">
+            <a:noAutofit/>
+          </a:bodyPr>
+          <a:lstStyle/>
+          <a:p>
+            <a:pPr lvl="0"/>
+            <a:r>
+              <a:rPr lang="en" dirty="0"/>
+              <a:t>RxDataSources</a:t>
+            </a:r>
+          </a:p>
+        </p:txBody>
+      </p:sp>
+      <p:sp>
+        <p:nvSpPr>
+          <p:cNvPr id="192" name="Shape 192"/>
+          <p:cNvSpPr txBox="1">
+            <a:spLocks noGrp="1"/>
+          </p:cNvSpPr>
+          <p:nvPr>
+            <p:ph type="sldNum" idx="12"/>
+          </p:nvPr>
+        </p:nvSpPr>
+        <p:spPr>
+          <a:xfrm>
+            <a:off x="7618000" y="4636500"/>
+            <a:ext cx="1487400" cy="315600"/>
+          </a:xfrm>
+          <a:prstGeom prst="rect">
+            <a:avLst/>
+          </a:prstGeom>
+        </p:spPr>
+        <p:txBody>
+          <a:bodyPr wrap="square" lIns="91425" tIns="91425" rIns="91425" bIns="91425" anchor="ctr" anchorCtr="0">
+            <a:noAutofit/>
+          </a:bodyPr>
+          <a:lstStyle/>
+          <a:p>
+            <a:pPr lvl="0">
+              <a:spcBef>
+                <a:spcPts val="0"/>
+              </a:spcBef>
+              <a:buNone/>
+            </a:pPr>
+            <a:fld id="{00000000-1234-1234-1234-123412341234}" type="slidenum">
+              <a:rPr lang="en"/>
+              <a:t>20</a:t>
+            </a:fld>
+            <a:endParaRPr lang="en"/>
+          </a:p>
+        </p:txBody>
+      </p:sp>
+      <p:pic>
+        <p:nvPicPr>
+          <p:cNvPr id="2" name="Picture 1" descr="Rx_Logo_M.png"/>
+          <p:cNvPicPr>
+            <a:picLocks noChangeAspect="1"/>
+          </p:cNvPicPr>
+          <p:nvPr/>
+        </p:nvPicPr>
+        <p:blipFill>
+          <a:blip r:embed="rId3">
+            <a:extLst>
+              <a:ext uri="{28A0092B-C50C-407E-A947-70E740481C1C}">
+                <a14:useLocalDpi xmlns:a14="http://schemas.microsoft.com/office/drawing/2010/main" val="0"/>
+              </a:ext>
+            </a:extLst>
+          </a:blip>
+          <a:stretch>
+            <a:fillRect/>
+          </a:stretch>
+        </p:blipFill>
+        <p:spPr>
+          <a:xfrm>
+            <a:off x="151129" y="442005"/>
+            <a:ext cx="663146" cy="663146"/>
+          </a:xfrm>
+          <a:prstGeom prst="rect">
+            <a:avLst/>
+          </a:prstGeom>
+        </p:spPr>
+      </p:pic>
+      <p:sp>
+        <p:nvSpPr>
+          <p:cNvPr id="6" name="TextBox 5"/>
+          <p:cNvSpPr txBox="1"/>
+          <p:nvPr/>
+        </p:nvSpPr>
+        <p:spPr>
+          <a:xfrm>
+            <a:off x="272617" y="1859164"/>
+            <a:ext cx="7909439" cy="1815882"/>
+          </a:xfrm>
+          <a:prstGeom prst="rect">
+            <a:avLst/>
+          </a:prstGeom>
+          <a:noFill/>
+        </p:spPr>
+        <p:txBody>
+          <a:bodyPr wrap="square" rtlCol="0">
+            <a:spAutoFit/>
+          </a:bodyPr>
+          <a:lstStyle/>
+          <a:p>
+            <a:r>
+              <a:rPr lang="en-US" dirty="0"/>
+              <a:t>Using </a:t>
+            </a:r>
+            <a:r>
+              <a:rPr lang="en-US" b="1" dirty="0" err="1"/>
+              <a:t>RxDataSources</a:t>
+            </a:r>
+            <a:r>
+              <a:rPr lang="en-US" dirty="0"/>
+              <a:t> requires more work to learn its idioms, but offers more powerful, advanced features. Instead of a simple array of data, it requires you to provide contents using objects which conform to the </a:t>
+            </a:r>
+            <a:r>
+              <a:rPr lang="en-US" b="1" dirty="0" err="1"/>
+              <a:t>SectionModelType</a:t>
+            </a:r>
+            <a:r>
+              <a:rPr lang="en-US" dirty="0"/>
+              <a:t> protocol. </a:t>
+            </a:r>
+            <a:endParaRPr lang="en-US" dirty="0" smtClean="0"/>
+          </a:p>
+          <a:p>
+            <a:endParaRPr lang="en-US" dirty="0"/>
+          </a:p>
+          <a:p>
+            <a:r>
+              <a:rPr lang="en-US" dirty="0" smtClean="0"/>
+              <a:t>Each </a:t>
+            </a:r>
+            <a:r>
+              <a:rPr lang="en-US" dirty="0"/>
+              <a:t>section itself contains the actual objects. For sections with multiple object types, use the </a:t>
+            </a:r>
+            <a:r>
+              <a:rPr lang="en-US" dirty="0" err="1"/>
+              <a:t>enum</a:t>
+            </a:r>
+            <a:r>
+              <a:rPr lang="en-US" dirty="0"/>
+              <a:t> technique shown above to differentiate the types</a:t>
+            </a:r>
+            <a:r>
+              <a:rPr lang="en-US" dirty="0" smtClean="0"/>
+              <a:t>.</a:t>
+            </a:r>
+          </a:p>
+          <a:p>
+            <a:endParaRPr lang="en-US" dirty="0"/>
+          </a:p>
+          <a:p>
+            <a:r>
+              <a:rPr lang="en-US" b="1" i="1" dirty="0"/>
+              <a:t>https://</a:t>
+            </a:r>
+            <a:r>
+              <a:rPr lang="en-US" b="1" i="1" dirty="0" err="1"/>
+              <a:t>github.com</a:t>
+            </a:r>
+            <a:r>
+              <a:rPr lang="en-US" b="1" i="1" dirty="0"/>
+              <a:t>/</a:t>
+            </a:r>
+            <a:r>
+              <a:rPr lang="en-US" b="1" i="1" dirty="0" err="1"/>
+              <a:t>RxSwiftCommunity</a:t>
+            </a:r>
+            <a:r>
+              <a:rPr lang="en-US" b="1" i="1" dirty="0"/>
+              <a:t>/</a:t>
+            </a:r>
+            <a:r>
+              <a:rPr lang="en-US" b="1" i="1" dirty="0" err="1"/>
+              <a:t>RxDataSources</a:t>
+            </a:r>
+            <a:endParaRPr lang="en-US" b="1" i="1" dirty="0"/>
+          </a:p>
+        </p:txBody>
+      </p:sp>
+    </p:spTree>
+    <p:extLst>
+      <p:ext uri="{BB962C8B-B14F-4D97-AF65-F5344CB8AC3E}">
+        <p14:creationId xmlns:p14="http://schemas.microsoft.com/office/powerpoint/2010/main" val="1409506867"/>
+      </p:ext>
+    </p:extLst>
+  </p:cSld>
+  <p:clrMapOvr>
+    <a:masterClrMapping/>
+  </p:clrMapOvr>
+  <p:timing>
+    <p:tnLst>
+      <p:par>
+        <p:cTn xmlns:p14="http://schemas.microsoft.com/office/powerpoint/2010/main" id="1" dur="indefinite" restart="never" nodeType="tmRoot"/>
+      </p:par>
+    </p:tnLst>
+  </p:timing>
+</p:sld>
+</file>
+
+<file path=ppt/slides/slide21.xml><?xml version="1.0" encoding="utf-8"?>
+<p:sld xmlns:a="http://schemas.openxmlformats.org/drawingml/2006/main" xmlns:r="http://schemas.openxmlformats.org/officeDocument/2006/relationships" xmlns:p="http://schemas.openxmlformats.org/presentationml/2006/main">
+  <p:cSld>
+    <p:spTree>
+      <p:nvGrpSpPr>
+        <p:cNvPr id="1" name="Shape 188"/>
+        <p:cNvGrpSpPr/>
+        <p:nvPr/>
+      </p:nvGrpSpPr>
+      <p:grpSpPr>
+        <a:xfrm>
+          <a:off x="0" y="0"/>
+          <a:ext cx="0" cy="0"/>
+          <a:chOff x="0" y="0"/>
+          <a:chExt cx="0" cy="0"/>
+        </a:xfrm>
+      </p:grpSpPr>
+      <p:sp>
+        <p:nvSpPr>
+          <p:cNvPr id="189" name="Shape 189"/>
+          <p:cNvSpPr txBox="1">
+            <a:spLocks noGrp="1"/>
+          </p:cNvSpPr>
+          <p:nvPr>
+            <p:ph type="title"/>
+          </p:nvPr>
+        </p:nvSpPr>
+        <p:spPr>
+          <a:xfrm>
+            <a:off x="1052178" y="392575"/>
+            <a:ext cx="5600876" cy="766200"/>
+          </a:xfrm>
+          <a:prstGeom prst="rect">
+            <a:avLst/>
+          </a:prstGeom>
+        </p:spPr>
+        <p:txBody>
+          <a:bodyPr wrap="square" lIns="91425" tIns="91425" rIns="91425" bIns="91425" anchor="ctr" anchorCtr="0">
+            <a:noAutofit/>
+          </a:bodyPr>
+          <a:lstStyle/>
+          <a:p>
+            <a:pPr lvl="0"/>
+            <a:r>
+              <a:rPr lang="en" dirty="0" smtClean="0"/>
+              <a:t>Lab</a:t>
+            </a:r>
+            <a:endParaRPr lang="en" dirty="0"/>
+          </a:p>
+        </p:txBody>
+      </p:sp>
+      <p:sp>
+        <p:nvSpPr>
+          <p:cNvPr id="192" name="Shape 192"/>
+          <p:cNvSpPr txBox="1">
+            <a:spLocks noGrp="1"/>
+          </p:cNvSpPr>
+          <p:nvPr>
+            <p:ph type="sldNum" idx="12"/>
+          </p:nvPr>
+        </p:nvSpPr>
+        <p:spPr>
+          <a:xfrm>
+            <a:off x="7618000" y="4636500"/>
+            <a:ext cx="1487400" cy="315600"/>
+          </a:xfrm>
+          <a:prstGeom prst="rect">
+            <a:avLst/>
+          </a:prstGeom>
+        </p:spPr>
+        <p:txBody>
+          <a:bodyPr wrap="square" lIns="91425" tIns="91425" rIns="91425" bIns="91425" anchor="ctr" anchorCtr="0">
+            <a:noAutofit/>
+          </a:bodyPr>
+          <a:lstStyle/>
+          <a:p>
+            <a:pPr lvl="0">
+              <a:spcBef>
+                <a:spcPts val="0"/>
+              </a:spcBef>
+              <a:buNone/>
+            </a:pPr>
+            <a:fld id="{00000000-1234-1234-1234-123412341234}" type="slidenum">
+              <a:rPr lang="en"/>
+              <a:t>21</a:t>
+            </a:fld>
+            <a:endParaRPr lang="en"/>
+          </a:p>
+        </p:txBody>
+      </p:sp>
+      <p:pic>
+        <p:nvPicPr>
+          <p:cNvPr id="2" name="Picture 1" descr="Rx_Logo_M.png"/>
+          <p:cNvPicPr>
+            <a:picLocks noChangeAspect="1"/>
+          </p:cNvPicPr>
+          <p:nvPr/>
+        </p:nvPicPr>
+        <p:blipFill>
+          <a:blip r:embed="rId3">
+            <a:extLst>
+              <a:ext uri="{28A0092B-C50C-407E-A947-70E740481C1C}">
+                <a14:useLocalDpi xmlns:a14="http://schemas.microsoft.com/office/drawing/2010/main" val="0"/>
+              </a:ext>
+            </a:extLst>
+          </a:blip>
+          <a:stretch>
+            <a:fillRect/>
+          </a:stretch>
+        </p:blipFill>
+        <p:spPr>
+          <a:xfrm>
+            <a:off x="151129" y="442005"/>
+            <a:ext cx="663146" cy="663146"/>
+          </a:xfrm>
+          <a:prstGeom prst="rect">
+            <a:avLst/>
+          </a:prstGeom>
+        </p:spPr>
+      </p:pic>
+      <p:sp>
+        <p:nvSpPr>
+          <p:cNvPr id="3" name="TextBox 2"/>
+          <p:cNvSpPr txBox="1"/>
+          <p:nvPr/>
+        </p:nvSpPr>
+        <p:spPr>
+          <a:xfrm>
+            <a:off x="1347552" y="2149844"/>
+            <a:ext cx="5360421" cy="738664"/>
+          </a:xfrm>
+          <a:prstGeom prst="rect">
+            <a:avLst/>
+          </a:prstGeom>
+          <a:noFill/>
+        </p:spPr>
+        <p:txBody>
+          <a:bodyPr wrap="none" rtlCol="0">
+            <a:spAutoFit/>
+          </a:bodyPr>
+          <a:lstStyle/>
+          <a:p>
+            <a:r>
+              <a:rPr lang="en-US" b="1" i="1" dirty="0">
+                <a:hlinkClick r:id="rId4"/>
+              </a:rPr>
+              <a:t>https://github.com/younghwankim/RxSwiftClass/tree/</a:t>
+            </a:r>
+            <a:r>
+              <a:rPr lang="en-US" b="1" i="1" dirty="0" smtClean="0">
+                <a:hlinkClick r:id="rId4"/>
+              </a:rPr>
+              <a:t>master</a:t>
+            </a:r>
+          </a:p>
+          <a:p>
+            <a:r>
+              <a:rPr lang="en-US" b="1" i="1" dirty="0" smtClean="0">
+                <a:hlinkClick r:id="rId4"/>
+              </a:rPr>
+              <a:t>/</a:t>
+            </a:r>
+            <a:r>
+              <a:rPr lang="en-US" b="1" i="1" dirty="0" err="1">
+                <a:hlinkClick r:id="rId4"/>
+              </a:rPr>
+              <a:t>AdvancedRxSwift</a:t>
+            </a:r>
+            <a:r>
+              <a:rPr lang="en-US" b="1" i="1" dirty="0">
+                <a:hlinkClick r:id="rId4"/>
+              </a:rPr>
+              <a:t>/day4/</a:t>
+            </a:r>
+            <a:r>
+              <a:rPr lang="en-US" b="1" i="1" dirty="0" err="1" smtClean="0">
+                <a:hlinkClick r:id="rId4"/>
+              </a:rPr>
+              <a:t>AdvancedTableView</a:t>
+            </a:r>
+            <a:endParaRPr lang="en-US" b="1" i="1" dirty="0" smtClean="0"/>
+          </a:p>
+          <a:p>
+            <a:endParaRPr lang="en-US" b="1" i="1" dirty="0" smtClean="0"/>
+          </a:p>
+        </p:txBody>
+      </p:sp>
+    </p:spTree>
+    <p:extLst>
+      <p:ext uri="{BB962C8B-B14F-4D97-AF65-F5344CB8AC3E}">
+        <p14:creationId xmlns:p14="http://schemas.microsoft.com/office/powerpoint/2010/main" val="330065804"/>
+      </p:ext>
+    </p:extLst>
+  </p:cSld>
+  <p:clrMapOvr>
+    <a:masterClrMapping/>
+  </p:clrMapOvr>
+  <p:timing>
+    <p:tnLst>
+      <p:par>
+        <p:cTn xmlns:p14="http://schemas.microsoft.com/office/powerpoint/2010/main" id="1" dur="indefinite" restart="never" nodeType="tmRoot"/>
+      </p:par>
+    </p:tnLst>
+  </p:timing>
+</p:sld>
+</file>
+
 <file path=ppt/slides/slide3.xml><?xml version="1.0" encoding="utf-8"?>
 <p:sld xmlns:a="http://schemas.openxmlformats.org/drawingml/2006/main" xmlns:r="http://schemas.openxmlformats.org/officeDocument/2006/relationships" xmlns:p="http://schemas.openxmlformats.org/presentationml/2006/main">
   <p:cSld>
@@ -9752,15 +11774,7 @@
             </a:r>
             <a:r>
               <a:rPr lang="en-US" b="1" dirty="0" smtClean="0"/>
-              <a:t> Binding</a:t>
-            </a:r>
-            <a:r>
-              <a:rPr lang="en-US" b="1" dirty="0" smtClean="0"/>
-              <a:t>, </a:t>
-            </a:r>
-            <a:r>
-              <a:rPr lang="en-US" b="1" dirty="0" smtClean="0"/>
-              <a:t>KVO, 2-Way Bindings</a:t>
+              <a:t> Binding, KVO, 2-Way Bindings</a:t>
             </a:r>
           </a:p>
           <a:p>
@@ -10124,10 +12138,6 @@
               </a:rPr>
               <a:t>)</a:t>
             </a:r>
-            <a:endParaRPr lang="en-US" b="1" dirty="0" smtClean="0">
-              <a:latin typeface="Courier"/>
-              <a:cs typeface="Courier"/>
-            </a:endParaRPr>
           </a:p>
           <a:p>
             <a:endParaRPr lang="en-US" b="1" dirty="0" smtClean="0">
@@ -11129,7 +13139,15 @@
             </a:pPr>
             <a:r>
               <a:rPr lang="en-US" dirty="0" smtClean="0"/>
-              <a:t>Binding</a:t>
+              <a:t>Binder? Or </a:t>
+            </a:r>
+            <a:r>
+              <a:rPr lang="en-US" dirty="0" err="1" smtClean="0"/>
+              <a:t>ControlProperty</a:t>
+            </a:r>
+            <a:r>
+              <a:rPr lang="en-US" dirty="0" smtClean="0"/>
+              <a:t>?</a:t>
             </a:r>
             <a:endParaRPr lang="en" dirty="0"/>
           </a:p>
@@ -11206,14 +13224,375 @@
       </p:pic>
       <p:sp>
         <p:nvSpPr>
-          <p:cNvPr id="7" name="TextBox 6"/>
+          <p:cNvPr id="6" name="TextBox 5"/>
           <p:cNvSpPr txBox="1"/>
           <p:nvPr/>
         </p:nvSpPr>
         <p:spPr>
           <a:xfrm>
-            <a:off x="81049" y="1616505"/>
-            <a:ext cx="4340326" cy="2308324"/>
+            <a:off x="2534824" y="1650516"/>
+            <a:ext cx="5195896" cy="3231653"/>
+          </a:xfrm>
+          <a:prstGeom prst="rect">
+            <a:avLst/>
+          </a:prstGeom>
+          <a:noFill/>
+        </p:spPr>
+        <p:txBody>
+          <a:bodyPr wrap="square" rtlCol="0">
+            <a:spAutoFit/>
+          </a:bodyPr>
+          <a:lstStyle/>
+          <a:p>
+            <a:r>
+              <a:rPr lang="en-US" sz="1200" b="1" dirty="0" err="1">
+                <a:latin typeface="Courier"/>
+                <a:cs typeface="Courier"/>
+              </a:rPr>
+              <a:t>UIView</a:t>
+            </a:r>
+            <a:r>
+              <a:rPr lang="en-US" sz="1200" dirty="0">
+                <a:latin typeface="Courier"/>
+                <a:cs typeface="Courier"/>
+              </a:rPr>
+              <a:t> - .</a:t>
+            </a:r>
+            <a:r>
+              <a:rPr lang="en-US" sz="1200" dirty="0" err="1">
+                <a:latin typeface="Courier"/>
+                <a:cs typeface="Courier"/>
+              </a:rPr>
+              <a:t>isHidden</a:t>
+            </a:r>
+            <a:r>
+              <a:rPr lang="en-US" sz="1200" dirty="0">
+                <a:latin typeface="Courier"/>
+                <a:cs typeface="Courier"/>
+              </a:rPr>
+              <a:t>, .alpha, </a:t>
+            </a:r>
+            <a:endParaRPr lang="en-US" sz="1200" dirty="0" smtClean="0">
+              <a:latin typeface="Courier"/>
+              <a:cs typeface="Courier"/>
+            </a:endParaRPr>
+          </a:p>
+          <a:p>
+            <a:r>
+              <a:rPr lang="en-US" sz="1200" dirty="0">
+                <a:latin typeface="Courier"/>
+                <a:cs typeface="Courier"/>
+              </a:rPr>
+              <a:t> </a:t>
+            </a:r>
+            <a:r>
+              <a:rPr lang="en-US" sz="1200" dirty="0" smtClean="0">
+                <a:latin typeface="Courier"/>
+                <a:cs typeface="Courier"/>
+              </a:rPr>
+              <a:t>        .</a:t>
+            </a:r>
+            <a:r>
+              <a:rPr lang="en-US" sz="1200" dirty="0" err="1">
+                <a:latin typeface="Courier"/>
+                <a:cs typeface="Courier"/>
+              </a:rPr>
+              <a:t>isUserInteractionEnabled</a:t>
+            </a:r>
+            <a:endParaRPr lang="en-US" sz="1200" dirty="0">
+              <a:latin typeface="Courier"/>
+              <a:cs typeface="Courier"/>
+            </a:endParaRPr>
+          </a:p>
+          <a:p>
+            <a:endParaRPr lang="en-US" sz="1200" dirty="0">
+              <a:latin typeface="Courier"/>
+              <a:cs typeface="Courier"/>
+            </a:endParaRPr>
+          </a:p>
+          <a:p>
+            <a:r>
+              <a:rPr lang="en-US" sz="1200" b="1" dirty="0" err="1">
+                <a:latin typeface="Courier"/>
+                <a:cs typeface="Courier"/>
+              </a:rPr>
+              <a:t>UILabel</a:t>
+            </a:r>
+            <a:r>
+              <a:rPr lang="en-US" sz="1200" dirty="0">
+                <a:latin typeface="Courier"/>
+                <a:cs typeface="Courier"/>
+              </a:rPr>
+              <a:t> - .text, .</a:t>
+            </a:r>
+            <a:r>
+              <a:rPr lang="en-US" sz="1200" dirty="0" err="1">
+                <a:latin typeface="Courier"/>
+                <a:cs typeface="Courier"/>
+              </a:rPr>
+              <a:t>attributedText</a:t>
+            </a:r>
+            <a:endParaRPr lang="en-US" sz="1200" dirty="0">
+              <a:latin typeface="Courier"/>
+              <a:cs typeface="Courier"/>
+            </a:endParaRPr>
+          </a:p>
+          <a:p>
+            <a:endParaRPr lang="en-US" sz="1200" dirty="0">
+              <a:latin typeface="Courier"/>
+              <a:cs typeface="Courier"/>
+            </a:endParaRPr>
+          </a:p>
+          <a:p>
+            <a:r>
+              <a:rPr lang="en-US" sz="1200" b="1" dirty="0" err="1">
+                <a:latin typeface="Courier"/>
+                <a:cs typeface="Courier"/>
+              </a:rPr>
+              <a:t>UIControl</a:t>
+            </a:r>
+            <a:r>
+              <a:rPr lang="en-US" sz="1200" dirty="0">
+                <a:latin typeface="Courier"/>
+                <a:cs typeface="Courier"/>
+              </a:rPr>
+              <a:t> - </a:t>
+            </a:r>
+            <a:r>
+              <a:rPr lang="en-US" sz="1200" dirty="0" err="1">
+                <a:latin typeface="Courier"/>
+                <a:cs typeface="Courier"/>
+              </a:rPr>
+              <a:t>isEnabled</a:t>
+            </a:r>
+            <a:r>
+              <a:rPr lang="en-US" sz="1200" dirty="0">
+                <a:latin typeface="Courier"/>
+                <a:cs typeface="Courier"/>
+              </a:rPr>
+              <a:t>, .</a:t>
+            </a:r>
+            <a:r>
+              <a:rPr lang="en-US" sz="1200" dirty="0" err="1">
+                <a:latin typeface="Courier"/>
+                <a:cs typeface="Courier"/>
+              </a:rPr>
+              <a:t>isSelected</a:t>
+            </a:r>
+            <a:endParaRPr lang="en-US" sz="1200" dirty="0">
+              <a:latin typeface="Courier"/>
+              <a:cs typeface="Courier"/>
+            </a:endParaRPr>
+          </a:p>
+          <a:p>
+            <a:endParaRPr lang="en-US" sz="1200" dirty="0">
+              <a:latin typeface="Courier"/>
+              <a:cs typeface="Courier"/>
+            </a:endParaRPr>
+          </a:p>
+          <a:p>
+            <a:r>
+              <a:rPr lang="en-US" sz="1200" b="1" dirty="0" err="1">
+                <a:latin typeface="Courier"/>
+                <a:cs typeface="Courier"/>
+              </a:rPr>
+              <a:t>UIButton</a:t>
+            </a:r>
+            <a:r>
+              <a:rPr lang="en-US" sz="1200" b="1" dirty="0">
+                <a:latin typeface="Courier"/>
+                <a:cs typeface="Courier"/>
+              </a:rPr>
+              <a:t> </a:t>
+            </a:r>
+            <a:r>
+              <a:rPr lang="en-US" sz="1200" b="1" dirty="0" smtClean="0">
+                <a:latin typeface="Courier"/>
+                <a:cs typeface="Courier"/>
+              </a:rPr>
+              <a:t> </a:t>
+            </a:r>
+          </a:p>
+          <a:p>
+            <a:r>
+              <a:rPr lang="en-US" sz="1200" dirty="0" smtClean="0">
+                <a:latin typeface="Courier"/>
+                <a:cs typeface="Courier"/>
+              </a:rPr>
+              <a:t>  = </a:t>
+            </a:r>
+            <a:r>
+              <a:rPr lang="en-US" sz="1200" dirty="0">
+                <a:latin typeface="Courier"/>
+                <a:cs typeface="Courier"/>
+              </a:rPr>
+              <a:t>.title, .image, .</a:t>
+            </a:r>
+            <a:r>
+              <a:rPr lang="en-US" sz="1200" dirty="0" err="1">
+                <a:latin typeface="Courier"/>
+                <a:cs typeface="Courier"/>
+              </a:rPr>
+              <a:t>backgroundImage</a:t>
+            </a:r>
+            <a:r>
+              <a:rPr lang="en-US" sz="1200" dirty="0" smtClean="0">
+                <a:latin typeface="Courier"/>
+                <a:cs typeface="Courier"/>
+              </a:rPr>
+              <a:t>,.</a:t>
+            </a:r>
+            <a:r>
+              <a:rPr lang="en-US" sz="1200" dirty="0" err="1">
+                <a:latin typeface="Courier"/>
+                <a:cs typeface="Courier"/>
+              </a:rPr>
+              <a:t>attributedTitle</a:t>
+            </a:r>
+            <a:endParaRPr lang="en-US" sz="1200" dirty="0">
+              <a:latin typeface="Courier"/>
+              <a:cs typeface="Courier"/>
+            </a:endParaRPr>
+          </a:p>
+          <a:p>
+            <a:endParaRPr lang="en-US" sz="1200" dirty="0">
+              <a:latin typeface="Courier"/>
+              <a:cs typeface="Courier"/>
+            </a:endParaRPr>
+          </a:p>
+          <a:p>
+            <a:r>
+              <a:rPr lang="en-US" sz="1200" b="1" dirty="0" err="1">
+                <a:latin typeface="Courier"/>
+                <a:cs typeface="Courier"/>
+              </a:rPr>
+              <a:t>UIBarButtonItem</a:t>
+            </a:r>
+            <a:r>
+              <a:rPr lang="en-US" sz="1200" dirty="0">
+                <a:latin typeface="Courier"/>
+                <a:cs typeface="Courier"/>
+              </a:rPr>
+              <a:t> - .</a:t>
+            </a:r>
+            <a:r>
+              <a:rPr lang="en-US" sz="1200" dirty="0" err="1">
+                <a:latin typeface="Courier"/>
+                <a:cs typeface="Courier"/>
+              </a:rPr>
+              <a:t>isEnabled</a:t>
+            </a:r>
+            <a:r>
+              <a:rPr lang="en-US" sz="1200" dirty="0">
+                <a:latin typeface="Courier"/>
+                <a:cs typeface="Courier"/>
+              </a:rPr>
+              <a:t>, .title</a:t>
+            </a:r>
+          </a:p>
+          <a:p>
+            <a:endParaRPr lang="en-US" sz="1200" dirty="0">
+              <a:latin typeface="Courier"/>
+              <a:cs typeface="Courier"/>
+            </a:endParaRPr>
+          </a:p>
+          <a:p>
+            <a:r>
+              <a:rPr lang="en-US" sz="1200" b="1" dirty="0" err="1">
+                <a:latin typeface="Courier"/>
+                <a:cs typeface="Courier"/>
+              </a:rPr>
+              <a:t>UIImageView</a:t>
+            </a:r>
+            <a:r>
+              <a:rPr lang="en-US" sz="1200" dirty="0">
+                <a:latin typeface="Courier"/>
+                <a:cs typeface="Courier"/>
+              </a:rPr>
+              <a:t> = .image</a:t>
+            </a:r>
+          </a:p>
+          <a:p>
+            <a:endParaRPr lang="en-US" sz="1200" dirty="0">
+              <a:latin typeface="Courier"/>
+              <a:cs typeface="Courier"/>
+            </a:endParaRPr>
+          </a:p>
+          <a:p>
+            <a:r>
+              <a:rPr lang="en-US" sz="1200" b="1" dirty="0" err="1">
+                <a:latin typeface="Courier"/>
+                <a:cs typeface="Courier"/>
+              </a:rPr>
+              <a:t>UIRefreshControl</a:t>
+            </a:r>
+            <a:r>
+              <a:rPr lang="en-US" sz="1200" dirty="0">
+                <a:latin typeface="Courier"/>
+                <a:cs typeface="Courier"/>
+              </a:rPr>
+              <a:t> = .</a:t>
+            </a:r>
+            <a:r>
+              <a:rPr lang="en-US" sz="1200" dirty="0" err="1">
+                <a:latin typeface="Courier"/>
+                <a:cs typeface="Courier"/>
+              </a:rPr>
+              <a:t>isRefreshing</a:t>
+            </a:r>
+            <a:endParaRPr lang="en-US" sz="1200" dirty="0">
+              <a:latin typeface="Courier"/>
+              <a:cs typeface="Courier"/>
+            </a:endParaRPr>
+          </a:p>
+          <a:p>
+            <a:endParaRPr lang="en-US" sz="1200" dirty="0">
+              <a:latin typeface="Courier"/>
+              <a:cs typeface="Courier"/>
+            </a:endParaRPr>
+          </a:p>
+          <a:p>
+            <a:r>
+              <a:rPr lang="en-US" sz="1200" b="1" dirty="0" err="1">
+                <a:latin typeface="Courier"/>
+                <a:cs typeface="Courier"/>
+              </a:rPr>
+              <a:t>UIActivityIndicatorView</a:t>
+            </a:r>
+            <a:r>
+              <a:rPr lang="en-US" sz="1200" dirty="0">
+                <a:latin typeface="Courier"/>
+                <a:cs typeface="Courier"/>
+              </a:rPr>
+              <a:t> - .</a:t>
+            </a:r>
+            <a:r>
+              <a:rPr lang="en-US" sz="1200" dirty="0" err="1">
+                <a:latin typeface="Courier"/>
+                <a:cs typeface="Courier"/>
+              </a:rPr>
+              <a:t>isAnimating</a:t>
+            </a:r>
+            <a:endParaRPr lang="en-US" sz="1200" i="1" dirty="0" smtClean="0">
+              <a:solidFill>
+                <a:srgbClr val="FF0000"/>
+              </a:solidFill>
+              <a:latin typeface="Courier"/>
+              <a:cs typeface="Courier"/>
+            </a:endParaRPr>
+          </a:p>
+        </p:txBody>
+      </p:sp>
+      <p:sp>
+        <p:nvSpPr>
+          <p:cNvPr id="3" name="TextBox 2"/>
+          <p:cNvSpPr txBox="1"/>
+          <p:nvPr/>
+        </p:nvSpPr>
+        <p:spPr>
+          <a:xfrm>
+            <a:off x="151129" y="1419683"/>
+            <a:ext cx="1159392" cy="461665"/>
           </a:xfrm>
           <a:prstGeom prst="rect">
             <a:avLst/>
@@ -11227,476 +13606,19 @@
           <a:lstStyle/>
           <a:p>
             <a:r>
-              <a:rPr lang="en-US" sz="1200" dirty="0" err="1">
-                <a:latin typeface="Courier"/>
-                <a:cs typeface="Courier"/>
-              </a:rPr>
-              <a:t>cell.textValue.asObservable</a:t>
-            </a:r>
-            <a:r>
-              <a:rPr lang="en-US" sz="1200" dirty="0">
-                <a:latin typeface="Courier"/>
-                <a:cs typeface="Courier"/>
-              </a:rPr>
-              <a:t>()</a:t>
-            </a:r>
-          </a:p>
-          <a:p>
-            <a:r>
-              <a:rPr lang="mr-IN" sz="1200" dirty="0">
-                <a:latin typeface="Courier"/>
-                <a:cs typeface="Courier"/>
-              </a:rPr>
-              <a:t>       </a:t>
-            </a:r>
-            <a:r>
-              <a:rPr lang="mr-IN" sz="1200" dirty="0" smtClean="0">
-                <a:latin typeface="Courier"/>
-                <a:cs typeface="Courier"/>
-              </a:rPr>
-              <a:t>.</a:t>
-            </a:r>
-            <a:r>
-              <a:rPr lang="mr-IN" sz="1200" dirty="0">
-                <a:latin typeface="Courier"/>
-                <a:cs typeface="Courier"/>
-              </a:rPr>
-              <a:t>bind(to: self.userInputLabel.rx.text)</a:t>
-            </a:r>
-          </a:p>
-          <a:p>
-            <a:r>
-              <a:rPr lang="mr-IN" sz="1200" dirty="0">
-                <a:latin typeface="Courier"/>
-                <a:cs typeface="Courier"/>
-              </a:rPr>
-              <a:t>       </a:t>
-            </a:r>
-            <a:r>
-              <a:rPr lang="mr-IN" sz="1200" dirty="0" smtClean="0">
-                <a:latin typeface="Courier"/>
-                <a:cs typeface="Courier"/>
-              </a:rPr>
-              <a:t>.</a:t>
-            </a:r>
-            <a:r>
-              <a:rPr lang="mr-IN" sz="1200" dirty="0">
-                <a:latin typeface="Courier"/>
-                <a:cs typeface="Courier"/>
-              </a:rPr>
-              <a:t>disposed(by: cell.disposeBag)</a:t>
-            </a:r>
-          </a:p>
-          <a:p>
-            <a:r>
-              <a:rPr lang="mr-IN" sz="1200" dirty="0">
-                <a:latin typeface="Courier"/>
-                <a:cs typeface="Courier"/>
-              </a:rPr>
-              <a:t>                       </a:t>
-            </a:r>
-            <a:endParaRPr lang="en-US" sz="1200" dirty="0" smtClean="0">
-              <a:latin typeface="Courier"/>
-              <a:cs typeface="Courier"/>
-            </a:endParaRPr>
-          </a:p>
-          <a:p>
-            <a:endParaRPr lang="en-US" sz="1200" dirty="0">
-              <a:latin typeface="Courier"/>
-              <a:cs typeface="Courier"/>
-            </a:endParaRPr>
-          </a:p>
-          <a:p>
-            <a:endParaRPr lang="en-US" sz="1200" dirty="0" smtClean="0">
-              <a:latin typeface="Courier"/>
-              <a:cs typeface="Courier"/>
-            </a:endParaRPr>
-          </a:p>
-          <a:p>
-            <a:r>
-              <a:rPr lang="mr-IN" sz="1200" dirty="0" smtClean="0">
-                <a:latin typeface="Courier"/>
-                <a:cs typeface="Courier"/>
-              </a:rPr>
-              <a:t> </a:t>
-            </a:r>
-            <a:endParaRPr lang="en-US" sz="1200" dirty="0" smtClean="0">
-              <a:latin typeface="Courier"/>
-              <a:cs typeface="Courier"/>
-            </a:endParaRPr>
-          </a:p>
-          <a:p>
-            <a:endParaRPr lang="en-US" sz="1200" dirty="0">
-              <a:latin typeface="Courier"/>
-              <a:cs typeface="Courier"/>
-            </a:endParaRPr>
-          </a:p>
-          <a:p>
-            <a:endParaRPr lang="en-US" sz="1200" dirty="0" smtClean="0">
-              <a:latin typeface="Courier"/>
-              <a:cs typeface="Courier"/>
-            </a:endParaRPr>
-          </a:p>
-          <a:p>
-            <a:r>
-              <a:rPr lang="mr-IN" sz="1200" dirty="0" smtClean="0">
-                <a:latin typeface="Courier"/>
-                <a:cs typeface="Courier"/>
-              </a:rPr>
-              <a:t>cell.textValue.asDriver</a:t>
-            </a:r>
-            <a:r>
-              <a:rPr lang="mr-IN" sz="1200" dirty="0">
-                <a:latin typeface="Courier"/>
-                <a:cs typeface="Courier"/>
-              </a:rPr>
-              <a:t>()</a:t>
-            </a:r>
-          </a:p>
-          <a:p>
-            <a:r>
-              <a:rPr lang="mr-IN" sz="1200" dirty="0">
-                <a:latin typeface="Courier"/>
-                <a:cs typeface="Courier"/>
-              </a:rPr>
-              <a:t>       </a:t>
-            </a:r>
-            <a:r>
-              <a:rPr lang="mr-IN" sz="1200" dirty="0" smtClean="0">
-                <a:latin typeface="Courier"/>
-                <a:cs typeface="Courier"/>
-              </a:rPr>
-              <a:t>.</a:t>
-            </a:r>
-            <a:r>
-              <a:rPr lang="mr-IN" sz="1200" dirty="0">
-                <a:latin typeface="Courier"/>
-                <a:cs typeface="Courier"/>
-              </a:rPr>
-              <a:t>drive(self.userInputLabel.rx.text)</a:t>
-            </a:r>
-          </a:p>
-          <a:p>
-            <a:r>
-              <a:rPr lang="mr-IN" sz="1200" dirty="0">
-                <a:latin typeface="Courier"/>
-                <a:cs typeface="Courier"/>
-              </a:rPr>
-              <a:t>      </a:t>
-            </a:r>
-            <a:r>
-              <a:rPr lang="en-US" sz="1200" dirty="0">
-                <a:latin typeface="Courier"/>
-                <a:cs typeface="Courier"/>
-              </a:rPr>
-              <a:t> </a:t>
-            </a:r>
-            <a:r>
-              <a:rPr lang="mr-IN" sz="1200" dirty="0" smtClean="0">
-                <a:latin typeface="Courier"/>
-                <a:cs typeface="Courier"/>
-              </a:rPr>
-              <a:t>.</a:t>
-            </a:r>
-            <a:r>
-              <a:rPr lang="mr-IN" sz="1200" dirty="0">
-                <a:latin typeface="Courier"/>
-                <a:cs typeface="Courier"/>
-              </a:rPr>
-              <a:t>disposed(by: cell.disposeBag)</a:t>
-            </a:r>
-            <a:endParaRPr lang="en-US" sz="1200" dirty="0">
-              <a:latin typeface="Courier"/>
-              <a:cs typeface="Courier"/>
-            </a:endParaRPr>
-          </a:p>
-        </p:txBody>
-      </p:sp>
-      <p:sp>
-        <p:nvSpPr>
-          <p:cNvPr id="8" name="TextBox 7"/>
-          <p:cNvSpPr txBox="1"/>
-          <p:nvPr/>
-        </p:nvSpPr>
-        <p:spPr>
-          <a:xfrm>
-            <a:off x="4649863" y="1490129"/>
-            <a:ext cx="4432674" cy="2677656"/>
-          </a:xfrm>
-          <a:prstGeom prst="rect">
-            <a:avLst/>
-          </a:prstGeom>
-          <a:noFill/>
-        </p:spPr>
-        <p:txBody>
-          <a:bodyPr wrap="none" rtlCol="0">
-            <a:spAutoFit/>
-          </a:bodyPr>
-          <a:lstStyle/>
-          <a:p>
-            <a:r>
-              <a:rPr lang="en-US" sz="1200" dirty="0" err="1">
-                <a:latin typeface="Courier"/>
-                <a:cs typeface="Courier"/>
-              </a:rPr>
-              <a:t>cell.textValue.asObservable</a:t>
-            </a:r>
-            <a:r>
-              <a:rPr lang="en-US" sz="1200" dirty="0">
-                <a:latin typeface="Courier"/>
-                <a:cs typeface="Courier"/>
-              </a:rPr>
-              <a:t>()</a:t>
-            </a:r>
-          </a:p>
-          <a:p>
-            <a:r>
-              <a:rPr lang="mr-IN" sz="1200" dirty="0">
-                <a:latin typeface="Courier"/>
-                <a:cs typeface="Courier"/>
-              </a:rPr>
-              <a:t>        </a:t>
-            </a:r>
-            <a:r>
-              <a:rPr lang="mr-IN" sz="1200" dirty="0" smtClean="0">
-                <a:latin typeface="Courier"/>
-                <a:cs typeface="Courier"/>
-              </a:rPr>
-              <a:t>.</a:t>
-            </a:r>
-            <a:r>
-              <a:rPr lang="mr-IN" sz="1200" dirty="0">
-                <a:latin typeface="Courier"/>
-                <a:cs typeface="Courier"/>
-              </a:rPr>
-              <a:t>subscribe(onNext: { input in</a:t>
-            </a:r>
-          </a:p>
-          <a:p>
-            <a:r>
-              <a:rPr lang="mr-IN" sz="1200" dirty="0">
-                <a:latin typeface="Courier"/>
-                <a:cs typeface="Courier"/>
-              </a:rPr>
-              <a:t>             </a:t>
-            </a:r>
-            <a:r>
-              <a:rPr lang="mr-IN" sz="1200" dirty="0" smtClean="0">
-                <a:latin typeface="Courier"/>
-                <a:cs typeface="Courier"/>
-              </a:rPr>
-              <a:t> </a:t>
-            </a:r>
-            <a:r>
-              <a:rPr lang="mr-IN" sz="1200" dirty="0">
-                <a:latin typeface="Courier"/>
-                <a:cs typeface="Courier"/>
-              </a:rPr>
-              <a:t>self.userInputLabel.text = input</a:t>
-            </a:r>
-          </a:p>
-          <a:p>
-            <a:r>
-              <a:rPr lang="mr-IN" sz="1200" dirty="0">
-                <a:latin typeface="Courier"/>
-                <a:cs typeface="Courier"/>
-              </a:rPr>
-              <a:t>         </a:t>
-            </a:r>
-            <a:r>
-              <a:rPr lang="mr-IN" sz="1200" dirty="0" smtClean="0">
-                <a:latin typeface="Courier"/>
-                <a:cs typeface="Courier"/>
-              </a:rPr>
-              <a:t>}</a:t>
-            </a:r>
-            <a:r>
-              <a:rPr lang="mr-IN" sz="1200" dirty="0">
-                <a:latin typeface="Courier"/>
-                <a:cs typeface="Courier"/>
-              </a:rPr>
-              <a:t>)</a:t>
-            </a:r>
-          </a:p>
-          <a:p>
-            <a:r>
-              <a:rPr lang="mr-IN" sz="1200" dirty="0">
-                <a:latin typeface="Courier"/>
-                <a:cs typeface="Courier"/>
-              </a:rPr>
-              <a:t>         </a:t>
-            </a:r>
-            <a:r>
-              <a:rPr lang="mr-IN" sz="1200" dirty="0" smtClean="0">
-                <a:latin typeface="Courier"/>
-                <a:cs typeface="Courier"/>
-              </a:rPr>
-              <a:t>.</a:t>
-            </a:r>
-            <a:r>
-              <a:rPr lang="mr-IN" sz="1200" dirty="0">
-                <a:latin typeface="Courier"/>
-                <a:cs typeface="Courier"/>
-              </a:rPr>
-              <a:t>disposed(by: cell.disposeBag)</a:t>
-            </a:r>
-          </a:p>
-          <a:p>
-            <a:r>
-              <a:rPr lang="mr-IN" sz="1200" dirty="0">
-                <a:latin typeface="Courier"/>
-                <a:cs typeface="Courier"/>
-              </a:rPr>
-              <a:t>             </a:t>
-            </a:r>
-            <a:endParaRPr lang="en-US" sz="1200" dirty="0" smtClean="0">
-              <a:latin typeface="Courier"/>
-              <a:cs typeface="Courier"/>
-            </a:endParaRPr>
-          </a:p>
-          <a:p>
-            <a:endParaRPr lang="en-US" sz="1200" dirty="0" smtClean="0">
-              <a:latin typeface="Courier"/>
-              <a:cs typeface="Courier"/>
-            </a:endParaRPr>
-          </a:p>
-          <a:p>
-            <a:endParaRPr lang="en-US" sz="1200" dirty="0">
-              <a:latin typeface="Courier"/>
-              <a:cs typeface="Courier"/>
-            </a:endParaRPr>
-          </a:p>
-          <a:p>
-            <a:r>
-              <a:rPr lang="mr-IN" sz="1200" dirty="0" smtClean="0">
-                <a:latin typeface="Courier"/>
-                <a:cs typeface="Courier"/>
-              </a:rPr>
-              <a:t>           </a:t>
-            </a:r>
-            <a:endParaRPr lang="en-US" sz="1200" dirty="0">
-              <a:latin typeface="Courier"/>
-              <a:cs typeface="Courier"/>
-            </a:endParaRPr>
-          </a:p>
-          <a:p>
-            <a:r>
-              <a:rPr lang="mr-IN" sz="1200" dirty="0" smtClean="0">
-                <a:latin typeface="Courier"/>
-                <a:cs typeface="Courier"/>
-              </a:rPr>
-              <a:t>cell.textValue.asDriver</a:t>
-            </a:r>
-            <a:r>
-              <a:rPr lang="mr-IN" sz="1200" dirty="0">
-                <a:latin typeface="Courier"/>
-                <a:cs typeface="Courier"/>
-              </a:rPr>
-              <a:t>()</a:t>
-            </a:r>
-          </a:p>
-          <a:p>
-            <a:r>
-              <a:rPr lang="mr-IN" sz="1200" dirty="0">
-                <a:latin typeface="Courier"/>
-                <a:cs typeface="Courier"/>
-              </a:rPr>
-              <a:t>        </a:t>
-            </a:r>
-            <a:r>
-              <a:rPr lang="mr-IN" sz="1200" dirty="0" smtClean="0">
-                <a:latin typeface="Courier"/>
-                <a:cs typeface="Courier"/>
-              </a:rPr>
-              <a:t>.</a:t>
-            </a:r>
-            <a:r>
-              <a:rPr lang="mr-IN" sz="1200" dirty="0">
-                <a:latin typeface="Courier"/>
-                <a:cs typeface="Courier"/>
-              </a:rPr>
-              <a:t>drive(onNext: { input in</a:t>
-            </a:r>
-          </a:p>
-          <a:p>
-            <a:r>
-              <a:rPr lang="mr-IN" sz="1200" dirty="0">
-                <a:latin typeface="Courier"/>
-                <a:cs typeface="Courier"/>
-              </a:rPr>
-              <a:t>             </a:t>
-            </a:r>
-            <a:r>
-              <a:rPr lang="mr-IN" sz="1200" dirty="0" smtClean="0">
-                <a:latin typeface="Courier"/>
-                <a:cs typeface="Courier"/>
-              </a:rPr>
-              <a:t>self.userInputLabel.text </a:t>
-            </a:r>
-            <a:r>
-              <a:rPr lang="mr-IN" sz="1200" dirty="0">
-                <a:latin typeface="Courier"/>
-                <a:cs typeface="Courier"/>
-              </a:rPr>
-              <a:t>= input</a:t>
-            </a:r>
-          </a:p>
-          <a:p>
-            <a:r>
-              <a:rPr lang="mr-IN" sz="1200" dirty="0">
-                <a:latin typeface="Courier"/>
-                <a:cs typeface="Courier"/>
-              </a:rPr>
-              <a:t>          </a:t>
-            </a:r>
-            <a:r>
-              <a:rPr lang="mr-IN" sz="1200" dirty="0" smtClean="0">
-                <a:latin typeface="Courier"/>
-                <a:cs typeface="Courier"/>
-              </a:rPr>
-              <a:t>}</a:t>
-            </a:r>
-            <a:r>
-              <a:rPr lang="mr-IN" sz="1200" dirty="0">
-                <a:latin typeface="Courier"/>
-                <a:cs typeface="Courier"/>
-              </a:rPr>
-              <a:t>)</a:t>
-            </a:r>
-          </a:p>
-          <a:p>
-            <a:r>
-              <a:rPr lang="mr-IN" sz="1200" dirty="0">
-                <a:latin typeface="Courier"/>
-                <a:cs typeface="Courier"/>
-              </a:rPr>
-              <a:t>          </a:t>
-            </a:r>
-            <a:r>
-              <a:rPr lang="mr-IN" sz="1200" dirty="0" smtClean="0">
-                <a:latin typeface="Courier"/>
-                <a:cs typeface="Courier"/>
-              </a:rPr>
-              <a:t>.</a:t>
-            </a:r>
-            <a:r>
-              <a:rPr lang="mr-IN" sz="1200" dirty="0">
-                <a:latin typeface="Courier"/>
-                <a:cs typeface="Courier"/>
-              </a:rPr>
-              <a:t>disposed(by: cell.disposeBag)</a:t>
-            </a:r>
-            <a:endParaRPr lang="en-US" sz="1200" dirty="0">
-              <a:latin typeface="Courier"/>
-              <a:cs typeface="Courier"/>
-            </a:endParaRPr>
+              <a:rPr lang="en-US" sz="2400" b="1" dirty="0" smtClean="0">
+                <a:latin typeface="Roboto Condensed"/>
+                <a:cs typeface="Roboto Condensed"/>
+              </a:rPr>
+              <a:t>Binder</a:t>
+            </a:r>
           </a:p>
         </p:txBody>
       </p:sp>
     </p:spTree>
     <p:extLst>
       <p:ext uri="{BB962C8B-B14F-4D97-AF65-F5344CB8AC3E}">
-        <p14:creationId xmlns:p14="http://schemas.microsoft.com/office/powerpoint/2010/main" val="1627049392"/>
+        <p14:creationId xmlns:p14="http://schemas.microsoft.com/office/powerpoint/2010/main" val="2325968713"/>
       </p:ext>
     </p:extLst>
   </p:cSld>
@@ -11763,7 +13685,15 @@
             </a:pPr>
             <a:r>
               <a:rPr lang="en-US" dirty="0" smtClean="0"/>
-              <a:t>Binding - KVO</a:t>
+              <a:t>Binder? Or </a:t>
+            </a:r>
+            <a:r>
+              <a:rPr lang="en-US" dirty="0" err="1" smtClean="0"/>
+              <a:t>ControlProperty</a:t>
+            </a:r>
+            <a:r>
+              <a:rPr lang="en-US" dirty="0" smtClean="0"/>
+              <a:t>?</a:t>
             </a:r>
             <a:endParaRPr lang="en" dirty="0"/>
           </a:p>
@@ -11840,14 +13770,46 @@
       </p:pic>
       <p:sp>
         <p:nvSpPr>
-          <p:cNvPr id="9" name="TextBox 8"/>
+          <p:cNvPr id="3" name="TextBox 2"/>
           <p:cNvSpPr txBox="1"/>
           <p:nvPr/>
         </p:nvSpPr>
         <p:spPr>
           <a:xfrm>
-            <a:off x="1052178" y="1780650"/>
-            <a:ext cx="6235590" cy="2123658"/>
+            <a:off x="151129" y="1382614"/>
+            <a:ext cx="1159392" cy="461665"/>
+          </a:xfrm>
+          <a:prstGeom prst="rect">
+            <a:avLst/>
+          </a:prstGeom>
+          <a:noFill/>
+        </p:spPr>
+        <p:txBody>
+          <a:bodyPr wrap="none" rtlCol="0">
+            <a:spAutoFit/>
+          </a:bodyPr>
+          <a:lstStyle/>
+          <a:p>
+            <a:r>
+              <a:rPr lang="en-US" sz="2400" b="1" dirty="0" smtClean="0">
+                <a:latin typeface="Roboto Condensed"/>
+                <a:cs typeface="Roboto Condensed"/>
+              </a:rPr>
+              <a:t>Binder</a:t>
+            </a:r>
+          </a:p>
+        </p:txBody>
+      </p:sp>
+      <p:sp>
+        <p:nvSpPr>
+          <p:cNvPr id="7" name="TextBox 6"/>
+          <p:cNvSpPr txBox="1"/>
+          <p:nvPr/>
+        </p:nvSpPr>
+        <p:spPr>
+          <a:xfrm>
+            <a:off x="2433224" y="1502523"/>
+            <a:ext cx="3968879" cy="3416319"/>
           </a:xfrm>
           <a:prstGeom prst="rect">
             <a:avLst/>
@@ -11861,176 +13823,109 @@
           <a:lstStyle/>
           <a:p>
             <a:r>
-              <a:rPr lang="en-US" sz="1200" dirty="0">
-                <a:latin typeface="Courier"/>
-                <a:cs typeface="Courier"/>
-              </a:rPr>
-              <a:t> @</a:t>
+              <a:rPr lang="en-US" sz="1200" b="1" dirty="0" err="1">
+                <a:latin typeface="Courier"/>
+                <a:cs typeface="Courier"/>
+              </a:rPr>
+              <a:t>NSLayoutConstraint</a:t>
+            </a:r>
+            <a:r>
+              <a:rPr lang="en-US" sz="1200" dirty="0">
+                <a:latin typeface="Courier"/>
+                <a:cs typeface="Courier"/>
+              </a:rPr>
+              <a:t> - .constant , .active</a:t>
+            </a:r>
+          </a:p>
+          <a:p>
+            <a:endParaRPr lang="en-US" sz="1200" dirty="0">
+              <a:latin typeface="Courier"/>
+              <a:cs typeface="Courier"/>
+            </a:endParaRPr>
+          </a:p>
+          <a:p>
+            <a:r>
+              <a:rPr lang="en-US" sz="1200" b="1" dirty="0" err="1">
+                <a:latin typeface="Courier"/>
+                <a:cs typeface="Courier"/>
+              </a:rPr>
+              <a:t>UIAlertAction</a:t>
+            </a:r>
+            <a:r>
+              <a:rPr lang="en-US" sz="1200" dirty="0">
+                <a:latin typeface="Courier"/>
+                <a:cs typeface="Courier"/>
+              </a:rPr>
+              <a:t> - .</a:t>
             </a:r>
             <a:r>
               <a:rPr lang="en-US" sz="1200" dirty="0" err="1">
                 <a:latin typeface="Courier"/>
                 <a:cs typeface="Courier"/>
               </a:rPr>
-              <a:t>IBOutlet</a:t>
-            </a:r>
-            <a:r>
-              <a:rPr lang="en-US" sz="1200" dirty="0">
-                <a:latin typeface="Courier"/>
-                <a:cs typeface="Courier"/>
-              </a:rPr>
-              <a:t> weak </a:t>
+              <a:t>isEnabled</a:t>
+            </a:r>
+            <a:endParaRPr lang="en-US" sz="1200" dirty="0">
+              <a:latin typeface="Courier"/>
+              <a:cs typeface="Courier"/>
+            </a:endParaRPr>
+          </a:p>
+          <a:p>
+            <a:endParaRPr lang="en-US" sz="1200" dirty="0">
+              <a:latin typeface="Courier"/>
+              <a:cs typeface="Courier"/>
+            </a:endParaRPr>
+          </a:p>
+          <a:p>
+            <a:r>
+              <a:rPr lang="en-US" sz="1200" b="1" dirty="0" err="1">
+                <a:latin typeface="Courier"/>
+                <a:cs typeface="Courier"/>
+              </a:rPr>
+              <a:t>UINavigationItem</a:t>
+            </a:r>
+            <a:r>
+              <a:rPr lang="en-US" sz="1200" dirty="0">
+                <a:latin typeface="Courier"/>
+                <a:cs typeface="Courier"/>
+              </a:rPr>
+              <a:t> - .title</a:t>
+            </a:r>
+          </a:p>
+          <a:p>
+            <a:endParaRPr lang="en-US" sz="1200" dirty="0">
+              <a:latin typeface="Courier"/>
+              <a:cs typeface="Courier"/>
+            </a:endParaRPr>
+          </a:p>
+          <a:p>
+            <a:r>
+              <a:rPr lang="en-US" sz="1200" b="1" dirty="0" err="1">
+                <a:latin typeface="Courier"/>
+                <a:cs typeface="Courier"/>
+              </a:rPr>
+              <a:t>UIPageControl</a:t>
+            </a:r>
+            <a:r>
+              <a:rPr lang="en-US" sz="1200" dirty="0">
+                <a:latin typeface="Courier"/>
+                <a:cs typeface="Courier"/>
+              </a:rPr>
+              <a:t> = .</a:t>
             </a:r>
             <a:r>
               <a:rPr lang="en-US" sz="1200" dirty="0" err="1">
                 <a:latin typeface="Courier"/>
                 <a:cs typeface="Courier"/>
               </a:rPr>
-              <a:t>var</a:t>
-            </a:r>
-            <a:r>
-              <a:rPr lang="en-US" sz="1200" dirty="0">
-                <a:latin typeface="Courier"/>
-                <a:cs typeface="Courier"/>
-              </a:rPr>
-              <a:t> </a:t>
-            </a:r>
-            <a:r>
-              <a:rPr lang="en-US" sz="1200" dirty="0" err="1">
-                <a:latin typeface="Courier"/>
-                <a:cs typeface="Courier"/>
-              </a:rPr>
-              <a:t>oneLabel</a:t>
-            </a:r>
-            <a:r>
-              <a:rPr lang="en-US" sz="1200" dirty="0">
-                <a:latin typeface="Courier"/>
-                <a:cs typeface="Courier"/>
-              </a:rPr>
-              <a:t>: </a:t>
-            </a:r>
-            <a:r>
-              <a:rPr lang="en-US" sz="1200" dirty="0" err="1">
-                <a:latin typeface="Courier"/>
-                <a:cs typeface="Courier"/>
-              </a:rPr>
-              <a:t>UILabel</a:t>
-            </a:r>
-            <a:r>
-              <a:rPr lang="en-US" sz="1200" dirty="0">
-                <a:latin typeface="Courier"/>
-                <a:cs typeface="Courier"/>
-              </a:rPr>
-              <a:t>!</a:t>
-            </a:r>
-          </a:p>
-          <a:p>
-            <a:r>
-              <a:rPr lang="en-US" sz="1200" dirty="0">
-                <a:latin typeface="Courier"/>
-                <a:cs typeface="Courier"/>
-              </a:rPr>
-              <a:t> </a:t>
-            </a:r>
-            <a:r>
-              <a:rPr lang="en-US" sz="1200" dirty="0" smtClean="0">
-                <a:latin typeface="Courier"/>
-                <a:cs typeface="Courier"/>
-              </a:rPr>
-              <a:t>@</a:t>
-            </a:r>
-            <a:r>
-              <a:rPr lang="en-US" sz="1200" dirty="0" err="1">
-                <a:latin typeface="Courier"/>
-                <a:cs typeface="Courier"/>
-              </a:rPr>
-              <a:t>IBOutlet</a:t>
-            </a:r>
-            <a:r>
-              <a:rPr lang="en-US" sz="1200" dirty="0">
-                <a:latin typeface="Courier"/>
-                <a:cs typeface="Courier"/>
-              </a:rPr>
-              <a:t> weak </a:t>
-            </a:r>
-            <a:r>
-              <a:rPr lang="en-US" sz="1200" dirty="0" err="1">
-                <a:latin typeface="Courier"/>
-                <a:cs typeface="Courier"/>
-              </a:rPr>
-              <a:t>var</a:t>
-            </a:r>
-            <a:r>
-              <a:rPr lang="en-US" sz="1200" dirty="0">
-                <a:latin typeface="Courier"/>
-                <a:cs typeface="Courier"/>
-              </a:rPr>
-              <a:t> </a:t>
-            </a:r>
-            <a:r>
-              <a:rPr lang="en-US" sz="1200" dirty="0" err="1">
-                <a:latin typeface="Courier"/>
-                <a:cs typeface="Courier"/>
-              </a:rPr>
-              <a:t>twoLabel</a:t>
-            </a:r>
-            <a:r>
-              <a:rPr lang="en-US" sz="1200" dirty="0">
-                <a:latin typeface="Courier"/>
-                <a:cs typeface="Courier"/>
-              </a:rPr>
-              <a:t>: </a:t>
-            </a:r>
-            <a:r>
-              <a:rPr lang="en-US" sz="1200" dirty="0" err="1">
-                <a:latin typeface="Courier"/>
-                <a:cs typeface="Courier"/>
-              </a:rPr>
-              <a:t>UILabel</a:t>
-            </a:r>
-            <a:r>
-              <a:rPr lang="en-US" sz="1200" dirty="0">
-                <a:latin typeface="Courier"/>
-                <a:cs typeface="Courier"/>
-              </a:rPr>
-              <a:t>!</a:t>
-            </a:r>
-          </a:p>
-          <a:p>
-            <a:r>
-              <a:rPr lang="en-US" sz="1200" dirty="0" smtClean="0">
-                <a:latin typeface="Courier"/>
-                <a:cs typeface="Courier"/>
-              </a:rPr>
-              <a:t> let </a:t>
-            </a:r>
-            <a:r>
-              <a:rPr lang="en-US" sz="1200" dirty="0" err="1">
-                <a:latin typeface="Courier"/>
-                <a:cs typeface="Courier"/>
-              </a:rPr>
-              <a:t>disposeBag</a:t>
-            </a:r>
-            <a:r>
-              <a:rPr lang="en-US" sz="1200" dirty="0">
-                <a:latin typeface="Courier"/>
-                <a:cs typeface="Courier"/>
-              </a:rPr>
-              <a:t> = </a:t>
-            </a:r>
-            <a:r>
-              <a:rPr lang="en-US" sz="1200" dirty="0" err="1">
-                <a:latin typeface="Courier"/>
-                <a:cs typeface="Courier"/>
-              </a:rPr>
-              <a:t>DisposeBag</a:t>
-            </a:r>
-            <a:r>
-              <a:rPr lang="en-US" sz="1200" dirty="0">
-                <a:latin typeface="Courier"/>
-                <a:cs typeface="Courier"/>
-              </a:rPr>
-              <a:t>()</a:t>
+              <a:t>currentPage</a:t>
+            </a:r>
+            <a:r>
+              <a:rPr lang="en-US" sz="1200" dirty="0">
+                <a:latin typeface="Courier"/>
+                <a:cs typeface="Courier"/>
+              </a:rPr>
+              <a:t>, </a:t>
             </a:r>
             <a:endParaRPr lang="en-US" sz="1200" dirty="0" smtClean="0">
               <a:latin typeface="Courier"/>
@@ -12038,127 +13933,178 @@
             </a:endParaRPr>
           </a:p>
           <a:p>
+            <a:r>
+              <a:rPr lang="en-US" sz="1200" dirty="0">
+                <a:latin typeface="Courier"/>
+                <a:cs typeface="Courier"/>
+              </a:rPr>
+              <a:t> </a:t>
+            </a:r>
+            <a:r>
+              <a:rPr lang="en-US" sz="1200" dirty="0" smtClean="0">
+                <a:latin typeface="Courier"/>
+                <a:cs typeface="Courier"/>
+              </a:rPr>
+              <a:t>               .</a:t>
+            </a:r>
+            <a:r>
+              <a:rPr lang="en-US" sz="1200" dirty="0" err="1">
+                <a:latin typeface="Courier"/>
+                <a:cs typeface="Courier"/>
+              </a:rPr>
+              <a:t>numberOfPage</a:t>
+            </a:r>
             <a:endParaRPr lang="en-US" sz="1200" dirty="0">
               <a:latin typeface="Courier"/>
               <a:cs typeface="Courier"/>
             </a:endParaRPr>
           </a:p>
           <a:p>
-            <a:endParaRPr lang="en-US" sz="1200" dirty="0" smtClean="0">
+            <a:endParaRPr lang="en-US" sz="1200" dirty="0">
               <a:latin typeface="Courier"/>
               <a:cs typeface="Courier"/>
             </a:endParaRPr>
           </a:p>
           <a:p>
             <a:r>
-              <a:rPr lang="en-US" sz="1200" dirty="0">
-                <a:latin typeface="Courier"/>
-                <a:cs typeface="Courier"/>
-              </a:rPr>
-              <a:t> </a:t>
+              <a:rPr lang="en-US" sz="1200" b="1" dirty="0" err="1">
+                <a:latin typeface="Courier"/>
+                <a:cs typeface="Courier"/>
+              </a:rPr>
+              <a:t>UIProgressView</a:t>
+            </a:r>
+            <a:r>
+              <a:rPr lang="en-US" sz="1200" dirty="0">
+                <a:latin typeface="Courier"/>
+                <a:cs typeface="Courier"/>
+              </a:rPr>
+              <a:t> - .progress</a:t>
+            </a:r>
+          </a:p>
+          <a:p>
+            <a:endParaRPr lang="en-US" sz="1200" dirty="0">
+              <a:latin typeface="Courier"/>
+              <a:cs typeface="Courier"/>
+            </a:endParaRPr>
+          </a:p>
+          <a:p>
+            <a:r>
+              <a:rPr lang="en-US" sz="1200" b="1" dirty="0" err="1">
+                <a:latin typeface="Courier"/>
+                <a:cs typeface="Courier"/>
+              </a:rPr>
+              <a:t>UIScrollView</a:t>
+            </a:r>
+            <a:r>
+              <a:rPr lang="en-US" sz="1200" dirty="0">
+                <a:latin typeface="Courier"/>
+                <a:cs typeface="Courier"/>
+              </a:rPr>
+              <a:t> - .</a:t>
             </a:r>
             <a:r>
               <a:rPr lang="en-US" sz="1200" dirty="0" err="1">
                 <a:latin typeface="Courier"/>
                 <a:cs typeface="Courier"/>
               </a:rPr>
-              <a:t>oneLabel.rx.observe</a:t>
-            </a:r>
-            <a:r>
-              <a:rPr lang="en-US" sz="1200" dirty="0">
-                <a:latin typeface="Courier"/>
-                <a:cs typeface="Courier"/>
-              </a:rPr>
-              <a:t>(</a:t>
+              <a:t>isScrollEnabled</a:t>
+            </a:r>
+            <a:endParaRPr lang="en-US" sz="1200" dirty="0">
+              <a:latin typeface="Courier"/>
+              <a:cs typeface="Courier"/>
+            </a:endParaRPr>
+          </a:p>
+          <a:p>
+            <a:endParaRPr lang="en-US" sz="1200" dirty="0">
+              <a:latin typeface="Courier"/>
+              <a:cs typeface="Courier"/>
+            </a:endParaRPr>
+          </a:p>
+          <a:p>
+            <a:r>
+              <a:rPr lang="en-US" sz="1200" b="1" dirty="0" err="1">
+                <a:latin typeface="Courier"/>
+                <a:cs typeface="Courier"/>
+              </a:rPr>
+              <a:t>UIStepper</a:t>
+            </a:r>
+            <a:r>
+              <a:rPr lang="en-US" sz="1200" dirty="0">
+                <a:latin typeface="Courier"/>
+                <a:cs typeface="Courier"/>
+              </a:rPr>
+              <a:t> - .</a:t>
             </a:r>
             <a:r>
               <a:rPr lang="en-US" sz="1200" dirty="0" err="1">
                 <a:latin typeface="Courier"/>
                 <a:cs typeface="Courier"/>
               </a:rPr>
-              <a:t>Bool.self</a:t>
-            </a:r>
-            <a:r>
-              <a:rPr lang="en-US" sz="1200" dirty="0">
-                <a:latin typeface="Courier"/>
-                <a:cs typeface="Courier"/>
-              </a:rPr>
-              <a:t>, "hidden")</a:t>
-            </a:r>
-          </a:p>
-          <a:p>
-            <a:r>
-              <a:rPr lang="en-US" sz="1200" dirty="0">
-                <a:latin typeface="Courier"/>
-                <a:cs typeface="Courier"/>
-              </a:rPr>
-              <a:t>            .subscribe(</a:t>
+              <a:t>stepValue</a:t>
+            </a:r>
+            <a:endParaRPr lang="en-US" sz="1200" dirty="0">
+              <a:latin typeface="Courier"/>
+              <a:cs typeface="Courier"/>
+            </a:endParaRPr>
+          </a:p>
+          <a:p>
+            <a:endParaRPr lang="en-US" sz="1200" dirty="0">
+              <a:latin typeface="Courier"/>
+              <a:cs typeface="Courier"/>
+            </a:endParaRPr>
+          </a:p>
+          <a:p>
+            <a:r>
+              <a:rPr lang="en-US" sz="1200" b="1" dirty="0" err="1">
+                <a:latin typeface="Courier"/>
+                <a:cs typeface="Courier"/>
+              </a:rPr>
+              <a:t>UITabBarItem</a:t>
+            </a:r>
+            <a:r>
+              <a:rPr lang="en-US" sz="1200" dirty="0">
+                <a:latin typeface="Courier"/>
+                <a:cs typeface="Courier"/>
+              </a:rPr>
+              <a:t> - .</a:t>
             </a:r>
             <a:r>
               <a:rPr lang="en-US" sz="1200" dirty="0" err="1">
                 <a:latin typeface="Courier"/>
                 <a:cs typeface="Courier"/>
               </a:rPr>
-              <a:t>onNext</a:t>
-            </a:r>
-            <a:r>
-              <a:rPr lang="en-US" sz="1200" dirty="0">
-                <a:latin typeface="Courier"/>
-                <a:cs typeface="Courier"/>
-              </a:rPr>
-              <a:t>: { [</a:t>
-            </a:r>
-            <a:r>
-              <a:rPr lang="en-US" sz="1200" dirty="0" err="1">
-                <a:latin typeface="Courier"/>
-                <a:cs typeface="Courier"/>
-              </a:rPr>
-              <a:t>unowned</a:t>
-            </a:r>
-            <a:r>
-              <a:rPr lang="en-US" sz="1200" dirty="0">
-                <a:latin typeface="Courier"/>
-                <a:cs typeface="Courier"/>
-              </a:rPr>
-              <a:t> self] hidden in</a:t>
-            </a:r>
-          </a:p>
-          <a:p>
-            <a:r>
-              <a:rPr lang="mr-IN" sz="1200" dirty="0">
-                <a:latin typeface="Courier"/>
-                <a:cs typeface="Courier"/>
-              </a:rPr>
-              <a:t>                if let _hidden = hidden {</a:t>
-            </a:r>
-          </a:p>
-          <a:p>
-            <a:r>
-              <a:rPr lang="mr-IN" sz="1200" dirty="0">
-                <a:latin typeface="Courier"/>
-                <a:cs typeface="Courier"/>
-              </a:rPr>
-              <a:t>                    self.twoLabel.isHidden = _hidden</a:t>
-            </a:r>
-          </a:p>
-          <a:p>
-            <a:r>
-              <a:rPr lang="mr-IN" sz="1200" dirty="0">
-                <a:latin typeface="Courier"/>
-                <a:cs typeface="Courier"/>
-              </a:rPr>
-              <a:t>                }</a:t>
-            </a:r>
-          </a:p>
-          <a:p>
-            <a:r>
-              <a:rPr lang="mr-IN" sz="1200" dirty="0">
-                <a:latin typeface="Courier"/>
-                <a:cs typeface="Courier"/>
-              </a:rPr>
-              <a:t>            }).disposed(by: disposeBag)</a:t>
+              <a:t>badgeValue</a:t>
             </a:r>
             <a:endParaRPr lang="en-US" sz="1200" dirty="0">
+              <a:latin typeface="Courier"/>
+              <a:cs typeface="Courier"/>
+            </a:endParaRPr>
+          </a:p>
+          <a:p>
+            <a:endParaRPr lang="en-US" sz="1200" dirty="0">
+              <a:latin typeface="Courier"/>
+              <a:cs typeface="Courier"/>
+            </a:endParaRPr>
+          </a:p>
+          <a:p>
+            <a:r>
+              <a:rPr lang="en-US" sz="1200" b="1" dirty="0" err="1">
+                <a:latin typeface="Courier"/>
+                <a:cs typeface="Courier"/>
+              </a:rPr>
+              <a:t>UIViewController</a:t>
+            </a:r>
+            <a:r>
+              <a:rPr lang="en-US" sz="1200" dirty="0">
+                <a:latin typeface="Courier"/>
+                <a:cs typeface="Courier"/>
+              </a:rPr>
+              <a:t> = .title</a:t>
+            </a:r>
+            <a:endParaRPr lang="en-US" sz="1200" i="1" dirty="0" smtClean="0">
+              <a:solidFill>
+                <a:srgbClr val="FF0000"/>
+              </a:solidFill>
               <a:latin typeface="Courier"/>
               <a:cs typeface="Courier"/>
             </a:endParaRPr>
@@ -12168,7 +14114,7 @@
     </p:spTree>
     <p:extLst>
       <p:ext uri="{BB962C8B-B14F-4D97-AF65-F5344CB8AC3E}">
-        <p14:creationId xmlns:p14="http://schemas.microsoft.com/office/powerpoint/2010/main" val="236769934"/>
+        <p14:creationId xmlns:p14="http://schemas.microsoft.com/office/powerpoint/2010/main" val="987445903"/>
       </p:ext>
     </p:extLst>
   </p:cSld>
@@ -12235,7 +14181,15 @@
             </a:pPr>
             <a:r>
               <a:rPr lang="en-US" dirty="0" smtClean="0"/>
-              <a:t>Binding - KVO</a:t>
+              <a:t>Binder? Or </a:t>
+            </a:r>
+            <a:r>
+              <a:rPr lang="en-US" dirty="0" err="1" smtClean="0"/>
+              <a:t>ControlProperty</a:t>
+            </a:r>
+            <a:r>
+              <a:rPr lang="en-US" dirty="0" smtClean="0"/>
+              <a:t>?</a:t>
             </a:r>
             <a:endParaRPr lang="en" dirty="0"/>
           </a:p>
@@ -12312,14 +14266,50 @@
       </p:pic>
       <p:sp>
         <p:nvSpPr>
-          <p:cNvPr id="9" name="TextBox 8"/>
+          <p:cNvPr id="3" name="TextBox 2"/>
           <p:cNvSpPr txBox="1"/>
           <p:nvPr/>
         </p:nvSpPr>
         <p:spPr>
           <a:xfrm>
-            <a:off x="1052178" y="1780650"/>
-            <a:ext cx="6235590" cy="3077765"/>
+            <a:off x="151129" y="1382614"/>
+            <a:ext cx="2557110" cy="461665"/>
+          </a:xfrm>
+          <a:prstGeom prst="rect">
+            <a:avLst/>
+          </a:prstGeom>
+          <a:noFill/>
+        </p:spPr>
+        <p:txBody>
+          <a:bodyPr wrap="none" rtlCol="0">
+            <a:spAutoFit/>
+          </a:bodyPr>
+          <a:lstStyle/>
+          <a:p>
+            <a:r>
+              <a:rPr lang="en-US" sz="2400" b="1" dirty="0" err="1" smtClean="0">
+                <a:latin typeface="Roboto Condensed"/>
+                <a:cs typeface="Roboto Condensed"/>
+              </a:rPr>
+              <a:t>ControlProperty</a:t>
+            </a:r>
+            <a:endParaRPr lang="en-US" sz="2400" b="1" dirty="0" smtClean="0">
+              <a:latin typeface="Roboto Condensed"/>
+              <a:cs typeface="Roboto Condensed"/>
+            </a:endParaRPr>
+          </a:p>
+        </p:txBody>
+      </p:sp>
+      <p:sp>
+        <p:nvSpPr>
+          <p:cNvPr id="7" name="TextBox 6"/>
+          <p:cNvSpPr txBox="1"/>
+          <p:nvPr/>
+        </p:nvSpPr>
+        <p:spPr>
+          <a:xfrm>
+            <a:off x="3110558" y="1357849"/>
+            <a:ext cx="5310519" cy="3231653"/>
           </a:xfrm>
           <a:prstGeom prst="rect">
             <a:avLst/>
@@ -12333,462 +14323,391 @@
           <a:lstStyle/>
           <a:p>
             <a:r>
-              <a:rPr lang="en-US" sz="1200" dirty="0">
-                <a:latin typeface="Courier"/>
-                <a:cs typeface="Courier"/>
-              </a:rPr>
-              <a:t> @</a:t>
+              <a:rPr lang="en-US" sz="1200" b="1" dirty="0" err="1">
+                <a:latin typeface="Courier"/>
+                <a:cs typeface="Courier"/>
+              </a:rPr>
+              <a:t>UITextField</a:t>
+            </a:r>
+            <a:r>
+              <a:rPr lang="en-US" sz="1200" b="1" dirty="0">
+                <a:latin typeface="Courier"/>
+                <a:cs typeface="Courier"/>
+              </a:rPr>
+              <a:t> </a:t>
+            </a:r>
+            <a:r>
+              <a:rPr lang="en-US" sz="1200" dirty="0">
+                <a:latin typeface="Courier"/>
+                <a:cs typeface="Courier"/>
+              </a:rPr>
+              <a:t>- .text, .</a:t>
             </a:r>
             <a:r>
               <a:rPr lang="en-US" sz="1200" dirty="0" err="1">
                 <a:latin typeface="Courier"/>
                 <a:cs typeface="Courier"/>
               </a:rPr>
-              <a:t>IBOutlet</a:t>
-            </a:r>
-            <a:r>
-              <a:rPr lang="en-US" sz="1200" dirty="0">
-                <a:latin typeface="Courier"/>
-                <a:cs typeface="Courier"/>
-              </a:rPr>
-              <a:t> weak </a:t>
+              <a:t>attributedText</a:t>
+            </a:r>
+            <a:r>
+              <a:rPr lang="en-US" sz="1200" dirty="0">
+                <a:latin typeface="Courier"/>
+                <a:cs typeface="Courier"/>
+              </a:rPr>
+              <a:t>, .</a:t>
             </a:r>
             <a:r>
               <a:rPr lang="en-US" sz="1200" dirty="0" err="1">
                 <a:latin typeface="Courier"/>
                 <a:cs typeface="Courier"/>
               </a:rPr>
-              <a:t>var</a:t>
-            </a:r>
-            <a:r>
-              <a:rPr lang="en-US" sz="1200" dirty="0">
-                <a:latin typeface="Courier"/>
-                <a:cs typeface="Courier"/>
-              </a:rPr>
-              <a:t> </a:t>
-            </a:r>
-            <a:r>
-              <a:rPr lang="en-US" sz="1200" dirty="0" err="1">
-                <a:latin typeface="Courier"/>
-                <a:cs typeface="Courier"/>
-              </a:rPr>
-              <a:t>oneLabel</a:t>
-            </a:r>
-            <a:r>
-              <a:rPr lang="en-US" sz="1200" dirty="0">
-                <a:latin typeface="Courier"/>
-                <a:cs typeface="Courier"/>
-              </a:rPr>
-              <a:t>: </a:t>
-            </a:r>
-            <a:r>
-              <a:rPr lang="en-US" sz="1200" dirty="0" err="1">
-                <a:latin typeface="Courier"/>
-                <a:cs typeface="Courier"/>
-              </a:rPr>
-              <a:t>UILabel</a:t>
-            </a:r>
-            <a:r>
-              <a:rPr lang="en-US" sz="1200" dirty="0">
-                <a:latin typeface="Courier"/>
-                <a:cs typeface="Courier"/>
-              </a:rPr>
-              <a:t>!</a:t>
-            </a:r>
-          </a:p>
-          <a:p>
-            <a:r>
-              <a:rPr lang="en-US" sz="1200" dirty="0">
-                <a:latin typeface="Courier"/>
-                <a:cs typeface="Courier"/>
-              </a:rPr>
-              <a:t> </a:t>
-            </a:r>
-            <a:r>
-              <a:rPr lang="en-US" sz="1200" dirty="0" smtClean="0">
-                <a:latin typeface="Courier"/>
-                <a:cs typeface="Courier"/>
-              </a:rPr>
-              <a:t>@</a:t>
-            </a:r>
-            <a:r>
-              <a:rPr lang="en-US" sz="1200" dirty="0" err="1">
-                <a:latin typeface="Courier"/>
-                <a:cs typeface="Courier"/>
-              </a:rPr>
-              <a:t>IBOutlet</a:t>
-            </a:r>
-            <a:r>
-              <a:rPr lang="en-US" sz="1200" dirty="0">
-                <a:latin typeface="Courier"/>
-                <a:cs typeface="Courier"/>
-              </a:rPr>
-              <a:t> weak </a:t>
-            </a:r>
-            <a:r>
-              <a:rPr lang="en-US" sz="1200" dirty="0" err="1">
-                <a:latin typeface="Courier"/>
-                <a:cs typeface="Courier"/>
-              </a:rPr>
-              <a:t>var</a:t>
-            </a:r>
-            <a:r>
-              <a:rPr lang="en-US" sz="1200" dirty="0">
-                <a:latin typeface="Courier"/>
-                <a:cs typeface="Courier"/>
-              </a:rPr>
-              <a:t> </a:t>
-            </a:r>
-            <a:r>
-              <a:rPr lang="en-US" sz="1200" dirty="0" err="1">
-                <a:latin typeface="Courier"/>
-                <a:cs typeface="Courier"/>
-              </a:rPr>
-              <a:t>twoLabel</a:t>
-            </a:r>
-            <a:r>
-              <a:rPr lang="en-US" sz="1200" dirty="0">
-                <a:latin typeface="Courier"/>
-                <a:cs typeface="Courier"/>
-              </a:rPr>
-              <a:t>: </a:t>
-            </a:r>
-            <a:r>
-              <a:rPr lang="en-US" sz="1200" dirty="0" err="1">
-                <a:latin typeface="Courier"/>
-                <a:cs typeface="Courier"/>
-              </a:rPr>
-              <a:t>UILabel</a:t>
-            </a:r>
-            <a:r>
-              <a:rPr lang="en-US" sz="1200" dirty="0">
-                <a:latin typeface="Courier"/>
-                <a:cs typeface="Courier"/>
-              </a:rPr>
-              <a:t>!</a:t>
-            </a:r>
-          </a:p>
-          <a:p>
-            <a:r>
-              <a:rPr lang="en-US" sz="1200" dirty="0">
-                <a:latin typeface="Courier"/>
-                <a:cs typeface="Courier"/>
-              </a:rPr>
-              <a:t> </a:t>
-            </a:r>
-            <a:r>
-              <a:rPr lang="en-US" sz="1200" dirty="0" smtClean="0">
-                <a:latin typeface="Courier"/>
-                <a:cs typeface="Courier"/>
-              </a:rPr>
-              <a:t>let </a:t>
-            </a:r>
-            <a:r>
-              <a:rPr lang="en-US" sz="1200" dirty="0" err="1">
-                <a:latin typeface="Courier"/>
-                <a:cs typeface="Courier"/>
-              </a:rPr>
-              <a:t>hiddenRelay</a:t>
-            </a:r>
-            <a:r>
-              <a:rPr lang="en-US" sz="1200" dirty="0">
-                <a:latin typeface="Courier"/>
-                <a:cs typeface="Courier"/>
-              </a:rPr>
-              <a:t> = </a:t>
-            </a:r>
-            <a:r>
-              <a:rPr lang="en-US" sz="1200" dirty="0" err="1">
-                <a:latin typeface="Courier"/>
-                <a:cs typeface="Courier"/>
-              </a:rPr>
-              <a:t>BehaviorRelay</a:t>
-            </a:r>
-            <a:r>
-              <a:rPr lang="en-US" sz="1200" dirty="0">
-                <a:latin typeface="Courier"/>
-                <a:cs typeface="Courier"/>
-              </a:rPr>
-              <a:t>&lt;</a:t>
-            </a:r>
-            <a:r>
-              <a:rPr lang="en-US" sz="1200" dirty="0" err="1">
-                <a:latin typeface="Courier"/>
-                <a:cs typeface="Courier"/>
-              </a:rPr>
-              <a:t>Bool</a:t>
-            </a:r>
-            <a:r>
-              <a:rPr lang="en-US" sz="1200" dirty="0">
-                <a:latin typeface="Courier"/>
-                <a:cs typeface="Courier"/>
-              </a:rPr>
-              <a:t>&gt;(value: false)</a:t>
-            </a:r>
-            <a:endParaRPr lang="en-US" sz="1200" dirty="0" smtClean="0">
+              <a:t>textI</a:t>
+            </a:r>
+            <a:r>
+              <a:rPr lang="en-US" sz="1200" b="1" dirty="0" err="1">
+                <a:latin typeface="Courier"/>
+                <a:cs typeface="Courier"/>
+              </a:rPr>
+              <a:t>nput</a:t>
+            </a:r>
+            <a:endParaRPr lang="en-US" sz="1200" b="1" dirty="0">
               <a:latin typeface="Courier"/>
               <a:cs typeface="Courier"/>
             </a:endParaRPr>
           </a:p>
           <a:p>
-            <a:r>
-              <a:rPr lang="mr-IN" sz="1200" dirty="0" smtClean="0">
-                <a:latin typeface="Courier"/>
-                <a:cs typeface="Courier"/>
-              </a:rPr>
-              <a:t> </a:t>
-            </a:r>
-            <a:r>
-              <a:rPr lang="en-US" sz="1200" dirty="0" smtClean="0">
-                <a:latin typeface="Courier"/>
-                <a:cs typeface="Courier"/>
-              </a:rPr>
-              <a:t>let </a:t>
-            </a:r>
-            <a:r>
-              <a:rPr lang="en-US" sz="1200" dirty="0" err="1">
-                <a:latin typeface="Courier"/>
-                <a:cs typeface="Courier"/>
-              </a:rPr>
-              <a:t>disposeBag</a:t>
-            </a:r>
-            <a:r>
-              <a:rPr lang="en-US" sz="1200" dirty="0">
-                <a:latin typeface="Courier"/>
-                <a:cs typeface="Courier"/>
-              </a:rPr>
-              <a:t> = </a:t>
-            </a:r>
-            <a:r>
-              <a:rPr lang="en-US" sz="1200" dirty="0" err="1">
-                <a:latin typeface="Courier"/>
-                <a:cs typeface="Courier"/>
-              </a:rPr>
-              <a:t>DisposeBag</a:t>
-            </a:r>
-            <a:r>
-              <a:rPr lang="en-US" sz="1200" dirty="0">
-                <a:latin typeface="Courier"/>
-                <a:cs typeface="Courier"/>
-              </a:rPr>
-              <a:t>()</a:t>
-            </a:r>
-            <a:endParaRPr lang="en-US" sz="1200" dirty="0" smtClean="0">
+            <a:endParaRPr lang="en-US" sz="1200" b="1" dirty="0">
               <a:latin typeface="Courier"/>
               <a:cs typeface="Courier"/>
             </a:endParaRPr>
           </a:p>
           <a:p>
+            <a:r>
+              <a:rPr lang="en-US" sz="1200" b="1" dirty="0" err="1">
+                <a:latin typeface="Courier"/>
+                <a:cs typeface="Courier"/>
+              </a:rPr>
+              <a:t>UITextView</a:t>
+            </a:r>
+            <a:r>
+              <a:rPr lang="en-US" sz="1200" b="1" dirty="0">
+                <a:latin typeface="Courier"/>
+                <a:cs typeface="Courier"/>
+              </a:rPr>
+              <a:t> </a:t>
+            </a:r>
+            <a:r>
+              <a:rPr lang="en-US" sz="1200" dirty="0">
+                <a:latin typeface="Courier"/>
+                <a:cs typeface="Courier"/>
+              </a:rPr>
+              <a:t>- .text, .</a:t>
+            </a:r>
+            <a:r>
+              <a:rPr lang="en-US" sz="1200" dirty="0" err="1">
+                <a:latin typeface="Courier"/>
+                <a:cs typeface="Courier"/>
+              </a:rPr>
+              <a:t>attributedText</a:t>
+            </a:r>
+            <a:r>
+              <a:rPr lang="en-US" sz="1200" dirty="0">
+                <a:latin typeface="Courier"/>
+                <a:cs typeface="Courier"/>
+              </a:rPr>
+              <a:t>, .</a:t>
+            </a:r>
+            <a:r>
+              <a:rPr lang="en-US" sz="1200" dirty="0" err="1">
+                <a:latin typeface="Courier"/>
+                <a:cs typeface="Courier"/>
+              </a:rPr>
+              <a:t>textInput</a:t>
+            </a:r>
             <a:endParaRPr lang="en-US" sz="1200" dirty="0">
               <a:latin typeface="Courier"/>
               <a:cs typeface="Courier"/>
             </a:endParaRPr>
           </a:p>
           <a:p>
-            <a:endParaRPr lang="en-US" sz="1200" dirty="0" smtClean="0">
+            <a:endParaRPr lang="en-US" sz="1200" b="1" dirty="0">
               <a:latin typeface="Courier"/>
               <a:cs typeface="Courier"/>
             </a:endParaRPr>
           </a:p>
           <a:p>
             <a:r>
-              <a:rPr lang="en-US" sz="1200" dirty="0">
+              <a:rPr lang="en-US" sz="1200" b="1" dirty="0" err="1">
+                <a:latin typeface="Courier"/>
+                <a:cs typeface="Courier"/>
+              </a:rPr>
+              <a:t>UISearchBar</a:t>
+            </a:r>
+            <a:r>
+              <a:rPr lang="en-US" sz="1200" b="1" dirty="0">
                 <a:latin typeface="Courier"/>
                 <a:cs typeface="Courier"/>
               </a:rPr>
               <a:t> </a:t>
             </a:r>
             <a:r>
+              <a:rPr lang="en-US" sz="1200" dirty="0">
+                <a:latin typeface="Courier"/>
+                <a:cs typeface="Courier"/>
+              </a:rPr>
+              <a:t>- .text, .</a:t>
+            </a:r>
+            <a:r>
               <a:rPr lang="en-US" sz="1200" dirty="0" err="1">
                 <a:latin typeface="Courier"/>
                 <a:cs typeface="Courier"/>
               </a:rPr>
-              <a:t>oneLabel.rx.observe</a:t>
-            </a:r>
-            <a:r>
-              <a:rPr lang="en-US" sz="1200" dirty="0">
-                <a:latin typeface="Courier"/>
-                <a:cs typeface="Courier"/>
-              </a:rPr>
-              <a:t>(</a:t>
-            </a:r>
-            <a:r>
-              <a:rPr lang="en-US" sz="1200" dirty="0" err="1">
-                <a:latin typeface="Courier"/>
-                <a:cs typeface="Courier"/>
-              </a:rPr>
-              <a:t>Bool.self</a:t>
-            </a:r>
-            <a:r>
-              <a:rPr lang="en-US" sz="1200" dirty="0">
-                <a:latin typeface="Courier"/>
-                <a:cs typeface="Courier"/>
-              </a:rPr>
-              <a:t>, "hidden")</a:t>
-            </a:r>
-          </a:p>
-          <a:p>
-            <a:r>
-              <a:rPr lang="en-US" sz="1200" dirty="0">
-                <a:latin typeface="Courier"/>
-                <a:cs typeface="Courier"/>
-              </a:rPr>
-              <a:t>            .subscribe(</a:t>
-            </a:r>
-            <a:r>
-              <a:rPr lang="en-US" sz="1200" dirty="0" err="1">
-                <a:latin typeface="Courier"/>
-                <a:cs typeface="Courier"/>
-              </a:rPr>
-              <a:t>onNext</a:t>
-            </a:r>
-            <a:r>
-              <a:rPr lang="en-US" sz="1200" dirty="0">
-                <a:latin typeface="Courier"/>
-                <a:cs typeface="Courier"/>
-              </a:rPr>
-              <a:t>: { [</a:t>
-            </a:r>
-            <a:r>
-              <a:rPr lang="en-US" sz="1200" dirty="0" err="1">
-                <a:latin typeface="Courier"/>
-                <a:cs typeface="Courier"/>
-              </a:rPr>
-              <a:t>unowned</a:t>
-            </a:r>
-            <a:r>
-              <a:rPr lang="en-US" sz="1200" dirty="0">
-                <a:latin typeface="Courier"/>
-                <a:cs typeface="Courier"/>
-              </a:rPr>
-              <a:t> self] hidden in</a:t>
-            </a:r>
-          </a:p>
-          <a:p>
-            <a:r>
-              <a:rPr lang="mr-IN" sz="1200" dirty="0">
-                <a:latin typeface="Courier"/>
-                <a:cs typeface="Courier"/>
-              </a:rPr>
-              <a:t>                if let _hidden = hidden {</a:t>
-            </a:r>
-          </a:p>
-          <a:p>
-            <a:r>
-              <a:rPr lang="en-US" sz="1200" dirty="0">
-                <a:latin typeface="Courier"/>
-                <a:cs typeface="Courier"/>
-              </a:rPr>
-              <a:t>                    </a:t>
-            </a:r>
-            <a:r>
-              <a:rPr lang="en-US" sz="1200" dirty="0" err="1">
-                <a:latin typeface="Courier"/>
-                <a:cs typeface="Courier"/>
-              </a:rPr>
-              <a:t>self.hiddenRelay.accept</a:t>
-            </a:r>
-            <a:r>
-              <a:rPr lang="en-US" sz="1200" dirty="0">
-                <a:latin typeface="Courier"/>
-                <a:cs typeface="Courier"/>
-              </a:rPr>
-              <a:t>(_hidden)</a:t>
-            </a:r>
-          </a:p>
-          <a:p>
-            <a:r>
-              <a:rPr lang="mr-IN" sz="1200" dirty="0">
-                <a:latin typeface="Courier"/>
-                <a:cs typeface="Courier"/>
-              </a:rPr>
-              <a:t>                }</a:t>
-            </a:r>
-          </a:p>
-          <a:p>
-            <a:r>
-              <a:rPr lang="mr-IN" sz="1200" dirty="0">
-                <a:latin typeface="Courier"/>
-                <a:cs typeface="Courier"/>
-              </a:rPr>
-              <a:t>            }).disposed(by: disposeBag)</a:t>
-            </a:r>
-          </a:p>
-          <a:p>
-            <a:endParaRPr lang="mr-IN" sz="1200" dirty="0">
+              <a:t>selectedScopeButtonIndex</a:t>
+            </a:r>
+            <a:endParaRPr lang="en-US" sz="1200" dirty="0">
               <a:latin typeface="Courier"/>
               <a:cs typeface="Courier"/>
             </a:endParaRPr>
           </a:p>
           <a:p>
-            <a:r>
-              <a:rPr lang="en-US" sz="1200" dirty="0">
+            <a:endParaRPr lang="en-US" sz="1200" b="1" dirty="0">
+              <a:latin typeface="Courier"/>
+              <a:cs typeface="Courier"/>
+            </a:endParaRPr>
+          </a:p>
+          <a:p>
+            <a:r>
+              <a:rPr lang="en-US" sz="1200" b="1" dirty="0" err="1">
+                <a:latin typeface="Courier"/>
+                <a:cs typeface="Courier"/>
+              </a:rPr>
+              <a:t>UISegementedControl</a:t>
+            </a:r>
+            <a:r>
+              <a:rPr lang="en-US" sz="1200" b="1" dirty="0">
                 <a:latin typeface="Courier"/>
                 <a:cs typeface="Courier"/>
               </a:rPr>
               <a:t> </a:t>
             </a:r>
             <a:r>
-              <a:rPr lang="en-US" sz="1200" dirty="0" err="1" smtClean="0">
-                <a:latin typeface="Courier"/>
-                <a:cs typeface="Courier"/>
-              </a:rPr>
-              <a:t>self.hiddenRelay.asObservable</a:t>
-            </a:r>
-            <a:r>
-              <a:rPr lang="en-US" sz="1200" dirty="0">
-                <a:latin typeface="Courier"/>
-                <a:cs typeface="Courier"/>
-              </a:rPr>
-              <a:t>()</a:t>
-            </a:r>
-          </a:p>
-          <a:p>
-            <a:r>
-              <a:rPr lang="en-US" sz="1200" dirty="0">
-                <a:latin typeface="Courier"/>
-                <a:cs typeface="Courier"/>
-              </a:rPr>
-              <a:t>            .bind(to: </a:t>
+              <a:rPr lang="en-US" sz="1200" dirty="0">
+                <a:latin typeface="Courier"/>
+                <a:cs typeface="Courier"/>
+              </a:rPr>
+              <a:t>- .</a:t>
             </a:r>
             <a:r>
               <a:rPr lang="en-US" sz="1200" dirty="0" err="1">
                 <a:latin typeface="Courier"/>
                 <a:cs typeface="Courier"/>
               </a:rPr>
-              <a:t>self.twoLabel.rx.isHidden</a:t>
-            </a:r>
-            <a:r>
-              <a:rPr lang="en-US" sz="1200" dirty="0">
-                <a:latin typeface="Courier"/>
-                <a:cs typeface="Courier"/>
-              </a:rPr>
-              <a:t>)</a:t>
-            </a:r>
-          </a:p>
-          <a:p>
-            <a:r>
-              <a:rPr lang="en-US" sz="1200" dirty="0">
-                <a:latin typeface="Courier"/>
-                <a:cs typeface="Courier"/>
-              </a:rPr>
-              <a:t>            .disposed(by: </a:t>
+              <a:t>selectedSegmentIndex</a:t>
+            </a:r>
+            <a:endParaRPr lang="en-US" sz="1200" dirty="0">
+              <a:latin typeface="Courier"/>
+              <a:cs typeface="Courier"/>
+            </a:endParaRPr>
+          </a:p>
+          <a:p>
+            <a:endParaRPr lang="en-US" sz="1200" b="1" dirty="0">
+              <a:latin typeface="Courier"/>
+              <a:cs typeface="Courier"/>
+            </a:endParaRPr>
+          </a:p>
+          <a:p>
+            <a:r>
+              <a:rPr lang="en-US" sz="1200" b="1" dirty="0" err="1">
+                <a:latin typeface="Courier"/>
+                <a:cs typeface="Courier"/>
+              </a:rPr>
+              <a:t>UIDatePicker</a:t>
+            </a:r>
+            <a:r>
+              <a:rPr lang="en-US" sz="1200" b="1" dirty="0">
+                <a:latin typeface="Courier"/>
+                <a:cs typeface="Courier"/>
+              </a:rPr>
+              <a:t> </a:t>
+            </a:r>
+            <a:r>
+              <a:rPr lang="en-US" sz="1200" dirty="0">
+                <a:latin typeface="Courier"/>
+                <a:cs typeface="Courier"/>
+              </a:rPr>
+              <a:t>- .</a:t>
+            </a:r>
+            <a:r>
+              <a:rPr lang="en-US" sz="1200" dirty="0" smtClean="0">
+                <a:latin typeface="Courier"/>
+                <a:cs typeface="Courier"/>
+              </a:rPr>
+              <a:t>date, </a:t>
+            </a:r>
+            <a:r>
+              <a:rPr lang="en-US" sz="1200" dirty="0">
+                <a:latin typeface="Courier"/>
+                <a:cs typeface="Courier"/>
+              </a:rPr>
+              <a:t>.</a:t>
             </a:r>
             <a:r>
               <a:rPr lang="en-US" sz="1200" dirty="0" err="1">
                 <a:latin typeface="Courier"/>
                 <a:cs typeface="Courier"/>
               </a:rPr>
-              <a:t>disposeBag</a:t>
-            </a:r>
-            <a:r>
-              <a:rPr lang="en-US" sz="1200" dirty="0">
-                <a:latin typeface="Courier"/>
-                <a:cs typeface="Courier"/>
-              </a:rPr>
-              <a:t>)</a:t>
+              <a:t>countDownDuration</a:t>
             </a:r>
             <a:endParaRPr lang="en-US" sz="1200" dirty="0">
+              <a:latin typeface="Courier"/>
+              <a:cs typeface="Courier"/>
+            </a:endParaRPr>
+          </a:p>
+          <a:p>
+            <a:endParaRPr lang="en-US" sz="1200" b="1" dirty="0">
+              <a:latin typeface="Courier"/>
+              <a:cs typeface="Courier"/>
+            </a:endParaRPr>
+          </a:p>
+          <a:p>
+            <a:r>
+              <a:rPr lang="en-US" sz="1200" b="1" dirty="0" err="1">
+                <a:latin typeface="Courier"/>
+                <a:cs typeface="Courier"/>
+              </a:rPr>
+              <a:t>UISCrollView</a:t>
+            </a:r>
+            <a:r>
+              <a:rPr lang="en-US" sz="1200" b="1" dirty="0">
+                <a:latin typeface="Courier"/>
+                <a:cs typeface="Courier"/>
+              </a:rPr>
+              <a:t> </a:t>
+            </a:r>
+            <a:r>
+              <a:rPr lang="en-US" sz="1200" dirty="0" smtClean="0">
+                <a:latin typeface="Courier"/>
+                <a:cs typeface="Courier"/>
+              </a:rPr>
+              <a:t>- </a:t>
+            </a:r>
+            <a:r>
+              <a:rPr lang="en-US" sz="1200" dirty="0">
+                <a:latin typeface="Courier"/>
+                <a:cs typeface="Courier"/>
+              </a:rPr>
+              <a:t>.</a:t>
+            </a:r>
+            <a:r>
+              <a:rPr lang="en-US" sz="1200" dirty="0" err="1">
+                <a:latin typeface="Courier"/>
+                <a:cs typeface="Courier"/>
+              </a:rPr>
+              <a:t>contentOffset</a:t>
+            </a:r>
+            <a:endParaRPr lang="en-US" sz="1200" dirty="0">
+              <a:latin typeface="Courier"/>
+              <a:cs typeface="Courier"/>
+            </a:endParaRPr>
+          </a:p>
+          <a:p>
+            <a:endParaRPr lang="en-US" sz="1200" b="1" dirty="0">
+              <a:latin typeface="Courier"/>
+              <a:cs typeface="Courier"/>
+            </a:endParaRPr>
+          </a:p>
+          <a:p>
+            <a:r>
+              <a:rPr lang="en-US" sz="1200" b="1" dirty="0" err="1">
+                <a:latin typeface="Courier"/>
+                <a:cs typeface="Courier"/>
+              </a:rPr>
+              <a:t>UISlider</a:t>
+            </a:r>
+            <a:r>
+              <a:rPr lang="en-US" sz="1200" b="1" dirty="0">
+                <a:latin typeface="Courier"/>
+                <a:cs typeface="Courier"/>
+              </a:rPr>
+              <a:t> </a:t>
+            </a:r>
+            <a:r>
+              <a:rPr lang="en-US" sz="1200" dirty="0">
+                <a:latin typeface="Courier"/>
+                <a:cs typeface="Courier"/>
+              </a:rPr>
+              <a:t>- .value</a:t>
+            </a:r>
+          </a:p>
+          <a:p>
+            <a:endParaRPr lang="en-US" sz="1200" b="1" dirty="0">
+              <a:latin typeface="Courier"/>
+              <a:cs typeface="Courier"/>
+            </a:endParaRPr>
+          </a:p>
+          <a:p>
+            <a:r>
+              <a:rPr lang="en-US" sz="1200" b="1" dirty="0" err="1">
+                <a:latin typeface="Courier"/>
+                <a:cs typeface="Courier"/>
+              </a:rPr>
+              <a:t>UIStepper</a:t>
+            </a:r>
+            <a:r>
+              <a:rPr lang="en-US" sz="1200" b="1" dirty="0">
+                <a:latin typeface="Courier"/>
+                <a:cs typeface="Courier"/>
+              </a:rPr>
+              <a:t> </a:t>
+            </a:r>
+            <a:r>
+              <a:rPr lang="en-US" sz="1200" dirty="0">
+                <a:latin typeface="Courier"/>
+                <a:cs typeface="Courier"/>
+              </a:rPr>
+              <a:t>- .value</a:t>
+            </a:r>
+          </a:p>
+          <a:p>
+            <a:endParaRPr lang="en-US" sz="1200" b="1" dirty="0">
+              <a:latin typeface="Courier"/>
+              <a:cs typeface="Courier"/>
+            </a:endParaRPr>
+          </a:p>
+          <a:p>
+            <a:r>
+              <a:rPr lang="en-US" sz="1200" b="1" dirty="0" err="1">
+                <a:latin typeface="Courier"/>
+                <a:cs typeface="Courier"/>
+              </a:rPr>
+              <a:t>UISwitch</a:t>
+            </a:r>
+            <a:r>
+              <a:rPr lang="en-US" sz="1200" b="1" dirty="0">
+                <a:latin typeface="Courier"/>
+                <a:cs typeface="Courier"/>
+              </a:rPr>
+              <a:t> </a:t>
+            </a:r>
+            <a:r>
+              <a:rPr lang="en-US" sz="1200" dirty="0">
+                <a:latin typeface="Courier"/>
+                <a:cs typeface="Courier"/>
+              </a:rPr>
+              <a:t>- .</a:t>
+            </a:r>
+            <a:r>
+              <a:rPr lang="en-US" sz="1200" dirty="0" err="1">
+                <a:latin typeface="Courier"/>
+                <a:cs typeface="Courier"/>
+              </a:rPr>
+              <a:t>isOn</a:t>
+            </a:r>
+            <a:endParaRPr lang="en-US" sz="1200" i="1" dirty="0" smtClean="0">
+              <a:solidFill>
+                <a:srgbClr val="FF0000"/>
+              </a:solidFill>
               <a:latin typeface="Courier"/>
               <a:cs typeface="Courier"/>
             </a:endParaRPr>
@@ -12798,7 +14717,7 @@
     </p:spTree>
     <p:extLst>
       <p:ext uri="{BB962C8B-B14F-4D97-AF65-F5344CB8AC3E}">
-        <p14:creationId xmlns:p14="http://schemas.microsoft.com/office/powerpoint/2010/main" val="4047079384"/>
+        <p14:creationId xmlns:p14="http://schemas.microsoft.com/office/powerpoint/2010/main" val="1628528816"/>
       </p:ext>
     </p:extLst>
   </p:cSld>

--- a/AdvancedRxSwift/day4/AdvancedRxSwift4.pptx
+++ b/AdvancedRxSwift/day4/AdvancedRxSwift4.pptx
@@ -5443,8 +5443,8 @@
         </p:nvSpPr>
         <p:spPr>
           <a:xfrm>
-            <a:off x="81049" y="1616505"/>
-            <a:ext cx="4340326" cy="2308324"/>
+            <a:off x="81048" y="1616504"/>
+            <a:ext cx="6572005" cy="2862322"/>
           </a:xfrm>
           <a:prstGeom prst="rect">
             <a:avLst/>
@@ -5452,7 +5452,7 @@
           <a:noFill/>
         </p:spPr>
         <p:txBody>
-          <a:bodyPr wrap="none" rtlCol="0">
+          <a:bodyPr wrap="square" rtlCol="0">
             <a:spAutoFit/>
           </a:bodyPr>
           <a:lstStyle/>
@@ -5538,6 +5538,114 @@
             </a:endParaRPr>
           </a:p>
           <a:p>
+            <a:r>
+              <a:rPr lang="en-US" sz="1200" dirty="0" err="1" smtClean="0">
+                <a:latin typeface="Courier"/>
+                <a:cs typeface="Courier"/>
+              </a:rPr>
+              <a:t>cell.textValue</a:t>
+            </a:r>
+            <a:endParaRPr lang="en-US" sz="1200" dirty="0" smtClean="0">
+              <a:latin typeface="Courier"/>
+              <a:cs typeface="Courier"/>
+            </a:endParaRPr>
+          </a:p>
+          <a:p>
+            <a:r>
+              <a:rPr lang="en-US" sz="1200" dirty="0" smtClean="0">
+                <a:latin typeface="Courier"/>
+                <a:cs typeface="Courier"/>
+              </a:rPr>
+              <a:t>    .</a:t>
+            </a:r>
+            <a:r>
+              <a:rPr lang="en-US" sz="1200" dirty="0" err="1">
+                <a:latin typeface="Courier"/>
+                <a:cs typeface="Courier"/>
+              </a:rPr>
+              <a:t>asSignal</a:t>
+            </a:r>
+            <a:r>
+              <a:rPr lang="en-US" sz="1200" dirty="0">
+                <a:latin typeface="Courier"/>
+                <a:cs typeface="Courier"/>
+              </a:rPr>
+              <a:t>(</a:t>
+            </a:r>
+            <a:r>
+              <a:rPr lang="en-US" sz="1200" dirty="0" err="1">
+                <a:latin typeface="Courier"/>
+                <a:cs typeface="Courier"/>
+              </a:rPr>
+              <a:t>onErrorRecover</a:t>
+            </a:r>
+            <a:r>
+              <a:rPr lang="en-US" sz="1200" dirty="0">
+                <a:latin typeface="Courier"/>
+                <a:cs typeface="Courier"/>
+              </a:rPr>
+              <a:t>: { _ in .empty() </a:t>
+            </a:r>
+            <a:r>
+              <a:rPr lang="en-US" sz="1200" dirty="0" smtClean="0">
+                <a:latin typeface="Courier"/>
+                <a:cs typeface="Courier"/>
+              </a:rPr>
+              <a:t>})</a:t>
+            </a:r>
+          </a:p>
+          <a:p>
+            <a:r>
+              <a:rPr lang="en-US" sz="1200" dirty="0">
+                <a:latin typeface="Courier"/>
+                <a:cs typeface="Courier"/>
+              </a:rPr>
+              <a:t> </a:t>
+            </a:r>
+            <a:r>
+              <a:rPr lang="en-US" sz="1200" dirty="0" smtClean="0">
+                <a:latin typeface="Courier"/>
+                <a:cs typeface="Courier"/>
+              </a:rPr>
+              <a:t>   </a:t>
+            </a:r>
+            <a:r>
+              <a:rPr lang="mr-IN" sz="1200" dirty="0" smtClean="0">
+                <a:latin typeface="Courier"/>
+                <a:cs typeface="Courier"/>
+              </a:rPr>
+              <a:t>.emit(to: self.userInputLabel.rx.text)</a:t>
+            </a:r>
+          </a:p>
+          <a:p>
+            <a:r>
+              <a:rPr lang="en-US" sz="1200" dirty="0">
+                <a:latin typeface="Courier"/>
+                <a:cs typeface="Courier"/>
+              </a:rPr>
+              <a:t> </a:t>
+            </a:r>
+            <a:r>
+              <a:rPr lang="en-US" sz="1200" dirty="0" smtClean="0">
+                <a:latin typeface="Courier"/>
+                <a:cs typeface="Courier"/>
+              </a:rPr>
+              <a:t>   </a:t>
+            </a:r>
+            <a:r>
+              <a:rPr lang="mr-IN" sz="1200" dirty="0" smtClean="0">
+                <a:latin typeface="Courier"/>
+                <a:cs typeface="Courier"/>
+              </a:rPr>
+              <a:t>.</a:t>
+            </a:r>
+            <a:r>
+              <a:rPr lang="mr-IN" sz="1200" dirty="0">
+                <a:latin typeface="Courier"/>
+                <a:cs typeface="Courier"/>
+              </a:rPr>
+              <a:t>disposed(by: cell.disposeBag)</a:t>
+            </a:r>
             <a:endParaRPr lang="en-US" sz="1200" dirty="0" smtClean="0">
               <a:latin typeface="Courier"/>
               <a:cs typeface="Courier"/>
